--- a/BusinessAdjectives5.pptx
+++ b/BusinessAdjectives5.pptx
@@ -255,7 +255,7 @@
             <a:spLocks noGrp="1" noChangeArrowheads="1"/>
             <a:extLst>
               <a:ext uri="smNativeData">
-                <pr:smNativeData xmlns:pr="smNativeData" val="SMDATA_13_HczeZRMAAAAlAAAAZAAAAA8BAAAAkAAAAEgAAACQAAAASAAAAAAAAAABAAAAAAAAAAEAAABQAAAAAAAAAAAA4D8AAAAAAADgPwAAAAAAAOA/AAAAAAAA4D8AAAAAAADgPwAAAAAAAOA/AAAAAAAA4D8AAAAAAADgPwAAAAAAAOA/AAAAAAAA4D8CAAAAjAAAAAAAAAAAAAAAu+DjDP///wgAAAAAAAAAAAAAAAAAAAAAAAAAAAAAAAAAAAAAZAAAAAEAAABAAAAAAAAAAAAAAAAAAAAAAAAAAAAAAAAAAAAAAAAAAAAAAAAAAAAAAAAAAAAAAAAAAAAAAAAAAAAAAAAAAAAAAAAAAAAAAAAAAAAAAAAAAAAAAAAAAAAAFAAAADwAAAAAAAAAAAAAAAAAAAkUAAAAAQAAABQAAAAUAAAAFAAAAAEAAAAAAAAAZAAAAGQAAAAAAAAAZAAAAGQAAAAVAAAAYAAAAAAAAAAAAAAADwAAACADAAAAAAAAAAAAAAEAAACgMgAAVgcAAKr4//8BAAAAf39/AAEAAABkAAAAAAAAABQAAABAHwAAAAAAACYAAAAAAAAAwOD//wAAAAAmAAAAZAAAABYAAABMAAAAAAAAAAAAAAAEAAAAAAAAAAEAAACAgIAKAAAAACgAAAAoAAAAZAAAAGQAAAAAAAAAzMzMAAAAAABQAAAAUAAAAGQAAABkAAAAAAAAABcAAAAUAAAAAAAAAAAAAAD/fwAA/38AAAAAAAAJAAAABAAAAAAAAAAMAAAAEAAAAAAAAAAAAAAAAAAAAAAAAAAeAAAAaAAAAAAAAAAAAAAAAAAAAAAAAAAAAAAAECcAABAnAAAAAAAAAAAAAAAAAAAAAAAAAAAAAAAAAAAAAAAAAAAAABQAAAAAAAAAwMD/AAAAAABkAAAAMgAAAAAAAABkAAAAAAAAAH9/fwAKAAAAHwAAAFQAAAAAAAAFAAAAAQAAAAAAAAAAAAAAAAAAAAAAAAAAAAAAAAAAAAAAAAAAAAAAAn9/fwAAAAADzMzMAMDA/wB/f38AAAAAAAAAAAAAAAAAAAAAAAAAAAAhAAAAGAAAABQAAAA4BAAAGg0AAAg0AAAmFgAAAAAAACYAAAAIAAAAAYAAAAAAAAA="/>
+                <pr:smNativeData xmlns:pr="smNativeData" val="SMDATA_13_1CvgZRMAAAAlAAAAZAAAAA8BAAAAkAAAAEgAAACQAAAASAAAAAAAAAABAAAAAAAAAAEAAABQAAAAAAAAAAAA4D8AAAAAAADgPwAAAAAAAOA/AAAAAAAA4D8AAAAAAADgPwAAAAAAAOA/AAAAAAAA4D8AAAAAAADgPwAAAAAAAOA/AAAAAAAA4D8CAAAAjAAAAAAAAAAAAAAAu+DjDP///wgAAAAAAAAAAAAAAAAAAAAAAAAAAAAAAAAAAAAAZAAAAAEAAABAAAAAAAAAAAAAAAAAAAAAAAAAAAAAAAAAAAAAAAAAAAAAAAAAAAAAAAAAAAAAAAAAAAAAAAAAAAAAAAAAAAAAAAAAAAAAAAAAAAAAAAAAAAAAAAAAAAAAFAAAADwAAAAAAAAAAAAAAAAAAAkUAAAAAQAAABQAAAAUAAAAFAAAAAEAAAAAAAAAZAAAAGQAAAAAAAAAZAAAAGQAAAAVAAAAYAAAAAAAAAAAAAAADwAAACADAAAAAAAAAAAAAAEAAACgMgAAVgcAAKr4//8BAAAAf39/AAEAAABkAAAAAAAAABQAAABAHwAAAAAAACYAAAAAAAAAwOD//wAAAAAmAAAAZAAAABYAAABMAAAAAAAAAAAAAAAEAAAAAAAAAAEAAACAgIAKAAAAACgAAAAoAAAAZAAAAGQAAAAAAAAAzMzMAAAAAABQAAAAUAAAAGQAAABkAAAAAAAAABcAAAAUAAAAAAAAAAAAAAD/fwAA/38AAAAAAAAJAAAABAAAAAAAAAAMAAAAEAAAAAAAAAAAAAAAAAAAAAAAAAAeAAAAaAAAAAAAAAAAAAAAAAAAAAAAAAAAAAAAECcAABAnAAAAAAAAAAAAAAAAAAAAAAAAAAAAAAAAAAAAAAAAAAAAABQAAAAAAAAAwMD/AAAAAABkAAAAMgAAAAAAAABkAAAAAAAAAH9/fwAKAAAAHwAAAFQAAAAAAAAFAAAAAQAAAAAAAAAAAAAAAAAAAAAAAAAAAAAAAAAAAAAAAAAAAAAAAn9/fwAAAAADzMzMAMDA/wB/f38AAAAAAAAAAAAAAAAAAAAAAAAAAAAhAAAAGAAAABQAAAA4BAAAGg0AAAg0AAAmFgAAEAAAACYAAAAIAAAAAQAAAAAAAAA="/>
               </a:ext>
             </a:extLst>
           </p:cNvSpPr>
@@ -287,7 +287,7 @@
             <a:spLocks noGrp="1" noChangeArrowheads="1"/>
             <a:extLst>
               <a:ext uri="smNativeData">
-                <pr:smNativeData xmlns:pr="smNativeData" val="SMDATA_13_HczeZRMAAAAlAAAAZAAAAA8BAAAAkAAAAEgAAACQAAAASAAAAAAAAAAAAAAAAAAAAAEAAABQAAAAAAAAAAAA4D8AAAAAAADgPwAAAAAAAOA/AAAAAAAA4D8AAAAAAADgPwAAAAAAAOA/AAAAAAAA4D8AAAAAAADgPwAAAAAAAOA/AAAAAAAA4D8CAAAAjAAAAAAAAAAAAAAAu+DjDP///wgAAAAAAAAAAAAAAAAAAAAAAAAAAAAAAAAAAAAAZAAAAAEAAABAAAAAAAAAAAAAAAAAAAAAAAAAAAAAAAAAAAAAAAAAAAAAAAAAAAAAAAAAAAAAAAAAAAAAAAAAAAAAAAAAAAAAAAAAAAAAAAAAAAAAAAAAAAAAAAAAAAAAFAAAADwAAAAAAAAAAAAAAAAAAAkUAAAAAQAAABQAAAAUAAAAFAAAAAEAAAAAAAAAZAAAAGQAAAAAAAAAZAAAAGQAAAAVAAAAYAAAAAAAAAAAAAAADwAAACADAAAAAAAAAAAAAAEAAACgMgAAVgcAAKr4//8BAAAAf39/AAEAAABkAAAAAAAAABQAAABAHwAAAAAAACYAAAAAAAAAwOD//wAAAAAmAAAAZAAAABYAAABMAAAAAAAAAAAAAAAEAAAAAAAAAAEAAACAgIAKAAAAACgAAAAoAAAAZAAAAGQAAAAAAAAAzMzMAAAAAABQAAAAUAAAAGQAAABkAAAAAAAAABcAAAAUAAAAAAAAAAAAAAD/fwAA/38AAAAAAAAJAAAABAAAAAAAAAAMAAAAEAAAAAAAAAAAAAAAAAAAAAAAAAAeAAAAaAAAAAAAAAAAAAAAAAAAAAAAAAAAAAAAECcAABAnAAAAAAAAAAAAAAAAAAAAAAAAAAAAAAAAAAAAAAAAAAAAABQAAAAAAAAAwMD/AAAAAABkAAAAMgAAAAAAAABkAAAAAAAAAH9/fwAKAAAAHwAAAFQAAAAAAAAFAAAAAQAAAAAAAAAAAAAAAAAAAAAAAAAAAAAAAAAAAAAAAAAAAAAAAn9/fwAAAAADzMzMAMDA/wB/f38AAAAAAAAAAAAAAAAAAAAAAAAAAAAhAAAAGAAAABQAAABwCAAA6BcAANAvAACwIgAAAAAAACYAAAAIAAAAAYAAAAAAAAA="/>
+                <pr:smNativeData xmlns:pr="smNativeData" val="SMDATA_13_1CvgZRMAAAAlAAAAZAAAAA8BAAAAkAAAAEgAAACQAAAASAAAAAAAAAAAAAAAAAAAAAEAAABQAAAAAAAAAAAA4D8AAAAAAADgPwAAAAAAAOA/AAAAAAAA4D8AAAAAAADgPwAAAAAAAOA/AAAAAAAA4D8AAAAAAADgPwAAAAAAAOA/AAAAAAAA4D8CAAAAjAAAAAAAAAAAAAAAu+DjDP///wgAAAAAAAAAAAAAAAAAAAAAAAAAAAAAAAAAAAAAZAAAAAEAAABAAAAAAAAAAAAAAAAAAAAAAAAAAAAAAAAAAAAAAAAAAAAAAAAAAAAAAAAAAAAAAAAAAAAAAAAAAAAAAAAAAAAAAAAAAAAAAAAAAAAAAAAAAAAAAAAAAAAAFAAAADwAAAAAAAAAAAAAAAAAAAkUAAAAAQAAABQAAAAUAAAAFAAAAAEAAAAAAAAAZAAAAGQAAAAAAAAAZAAAAGQAAAAVAAAAYAAAAAAAAAAAAAAADwAAACADAAAAAAAAAAAAAAEAAACgMgAAVgcAAKr4//8BAAAAf39/AAEAAABkAAAAAAAAABQAAABAHwAAAAAAACYAAAAAAAAAwOD//wAAAAAmAAAAZAAAABYAAABMAAAAAAAAAAAAAAAEAAAAAAAAAAEAAACAgIAKAAAAACgAAAAoAAAAZAAAAGQAAAAAAAAAzMzMAAAAAABQAAAAUAAAAGQAAABkAAAAAAAAABcAAAAUAAAAAAAAAAAAAAD/fwAA/38AAAAAAAAJAAAABAAAAAAAAAAMAAAAEAAAAAAAAAAAAAAAAAAAAAAAAAAeAAAAaAAAAAAAAAAAAAAAAAAAAAAAAAAAAAAAECcAABAnAAAAAAAAAAAAAAAAAAAAAAAAAAAAAAAAAAAAAAAAAAAAABQAAAAAAAAAwMD/AAAAAABkAAAAMgAAAAAAAABkAAAAAAAAAH9/fwAKAAAAHwAAAFQAAAAAAAAFAAAAAQAAAAAAAAAAAAAAAAAAAAAAAAAAAAAAAAAAAAAAAAAAAAAAAn9/fwAAAAADzMzMAMDA/wB/f38AAAAAAAAAAAAAAAAAAAAAAAAAAAAhAAAAGAAAABQAAABwCAAA6BcAANAvAACwIgAAEAAAACYAAAAIAAAAAYAAAAAAAAA="/>
               </a:ext>
             </a:extLst>
           </p:cNvSpPr>
@@ -347,7 +347,7 @@
             <a:spLocks noGrp="1" noChangeArrowheads="1"/>
             <a:extLst>
               <a:ext uri="smNativeData">
-                <pr:smNativeData xmlns:pr="smNativeData" val="SMDATA_13_HczeZRMAAAAlAAAAZAAAAA8BAAAAkAAAAEgAAACQAAAASAAAAAAAAAABAAAAAAAAAAEAAABQAAAAAAAAAAAA4D8AAAAAAADgPwAAAAAAAOA/AAAAAAAA4D8AAAAAAADgPwAAAAAAAOA/AAAAAAAA4D8AAAAAAADgPwAAAAAAAOA/AAAAAAAA4D8CAAAAjAAAAAAAAAAAAAAAu+DjDP///wgAAAAAAAAAAAAAAAAAAAAAAAAAAAAAAAAAAAAAZAAAAAEAAABAAAAAAAAAAAAAAAAAAAAAAAAAAAAAAAAAAAAAAAAAAAAAAAAAAAAAAAAAAAAAAAAAAAAAAAAAAAAAAAAAAAAAAAAAAAAAAAAAAAAAAAAAAAAAAAAAAAAAFAAAADwAAAAAAAAAAAAAAAAAAAkUAAAAAQAAABQAAAAUAAAAFAAAAAEAAAAAAAAAZAAAAGQAAAAAAAAAZAAAAGQAAAAVAAAAYAAAAAAAAAAAAAAADwAAACADAAAAAAAAAAAAAAEAAACgMgAAVgcAAKr4//8BAAAAf39/AAEAAABkAAAAAAAAABQAAABAHwAAAAAAACYAAAAAAAAAwOD//wAAAAAmAAAAZAAAABYAAABMAAAAAAAAAAAAAAAEAAAAAAAAAAEAAACAgIAKAAAAACgAAAAoAAAAZAAAAGQAAAAAAAAAzMzMAAAAAABQAAAAUAAAAGQAAABkAAAAAAAAABcAAAAUAAAAAAAAAAAAAAD/fwAA/38AAAAAAAAJAAAABAAAAAAAAAAMAAAAEAAAAAAAAAAAAAAAAAAAAAAAAAAeAAAAaAAAAAAAAAAAAAAAAAAAAAAAAAAAAAAAECcAABAnAAAAAAAAAAAAAAAAAAAAAAAAAAAAAAAAAAAAAAAAAAAAABQAAAAAAAAAwMD/AAAAAABkAAAAMgAAAAAAAABkAAAAAAAAAH9/fwAKAAAAHwAAAFQAAAAAAAAFAAAAAQAAAAAAAAAAAAAAAAAAAAAAAAAAAAAAAAAAAAAAAAAAAAAAAn9/fwAAAAADzMzMAMDA/wB/f38AAAAAAAAAAAAAAAAAAAAAAAAAAAAhAAAAGAAAABQAAADQAgAAGycAAPAPAABZKQAAAAAAACYAAAAIAAAAAAAAAAAAAAA="/>
+                <pr:smNativeData xmlns:pr="smNativeData" val="SMDATA_13_1CvgZRMAAAAlAAAAZAAAAA8BAAAAkAAAAEgAAACQAAAASAAAAAAAAAABAAAAAAAAAAEAAABQAAAAAAAAAAAA4D8AAAAAAADgPwAAAAAAAOA/AAAAAAAA4D8AAAAAAADgPwAAAAAAAOA/AAAAAAAA4D8AAAAAAADgPwAAAAAAAOA/AAAAAAAA4D8CAAAAjAAAAAAAAAAAAAAAu+DjDP///wgAAAAAAAAAAAAAAAAAAAAAAAAAAAAAAAAAAAAAZAAAAAEAAABAAAAAAAAAAAAAAAAAAAAAAAAAAAAAAAAAAAAAAAAAAAAAAAAAAAAAAAAAAAAAAAAAAAAAAAAAAAAAAAAAAAAAAAAAAAAAAAAAAAAAAAAAAAAAAAAAAAAAFAAAADwAAAAAAAAAAAAAAAAAAAkUAAAAAQAAABQAAAAUAAAAFAAAAAEAAAAAAAAAZAAAAGQAAAAAAAAAZAAAAGQAAAAVAAAAYAAAAAAAAAAAAAAADwAAACADAAAAAAAAAAAAAAEAAACgMgAAVgcAAKr4//8BAAAAf39/AAEAAABkAAAAAAAAABQAAABAHwAAAAAAACYAAAAAAAAAwOD//wAAAAAmAAAAZAAAABYAAABMAAAAAAAAAAAAAAAEAAAAAAAAAAEAAACAgIAKAAAAACgAAAAoAAAAZAAAAGQAAAAAAAAAzMzMAAAAAABQAAAAUAAAAGQAAABkAAAAAAAAABcAAAAUAAAAAAAAAAAAAAD/fwAA/38AAAAAAAAJAAAABAAAAAAAAAAMAAAAEAAAAAAAAAAAAAAAAAAAAAAAAAAeAAAAaAAAAAAAAAAAAAAAAAAAAAAAAAAAAAAAECcAABAnAAAAAAAAAAAAAAAAAAAAAAAAAAAAAAAAAAAAAAAAAAAAABQAAAAAAAAAwMD/AAAAAABkAAAAMgAAAAAAAABkAAAAAAAAAH9/fwAKAAAAHwAAAFQAAAAAAAAFAAAAAQAAAAAAAAAAAAAAAAAAAAAAAAAAAAAAAAAAAAAAAAAAAAAAAn9/fwAAAAADzMzMAMDA/wB/f38AAAAAAAAAAAAAAAAAAAAAAAAAAAAhAAAAGAAAABQAAADQAgAAGycAAPAPAABZKQAAEAAAACYAAAAIAAAAAAAAAAAAAAA="/>
               </a:ext>
             </a:extLst>
           </p:cNvSpPr>
@@ -361,7 +361,7 @@
           <a:lstStyle/>
           <a:p>
             <a:pPr/>
-            <a:fld id="{3FD85007-49D2-8DA6-9C60-BFF31E2E6AEA}" type="datetime1">
+            <a:fld id="{3E46714F-01D3-1387-9DFE-F7D23FB06BA2}" type="datetime1">
               <a:t/>
             </a:fld>
           </a:p>
@@ -374,7 +374,7 @@
             <a:spLocks noGrp="1" noChangeArrowheads="1"/>
             <a:extLst>
               <a:ext uri="smNativeData">
-                <pr:smNativeData xmlns:pr="smNativeData" val="SMDATA_13_HczeZRMAAAAlAAAAZAAAAA8BAAAAkAAAAEgAAACQAAAASAAAAAAAAAABAAAAAAAAAAEAAABQAAAAAAAAAAAA4D8AAAAAAADgPwAAAAAAAOA/AAAAAAAA4D8AAAAAAADgPwAAAAAAAOA/AAAAAAAA4D8AAAAAAADgPwAAAAAAAOA/AAAAAAAA4D8CAAAAjAAAAAAAAAAAAAAAu+DjDP///wgAAAAAAAAAAAAAAAAAAAAAAAAAAAAAAAAAAAAAZAAAAAEAAABAAAAAAAAAAAAAAAAAAAAAAAAAAAAAAAAAAAAAAAAAAAAAAAAAAAAAAAAAAAAAAAAAAAAAAAAAAAAAAAAAAAAAAAAAAAAAAAAAAAAAAAAAAAAAAAAAAAAAFAAAADwAAAAAAAAAAAAAAAAAAAkUAAAAAQAAABQAAAAUAAAAFAAAAAEAAAAAAAAAZAAAAGQAAAAAAAAAZAAAAGQAAAAVAAAAYAAAAAAAAAAAAAAADwAAACADAAAAAAAAAAAAAAEAAACgMgAAVgcAAKr4//8BAAAAf39/AAEAAABkAAAAAAAAABQAAABAHwAAAAAAACYAAAAAAAAAwOD//wAAAAAmAAAAZAAAABYAAABMAAAAAAAAAAAAAAAEAAAAAAAAAAEAAACAgIAKAAAAACgAAAAoAAAAZAAAAGQAAAAAAAAAzMzMAAAAAABQAAAAUAAAAGQAAABkAAAAAAAAABcAAAAUAAAAAAAAAAAAAAD/fwAA/38AAAAAAAAJAAAABAAAAAAAAAAMAAAAEAAAAAAAAAAAAAAAAAAAAAAAAAAeAAAAaAAAAAAAAAAAAAAAAAAAAAAAAAAAAAAAECcAABAnAAAAAAAAAAAAAAAAAAAAAAAAAAAAAAAAAAAAAAAAAAAAABQAAAAAAAAAwMD/AAAAAABkAAAAMgAAAAAAAABkAAAAAAAAAH9/fwAKAAAAHwAAAFQAAAAAAAAFAAAAAQAAAAAAAAAAAAAAAAAAAAAAAAAAAAAAAAAAAAAAAAAAAAAAAn9/fwAAAAADzMzMAMDA/wB/f38AAAAAAAAAAAAAAAAAAAAAAAAAAAAhAAAAGAAAABQAAAA4EwAAGycAAAglAABZKQAAAAAAACYAAAAIAAAAAAAAAAAAAAA="/>
+                <pr:smNativeData xmlns:pr="smNativeData" val="SMDATA_13_1CvgZRMAAAAlAAAAZAAAAA8BAAAAkAAAAEgAAACQAAAASAAAAAAAAAABAAAAAAAAAAEAAABQAAAAAAAAAAAA4D8AAAAAAADgPwAAAAAAAOA/AAAAAAAA4D8AAAAAAADgPwAAAAAAAOA/AAAAAAAA4D8AAAAAAADgPwAAAAAAAOA/AAAAAAAA4D8CAAAAjAAAAAAAAAAAAAAAu+DjDP///wgAAAAAAAAAAAAAAAAAAAAAAAAAAAAAAAAAAAAAZAAAAAEAAABAAAAAAAAAAAAAAAAAAAAAAAAAAAAAAAAAAAAAAAAAAAAAAAAAAAAAAAAAAAAAAAAAAAAAAAAAAAAAAAAAAAAAAAAAAAAAAAAAAAAAAAAAAAAAAAAAAAAAFAAAADwAAAAAAAAAAAAAAAAAAAkUAAAAAQAAABQAAAAUAAAAFAAAAAEAAAAAAAAAZAAAAGQAAAAAAAAAZAAAAGQAAAAVAAAAYAAAAAAAAAAAAAAADwAAACADAAAAAAAAAAAAAAEAAACgMgAAVgcAAKr4//8BAAAAf39/AAEAAABkAAAAAAAAABQAAABAHwAAAAAAACYAAAAAAAAAwOD//wAAAAAmAAAAZAAAABYAAABMAAAAAAAAAAAAAAAEAAAAAAAAAAEAAACAgIAKAAAAACgAAAAoAAAAZAAAAGQAAAAAAAAAzMzMAAAAAABQAAAAUAAAAGQAAABkAAAAAAAAABcAAAAUAAAAAAAAAAAAAAD/fwAA/38AAAAAAAAJAAAABAAAAAAAAAAMAAAAEAAAAAAAAAAAAAAAAAAAAAAAAAAeAAAAaAAAAAAAAAAAAAAAAAAAAAAAAAAAAAAAECcAABAnAAAAAAAAAAAAAAAAAAAAAAAAAAAAAAAAAAAAAAAAAAAAABQAAAAAAAAAwMD/AAAAAABkAAAAMgAAAAAAAABkAAAAAAAAAH9/fwAKAAAAHwAAAFQAAAAAAAAFAAAAAQAAAAAAAAAAAAAAAAAAAAAAAAAAAAAAAAAAAAAAAAAAAAAAAn9/fwAAAAADzMzMAMDA/wB/f38AAAAAAAAAAAAAAAAAAAAAAAAAAAAhAAAAGAAAABQAAAA4EwAAGycAAAglAABZKQAAEAAAACYAAAAIAAAAAAAAAAAAAAA="/>
               </a:ext>
             </a:extLst>
           </p:cNvSpPr>
@@ -388,9 +388,6 @@
           <a:lstStyle/>
           <a:p>
             <a:pPr/>
-            <a:r>
-              <a:t/>
-            </a:r>
           </a:p>
         </p:txBody>
       </p:sp>
@@ -401,7 +398,7 @@
             <a:spLocks noGrp="1" noChangeArrowheads="1"/>
             <a:extLst>
               <a:ext uri="smNativeData">
-                <pr:smNativeData xmlns:pr="smNativeData" val="SMDATA_13_HczeZRMAAAAlAAAAZAAAAA8BAAAAkAAAAEgAAACQAAAASAAAAAAAAAABAAAAAAAAAAEAAABQAAAAAAAAAAAA4D8AAAAAAADgPwAAAAAAAOA/AAAAAAAA4D8AAAAAAADgPwAAAAAAAOA/AAAAAAAA4D8AAAAAAADgPwAAAAAAAOA/AAAAAAAA4D8CAAAAjAAAAAAAAAAAAAAAu+DjDP///wgAAAAAAAAAAAAAAAAAAAAAAAAAAAAAAAAAAAAAZAAAAAEAAABAAAAAAAAAAAAAAAAAAAAAAAAAAAAAAAAAAAAAAAAAAAAAAAAAAAAAAAAAAAAAAAAAAAAAAAAAAAAAAAAAAAAAAAAAAAAAAAAAAAAAAAAAAAAAAAAAAAAAFAAAADwAAAAAAAAAAAAAAAAAAAkUAAAAAQAAABQAAAAUAAAAFAAAAAEAAAAAAAAAZAAAAGQAAAAAAAAAZAAAAGQAAAAVAAAAYAAAAAAAAAAAAAAADwAAACADAAAAAAAAAAAAAAEAAACgMgAAVgcAAKr4//8BAAAAf39/AAEAAABkAAAAAAAAABQAAABAHwAAAAAAACYAAAAAAAAAwOD//wAAAAAmAAAAZAAAABYAAABMAAAAAAAAAAAAAAAEAAAAAAAAAAEAAACAgIAKAAAAACgAAAAoAAAAZAAAAGQAAAAAAAAAzMzMAAAAAABQAAAAUAAAAGQAAABkAAAAAAAAABcAAAAUAAAAAAAAAAAAAAD/fwAA/38AAAAAAAAJAAAABAAAAAAAAAAMAAAAEAAAAAAAAAAAAAAAAAAAAAAAAAAeAAAAaAAAAAAAAAAAAAAAAAAAAAAAAAAAAAAAECcAABAnAAAAAAAAAAAAAAAAAAAAAAAAAAAAAAAAAAAAAAAAAAAAABQAAAAAAAAAwMD/AAAAAABkAAAAMgAAAAAAAABkAAAAAAAAAH9/fwAKAAAAHwAAAFQAAAAAAAAFAAAAAQAAAAAAAAAAAAAAAAAAAAAAAAAAAAAAAAAAAAAAAAAAAAAAAn9/fwAAAAADzMzMAMDA/wB/f38AAAAAAAAAAAAAAAAAAAAAAAAAAAAhAAAAGAAAABQAAABQKAAAGycAAHA1AABZKQAAAAAAACYAAAAIAAAAAAAAAAAAAAA="/>
+                <pr:smNativeData xmlns:pr="smNativeData" val="SMDATA_13_1CvgZRMAAAAlAAAAZAAAAA8BAAAAkAAAAEgAAACQAAAASAAAAAAAAAABAAAAAAAAAAEAAABQAAAAAAAAAAAA4D8AAAAAAADgPwAAAAAAAOA/AAAAAAAA4D8AAAAAAADgPwAAAAAAAOA/AAAAAAAA4D8AAAAAAADgPwAAAAAAAOA/AAAAAAAA4D8CAAAAjAAAAAAAAAAAAAAAu+DjDP///wgAAAAAAAAAAAAAAAAAAAAAAAAAAAAAAAAAAAAAZAAAAAEAAABAAAAAAAAAAAAAAAAAAAAAAAAAAAAAAAAAAAAAAAAAAAAAAAAAAAAAAAAAAAAAAAAAAAAAAAAAAAAAAAAAAAAAAAAAAAAAAAAAAAAAAAAAAAAAAAAAAAAAFAAAADwAAAAAAAAAAAAAAAAAAAkUAAAAAQAAABQAAAAUAAAAFAAAAAEAAAAAAAAAZAAAAGQAAAAAAAAAZAAAAGQAAAAVAAAAYAAAAAAAAAAAAAAADwAAACADAAAAAAAAAAAAAAEAAACgMgAAVgcAAKr4//8BAAAAf39/AAEAAABkAAAAAAAAABQAAABAHwAAAAAAACYAAAAAAAAAwOD//wAAAAAmAAAAZAAAABYAAABMAAAAAAAAAAAAAAAEAAAAAAAAAAEAAACAgIAKAAAAACgAAAAoAAAAZAAAAGQAAAAAAAAAzMzMAAAAAABQAAAAUAAAAGQAAABkAAAAAAAAABcAAAAUAAAAAAAAAAAAAAD/fwAA/38AAAAAAAAJAAAABAAAAAAAAAAMAAAAEAAAAAAAAAAAAAAAAAAAAAAAAAAeAAAAaAAAAAAAAAAAAAAAAAAAAAAAAAAAAAAAECcAABAnAAAAAAAAAAAAAAAAAAAAAAAAAAAAAAAAAAAAAAAAAAAAABQAAAAAAAAAwMD/AAAAAABkAAAAMgAAAAAAAABkAAAAAAAAAH9/fwAKAAAAHwAAAFQAAAAAAAAFAAAAAQAAAAAAAAAAAAAAAAAAAAAAAAAAAAAAAAAAAAAAAAAAAAAAAn9/fwAAAAADzMzMAMDA/wB/f38AAAAAAAAAAAAAAAAAAAAAAAAAAAAhAAAAGAAAABQAAABQKAAAGycAAHA1AABZKQAAEAAAACYAAAAIAAAAAAAAAAAAAAA="/>
               </a:ext>
             </a:extLst>
           </p:cNvSpPr>
@@ -415,7 +412,7 @@
           <a:lstStyle/>
           <a:p>
             <a:pPr/>
-            <a:fld id="{3FD826DB-95D2-8DD0-9C60-6385682E6A36}" type="slidenum">
+            <a:fld id="{3E461079-37D3-13E6-9DFE-C1B35EB06B94}" type="slidenum">
               <a:t/>
             </a:fld>
           </a:p>
@@ -453,7 +450,7 @@
             <a:spLocks noGrp="1" noChangeArrowheads="1"/>
             <a:extLst>
               <a:ext uri="smNativeData">
-                <pr:smNativeData xmlns:pr="smNativeData" val="SMDATA_13_HczeZRMAAAAlAAAAZAAAAA8BAAAAkAAAAEgAAACQAAAASAAAAAAAAAABAAAAAAAAAAEAAABQAAAAAAAAAAAA4D8AAAAAAADgPwAAAAAAAOA/AAAAAAAA4D8AAAAAAADgPwAAAAAAAOA/AAAAAAAA4D8AAAAAAADgPwAAAAAAAOA/AAAAAAAA4D8CAAAAjAAAAAAAAAAAAAAAu+DjDP///wgAAAAAAAAAAAAAAAAAAAAAAAAAAAAAAAAAAAAAZAAAAAEAAABAAAAAAAAAAAAAAAAAAAAAAAAAAAAAAAAAAAAAAAAAAAAAAAAAAAAAAAAAAAAAAAAAAAAAAAAAAAAAAAAAAAAAAAAAAAAAAAAAAAAAAAAAAAAAAAAAAAAAFAAAADwAAAAAAAAAAAAAAAAAAAkUAAAAAQAAABQAAAAUAAAAFAAAAAEAAAAAAAAAZAAAAGQAAAAAAAAAZAAAAGQAAAAVAAAAYAAAAAAAAAAAAAAADwAAACADAAAAAAAAAAAAAAEAAACgMgAAVgcAAKr4//8BAAAAf39/AAEAAABkAAAAAAAAABQAAABAHwAAAAAAACYAAAAAAAAAwOD//wAAAAAmAAAAZAAAABYAAABMAAAAAAAAAAAAAAAEAAAAAAAAAAEAAACAgIAKAAAAACgAAAAoAAAAZAAAAGQAAAAAAAAAzMzMAAAAAABQAAAAUAAAAGQAAABkAAAAAAAAABcAAAAUAAAAAAAAAAAAAAD/fwAA/38AAAAAAAAJAAAABAAAALwCAAAMAAAAEAAAAAAAAAAAAAAAAAAAAAAAAAAeAAAAaAAAAAAAAAAAAAAAAAAAAAAAAAAAAAAAECcAABAnAAAAAAAAAAAAAAAAAAAAAAAAAAAAAAAAAAAAAAAAAAAAABQAAAAAAAAAwMD/AAAAAABkAAAAMgAAAAAAAABkAAAAAAAAAH9/fwAKAAAAHwAAAFQAAAAAAAAFAAAAAQAAAAAAAAAAAAAAAAAAAAAAAAAAAAAAAAAAAAAAAAAAAAAAAn9/fwAAAAADzMzMAMDA/wB/f38AAAAAAAAAAAAAAAAAAAAAAAAAAAAhAAAAGAAAABQAAADQAgAAsAEAAHA1AAC4CAAAAAAAACYAAAAIAAAAAAAAAAAAAAA="/>
+                <pr:smNativeData xmlns:pr="smNativeData" val="SMDATA_13_1CvgZRMAAAAlAAAAZAAAAA8BAAAAkAAAAEgAAACQAAAASAAAAAAAAAABAAAAAAAAAAEAAABQAAAAAAAAAAAA4D8AAAAAAADgPwAAAAAAAOA/AAAAAAAA4D8AAAAAAADgPwAAAAAAAOA/AAAAAAAA4D8AAAAAAADgPwAAAAAAAOA/AAAAAAAA4D8CAAAAjAAAAAAAAAAAAAAAu+DjDP///wgAAAAAAAAAAAAAAAAAAAAAAAAAAAAAAAAAAAAAZAAAAAEAAABAAAAAAAAAAAAAAAAAAAAAAAAAAAAAAAAAAAAAAAAAAAAAAAAAAAAAAAAAAAAAAAAAAAAAAAAAAAAAAAAAAAAAAAAAAAAAAAAAAAAAAAAAAAAAAAAAAAAAFAAAADwAAAAAAAAAAAAAAAAAAAkUAAAAAQAAABQAAAAUAAAAFAAAAAEAAAAAAAAAZAAAAGQAAAAAAAAAZAAAAGQAAAAVAAAAYAAAAAAAAAAAAAAADwAAACADAAAAAAAAAAAAAAEAAACgMgAAVgcAAKr4//8BAAAAf39/AAEAAABkAAAAAAAAABQAAABAHwAAAAAAACYAAAAAAAAAwOD//wAAAAAmAAAAZAAAABYAAABMAAAAAAAAAAAAAAAEAAAAAAAAAAEAAACAgIAKAAAAACgAAAAoAAAAZAAAAGQAAAAAAAAAzMzMAAAAAABQAAAAUAAAAGQAAABkAAAAAAAAABcAAAAUAAAAAAAAAAAAAAD/fwAA/38AAAAAAAAJAAAABAAAALwCAAAMAAAAEAAAAAAAAAAAAAAAAAAAAAAAAAAeAAAAaAAAAAAAAAAAAAAAAAAAAAAAAAAAAAAAECcAABAnAAAAAAAAAAAAAAAAAAAAAAAAAAAAAAAAAAAAAAAAAAAAABQAAAAAAAAAwMD/AAAAAABkAAAAMgAAAAAAAABkAAAAAAAAAH9/fwAKAAAAHwAAAFQAAAAAAAAFAAAAAQAAAAAAAAAAAAAAAAAAAAAAAAAAAAAAAAAAAAAAAAAAAAAAAn9/fwAAAAADzMzMAMDA/wB/f38AAAAAAAAAAAAAAAAAAAAAAAAAAAAhAAAAGAAAABQAAADQAgAAsAEAAHA1AAC4CAAAEAAAACYAAAAIAAAAAAAAAAAAAAA="/>
               </a:ext>
             </a:extLst>
           </p:cNvSpPr>
@@ -480,7 +477,7 @@
             <a:spLocks noGrp="1" noChangeArrowheads="1"/>
             <a:extLst>
               <a:ext uri="smNativeData">
-                <pr:smNativeData xmlns:pr="smNativeData" val="SMDATA_13_HczeZRMAAAAlAAAAZAAAAA8BAAAAkAAAAEgAAACQAAAASAAAAAAAAAAAAAAAAQAAAAEAAABQAAAAAAAAAAAA4D8AAAAAAADgPwAAAAAAAOA/AAAAAAAA4D8AAAAAAADgPwAAAAAAAOA/AAAAAAAA4D8AAAAAAADgPwAAAAAAAOA/AAAAAAAA4D8CAAAAjAAAAAAAAAAAAAAAu+DjDP///wgAAAAAAAAAAAAAAAAAAAAAAAAAAAAAAAAAAAAAZAAAAAEAAABAAAAAAAAAAAAAAAAAAAAAAAAAAAAAAAAAAAAAAAAAAAAAAAAAAAAAAAAAAAAAAAAAAAAAAAAAAAAAAAAAAAAAAAAAAAAAAAAAAAAAAAAAAAAAAAAAAAAAFAAAADwAAAAAAAAAAAAAAAAAAAkUAAAAAQAAABQAAAAUAAAAFAAAAAEAAAAAAAAAZAAAAGQAAAAAAAAAZAAAAGQAAAAVAAAAYAAAAAAAAAAAAAAADwAAACADAAAAAAAAAAAAAAEAAACgMgAAVgcAAKr4//8BAAAAf39/AAEAAABkAAAAAAAAABQAAABAHwAAAAAAACYAAAAAAAAAwOD//wAAAAAmAAAAZAAAABYAAABMAAAAAAAAAAAAAAAEAAAAAAAAAAEAAACAgIAKAAAAACgAAAAoAAAAZAAAAGQAAAAAAAAAzMzMAAAAAABQAAAAUAAAAGQAAABkAAAAAAAAABcAAAAUAAAAAAAAAAAAAAD/fwAA/38AAAAAAAAJAAAABAAAAAAAAAAMAAAAEAAAAAAAAAAAAAAAAAAAAAAAAAAeAAAAaAAAAAAAAAAAAAAAAAAAAAAAAAAAAAAAECcAABAnAAAAAAAAAAAAAAAAAAAAAAAAAAAAAAAAAAAAAAAAAAAAABQAAAAAAAAAwMD/AAAAAABkAAAAMgAAAAAAAABkAAAAAAAAAH9/fwAKAAAAHwAAAFQAAAAAAAAFAAAAAQAAAAAAAAAAAAAAAAAAAAAAAAAAAAAAAAAAAAAAAAAAAAAAAn9/fwAAAAADzMzMAMDA/wB/f38AAAAAAAAAAAAAAAAAAAAAAAAAAAAhAAAAGAAAABQAAADQAgAA2AkAAHA1AACwJQAAAAAAACYAAAAIAAAAAgAAAAAAAAA="/>
+                <pr:smNativeData xmlns:pr="smNativeData" val="SMDATA_13_1CvgZRMAAAAlAAAAZAAAAA8BAAAAkAAAAEgAAACQAAAASAAAAAAAAAAAAAAAAQAAAAEAAABQAAAAAAAAAAAA4D8AAAAAAADgPwAAAAAAAOA/AAAAAAAA4D8AAAAAAADgPwAAAAAAAOA/AAAAAAAA4D8AAAAAAADgPwAAAAAAAOA/AAAAAAAA4D8CAAAAjAAAAAAAAAAAAAAAu+DjDP///wgAAAAAAAAAAAAAAAAAAAAAAAAAAAAAAAAAAAAAZAAAAAEAAABAAAAAAAAAAAAAAAAAAAAAAAAAAAAAAAAAAAAAAAAAAAAAAAAAAAAAAAAAAAAAAAAAAAAAAAAAAAAAAAAAAAAAAAAAAAAAAAAAAAAAAAAAAAAAAAAAAAAAFAAAADwAAAAAAAAAAAAAAAAAAAkUAAAAAQAAABQAAAAUAAAAFAAAAAEAAAAAAAAAZAAAAGQAAAAAAAAAZAAAAGQAAAAVAAAAYAAAAAAAAAAAAAAADwAAACADAAAAAAAAAAAAAAEAAACgMgAAVgcAAKr4//8BAAAAf39/AAEAAABkAAAAAAAAABQAAABAHwAAAAAAACYAAAAAAAAAwOD//wAAAAAmAAAAZAAAABYAAABMAAAAAAAAAAAAAAAEAAAAAAAAAAEAAACAgIAKAAAAACgAAAAoAAAAZAAAAGQAAAAAAAAAzMzMAAAAAABQAAAAUAAAAGQAAABkAAAAAAAAABcAAAAUAAAAAAAAAAAAAAD/fwAA/38AAAAAAAAJAAAABAAAAAAAAAAMAAAAEAAAAAAAAAAAAAAAAAAAAAAAAAAeAAAAaAAAAAAAAAAAAAAAAAAAAAAAAAAAAAAAECcAABAnAAAAAAAAAAAAAAAAAAAAAAAAAAAAAAAAAAAAAAAAAAAAABQAAAAAAAAAwMD/AAAAAABkAAAAMgAAAAAAAABkAAAAAAAAAH9/fwAKAAAAHwAAAFQAAAAAAAAFAAAAAQAAAAAAAAAAAAAAAAAAAAAAAAAAAAAAAAAAAAAAAAAAAAAAAn9/fwAAAAADzMzMAMDA/wB/f38AAAAAAAAAAAAAAAAAAAAAAAAAAAAhAAAAGAAAABQAAADQAgAA2AkAAHA1AACwJQAAEAAAACYAAAAIAAAAAgAAAAAAAAA="/>
               </a:ext>
             </a:extLst>
           </p:cNvSpPr>
@@ -535,7 +532,7 @@
             <a:spLocks noGrp="1" noChangeArrowheads="1"/>
             <a:extLst>
               <a:ext uri="smNativeData">
-                <pr:smNativeData xmlns:pr="smNativeData" val="SMDATA_13_HczeZRMAAAAlAAAAZAAAAA8BAAAAkAAAAEgAAACQAAAASAAAAAAAAAABAAAAAAAAAAEAAABQAAAAAAAAAAAA4D8AAAAAAADgPwAAAAAAAOA/AAAAAAAA4D8AAAAAAADgPwAAAAAAAOA/AAAAAAAA4D8AAAAAAADgPwAAAAAAAOA/AAAAAAAA4D8CAAAAjAAAAAAAAAAAAAAAu+DjDP///wgAAAAAAAAAAAAAAAAAAAAAAAAAAAAAAAAAAAAAZAAAAAEAAABAAAAAAAAAAAAAAAAAAAAAAAAAAAAAAAAAAAAAAAAAAAAAAAAAAAAAAAAAAAAAAAAAAAAAAAAAAAAAAAAAAAAAAAAAAAAAAAAAAAAAAAAAAAAAAAAAAAAAFAAAADwAAAAAAAAAAAAAAAAAAAkUAAAAAQAAABQAAAAUAAAAFAAAAAEAAAAAAAAAZAAAAGQAAAAAAAAAZAAAAGQAAAAVAAAAYAAAAAAAAAAAAAAADwAAACADAAAAAAAAAAAAAAEAAACgMgAAVgcAAKr4//8BAAAAf39/AAEAAABkAAAAAAAAABQAAABAHwAAAAAAACYAAAAAAAAAwOD//wAAAAAmAAAAZAAAABYAAABMAAAAAAAAAAAAAAAEAAAAAAAAAAEAAACAgIAKAAAAACgAAAAoAAAAZAAAAGQAAAAAAAAAzMzMAAAAAABQAAAAUAAAAGQAAABkAAAAAAAAABcAAAAUAAAAAAAAAAAAAAD/fwAA/38AAAAAAAAJAAAABAAAAAAAAAAMAAAAEAAAAAAAAAAAAAAAAAAAAAAAAAAeAAAAaAAAAAAAAAAAAAAAAAAAAAAAAAAAAAAAECcAABAnAAAAAAAAAAAAAAAAAAAAAAAAAAAAAAAAAAAAAAAAAAAAABQAAAAAAAAAwMD/AAAAAABkAAAAMgAAAAAAAABkAAAAAAAAAH9/fwAKAAAAHwAAAFQAAAAAAAAFAAAAAQAAAAAAAAAAAAAAAAAAAAAAAAAAAAAAAAAAAAAAAAAAAAAAAn9/fwAAAAADzMzMAMDA/wB/f38AAAAAAAAAAAAAAAAAAAAAAAAAAAAhAAAAGAAAABQAAADQAgAAGycAAPAPAABZKQAAAAAAACYAAAAIAAAAAAAAAAAAAAA="/>
+                <pr:smNativeData xmlns:pr="smNativeData" val="SMDATA_13_1CvgZRMAAAAlAAAAZAAAAA8BAAAAkAAAAEgAAACQAAAASAAAAAAAAAABAAAAAAAAAAEAAABQAAAAAAAAAAAA4D8AAAAAAADgPwAAAAAAAOA/AAAAAAAA4D8AAAAAAADgPwAAAAAAAOA/AAAAAAAA4D8AAAAAAADgPwAAAAAAAOA/AAAAAAAA4D8CAAAAjAAAAAAAAAAAAAAAu+DjDP///wgAAAAAAAAAAAAAAAAAAAAAAAAAAAAAAAAAAAAAZAAAAAEAAABAAAAAAAAAAAAAAAAAAAAAAAAAAAAAAAAAAAAAAAAAAAAAAAAAAAAAAAAAAAAAAAAAAAAAAAAAAAAAAAAAAAAAAAAAAAAAAAAAAAAAAAAAAAAAAAAAAAAAFAAAADwAAAAAAAAAAAAAAAAAAAkUAAAAAQAAABQAAAAUAAAAFAAAAAEAAAAAAAAAZAAAAGQAAAAAAAAAZAAAAGQAAAAVAAAAYAAAAAAAAAAAAAAADwAAACADAAAAAAAAAAAAAAEAAACgMgAAVgcAAKr4//8BAAAAf39/AAEAAABkAAAAAAAAABQAAABAHwAAAAAAACYAAAAAAAAAwOD//wAAAAAmAAAAZAAAABYAAABMAAAAAAAAAAAAAAAEAAAAAAAAAAEAAACAgIAKAAAAACgAAAAoAAAAZAAAAGQAAAAAAAAAzMzMAAAAAABQAAAAUAAAAGQAAABkAAAAAAAAABcAAAAUAAAAAAAAAAAAAAD/fwAA/38AAAAAAAAJAAAABAAAAAAAAAAMAAAAEAAAAAAAAAAAAAAAAAAAAAAAAAAeAAAAaAAAAAAAAAAAAAAAAAAAAAAAAAAAAAAAECcAABAnAAAAAAAAAAAAAAAAAAAAAAAAAAAAAAAAAAAAAAAAAAAAABQAAAAAAAAAwMD/AAAAAABkAAAAMgAAAAAAAABkAAAAAAAAAH9/fwAKAAAAHwAAAFQAAAAAAAAFAAAAAQAAAAAAAAAAAAAAAAAAAAAAAAAAAAAAAAAAAAAAAAAAAAAAAn9/fwAAAAADzMzMAMDA/wB/f38AAAAAAAAAAAAAAAAAAAAAAAAAAAAhAAAAGAAAABQAAADQAgAAGycAAPAPAABZKQAAEAAAACYAAAAIAAAAAAAAAAAAAAA="/>
               </a:ext>
             </a:extLst>
           </p:cNvSpPr>
@@ -549,7 +546,7 @@
           <a:lstStyle/>
           <a:p>
             <a:pPr/>
-            <a:fld id="{3FD878FF-B1D2-8D8E-9C60-47DB362E6A12}" type="datetime1">
+            <a:fld id="{3E4655E4-AAD3-13A3-9DFE-5CF61BB06B09}" type="datetime1">
               <a:t/>
             </a:fld>
           </a:p>
@@ -562,7 +559,7 @@
             <a:spLocks noGrp="1" noChangeArrowheads="1"/>
             <a:extLst>
               <a:ext uri="smNativeData">
-                <pr:smNativeData xmlns:pr="smNativeData" val="SMDATA_13_HczeZRMAAAAlAAAAZAAAAA8BAAAAkAAAAEgAAACQAAAASAAAAAAAAAABAAAAAAAAAAEAAABQAAAAAAAAAAAA4D8AAAAAAADgPwAAAAAAAOA/AAAAAAAA4D8AAAAAAADgPwAAAAAAAOA/AAAAAAAA4D8AAAAAAADgPwAAAAAAAOA/AAAAAAAA4D8CAAAAjAAAAAAAAAAAAAAAu+DjDP///wgAAAAAAAAAAAAAAAAAAAAAAAAAAAAAAAAAAAAAZAAAAAEAAABAAAAAAAAAAAAAAAAAAAAAAAAAAAAAAAAAAAAAAAAAAAAAAAAAAAAAAAAAAAAAAAAAAAAAAAAAAAAAAAAAAAAAAAAAAAAAAAAAAAAAAAAAAAAAAAAAAAAAFAAAADwAAAAAAAAAAAAAAAAAAAkUAAAAAQAAABQAAAAUAAAAFAAAAAEAAAAAAAAAZAAAAGQAAAAAAAAAZAAAAGQAAAAVAAAAYAAAAAAAAAAAAAAADwAAACADAAAAAAAAAAAAAAEAAACgMgAAVgcAAKr4//8BAAAAf39/AAEAAABkAAAAAAAAABQAAABAHwAAAAAAACYAAAAAAAAAwOD//wAAAAAmAAAAZAAAABYAAABMAAAAAAAAAAAAAAAEAAAAAAAAAAEAAACAgIAKAAAAACgAAAAoAAAAZAAAAGQAAAAAAAAAzMzMAAAAAABQAAAAUAAAAGQAAABkAAAAAAAAABcAAAAUAAAAAAAAAAAAAAD/fwAA/38AAAAAAAAJAAAABAAAAAAAAAAMAAAAEAAAAAAAAAAAAAAAAAAAAAAAAAAeAAAAaAAAAAAAAAAAAAAAAAAAAAAAAAAAAAAAECcAABAnAAAAAAAAAAAAAAAAAAAAAAAAAAAAAAAAAAAAAAAAAAAAABQAAAAAAAAAwMD/AAAAAABkAAAAMgAAAAAAAABkAAAAAAAAAH9/fwAKAAAAHwAAAFQAAAAAAAAFAAAAAQAAAAAAAAAAAAAAAAAAAAAAAAAAAAAAAAAAAAAAAAAAAAAAAn9/fwAAAAADzMzMAMDA/wB/f38AAAAAAAAAAAAAAAAAAAAAAAAAAAAhAAAAGAAAABQAAAA4EwAAGycAAAglAABZKQAAAAAAACYAAAAIAAAAAAAAAAAAAAA="/>
+                <pr:smNativeData xmlns:pr="smNativeData" val="SMDATA_13_1CvgZRMAAAAlAAAAZAAAAA8BAAAAkAAAAEgAAACQAAAASAAAAAAAAAABAAAAAAAAAAEAAABQAAAAAAAAAAAA4D8AAAAAAADgPwAAAAAAAOA/AAAAAAAA4D8AAAAAAADgPwAAAAAAAOA/AAAAAAAA4D8AAAAAAADgPwAAAAAAAOA/AAAAAAAA4D8CAAAAjAAAAAAAAAAAAAAAu+DjDP///wgAAAAAAAAAAAAAAAAAAAAAAAAAAAAAAAAAAAAAZAAAAAEAAABAAAAAAAAAAAAAAAAAAAAAAAAAAAAAAAAAAAAAAAAAAAAAAAAAAAAAAAAAAAAAAAAAAAAAAAAAAAAAAAAAAAAAAAAAAAAAAAAAAAAAAAAAAAAAAAAAAAAAFAAAADwAAAAAAAAAAAAAAAAAAAkUAAAAAQAAABQAAAAUAAAAFAAAAAEAAAAAAAAAZAAAAGQAAAAAAAAAZAAAAGQAAAAVAAAAYAAAAAAAAAAAAAAADwAAACADAAAAAAAAAAAAAAEAAACgMgAAVgcAAKr4//8BAAAAf39/AAEAAABkAAAAAAAAABQAAABAHwAAAAAAACYAAAAAAAAAwOD//wAAAAAmAAAAZAAAABYAAABMAAAAAAAAAAAAAAAEAAAAAAAAAAEAAACAgIAKAAAAACgAAAAoAAAAZAAAAGQAAAAAAAAAzMzMAAAAAABQAAAAUAAAAGQAAABkAAAAAAAAABcAAAAUAAAAAAAAAAAAAAD/fwAA/38AAAAAAAAJAAAABAAAAAAAAAAMAAAAEAAAAAAAAAAAAAAAAAAAAAAAAAAeAAAAaAAAAAAAAAAAAAAAAAAAAAAAAAAAAAAAECcAABAnAAAAAAAAAAAAAAAAAAAAAAAAAAAAAAAAAAAAAAAAAAAAABQAAAAAAAAAwMD/AAAAAABkAAAAMgAAAAAAAABkAAAAAAAAAH9/fwAKAAAAHwAAAFQAAAAAAAAFAAAAAQAAAAAAAAAAAAAAAAAAAAAAAAAAAAAAAAAAAAAAAAAAAAAAAn9/fwAAAAADzMzMAMDA/wB/f38AAAAAAAAAAAAAAAAAAAAAAAAAAAAhAAAAGAAAABQAAAA4EwAAGycAAAglAABZKQAAEAAAACYAAAAIAAAAAAAAAAAAAAA="/>
               </a:ext>
             </a:extLst>
           </p:cNvSpPr>
@@ -576,9 +573,6 @@
           <a:lstStyle/>
           <a:p>
             <a:pPr/>
-            <a:r>
-              <a:t/>
-            </a:r>
           </a:p>
         </p:txBody>
       </p:sp>
@@ -589,7 +583,7 @@
             <a:spLocks noGrp="1" noChangeArrowheads="1"/>
             <a:extLst>
               <a:ext uri="smNativeData">
-                <pr:smNativeData xmlns:pr="smNativeData" val="SMDATA_13_HczeZRMAAAAlAAAAZAAAAA8BAAAAkAAAAEgAAACQAAAASAAAAAAAAAABAAAAAAAAAAEAAABQAAAAAAAAAAAA4D8AAAAAAADgPwAAAAAAAOA/AAAAAAAA4D8AAAAAAADgPwAAAAAAAOA/AAAAAAAA4D8AAAAAAADgPwAAAAAAAOA/AAAAAAAA4D8CAAAAjAAAAAAAAAAAAAAAu+DjDP///wgAAAAAAAAAAAAAAAAAAAAAAAAAAAAAAAAAAAAAZAAAAAEAAABAAAAAAAAAAAAAAAAAAAAAAAAAAAAAAAAAAAAAAAAAAAAAAAAAAAAAAAAAAAAAAAAAAAAAAAAAAAAAAAAAAAAAAAAAAAAAAAAAAAAAAAAAAAAAAAAAAAAAFAAAADwAAAAAAAAAAAAAAAAAAAkUAAAAAQAAABQAAAAUAAAAFAAAAAEAAAAAAAAAZAAAAGQAAAAAAAAAZAAAAGQAAAAVAAAAYAAAAAAAAAAAAAAADwAAACADAAAAAAAAAAAAAAEAAACgMgAAVgcAAKr4//8BAAAAf39/AAEAAABkAAAAAAAAABQAAABAHwAAAAAAACYAAAAAAAAAwOD//wAAAAAmAAAAZAAAABYAAABMAAAAAAAAAAAAAAAEAAAAAAAAAAEAAACAgIAKAAAAACgAAAAoAAAAZAAAAGQAAAAAAAAAzMzMAAAAAABQAAAAUAAAAGQAAABkAAAAAAAAABcAAAAUAAAAAAAAAAAAAAD/fwAA/38AAAAAAAAJAAAABAAAAAAAAAAMAAAAEAAAAAAAAAAAAAAAAAAAAAAAAAAeAAAAaAAAAAAAAAAAAAAAAAAAAAAAAAAAAAAAECcAABAnAAAAAAAAAAAAAAAAAAAAAAAAAAAAAAAAAAAAAAAAAAAAABQAAAAAAAAAwMD/AAAAAABkAAAAMgAAAAAAAABkAAAAAAAAAH9/fwAKAAAAHwAAAFQAAAAAAAAFAAAAAQAAAAAAAAAAAAAAAAAAAAAAAAAAAAAAAAAAAAAAAAAAAAAAAn9/fwAAAAADzMzMAMDA/wB/f38AAAAAAAAAAAAAAAAAAAAAAAAAAAAhAAAAGAAAABQAAABQKAAAGycAAHA1AABZKQAAAAAAACYAAAAIAAAAAAAAAAAAAAA="/>
+                <pr:smNativeData xmlns:pr="smNativeData" val="SMDATA_13_1CvgZRMAAAAlAAAAZAAAAA8BAAAAkAAAAEgAAACQAAAASAAAAAAAAAABAAAAAAAAAAEAAABQAAAAAAAAAAAA4D8AAAAAAADgPwAAAAAAAOA/AAAAAAAA4D8AAAAAAADgPwAAAAAAAOA/AAAAAAAA4D8AAAAAAADgPwAAAAAAAOA/AAAAAAAA4D8CAAAAjAAAAAAAAAAAAAAAu+DjDP///wgAAAAAAAAAAAAAAAAAAAAAAAAAAAAAAAAAAAAAZAAAAAEAAABAAAAAAAAAAAAAAAAAAAAAAAAAAAAAAAAAAAAAAAAAAAAAAAAAAAAAAAAAAAAAAAAAAAAAAAAAAAAAAAAAAAAAAAAAAAAAAAAAAAAAAAAAAAAAAAAAAAAAFAAAADwAAAAAAAAAAAAAAAAAAAkUAAAAAQAAABQAAAAUAAAAFAAAAAEAAAAAAAAAZAAAAGQAAAAAAAAAZAAAAGQAAAAVAAAAYAAAAAAAAAAAAAAADwAAACADAAAAAAAAAAAAAAEAAACgMgAAVgcAAKr4//8BAAAAf39/AAEAAABkAAAAAAAAABQAAABAHwAAAAAAACYAAAAAAAAAwOD//wAAAAAmAAAAZAAAABYAAABMAAAAAAAAAAAAAAAEAAAAAAAAAAEAAACAgIAKAAAAACgAAAAoAAAAZAAAAGQAAAAAAAAAzMzMAAAAAABQAAAAUAAAAGQAAABkAAAAAAAAABcAAAAUAAAAAAAAAAAAAAD/fwAA/38AAAAAAAAJAAAABAAAAAAAAAAMAAAAEAAAAAAAAAAAAAAAAAAAAAAAAAAeAAAAaAAAAAAAAAAAAAAAAAAAAAAAAAAAAAAAECcAABAnAAAAAAAAAAAAAAAAAAAAAAAAAAAAAAAAAAAAAAAAAAAAABQAAAAAAAAAwMD/AAAAAABkAAAAMgAAAAAAAABkAAAAAAAAAH9/fwAKAAAAHwAAAFQAAAAAAAAFAAAAAQAAAAAAAAAAAAAAAAAAAAAAAAAAAAAAAAAAAAAAAAAAAAAAAn9/fwAAAAADzMzMAMDA/wB/f38AAAAAAAAAAAAAAAAAAAAAAAAAAAAhAAAAGAAAABQAAABQKAAAGycAAHA1AABZKQAAEAAAACYAAAAIAAAAAAAAAAAAAAA="/>
               </a:ext>
             </a:extLst>
           </p:cNvSpPr>
@@ -603,7 +597,7 @@
           <a:lstStyle/>
           <a:p>
             <a:pPr/>
-            <a:fld id="{3FD83842-0CD2-8DCE-9C60-FA9B762E6AAF}" type="slidenum">
+            <a:fld id="{3E46662F-61D3-1390-9DFE-97C528B06BC2}" type="slidenum">
               <a:t/>
             </a:fld>
           </a:p>
@@ -641,7 +635,7 @@
             <a:spLocks noGrp="1" noChangeArrowheads="1"/>
             <a:extLst>
               <a:ext uri="smNativeData">
-                <pr:smNativeData xmlns:pr="smNativeData" val="SMDATA_13_HczeZRMAAAAlAAAAZAAAAA8BAAAAkAAAAEgAAACQAAAASAAAAAAAAAACAAAAAQAAAAEAAABQAAAAAAAAAAAA4D8AAAAAAADgPwAAAAAAAOA/AAAAAAAA4D8AAAAAAADgPwAAAAAAAOA/AAAAAAAA4D8AAAAAAADgPwAAAAAAAOA/AAAAAAAA4D8CAAAAjAAAAAAAAAAAAAAAu+DjDP///wgAAAAAAAAAAAAAAAAAAAAAAAAAAAAAAAAAAAAAZAAAAAEAAABAAAAAAAAAAAAAAAAAAAAAAAAAAAAAAAAAAAAAAAAAAAAAAAAAAAAAAAAAAAAAAAAAAAAAAAAAAAAAAAAAAAAAAAAAAAAAAAAAAAAAAAAAAAAAAAAAAAAAFAAAADwAAAAAAAAAAAAAAAAAAAkUAAAAAQAAABQAAAAUAAAAFAAAAAEAAAAAAAAAZAAAAGQAAAAAAAAAZAAAAGQAAAAVAAAAYAAAAAAAAAAAAAAADwAAACADAAAAAAAAAAAAAAEAAACgMgAAVgcAAKr4//8BAAAAf39/AAEAAABkAAAAAAAAABQAAABAHwAAAAAAACYAAAAAAAAAwOD//wAAAAAmAAAAZAAAABYAAABMAAAAAAAAAAAAAAAEAAAAAAAAAAEAAACAgIAKAAAAACgAAAAoAAAAZAAAAGQAAAAAAAAAzMzMAAAAAABQAAAAUAAAAGQAAABkAAAAAAAAABcAAAAUAAAAAAAAAAAAAAD/fwAA/38AAAAAAAAJAAAABAAAAGkAYwAMAAAAEAAAAAAAAAAAAAAAAAAAAAAAAAAeAAAAaAAAAAAAAAAAAAAAAAAAAAAAAAAAAAAAECcAABAnAAAAAAAAAAAAAAAAAAAAAAAAAAAAAAAAAAAAAAAAAAAAABQAAAAAAAAAwMD/AAAAAABkAAAAMgAAAAAAAABkAAAAAAAAAH9/fwAKAAAAHwAAAFQAAAAAAAAFAAAAAQAAAAAAAAAAAAAAAAAAAAAAAAAAAAAAAAAAAAAAAAAAAAAAAn9/fwAAAAADzMzMAMDA/wB/f38AAAAAAAAAAAAAAAAAAAAAAAAAAAAhAAAAGAAAABQAAADIKAAAsAEAAHA1AACwJQAAAAAAACYAAAAIAAAAgwAAAAAAAAA="/>
+                <pr:smNativeData xmlns:pr="smNativeData" val="SMDATA_13_1CvgZRMAAAAlAAAAZAAAAA8BAAAAkAAAAEgAAACQAAAASAAAAAAAAAACAAAAAQAAAAEAAABQAAAAAAAAAAAA4D8AAAAAAADgPwAAAAAAAOA/AAAAAAAA4D8AAAAAAADgPwAAAAAAAOA/AAAAAAAA4D8AAAAAAADgPwAAAAAAAOA/AAAAAAAA4D8CAAAAjAAAAAAAAAAAAAAAu+DjDP///wgAAAAAAAAAAAAAAAAAAAAAAAAAAAAAAAAAAAAAZAAAAAEAAABAAAAAAAAAAAAAAAAAAAAAAAAAAAAAAAAAAAAAAAAAAAAAAAAAAAAAAAAAAAAAAAAAAAAAAAAAAAAAAAAAAAAAAAAAAAAAAAAAAAAAAAAAAAAAAAAAAAAAFAAAADwAAAAAAAAAAAAAAAAAAAkUAAAAAQAAABQAAAAUAAAAFAAAAAEAAAAAAAAAZAAAAGQAAAAAAAAAZAAAAGQAAAAVAAAAYAAAAAAAAAAAAAAADwAAACADAAAAAAAAAAAAAAEAAACgMgAAVgcAAKr4//8BAAAAf39/AAEAAABkAAAAAAAAABQAAABAHwAAAAAAACYAAAAAAAAAwOD//wAAAAAmAAAAZAAAABYAAABMAAAAAAAAAAAAAAAEAAAAAAAAAAEAAACAgIAKAAAAACgAAAAoAAAAZAAAAGQAAAAAAAAAzMzMAAAAAABQAAAAUAAAAGQAAABkAAAAAAAAABcAAAAUAAAAAAAAAAAAAAD/fwAA/38AAAAAAAAJAAAABAAAAGkAYwAMAAAAEAAAAAAAAAAAAAAAAAAAAAAAAAAeAAAAaAAAAAAAAAAAAAAAAAAAAAAAAAAAAAAAECcAABAnAAAAAAAAAAAAAAAAAAAAAAAAAAAAAAAAAAAAAAAAAAAAABQAAAAAAAAAwMD/AAAAAABkAAAAMgAAAAAAAABkAAAAAAAAAH9/fwAKAAAAHwAAAFQAAAAAAAAFAAAAAQAAAAAAAAAAAAAAAAAAAAAAAAAAAAAAAAAAAAAAAAAAAAAAAn9/fwAAAAADzMzMAMDA/wB/f38AAAAAAAAAAAAAAAAAAAAAAAAAAAAhAAAAGAAAABQAAADIKAAAsAEAAHA1AACwJQAAEAAAACYAAAAIAAAAgwAAAAAAAAA="/>
               </a:ext>
             </a:extLst>
           </p:cNvSpPr>
@@ -677,7 +671,7 @@
             <a:spLocks noGrp="1" noChangeArrowheads="1"/>
             <a:extLst>
               <a:ext uri="smNativeData">
-                <pr:smNativeData xmlns:pr="smNativeData" val="SMDATA_13_HczeZRMAAAAlAAAAZAAAAA8BAAAAkAAAAEgAAACQAAAASAAAAAAAAAAAAAAAAQAAAAEAAABQAAAAAAAAAAAA4D8AAAAAAADgPwAAAAAAAOA/AAAAAAAA4D8AAAAAAADgPwAAAAAAAOA/AAAAAAAA4D8AAAAAAADgPwAAAAAAAOA/AAAAAAAA4D8CAAAAjAAAAAAAAAAAAAAAu+DjDP///wgAAAAAAAAAAAAAAAAAAAAAAAAAAAAAAAAAAAAAZAAAAAEAAABAAAAAAAAAAAAAAAAAAAAAAAAAAAAAAAAAAAAAAAAAAAAAAAAAAAAAAAAAAAAAAAAAAAAAAAAAAAAAAAAAAAAAAAAAAAAAAAAAAAAAAAAAAAAAAAAAAAAAFAAAADwAAAAAAAAAAAAAAAAAAAkUAAAAAQAAABQAAAAUAAAAFAAAAAEAAAAAAAAAZAAAAGQAAAAAAAAAZAAAAGQAAAAVAAAAYAAAAAAAAAAAAAAADwAAACADAAAAAAAAAAAAAAEAAACgMgAAVgcAAKr4//8BAAAAf39/AAEAAABkAAAAAAAAABQAAABAHwAAAAAAACYAAAAAAAAAwOD//wAAAAAmAAAAZAAAABYAAABMAAAAAAAAAAAAAAAEAAAAAAAAAAEAAACAgIAKAAAAACgAAAAoAAAAZAAAAGQAAAAAAAAAzMzMAAAAAABQAAAAUAAAAGQAAABkAAAAAAAAABcAAAAUAAAAAAAAAAAAAAD/fwAA/38AAAAAAAAJAAAABAAAAAAAAAAMAAAAEAAAAAAAAAAAAAAAAAAAAAAAAAAeAAAAaAAAAAAAAAAAAAAAAAAAAAAAAAAAAAAAECcAABAnAAAAAAAAAAAAAAAAAAAAAAAAAAAAAAAAAAAAAAAAAAAAABQAAAAAAAAAwMD/AAAAAABkAAAAMgAAAAAAAABkAAAAAAAAAH9/fwAKAAAAHwAAAFQAAAAAAAAFAAAAAQAAAAAAAAAAAAAAAAAAAAAAAAAAAAAAAAAAAAAAAAAAAAAAAn9/fwAAAAADzMzMAMDA/wB/f38AAAAAAAAAAAAAAAAAAAAAAAAAAAAhAAAAGAAAABQAAADQAgAAsAEAANgnAACwJQAAAAAAACYAAAAIAAAAAwAAAAAAAAA="/>
+                <pr:smNativeData xmlns:pr="smNativeData" val="SMDATA_13_1CvgZRMAAAAlAAAAZAAAAA8BAAAAkAAAAEgAAACQAAAASAAAAAAAAAAAAAAAAQAAAAEAAABQAAAAAAAAAAAA4D8AAAAAAADgPwAAAAAAAOA/AAAAAAAA4D8AAAAAAADgPwAAAAAAAOA/AAAAAAAA4D8AAAAAAADgPwAAAAAAAOA/AAAAAAAA4D8CAAAAjAAAAAAAAAAAAAAAu+DjDP///wgAAAAAAAAAAAAAAAAAAAAAAAAAAAAAAAAAAAAAZAAAAAEAAABAAAAAAAAAAAAAAAAAAAAAAAAAAAAAAAAAAAAAAAAAAAAAAAAAAAAAAAAAAAAAAAAAAAAAAAAAAAAAAAAAAAAAAAAAAAAAAAAAAAAAAAAAAAAAAAAAAAAAFAAAADwAAAAAAAAAAAAAAAAAAAkUAAAAAQAAABQAAAAUAAAAFAAAAAEAAAAAAAAAZAAAAGQAAAAAAAAAZAAAAGQAAAAVAAAAYAAAAAAAAAAAAAAADwAAACADAAAAAAAAAAAAAAEAAACgMgAAVgcAAKr4//8BAAAAf39/AAEAAABkAAAAAAAAABQAAABAHwAAAAAAACYAAAAAAAAAwOD//wAAAAAmAAAAZAAAABYAAABMAAAAAAAAAAAAAAAEAAAAAAAAAAEAAACAgIAKAAAAACgAAAAoAAAAZAAAAGQAAAAAAAAAzMzMAAAAAABQAAAAUAAAAGQAAABkAAAAAAAAABcAAAAUAAAAAAAAAAAAAAD/fwAA/38AAAAAAAAJAAAABAAAAAAAAAAMAAAAEAAAAAAAAAAAAAAAAAAAAAAAAAAeAAAAaAAAAAAAAAAAAAAAAAAAAAAAAAAAAAAAECcAABAnAAAAAAAAAAAAAAAAAAAAAAAAAAAAAAAAAAAAAAAAAAAAABQAAAAAAAAAwMD/AAAAAABkAAAAMgAAAAAAAABkAAAAAAAAAH9/fwAKAAAAHwAAAFQAAAAAAAAFAAAAAQAAAAAAAAAAAAAAAAAAAAAAAAAAAAAAAAAAAAAAAAAAAAAAAn9/fwAAAAADzMzMAMDA/wB/f38AAAAAAAAAAAAAAAAAAAAAAAAAAAAhAAAAGAAAABQAAADQAgAAsAEAANgnAACwJQAAEAAAACYAAAAIAAAAAwAAAAAAAAA="/>
               </a:ext>
             </a:extLst>
           </p:cNvSpPr>
@@ -737,7 +731,7 @@
             <a:spLocks noGrp="1" noChangeArrowheads="1"/>
             <a:extLst>
               <a:ext uri="smNativeData">
-                <pr:smNativeData xmlns:pr="smNativeData" val="SMDATA_13_HczeZRMAAAAlAAAAZAAAAA8BAAAAkAAAAEgAAACQAAAASAAAAAAAAAABAAAAAAAAAAEAAABQAAAAAAAAAAAA4D8AAAAAAADgPwAAAAAAAOA/AAAAAAAA4D8AAAAAAADgPwAAAAAAAOA/AAAAAAAA4D8AAAAAAADgPwAAAAAAAOA/AAAAAAAA4D8CAAAAjAAAAAAAAAAAAAAAu+DjDP///wgAAAAAAAAAAAAAAAAAAAAAAAAAAAAAAAAAAAAAZAAAAAEAAABAAAAAAAAAAAAAAAAAAAAAAAAAAAAAAAAAAAAAAAAAAAAAAAAAAAAAAAAAAAAAAAAAAAAAAAAAAAAAAAAAAAAAAAAAAAAAAAAAAAAAAAAAAAAAAAAAAAAAFAAAADwAAAAAAAAAAAAAAAAAAAkUAAAAAQAAABQAAAAUAAAAFAAAAAEAAAAAAAAAZAAAAGQAAAAAAAAAZAAAAGQAAAAVAAAAYAAAAAAAAAAAAAAADwAAACADAAAAAAAAAAAAAAEAAACgMgAAVgcAAKr4//8BAAAAf39/AAEAAABkAAAAAAAAABQAAABAHwAAAAAAACYAAAAAAAAAwOD//wAAAAAmAAAAZAAAABYAAABMAAAAAAAAAAAAAAAEAAAAAAAAAAEAAACAgIAKAAAAACgAAAAoAAAAZAAAAGQAAAAAAAAAzMzMAAAAAABQAAAAUAAAAGQAAABkAAAAAAAAABcAAAAUAAAAAAAAAAAAAAD/fwAA/38AAAAAAAAJAAAABAAAAAAAAAAMAAAAEAAAAAAAAAAAAAAAAAAAAAAAAAAeAAAAaAAAAAAAAAAAAAAAAAAAAAAAAAAAAAAAECcAABAnAAAAAAAAAAAAAAAAAAAAAAAAAAAAAAAAAAAAAAAAAAAAABQAAAAAAAAAwMD/AAAAAABkAAAAMgAAAAAAAABkAAAAAAAAAH9/fwAKAAAAHwAAAFQAAAAAAAAFAAAAAQAAAAAAAAAAAAAAAAAAAAAAAAAAAAAAAAAAAAAAAAAAAAAAAn9/fwAAAAADzMzMAMDA/wB/f38AAAAAAAAAAAAAAAAAAAAAAAAAAAAhAAAAGAAAABQAAADQAgAAGycAAPAPAABZKQAAAAAAACYAAAAIAAAAAAAAAAAAAAA="/>
+                <pr:smNativeData xmlns:pr="smNativeData" val="SMDATA_13_1CvgZRMAAAAlAAAAZAAAAA8BAAAAkAAAAEgAAACQAAAASAAAAAAAAAABAAAAAAAAAAEAAABQAAAAAAAAAAAA4D8AAAAAAADgPwAAAAAAAOA/AAAAAAAA4D8AAAAAAADgPwAAAAAAAOA/AAAAAAAA4D8AAAAAAADgPwAAAAAAAOA/AAAAAAAA4D8CAAAAjAAAAAAAAAAAAAAAu+DjDP///wgAAAAAAAAAAAAAAAAAAAAAAAAAAAAAAAAAAAAAZAAAAAEAAABAAAAAAAAAAAAAAAAAAAAAAAAAAAAAAAAAAAAAAAAAAAAAAAAAAAAAAAAAAAAAAAAAAAAAAAAAAAAAAAAAAAAAAAAAAAAAAAAAAAAAAAAAAAAAAAAAAAAAFAAAADwAAAAAAAAAAAAAAAAAAAkUAAAAAQAAABQAAAAUAAAAFAAAAAEAAAAAAAAAZAAAAGQAAAAAAAAAZAAAAGQAAAAVAAAAYAAAAAAAAAAAAAAADwAAACADAAAAAAAAAAAAAAEAAACgMgAAVgcAAKr4//8BAAAAf39/AAEAAABkAAAAAAAAABQAAABAHwAAAAAAACYAAAAAAAAAwOD//wAAAAAmAAAAZAAAABYAAABMAAAAAAAAAAAAAAAEAAAAAAAAAAEAAACAgIAKAAAAACgAAAAoAAAAZAAAAGQAAAAAAAAAzMzMAAAAAABQAAAAUAAAAGQAAABkAAAAAAAAABcAAAAUAAAAAAAAAAAAAAD/fwAA/38AAAAAAAAJAAAABAAAAAAAAAAMAAAAEAAAAAAAAAAAAAAAAAAAAAAAAAAeAAAAaAAAAAAAAAAAAAAAAAAAAAAAAAAAAAAAECcAABAnAAAAAAAAAAAAAAAAAAAAAAAAAAAAAAAAAAAAAAAAAAAAABQAAAAAAAAAwMD/AAAAAABkAAAAMgAAAAAAAABkAAAAAAAAAH9/fwAKAAAAHwAAAFQAAAAAAAAFAAAAAQAAAAAAAAAAAAAAAAAAAAAAAAAAAAAAAAAAAAAAAAAAAAAAAn9/fwAAAAADzMzMAMDA/wB/f38AAAAAAAAAAAAAAAAAAAAAAAAAAAAhAAAAGAAAABQAAADQAgAAGycAAPAPAABZKQAAEAAAACYAAAAIAAAAAAAAAAAAAAA="/>
               </a:ext>
             </a:extLst>
           </p:cNvSpPr>
@@ -751,7 +745,7 @@
           <a:lstStyle/>
           <a:p>
             <a:pPr/>
-            <a:fld id="{3FD80739-77D2-8DF1-9C60-81A4492E6AD4}" type="datetime1">
+            <a:fld id="{3E461C3B-75D3-13EA-9DFE-83BF52B06BD6}" type="datetime1">
               <a:t/>
             </a:fld>
           </a:p>
@@ -764,7 +758,7 @@
             <a:spLocks noGrp="1" noChangeArrowheads="1"/>
             <a:extLst>
               <a:ext uri="smNativeData">
-                <pr:smNativeData xmlns:pr="smNativeData" val="SMDATA_13_HczeZRMAAAAlAAAAZAAAAA8BAAAAkAAAAEgAAACQAAAASAAAAAAAAAABAAAAAAAAAAEAAABQAAAAAAAAAAAA4D8AAAAAAADgPwAAAAAAAOA/AAAAAAAA4D8AAAAAAADgPwAAAAAAAOA/AAAAAAAA4D8AAAAAAADgPwAAAAAAAOA/AAAAAAAA4D8CAAAAjAAAAAAAAAAAAAAAu+DjDP///wgAAAAAAAAAAAAAAAAAAAAAAAAAAAAAAAAAAAAAZAAAAAEAAABAAAAAAAAAAAAAAAAAAAAAAAAAAAAAAAAAAAAAAAAAAAAAAAAAAAAAAAAAAAAAAAAAAAAAAAAAAAAAAAAAAAAAAAAAAAAAAAAAAAAAAAAAAAAAAAAAAAAAFAAAADwAAAAAAAAAAAAAAAAAAAkUAAAAAQAAABQAAAAUAAAAFAAAAAEAAAAAAAAAZAAAAGQAAAAAAAAAZAAAAGQAAAAVAAAAYAAAAAAAAAAAAAAADwAAACADAAAAAAAAAAAAAAEAAACgMgAAVgcAAKr4//8BAAAAf39/AAEAAABkAAAAAAAAABQAAABAHwAAAAAAACYAAAAAAAAAwOD//wAAAAAmAAAAZAAAABYAAABMAAAAAAAAAAAAAAAEAAAAAAAAAAEAAACAgIAKAAAAACgAAAAoAAAAZAAAAGQAAAAAAAAAzMzMAAAAAABQAAAAUAAAAGQAAABkAAAAAAAAABcAAAAUAAAAAAAAAAAAAAD/fwAA/38AAAAAAAAJAAAABAAAAAAAAAAMAAAAEAAAAAAAAAAAAAAAAAAAAAAAAAAeAAAAaAAAAAAAAAAAAAAAAAAAAAAAAAAAAAAAECcAABAnAAAAAAAAAAAAAAAAAAAAAAAAAAAAAAAAAAAAAAAAAAAAABQAAAAAAAAAwMD/AAAAAABkAAAAMgAAAAAAAABkAAAAAAAAAH9/fwAKAAAAHwAAAFQAAAAAAAAFAAAAAQAAAAAAAAAAAAAAAAAAAAAAAAAAAAAAAAAAAAAAAAAAAAAAAn9/fwAAAAADzMzMAMDA/wB/f38AAAAAAAAAAAAAAAAAAAAAAAAAAAAhAAAAGAAAABQAAAA4EwAAGycAAAglAABZKQAAAAAAACYAAAAIAAAAAAAAAAAAAAA="/>
+                <pr:smNativeData xmlns:pr="smNativeData" val="SMDATA_13_1CvgZRMAAAAlAAAAZAAAAA8BAAAAkAAAAEgAAACQAAAASAAAAAAAAAABAAAAAAAAAAEAAABQAAAAAAAAAAAA4D8AAAAAAADgPwAAAAAAAOA/AAAAAAAA4D8AAAAAAADgPwAAAAAAAOA/AAAAAAAA4D8AAAAAAADgPwAAAAAAAOA/AAAAAAAA4D8CAAAAjAAAAAAAAAAAAAAAu+DjDP///wgAAAAAAAAAAAAAAAAAAAAAAAAAAAAAAAAAAAAAZAAAAAEAAABAAAAAAAAAAAAAAAAAAAAAAAAAAAAAAAAAAAAAAAAAAAAAAAAAAAAAAAAAAAAAAAAAAAAAAAAAAAAAAAAAAAAAAAAAAAAAAAAAAAAAAAAAAAAAAAAAAAAAFAAAADwAAAAAAAAAAAAAAAAAAAkUAAAAAQAAABQAAAAUAAAAFAAAAAEAAAAAAAAAZAAAAGQAAAAAAAAAZAAAAGQAAAAVAAAAYAAAAAAAAAAAAAAADwAAACADAAAAAAAAAAAAAAEAAACgMgAAVgcAAKr4//8BAAAAf39/AAEAAABkAAAAAAAAABQAAABAHwAAAAAAACYAAAAAAAAAwOD//wAAAAAmAAAAZAAAABYAAABMAAAAAAAAAAAAAAAEAAAAAAAAAAEAAACAgIAKAAAAACgAAAAoAAAAZAAAAGQAAAAAAAAAzMzMAAAAAABQAAAAUAAAAGQAAABkAAAAAAAAABcAAAAUAAAAAAAAAAAAAAD/fwAA/38AAAAAAAAJAAAABAAAAAAAAAAMAAAAEAAAAAAAAAAAAAAAAAAAAAAAAAAeAAAAaAAAAAAAAAAAAAAAAAAAAAAAAAAAAAAAECcAABAnAAAAAAAAAAAAAAAAAAAAAAAAAAAAAAAAAAAAAAAAAAAAABQAAAAAAAAAwMD/AAAAAABkAAAAMgAAAAAAAABkAAAAAAAAAH9/fwAKAAAAHwAAAFQAAAAAAAAFAAAAAQAAAAAAAAAAAAAAAAAAAAAAAAAAAAAAAAAAAAAAAAAAAAAAAn9/fwAAAAADzMzMAMDA/wB/f38AAAAAAAAAAAAAAAAAAAAAAAAAAAAhAAAAGAAAABQAAAA4EwAAGycAAAglAABZKQAAEAAAACYAAAAIAAAAAAAAAAAAAAA="/>
               </a:ext>
             </a:extLst>
           </p:cNvSpPr>
@@ -778,9 +772,6 @@
           <a:lstStyle/>
           <a:p>
             <a:pPr/>
-            <a:r>
-              <a:t/>
-            </a:r>
           </a:p>
         </p:txBody>
       </p:sp>
@@ -791,7 +782,7 @@
             <a:spLocks noGrp="1" noChangeArrowheads="1"/>
             <a:extLst>
               <a:ext uri="smNativeData">
-                <pr:smNativeData xmlns:pr="smNativeData" val="SMDATA_13_HczeZRMAAAAlAAAAZAAAAA8BAAAAkAAAAEgAAACQAAAASAAAAAAAAAABAAAAAAAAAAEAAABQAAAAAAAAAAAA4D8AAAAAAADgPwAAAAAAAOA/AAAAAAAA4D8AAAAAAADgPwAAAAAAAOA/AAAAAAAA4D8AAAAAAADgPwAAAAAAAOA/AAAAAAAA4D8CAAAAjAAAAAAAAAAAAAAAu+DjDP///wgAAAAAAAAAAAAAAAAAAAAAAAAAAAAAAAAAAAAAZAAAAAEAAABAAAAAAAAAAAAAAAAAAAAAAAAAAAAAAAAAAAAAAAAAAAAAAAAAAAAAAAAAAAAAAAAAAAAAAAAAAAAAAAAAAAAAAAAAAAAAAAAAAAAAAAAAAAAAAAAAAAAAFAAAADwAAAAAAAAAAAAAAAAAAAkUAAAAAQAAABQAAAAUAAAAFAAAAAEAAAAAAAAAZAAAAGQAAAAAAAAAZAAAAGQAAAAVAAAAYAAAAAAAAAAAAAAADwAAACADAAAAAAAAAAAAAAEAAACgMgAAVgcAAKr4//8BAAAAf39/AAEAAABkAAAAAAAAABQAAABAHwAAAAAAACYAAAAAAAAAwOD//wAAAAAmAAAAZAAAABYAAABMAAAAAAAAAAAAAAAEAAAAAAAAAAEAAACAgIAKAAAAACgAAAAoAAAAZAAAAGQAAAAAAAAAzMzMAAAAAABQAAAAUAAAAGQAAABkAAAAAAAAABcAAAAUAAAAAAAAAAAAAAD/fwAA/38AAAAAAAAJAAAABAAAACAAAAAMAAAAEAAAAAAAAAAAAAAAAAAAAAAAAAAeAAAAaAAAAAAAAAAAAAAAAAAAAAAAAAAAAAAAECcAABAnAAAAAAAAAAAAAAAAAAAAAAAAAAAAAAAAAAAAAAAAAAAAABQAAAAAAAAAwMD/AAAAAABkAAAAMgAAAAAAAABkAAAAAAAAAH9/fwAKAAAAHwAAAFQAAAAAAAAFAAAAAQAAAAAAAAAAAAAAAAAAAAAAAAAAAAAAAAAAAAAAAAAAAAAAAn9/fwAAAAADzMzMAMDA/wB/f38AAAAAAAAAAAAAAAAAAAAAAAAAAAAhAAAAGAAAABQAAABQKAAAGycAAHA1AABZKQAAAAAAACYAAAAIAAAAAAAAAAAAAAA="/>
+                <pr:smNativeData xmlns:pr="smNativeData" val="SMDATA_13_1CvgZRMAAAAlAAAAZAAAAA8BAAAAkAAAAEgAAACQAAAASAAAAAAAAAABAAAAAAAAAAEAAABQAAAAAAAAAAAA4D8AAAAAAADgPwAAAAAAAOA/AAAAAAAA4D8AAAAAAADgPwAAAAAAAOA/AAAAAAAA4D8AAAAAAADgPwAAAAAAAOA/AAAAAAAA4D8CAAAAjAAAAAAAAAAAAAAAu+DjDP///wgAAAAAAAAAAAAAAAAAAAAAAAAAAAAAAAAAAAAAZAAAAAEAAABAAAAAAAAAAAAAAAAAAAAAAAAAAAAAAAAAAAAAAAAAAAAAAAAAAAAAAAAAAAAAAAAAAAAAAAAAAAAAAAAAAAAAAAAAAAAAAAAAAAAAAAAAAAAAAAAAAAAAFAAAADwAAAAAAAAAAAAAAAAAAAkUAAAAAQAAABQAAAAUAAAAFAAAAAEAAAAAAAAAZAAAAGQAAAAAAAAAZAAAAGQAAAAVAAAAYAAAAAAAAAAAAAAADwAAACADAAAAAAAAAAAAAAEAAACgMgAAVgcAAKr4//8BAAAAf39/AAEAAABkAAAAAAAAABQAAABAHwAAAAAAACYAAAAAAAAAwOD//wAAAAAmAAAAZAAAABYAAABMAAAAAAAAAAAAAAAEAAAAAAAAAAEAAACAgIAKAAAAACgAAAAoAAAAZAAAAGQAAAAAAAAAzMzMAAAAAABQAAAAUAAAAGQAAABkAAAAAAAAABcAAAAUAAAAAAAAAAAAAAD/fwAA/38AAAAAAAAJAAAABAAAACAAAAAMAAAAEAAAAAAAAAAAAAAAAAAAAAAAAAAeAAAAaAAAAAAAAAAAAAAAAAAAAAAAAAAAAAAAECcAABAnAAAAAAAAAAAAAAAAAAAAAAAAAAAAAAAAAAAAAAAAAAAAABQAAAAAAAAAwMD/AAAAAABkAAAAMgAAAAAAAABkAAAAAAAAAH9/fwAKAAAAHwAAAFQAAAAAAAAFAAAAAQAAAAAAAAAAAAAAAAAAAAAAAAAAAAAAAAAAAAAAAAAAAAAAAn9/fwAAAAADzMzMAMDA/wB/f38AAAAAAAAAAAAAAAAAAAAAAAAAAAAhAAAAGAAAABQAAABQKAAAGycAAHA1AABZKQAAEAAAACYAAAAIAAAAAAAAAAAAAAA="/>
               </a:ext>
             </a:extLst>
           </p:cNvSpPr>
@@ -805,7 +796,7 @@
           <a:lstStyle/>
           <a:p>
             <a:pPr/>
-            <a:fld id="{3FD832B4-FAD2-8DC4-9C60-0C917C2E6A59}" type="slidenum">
+            <a:fld id="{3E463C8D-C3D3-13CA-9DFE-359F72B06B60}" type="slidenum">
               <a:t/>
             </a:fld>
           </a:p>
@@ -843,7 +834,7 @@
             <a:spLocks noGrp="1" noChangeArrowheads="1"/>
             <a:extLst>
               <a:ext uri="smNativeData">
-                <pr:smNativeData xmlns:pr="smNativeData" val="SMDATA_13_HczeZRMAAAAlAAAAZAAAAA8BAAAAkAAAAEgAAACQAAAASAAAAAAAAAABAAAAAAAAAAEAAABQAAAAAAAAAAAA4D8AAAAAAADgPwAAAAAAAOA/AAAAAAAA4D8AAAAAAADgPwAAAAAAAOA/AAAAAAAA4D8AAAAAAADgPwAAAAAAAOA/AAAAAAAA4D8CAAAAjAAAAAAAAAAAAAAAu+DjDP///wgAAAAAAAAAAAAAAAAAAAAAAAAAAAAAAAAAAAAAZAAAAAEAAABAAAAAAAAAAAAAAAAAAAAAAAAAAAAAAAAAAAAAAAAAAAAAAAAAAAAAAAAAAAAAAAAAAAAAAAAAAAAAAAAAAAAAAAAAAAAAAAAAAAAAAAAAAAAAAAAAAAAAFAAAADwAAAAAAAAAAAAAAAAAAAkUAAAAAQAAABQAAAAUAAAAFAAAAAEAAAAAAAAAZAAAAGQAAAAAAAAAZAAAAGQAAAAVAAAAYAAAAAAAAAAAAAAADwAAACADAAAAAAAAAAAAAAEAAACgMgAAVgcAAKr4//8BAAAAf39/AAEAAABkAAAAAAAAABQAAABAHwAAAAAAACYAAAAAAAAAwOD//wAAAAAmAAAAZAAAABYAAABMAAAAAAAAAAAAAAAEAAAAAAAAAAEAAACAgIAKAAAAACgAAAAoAAAAZAAAAGQAAAAAAAAAzMzMAAAAAABQAAAAUAAAAGQAAABkAAAAAAAAABcAAAAUAAAAAAAAAAAAAAD/fwAA/38AAAAAAAAJAAAABAAAAAAAAAAMAAAAEAAAAAAAAAAAAAAAAAAAAAAAAAAeAAAAaAAAAAAAAAAAAAAAAAAAAAAAAAAAAAAAECcAABAnAAAAAAAAAAAAAAAAAAAAAAAAAAAAAAAAAAAAAAAAAAAAABQAAAAAAAAAwMD/AAAAAABkAAAAMgAAAAAAAABkAAAAAAAAAH9/fwAKAAAAHwAAAFQAAAAAAAAFAAAAAQAAAAAAAAAAAAAAAAAAAAAAAAAAAAAAAAAAAAAAAAAAAAAAAn9/fwAAAAADzMzMAMDA/wB/f38AAAAAAAAAAAAAAAAAAAAAAAAAAAAhAAAAGAAAABQAAADQAgAAsAEAAHA1AAC4CAAAAAAAACYAAAAIAAAAAAAAAAAAAAA="/>
+                <pr:smNativeData xmlns:pr="smNativeData" val="SMDATA_13_1CvgZRMAAAAlAAAAZAAAAA8BAAAAkAAAAEgAAACQAAAASAAAAAAAAAABAAAAAAAAAAEAAABQAAAAAAAAAAAA4D8AAAAAAADgPwAAAAAAAOA/AAAAAAAA4D8AAAAAAADgPwAAAAAAAOA/AAAAAAAA4D8AAAAAAADgPwAAAAAAAOA/AAAAAAAA4D8CAAAAjAAAAAAAAAAAAAAAu+DjDP///wgAAAAAAAAAAAAAAAAAAAAAAAAAAAAAAAAAAAAAZAAAAAEAAABAAAAAAAAAAAAAAAAAAAAAAAAAAAAAAAAAAAAAAAAAAAAAAAAAAAAAAAAAAAAAAAAAAAAAAAAAAAAAAAAAAAAAAAAAAAAAAAAAAAAAAAAAAAAAAAAAAAAAFAAAADwAAAAAAAAAAAAAAAAAAAkUAAAAAQAAABQAAAAUAAAAFAAAAAEAAAAAAAAAZAAAAGQAAAAAAAAAZAAAAGQAAAAVAAAAYAAAAAAAAAAAAAAADwAAACADAAAAAAAAAAAAAAEAAACgMgAAVgcAAKr4//8BAAAAf39/AAEAAABkAAAAAAAAABQAAABAHwAAAAAAACYAAAAAAAAAwOD//wAAAAAmAAAAZAAAABYAAABMAAAAAAAAAAAAAAAEAAAAAAAAAAEAAACAgIAKAAAAACgAAAAoAAAAZAAAAGQAAAAAAAAAzMzMAAAAAABQAAAAUAAAAGQAAABkAAAAAAAAABcAAAAUAAAAAAAAAAAAAAD/fwAA/38AAAAAAAAJAAAABAAAAAAAAAAMAAAAEAAAAAAAAAAAAAAAAAAAAAAAAAAeAAAAaAAAAAAAAAAAAAAAAAAAAAAAAAAAAAAAECcAABAnAAAAAAAAAAAAAAAAAAAAAAAAAAAAAAAAAAAAAAAAAAAAABQAAAAAAAAAwMD/AAAAAABkAAAAMgAAAAAAAABkAAAAAAAAAH9/fwAKAAAAHwAAAFQAAAAAAAAFAAAAAQAAAAAAAAAAAAAAAAAAAAAAAAAAAAAAAAAAAAAAAAAAAAAAAn9/fwAAAAADzMzMAMDA/wB/f38AAAAAAAAAAAAAAAAAAAAAAAAAAAAhAAAAGAAAABQAAADQAgAAsAEAAHA1AAC4CAAAEAAAACYAAAAIAAAAAAAAAAAAAAA="/>
               </a:ext>
             </a:extLst>
           </p:cNvSpPr>
@@ -870,7 +861,7 @@
             <a:spLocks noGrp="1" noChangeArrowheads="1"/>
             <a:extLst>
               <a:ext uri="smNativeData">
-                <pr:smNativeData xmlns:pr="smNativeData" val="SMDATA_13_HczeZRMAAAAlAAAAZAAAAA8BAAAAkAAAAEgAAACQAAAASAAAAAAAAAAAAAAAAAAAAAEAAABQAAAAAAAAAAAA4D8AAAAAAADgPwAAAAAAAOA/AAAAAAAA4D8AAAAAAADgPwAAAAAAAOA/AAAAAAAA4D8AAAAAAADgPwAAAAAAAOA/AAAAAAAA4D8CAAAAjAAAAAAAAAAAAAAAu+DjDP///wgAAAAAAAAAAAAAAAAAAAAAAAAAAAAAAAAAAAAAZAAAAAEAAABAAAAAAAAAAAAAAAAAAAAAAAAAAAAAAAAAAAAAAAAAAAAAAAAAAAAAAAAAAAAAAAAAAAAAAAAAAAAAAAAAAAAAAAAAAAAAAAAAAAAAAAAAAAAAAAAAAAAAFAAAADwAAAAAAAAAAAAAAAAAAAkUAAAAAQAAABQAAAAUAAAAFAAAAAEAAAAAAAAAZAAAAGQAAAAAAAAAZAAAAGQAAAAVAAAAYAAAAAAAAAAAAAAADwAAACADAAAAAAAAAAAAAAEAAACgMgAAVgcAAKr4//8BAAAAf39/AAEAAABkAAAAAAAAABQAAABAHwAAAAAAACYAAAAAAAAAwOD//wAAAAAmAAAAZAAAABYAAABMAAAAAAAAAAAAAAAEAAAAAAAAAAEAAACAgIAKAAAAACgAAAAoAAAAZAAAAGQAAAAAAAAAzMzMAAAAAABQAAAAUAAAAGQAAABkAAAAAAAAABcAAAAUAAAAAAAAAAAAAAD/fwAA/38AAAAAAAAJAAAABAAAAAAAAAAMAAAAEAAAAAAAAAAAAAAAAAAAAAAAAAAeAAAAaAAAAAAAAAAAAAAAAAAAAAAAAAAAAAAAECcAABAnAAAAAAAAAAAAAAAAAAAAAAAAAAAAAAAAAAAAAAAAAAAAABQAAAAAAAAAwMD/AAAAAABkAAAAMgAAAAAAAABkAAAAAAAAAH9/fwAKAAAAHwAAAFQAAAAAAAAFAAAAAQAAAAAAAAAAAAAAAAAAAAAAAAAAAAAAAAAAAAAAAAAAAAAAAn9/fwAAAAADzMzMAMDA/wB/f38AAAAAAAAAAAAAAAAAAAAAAAAAAAAhAAAAGAAAABQAAADQAgAA2AkAAHA1AACwJQAAAAAAACYAAAAIAAAAAAAAAAAAAAA="/>
+                <pr:smNativeData xmlns:pr="smNativeData" val="SMDATA_13_1CvgZRMAAAAlAAAAZAAAAA8BAAAAkAAAAEgAAACQAAAASAAAAAAAAAAAAAAAAAAAAAEAAABQAAAAAAAAAAAA4D8AAAAAAADgPwAAAAAAAOA/AAAAAAAA4D8AAAAAAADgPwAAAAAAAOA/AAAAAAAA4D8AAAAAAADgPwAAAAAAAOA/AAAAAAAA4D8CAAAAjAAAAAAAAAAAAAAAu+DjDP///wgAAAAAAAAAAAAAAAAAAAAAAAAAAAAAAAAAAAAAZAAAAAEAAABAAAAAAAAAAAAAAAAAAAAAAAAAAAAAAAAAAAAAAAAAAAAAAAAAAAAAAAAAAAAAAAAAAAAAAAAAAAAAAAAAAAAAAAAAAAAAAAAAAAAAAAAAAAAAAAAAAAAAFAAAADwAAAAAAAAAAAAAAAAAAAkUAAAAAQAAABQAAAAUAAAAFAAAAAEAAAAAAAAAZAAAAGQAAAAAAAAAZAAAAGQAAAAVAAAAYAAAAAAAAAAAAAAADwAAACADAAAAAAAAAAAAAAEAAACgMgAAVgcAAKr4//8BAAAAf39/AAEAAABkAAAAAAAAABQAAABAHwAAAAAAACYAAAAAAAAAwOD//wAAAAAmAAAAZAAAABYAAABMAAAAAAAAAAAAAAAEAAAAAAAAAAEAAACAgIAKAAAAACgAAAAoAAAAZAAAAGQAAAAAAAAAzMzMAAAAAABQAAAAUAAAAGQAAABkAAAAAAAAABcAAAAUAAAAAAAAAAAAAAD/fwAA/38AAAAAAAAJAAAABAAAAAAAAAAMAAAAEAAAAAAAAAAAAAAAAAAAAAAAAAAeAAAAaAAAAAAAAAAAAAAAAAAAAAAAAAAAAAAAECcAABAnAAAAAAAAAAAAAAAAAAAAAAAAAAAAAAAAAAAAAAAAAAAAABQAAAAAAAAAwMD/AAAAAABkAAAAMgAAAAAAAABkAAAAAAAAAH9/fwAKAAAAHwAAAFQAAAAAAAAFAAAAAQAAAAAAAAAAAAAAAAAAAAAAAAAAAAAAAAAAAAAAAAAAAAAAAn9/fwAAAAADzMzMAMDA/wB/f38AAAAAAAAAAAAAAAAAAAAAAAAAAAAhAAAAGAAAABQAAADQAgAA2AkAAHA1AACwJQAAEAAAACYAAAAIAAAAAAAAAAAAAAA="/>
               </a:ext>
             </a:extLst>
           </p:cNvSpPr>
@@ -921,7 +912,7 @@
             <a:spLocks noGrp="1" noChangeArrowheads="1"/>
             <a:extLst>
               <a:ext uri="smNativeData">
-                <pr:smNativeData xmlns:pr="smNativeData" val="SMDATA_13_HczeZRMAAAAlAAAAZAAAAA8BAAAAkAAAAEgAAACQAAAASAAAAAAAAAABAAAAAAAAAAEAAABQAAAAAAAAAAAA4D8AAAAAAADgPwAAAAAAAOA/AAAAAAAA4D8AAAAAAADgPwAAAAAAAOA/AAAAAAAA4D8AAAAAAADgPwAAAAAAAOA/AAAAAAAA4D8CAAAAjAAAAAAAAAAAAAAAu+DjDP///wgAAAAAAAAAAAAAAAAAAAAAAAAAAAAAAAAAAAAAZAAAAAEAAABAAAAAAAAAAAAAAAAAAAAAAAAAAAAAAAAAAAAAAAAAAAAAAAAAAAAAAAAAAAAAAAAAAAAAAAAAAAAAAAAAAAAAAAAAAAAAAAAAAAAAAAAAAAAAAAAAAAAAFAAAADwAAAAAAAAAAAAAAAAAAAkUAAAAAQAAABQAAAAUAAAAFAAAAAEAAAAAAAAAZAAAAGQAAAAAAAAAZAAAAGQAAAAVAAAAYAAAAAAAAAAAAAAADwAAACADAAAAAAAAAAAAAAEAAACgMgAAVgcAAKr4//8BAAAAf39/AAEAAABkAAAAAAAAABQAAABAHwAAAAAAACYAAAAAAAAAwOD//wAAAAAmAAAAZAAAABYAAABMAAAAAAAAAAAAAAAEAAAAAAAAAAEAAACAgIAKAAAAACgAAAAoAAAAZAAAAGQAAAAAAAAAzMzMAAAAAABQAAAAUAAAAGQAAABkAAAAAAAAABcAAAAUAAAAAAAAAAAAAAD/fwAA/38AAAAAAAAJAAAABAAAAAMAAAAMAAAAEAAAAAAAAAAAAAAAAAAAAAAAAAAeAAAAaAAAAAAAAAAAAAAAAAAAAAAAAAAAAAAAECcAABAnAAAAAAAAAAAAAAAAAAAAAAAAAAAAAAAAAAAAAAAAAAAAABQAAAAAAAAAwMD/AAAAAABkAAAAMgAAAAAAAABkAAAAAAAAAH9/fwAKAAAAHwAAAFQAAAAAAAAFAAAAAQAAAAAAAAAAAAAAAAAAAAAAAAAAAAAAAAAAAAAAAAAAAAAAAn9/fwAAAAADzMzMAMDA/wB/f38AAAAAAAAAAAAAAAAAAAAAAAAAAAAhAAAAGAAAABQAAADQAgAAGycAAPAPAABZKQAAAAAAACYAAAAIAAAAAAAAAAAAAAA="/>
+                <pr:smNativeData xmlns:pr="smNativeData" val="SMDATA_13_1CvgZRMAAAAlAAAAZAAAAA8BAAAAkAAAAEgAAACQAAAASAAAAAAAAAABAAAAAAAAAAEAAABQAAAAAAAAAAAA4D8AAAAAAADgPwAAAAAAAOA/AAAAAAAA4D8AAAAAAADgPwAAAAAAAOA/AAAAAAAA4D8AAAAAAADgPwAAAAAAAOA/AAAAAAAA4D8CAAAAjAAAAAAAAAAAAAAAu+DjDP///wgAAAAAAAAAAAAAAAAAAAAAAAAAAAAAAAAAAAAAZAAAAAEAAABAAAAAAAAAAAAAAAAAAAAAAAAAAAAAAAAAAAAAAAAAAAAAAAAAAAAAAAAAAAAAAAAAAAAAAAAAAAAAAAAAAAAAAAAAAAAAAAAAAAAAAAAAAAAAAAAAAAAAFAAAADwAAAAAAAAAAAAAAAAAAAkUAAAAAQAAABQAAAAUAAAAFAAAAAEAAAAAAAAAZAAAAGQAAAAAAAAAZAAAAGQAAAAVAAAAYAAAAAAAAAAAAAAADwAAACADAAAAAAAAAAAAAAEAAACgMgAAVgcAAKr4//8BAAAAf39/AAEAAABkAAAAAAAAABQAAABAHwAAAAAAACYAAAAAAAAAwOD//wAAAAAmAAAAZAAAABYAAABMAAAAAAAAAAAAAAAEAAAAAAAAAAEAAACAgIAKAAAAACgAAAAoAAAAZAAAAGQAAAAAAAAAzMzMAAAAAABQAAAAUAAAAGQAAABkAAAAAAAAABcAAAAUAAAAAAAAAAAAAAD/fwAA/38AAAAAAAAJAAAABAAAAAMAAAAMAAAAEAAAAAAAAAAAAAAAAAAAAAAAAAAeAAAAaAAAAAAAAAAAAAAAAAAAAAAAAAAAAAAAECcAABAnAAAAAAAAAAAAAAAAAAAAAAAAAAAAAAAAAAAAAAAAAAAAABQAAAAAAAAAwMD/AAAAAABkAAAAMgAAAAAAAABkAAAAAAAAAH9/fwAKAAAAHwAAAFQAAAAAAAAFAAAAAQAAAAAAAAAAAAAAAAAAAAAAAAAAAAAAAAAAAAAAAAAAAAAAAn9/fwAAAAADzMzMAMDA/wB/f38AAAAAAAAAAAAAAAAAAAAAAAAAAAAhAAAAGAAAABQAAADQAgAAGycAAPAPAABZKQAAEAAAACYAAAAIAAAAAAAAAAAAAAA="/>
               </a:ext>
             </a:extLst>
           </p:cNvSpPr>
@@ -935,7 +926,7 @@
           <a:lstStyle/>
           <a:p>
             <a:pPr/>
-            <a:fld id="{3FD822FC-B2D2-8DD4-9C60-44816C2E6A11}" type="datetime1">
+            <a:fld id="{3E4668DB-95D3-139E-9DFE-63CB26B06B36}" type="datetime1">
               <a:t/>
             </a:fld>
           </a:p>
@@ -948,7 +939,7 @@
             <a:spLocks noGrp="1" noChangeArrowheads="1"/>
             <a:extLst>
               <a:ext uri="smNativeData">
-                <pr:smNativeData xmlns:pr="smNativeData" val="SMDATA_13_HczeZRMAAAAlAAAAZAAAAA8BAAAAkAAAAEgAAACQAAAASAAAAAAAAAABAAAAAAAAAAEAAABQAAAAAAAAAAAA4D8AAAAAAADgPwAAAAAAAOA/AAAAAAAA4D8AAAAAAADgPwAAAAAAAOA/AAAAAAAA4D8AAAAAAADgPwAAAAAAAOA/AAAAAAAA4D8CAAAAjAAAAAAAAAAAAAAAu+DjDP///wgAAAAAAAAAAAAAAAAAAAAAAAAAAAAAAAAAAAAAZAAAAAEAAABAAAAAAAAAAAAAAAAAAAAAAAAAAAAAAAAAAAAAAAAAAAAAAAAAAAAAAAAAAAAAAAAAAAAAAAAAAAAAAAAAAAAAAAAAAAAAAAAAAAAAAAAAAAAAAAAAAAAAFAAAADwAAAAAAAAAAAAAAAAAAAkUAAAAAQAAABQAAAAUAAAAFAAAAAEAAAAAAAAAZAAAAGQAAAAAAAAAZAAAAGQAAAAVAAAAYAAAAAAAAAAAAAAADwAAACADAAAAAAAAAAAAAAEAAACgMgAAVgcAAKr4//8BAAAAf39/AAEAAABkAAAAAAAAABQAAABAHwAAAAAAACYAAAAAAAAAwOD//wAAAAAmAAAAZAAAABYAAABMAAAAAAAAAAAAAAAEAAAAAAAAAAEAAACAgIAKAAAAACgAAAAoAAAAZAAAAGQAAAAAAAAAzMzMAAAAAABQAAAAUAAAAGQAAABkAAAAAAAAABcAAAAUAAAAAAAAAAAAAAD/fwAA/38AAAAAAAAJAAAABAAAAAAAAAAMAAAAEAAAAAAAAAAAAAAAAAAAAAAAAAAeAAAAaAAAAAAAAAAAAAAAAAAAAAAAAAAAAAAAECcAABAnAAAAAAAAAAAAAAAAAAAAAAAAAAAAAAAAAAAAAAAAAAAAABQAAAAAAAAAwMD/AAAAAABkAAAAMgAAAAAAAABkAAAAAAAAAH9/fwAKAAAAHwAAAFQAAAAAAAAFAAAAAQAAAAAAAAAAAAAAAAAAAAAAAAAAAAAAAAAAAAAAAAAAAAAAAn9/fwAAAAADzMzMAMDA/wB/f38AAAAAAAAAAAAAAAAAAAAAAAAAAAAhAAAAGAAAABQAAAA4EwAAGycAAAglAABZKQAAAAAAACYAAAAIAAAAAAAAAAAAAAA="/>
+                <pr:smNativeData xmlns:pr="smNativeData" val="SMDATA_13_1CvgZRMAAAAlAAAAZAAAAA8BAAAAkAAAAEgAAACQAAAASAAAAAAAAAABAAAAAAAAAAEAAABQAAAAAAAAAAAA4D8AAAAAAADgPwAAAAAAAOA/AAAAAAAA4D8AAAAAAADgPwAAAAAAAOA/AAAAAAAA4D8AAAAAAADgPwAAAAAAAOA/AAAAAAAA4D8CAAAAjAAAAAAAAAAAAAAAu+DjDP///wgAAAAAAAAAAAAAAAAAAAAAAAAAAAAAAAAAAAAAZAAAAAEAAABAAAAAAAAAAAAAAAAAAAAAAAAAAAAAAAAAAAAAAAAAAAAAAAAAAAAAAAAAAAAAAAAAAAAAAAAAAAAAAAAAAAAAAAAAAAAAAAAAAAAAAAAAAAAAAAAAAAAAFAAAADwAAAAAAAAAAAAAAAAAAAkUAAAAAQAAABQAAAAUAAAAFAAAAAEAAAAAAAAAZAAAAGQAAAAAAAAAZAAAAGQAAAAVAAAAYAAAAAAAAAAAAAAADwAAACADAAAAAAAAAAAAAAEAAACgMgAAVgcAAKr4//8BAAAAf39/AAEAAABkAAAAAAAAABQAAABAHwAAAAAAACYAAAAAAAAAwOD//wAAAAAmAAAAZAAAABYAAABMAAAAAAAAAAAAAAAEAAAAAAAAAAEAAACAgIAKAAAAACgAAAAoAAAAZAAAAGQAAAAAAAAAzMzMAAAAAABQAAAAUAAAAGQAAABkAAAAAAAAABcAAAAUAAAAAAAAAAAAAAD/fwAA/38AAAAAAAAJAAAABAAAAAAAAAAMAAAAEAAAAAAAAAAAAAAAAAAAAAAAAAAeAAAAaAAAAAAAAAAAAAAAAAAAAAAAAAAAAAAAECcAABAnAAAAAAAAAAAAAAAAAAAAAAAAAAAAAAAAAAAAAAAAAAAAABQAAAAAAAAAwMD/AAAAAABkAAAAMgAAAAAAAABkAAAAAAAAAH9/fwAKAAAAHwAAAFQAAAAAAAAFAAAAAQAAAAAAAAAAAAAAAAAAAAAAAAAAAAAAAAAAAAAAAAAAAAAAAn9/fwAAAAADzMzMAMDA/wB/f38AAAAAAAAAAAAAAAAAAAAAAAAAAAAhAAAAGAAAABQAAAA4EwAAGycAAAglAABZKQAAEAAAACYAAAAIAAAAAAAAAAAAAAA="/>
               </a:ext>
             </a:extLst>
           </p:cNvSpPr>
@@ -962,9 +953,6 @@
           <a:lstStyle/>
           <a:p>
             <a:pPr/>
-            <a:r>
-              <a:t/>
-            </a:r>
           </a:p>
         </p:txBody>
       </p:sp>
@@ -975,7 +963,7 @@
             <a:spLocks noGrp="1" noChangeArrowheads="1"/>
             <a:extLst>
               <a:ext uri="smNativeData">
-                <pr:smNativeData xmlns:pr="smNativeData" val="SMDATA_13_HczeZRMAAAAlAAAAZAAAAA8BAAAAkAAAAEgAAACQAAAASAAAAAAAAAABAAAAAAAAAAEAAABQAAAAAAAAAAAA4D8AAAAAAADgPwAAAAAAAOA/AAAAAAAA4D8AAAAAAADgPwAAAAAAAOA/AAAAAAAA4D8AAAAAAADgPwAAAAAAAOA/AAAAAAAA4D8CAAAAjAAAAAAAAAAAAAAAu+DjDP///wgAAAAAAAAAAAAAAAAAAAAAAAAAAAAAAAAAAAAAZAAAAAEAAABAAAAAAAAAAAAAAAAAAAAAAAAAAAAAAAAAAAAAAAAAAAAAAAAAAAAAAAAAAAAAAAAAAAAAAAAAAAAAAAAAAAAAAAAAAAAAAAAAAAAAAAAAAAAAAAAAAAAAFAAAADwAAAAAAAAAAAAAAAAAAAkUAAAAAQAAABQAAAAUAAAAFAAAAAEAAAAAAAAAZAAAAGQAAAAAAAAAZAAAAGQAAAAVAAAAYAAAAAAAAAAAAAAADwAAACADAAAAAAAAAAAAAAEAAACgMgAAVgcAAKr4//8BAAAAf39/AAEAAABkAAAAAAAAABQAAABAHwAAAAAAACYAAAAAAAAAwOD//wAAAAAmAAAAZAAAABYAAABMAAAAAAAAAAAAAAAEAAAAAAAAAAEAAACAgIAKAAAAACgAAAAoAAAAZAAAAGQAAAAAAAAAzMzMAAAAAABQAAAAUAAAAGQAAABkAAAAAAAAABcAAAAUAAAAAAAAAAAAAAD/fwAA/38AAAAAAAAJAAAABAAAAAAAAAAMAAAAEAAAAAAAAAAAAAAAAAAAAAAAAAAeAAAAaAAAAAAAAAAAAAAAAAAAAAAAAAAAAAAAECcAABAnAAAAAAAAAAAAAAAAAAAAAAAAAAAAAAAAAAAAAAAAAAAAABQAAAAAAAAAwMD/AAAAAABkAAAAMgAAAAAAAABkAAAAAAAAAH9/fwAKAAAAHwAAAFQAAAAAAAAFAAAAAQAAAAAAAAAAAAAAAAAAAAAAAAAAAAAAAAAAAAAAAAAAAAAAAn9/fwAAAAADzMzMAMDA/wB/f38AAAAAAAAAAAAAAAAAAAAAAAAAAAAhAAAAGAAAABQAAABQKAAAGycAAHA1AABZKQAAAAAAACYAAAAIAAAAAAAAAAAAAAA="/>
+                <pr:smNativeData xmlns:pr="smNativeData" val="SMDATA_13_1CvgZRMAAAAlAAAAZAAAAA8BAAAAkAAAAEgAAACQAAAASAAAAAAAAAABAAAAAAAAAAEAAABQAAAAAAAAAAAA4D8AAAAAAADgPwAAAAAAAOA/AAAAAAAA4D8AAAAAAADgPwAAAAAAAOA/AAAAAAAA4D8AAAAAAADgPwAAAAAAAOA/AAAAAAAA4D8CAAAAjAAAAAAAAAAAAAAAu+DjDP///wgAAAAAAAAAAAAAAAAAAAAAAAAAAAAAAAAAAAAAZAAAAAEAAABAAAAAAAAAAAAAAAAAAAAAAAAAAAAAAAAAAAAAAAAAAAAAAAAAAAAAAAAAAAAAAAAAAAAAAAAAAAAAAAAAAAAAAAAAAAAAAAAAAAAAAAAAAAAAAAAAAAAAFAAAADwAAAAAAAAAAAAAAAAAAAkUAAAAAQAAABQAAAAUAAAAFAAAAAEAAAAAAAAAZAAAAGQAAAAAAAAAZAAAAGQAAAAVAAAAYAAAAAAAAAAAAAAADwAAACADAAAAAAAAAAAAAAEAAACgMgAAVgcAAKr4//8BAAAAf39/AAEAAABkAAAAAAAAABQAAABAHwAAAAAAACYAAAAAAAAAwOD//wAAAAAmAAAAZAAAABYAAABMAAAAAAAAAAAAAAAEAAAAAAAAAAEAAACAgIAKAAAAACgAAAAoAAAAZAAAAGQAAAAAAAAAzMzMAAAAAABQAAAAUAAAAGQAAABkAAAAAAAAABcAAAAUAAAAAAAAAAAAAAD/fwAA/38AAAAAAAAJAAAABAAAAAAAAAAMAAAAEAAAAAAAAAAAAAAAAAAAAAAAAAAeAAAAaAAAAAAAAAAAAAAAAAAAAAAAAAAAAAAAECcAABAnAAAAAAAAAAAAAAAAAAAAAAAAAAAAAAAAAAAAAAAAAAAAABQAAAAAAAAAwMD/AAAAAABkAAAAMgAAAAAAAABkAAAAAAAAAH9/fwAKAAAAHwAAAFQAAAAAAAAFAAAAAQAAAAAAAAAAAAAAAAAAAAAAAAAAAAAAAAAAAAAAAAAAAAAAAn9/fwAAAAADzMzMAMDA/wB/f38AAAAAAAAAAAAAAAAAAAAAAAAAAAAhAAAAGAAAABQAAABQKAAAGycAAHA1AABZKQAAEAAAACYAAAAIAAAAAAAAAAAAAAA="/>
               </a:ext>
             </a:extLst>
           </p:cNvSpPr>
@@ -989,7 +977,7 @@
           <a:lstStyle/>
           <a:p>
             <a:pPr/>
-            <a:fld id="{3FD80B1C-52D2-8DFD-9C60-A4A8452E6AF1}" type="slidenum">
+            <a:fld id="{3E464926-68D3-13BF-9DFE-9EEA07B06BCB}" type="slidenum">
               <a:t/>
             </a:fld>
           </a:p>
@@ -1027,7 +1015,7 @@
             <a:spLocks noGrp="1" noChangeArrowheads="1"/>
             <a:extLst>
               <a:ext uri="smNativeData">
-                <pr:smNativeData xmlns:pr="smNativeData" val="SMDATA_13_HczeZRMAAAAlAAAAZAAAAA8BAAAAkAAAAEgAAACQAAAASAAAAAAAAAAAAAAAAAAAAAEAAABQAAAAAAAAAAAA4D8AAAAAAADgPwAAAAAAAOA/AAAAAAAA4D8AAAAAAADgPwAAAAAAAOA/AAAAAAAA4D8AAAAAAADgPwAAAAAAAOA/AAAAAAAA4D8CAAAAjAAAAAAAAAAAAAAAu+DjDP///wgAAAAAAAAAAAAAAAAAAAAAAAAAAAAAAAAAAAAAZAAAAAEAAABAAAAAAAAAAAAAAAAAAAAAAAAAAAAAAAAAAAAAAAAAAAAAAAAAAAAAAAAAAAAAAAAAAAAAAAAAAAAAAAAAAAAAAAAAAAAAAAAAAAAAAAAAAAAAAAAAAAAAFAAAADwAAAAAAAAAAAAAAAAAAAkUAAAAAQAAABQAAAAUAAAAFAAAAAEAAAAAAAAAZAAAAGQAAAAAAAAAZAAAAGQAAAAVAAAAYAAAAAAAAAAAAAAADwAAACADAAAAAAAAAAAAAAEAAACgMgAAVgcAAKr4//8BAAAAf39/AAEAAABkAAAAAAAAABQAAABAHwAAAAAAACYAAAAAAAAAwOD//wAAAAAmAAAAZAAAABYAAABMAAAAAAAAAAAAAAAEAAAAAAAAAAEAAACAgIAKAAAAACgAAAAoAAAAZAAAAGQAAAAAAAAAzMzMAAAAAABQAAAAUAAAAGQAAABkAAAAAAAAABcAAAAUAAAAAAAAAAAAAAD/fwAA/38AAAAAAAAJAAAABAAAAAAAAAAMAAAAEAAAAAAAAAAAAAAAAAAAAAAAAAAeAAAAaAAAAAAAAAAAAAAAAAAAAAAAAAAAAAAAECcAABAnAAAAAAAAAAAAAAAAAAAAAAAAAAAAAAAAAAAAAAAAAAAAABQAAAAAAAAAwMD/AAAAAABkAAAAMgAAAAAAAABkAAAAAAAAAH9/fwAKAAAAHwAAAFQAAAAAAAAFAAAAAQAAAAAAAAAAAAAAAAAAAAAAAAAAAAAAAAAAAAAAAAAAAAAAAn9/fwAAAAADzMzMAMDA/wB/f38AAAAAAAAAAAAAAAAAAAAAAAAAAAAhAAAAGAAAABQAAAByBAAAHBsAAEI0AAB9IwAAAAAAACYAAAAIAAAAgYAAAAAAAAA="/>
+                <pr:smNativeData xmlns:pr="smNativeData" val="SMDATA_13_1CvgZRMAAAAlAAAAZAAAAA8BAAAAkAAAAEgAAACQAAAASAAAAAAAAAAAAAAAAAAAAAEAAABQAAAAAAAAAAAA4D8AAAAAAADgPwAAAAAAAOA/AAAAAAAA4D8AAAAAAADgPwAAAAAAAOA/AAAAAAAA4D8AAAAAAADgPwAAAAAAAOA/AAAAAAAA4D8CAAAAjAAAAAAAAAAAAAAAu+DjDP///wgAAAAAAAAAAAAAAAAAAAAAAAAAAAAAAAAAAAAAZAAAAAEAAABAAAAAAAAAAAAAAAAAAAAAAAAAAAAAAAAAAAAAAAAAAAAAAAAAAAAAAAAAAAAAAAAAAAAAAAAAAAAAAAAAAAAAAAAAAAAAAAAAAAAAAAAAAAAAAAAAAAAAFAAAADwAAAAAAAAAAAAAAAAAAAkUAAAAAQAAABQAAAAUAAAAFAAAAAEAAAAAAAAAZAAAAGQAAAAAAAAAZAAAAGQAAAAVAAAAYAAAAAAAAAAAAAAADwAAACADAAAAAAAAAAAAAAEAAACgMgAAVgcAAKr4//8BAAAAf39/AAEAAABkAAAAAAAAABQAAABAHwAAAAAAACYAAAAAAAAAwOD//wAAAAAmAAAAZAAAABYAAABMAAAAAAAAAAAAAAAEAAAAAAAAAAEAAACAgIAKAAAAACgAAAAoAAAAZAAAAGQAAAAAAAAAzMzMAAAAAABQAAAAUAAAAGQAAABkAAAAAAAAABcAAAAUAAAAAAAAAAAAAAD/fwAA/38AAAAAAAAJAAAABAAAAAAAAAAMAAAAEAAAAAAAAAAAAAAAAAAAAAAAAAAeAAAAaAAAAAAAAAAAAAAAAAAAAAAAAAAAAAAAECcAABAnAAAAAAAAAAAAAAAAAAAAAAAAAAAAAAAAAAAAAAAAAAAAABQAAAAAAAAAwMD/AAAAAABkAAAAMgAAAAAAAABkAAAAAAAAAH9/fwAKAAAAHwAAAFQAAAAAAAAFAAAAAQAAAAAAAAAAAAAAAAAAAAAAAAAAAAAAAAAAAAAAAAAAAAAAAn9/fwAAAAADzMzMAMDA/wB/f38AAAAAAAAAAAAAAAAAAAAAAAAAAAAhAAAAGAAAABQAAAByBAAAHBsAAEI0AAB9IwAAEAAAACYAAAAIAAAAgYAAAAAAAAA="/>
               </a:ext>
             </a:extLst>
           </p:cNvSpPr>
@@ -1069,7 +1057,7 @@
             <a:spLocks noGrp="1" noChangeArrowheads="1"/>
             <a:extLst>
               <a:ext uri="smNativeData">
-                <pr:smNativeData xmlns:pr="smNativeData" val="SMDATA_13_HczeZRMAAAAlAAAAZAAAAA8BAAAAkAAAAEgAAACQAAAASAAAAAAAAAACAAAAAAAAAAEAAABQAAAAAAAAAAAA4D8AAAAAAADgPwAAAAAAAOA/AAAAAAAA4D8AAAAAAADgPwAAAAAAAOA/AAAAAAAA4D8AAAAAAADgPwAAAAAAAOA/AAAAAAAA4D8CAAAAjAAAAAAAAAAAAAAAu+DjDP///wgAAAAAAAAAAAAAAAAAAAAAAAAAAAAAAAAAAAAAZAAAAAEAAABAAAAAAAAAAAAAAAAAAAAAAAAAAAAAAAAAAAAAAAAAAAAAAAAAAAAAAAAAAAAAAAAAAAAAAAAAAAAAAAAAAAAAAAAAAAAAAAAAAAAAAAAAAAAAAAAAAAAAFAAAADwAAAAAAAAAAAAAAAAAAAkUAAAAAQAAABQAAAAUAAAAFAAAAAEAAAAAAAAAZAAAAGQAAAAAAAAAZAAAAGQAAAAVAAAAYAAAAAAAAAAAAAAADwAAACADAAAAAAAAAAAAAAEAAACgMgAAVgcAAKr4//8BAAAAf39/AAEAAABkAAAAAAAAABQAAABAHwAAAAAAACYAAAAAAAAAwOD//wAAAAAmAAAAZAAAABYAAABMAAAAAAAAAAAAAAAEAAAAAAAAAAEAAACAgIAKAAAAACgAAAAoAAAAZAAAAGQAAAAAAAAAzMzMAAAAAABQAAAAUAAAAGQAAABkAAAAAAAAABcAAAAUAAAAAAAAAAAAAAD/fwAA/38AAAAAAAAJAAAABAAAAMsQ5T8MAAAAEAAAAAAAAAAAAAAAAAAAAAAAAAAeAAAAaAAAAAAAAAAAAAAAAAAAAAAAAAAAAAAAECcAABAnAAAAAAAAAAAAAAAAAAAAAAAAAAAAAAAAAAAAAAAAAAAAABQAAAAAAAAAwMD/AAAAAABkAAAAMgAAAAAAAABkAAAAAAAAAH9/fwAKAAAAHwAAAFQAAAAAAAAFAAAAAQAAAAAAAAAAAAAAAAAAAAAAAAAAAAAAAAAAAAAAAAAAAAAAAn9/fwAAAAADzMzMAMDA/wB/f38AAAAAAAAAAAAAAAAAAAAAAAAAAAAhAAAAGAAAABQAAAByBAAA4REAAEI0AAAcGwAAAAAAACYAAAAIAAAAgYAAAAAAAAA="/>
+                <pr:smNativeData xmlns:pr="smNativeData" val="SMDATA_13_1CvgZRMAAAAlAAAAZAAAAA8BAAAAkAAAAEgAAACQAAAASAAAAAAAAAACAAAAAAAAAAEAAABQAAAAAAAAAAAA4D8AAAAAAADgPwAAAAAAAOA/AAAAAAAA4D8AAAAAAADgPwAAAAAAAOA/AAAAAAAA4D8AAAAAAADgPwAAAAAAAOA/AAAAAAAA4D8CAAAAjAAAAAAAAAAAAAAAu+DjDP///wgAAAAAAAAAAAAAAAAAAAAAAAAAAAAAAAAAAAAAZAAAAAEAAABAAAAAAAAAAAAAAAAAAAAAAAAAAAAAAAAAAAAAAAAAAAAAAAAAAAAAAAAAAAAAAAAAAAAAAAAAAAAAAAAAAAAAAAAAAAAAAAAAAAAAAAAAAAAAAAAAAAAAFAAAADwAAAAAAAAAAAAAAAAAAAkUAAAAAQAAABQAAAAUAAAAFAAAAAEAAAAAAAAAZAAAAGQAAAAAAAAAZAAAAGQAAAAVAAAAYAAAAAAAAAAAAAAADwAAACADAAAAAAAAAAAAAAEAAACgMgAAVgcAAKr4//8BAAAAf39/AAEAAABkAAAAAAAAABQAAABAHwAAAAAAACYAAAAAAAAAwOD//wAAAAAmAAAAZAAAABYAAABMAAAAAAAAAAAAAAAEAAAAAAAAAAEAAACAgIAKAAAAACgAAAAoAAAAZAAAAGQAAAAAAAAAzMzMAAAAAABQAAAAUAAAAGQAAABkAAAAAAAAABcAAAAUAAAAAAAAAAAAAAD/fwAA/38AAAAAAAAJAAAABAAAAMsQ5T8MAAAAEAAAAAAAAAAAAAAAAAAAAAAAAAAeAAAAaAAAAAAAAAAAAAAAAAAAAAAAAAAAAAAAECcAABAnAAAAAAAAAAAAAAAAAAAAAAAAAAAAAAAAAAAAAAAAAAAAABQAAAAAAAAAwMD/AAAAAABkAAAAMgAAAAAAAABkAAAAAAAAAH9/fwAKAAAAHwAAAFQAAAAAAAAFAAAAAQAAAAAAAAAAAAAAAAAAAAAAAAAAAAAAAAAAAAAAAAAAAAAAAn9/fwAAAAADzMzMAMDA/wB/f38AAAAAAAAAAAAAAAAAAAAAAAAAAAAhAAAAGAAAABQAAAByBAAA4REAAEI0AAAcGwAAEAAAACYAAAAIAAAAgYAAAAAAAAA="/>
               </a:ext>
             </a:extLst>
           </p:cNvSpPr>
@@ -1142,7 +1130,7 @@
             <a:spLocks noGrp="1" noChangeArrowheads="1"/>
             <a:extLst>
               <a:ext uri="smNativeData">
-                <pr:smNativeData xmlns:pr="smNativeData" val="SMDATA_13_HczeZRMAAAAlAAAAZAAAAA8BAAAAkAAAAEgAAACQAAAASAAAAAAAAAABAAAAAAAAAAEAAABQAAAAAAAAAAAA4D8AAAAAAADgPwAAAAAAAOA/AAAAAAAA4D8AAAAAAADgPwAAAAAAAOA/AAAAAAAA4D8AAAAAAADgPwAAAAAAAOA/AAAAAAAA4D8CAAAAjAAAAAAAAAAAAAAAu+DjDP///wgAAAAAAAAAAAAAAAAAAAAAAAAAAAAAAAAAAAAAZAAAAAEAAABAAAAAAAAAAAAAAAAAAAAAAAAAAAAAAAAAAAAAAAAAAAAAAAAAAAAAAAAAAAAAAAAAAAAAAAAAAAAAAAAAAAAAAAAAAAAAAAAAAAAAAAAAAAAAAAAAAAAAFAAAADwAAAAAAAAAAAAAAAAAAAkUAAAAAQAAABQAAAAUAAAAFAAAAAEAAAAAAAAAZAAAAGQAAAAAAAAAZAAAAGQAAAAVAAAAYAAAAAAAAAAAAAAADwAAACADAAAAAAAAAAAAAAEAAACgMgAAVgcAAKr4//8BAAAAf39/AAEAAABkAAAAAAAAABQAAABAHwAAAAAAACYAAAAAAAAAwOD//wAAAAAmAAAAZAAAABYAAABMAAAAAAAAAAAAAAAEAAAAAAAAAAEAAACAgIAKAAAAACgAAAAoAAAAZAAAAGQAAAAAAAAAzMzMAAAAAABQAAAAUAAAAGQAAABkAAAAAAAAABcAAAAUAAAAAAAAAAAAAAD/fwAA/38AAAAAAAAJAAAABAAAAAAAAAAMAAAAEAAAAAAAAAAAAAAAAAAAAAAAAAAeAAAAaAAAAAAAAAAAAAAAAAAAAAAAAAAAAAAAECcAABAnAAAAAAAAAAAAAAAAAAAAAAAAAAAAAAAAAAAAAAAAAAAAABQAAAAAAAAAwMD/AAAAAABkAAAAMgAAAAAAAABkAAAAAAAAAH9/fwAKAAAAHwAAAFQAAAAAAAAFAAAAAQAAAAAAAAAAAAAAAAAAAAAAAAAAAAAAAAAAAAAAAAAAAAAAAn9/fwAAAAADzMzMAMDA/wB/f38AAAAAAAAAAAAAAAAAAAAAAAAAAAAhAAAAGAAAABQAAADQAgAAGycAAPAPAABZKQAAAAAAACYAAAAIAAAAAAAAAAAAAAA="/>
+                <pr:smNativeData xmlns:pr="smNativeData" val="SMDATA_13_1CvgZRMAAAAlAAAAZAAAAA8BAAAAkAAAAEgAAACQAAAASAAAAAAAAAABAAAAAAAAAAEAAABQAAAAAAAAAAAA4D8AAAAAAADgPwAAAAAAAOA/AAAAAAAA4D8AAAAAAADgPwAAAAAAAOA/AAAAAAAA4D8AAAAAAADgPwAAAAAAAOA/AAAAAAAA4D8CAAAAjAAAAAAAAAAAAAAAu+DjDP///wgAAAAAAAAAAAAAAAAAAAAAAAAAAAAAAAAAAAAAZAAAAAEAAABAAAAAAAAAAAAAAAAAAAAAAAAAAAAAAAAAAAAAAAAAAAAAAAAAAAAAAAAAAAAAAAAAAAAAAAAAAAAAAAAAAAAAAAAAAAAAAAAAAAAAAAAAAAAAAAAAAAAAFAAAADwAAAAAAAAAAAAAAAAAAAkUAAAAAQAAABQAAAAUAAAAFAAAAAEAAAAAAAAAZAAAAGQAAAAAAAAAZAAAAGQAAAAVAAAAYAAAAAAAAAAAAAAADwAAACADAAAAAAAAAAAAAAEAAACgMgAAVgcAAKr4//8BAAAAf39/AAEAAABkAAAAAAAAABQAAABAHwAAAAAAACYAAAAAAAAAwOD//wAAAAAmAAAAZAAAABYAAABMAAAAAAAAAAAAAAAEAAAAAAAAAAEAAACAgIAKAAAAACgAAAAoAAAAZAAAAGQAAAAAAAAAzMzMAAAAAABQAAAAUAAAAGQAAABkAAAAAAAAABcAAAAUAAAAAAAAAAAAAAD/fwAA/38AAAAAAAAJAAAABAAAAAAAAAAMAAAAEAAAAAAAAAAAAAAAAAAAAAAAAAAeAAAAaAAAAAAAAAAAAAAAAAAAAAAAAAAAAAAAECcAABAnAAAAAAAAAAAAAAAAAAAAAAAAAAAAAAAAAAAAAAAAAAAAABQAAAAAAAAAwMD/AAAAAABkAAAAMgAAAAAAAABkAAAAAAAAAH9/fwAKAAAAHwAAAFQAAAAAAAAFAAAAAQAAAAAAAAAAAAAAAAAAAAAAAAAAAAAAAAAAAAAAAAAAAAAAAn9/fwAAAAADzMzMAMDA/wB/f38AAAAAAAAAAAAAAAAAAAAAAAAAAAAhAAAAGAAAABQAAADQAgAAGycAAPAPAABZKQAAEAAAACYAAAAIAAAAAAAAAAAAAAA="/>
               </a:ext>
             </a:extLst>
           </p:cNvSpPr>
@@ -1156,7 +1144,7 @@
           <a:lstStyle/>
           <a:p>
             <a:pPr/>
-            <a:fld id="{3FD86DFB-B5D2-8D9B-9C60-43CE232E6A16}" type="datetime1">
+            <a:fld id="{3E460FC6-88D3-13F9-9DFE-7EAC41B06B2B}" type="datetime1">
               <a:t/>
             </a:fld>
           </a:p>
@@ -1169,7 +1157,7 @@
             <a:spLocks noGrp="1" noChangeArrowheads="1"/>
             <a:extLst>
               <a:ext uri="smNativeData">
-                <pr:smNativeData xmlns:pr="smNativeData" val="SMDATA_13_HczeZRMAAAAlAAAAZAAAAA8BAAAAkAAAAEgAAACQAAAASAAAAAAAAAABAAAAAAAAAAEAAABQAAAAAAAAAAAA4D8AAAAAAADgPwAAAAAAAOA/AAAAAAAA4D8AAAAAAADgPwAAAAAAAOA/AAAAAAAA4D8AAAAAAADgPwAAAAAAAOA/AAAAAAAA4D8CAAAAjAAAAAAAAAAAAAAAu+DjDP///wgAAAAAAAAAAAAAAAAAAAAAAAAAAAAAAAAAAAAAZAAAAAEAAABAAAAAAAAAAAAAAAAAAAAAAAAAAAAAAAAAAAAAAAAAAAAAAAAAAAAAAAAAAAAAAAAAAAAAAAAAAAAAAAAAAAAAAAAAAAAAAAAAAAAAAAAAAAAAAAAAAAAAFAAAADwAAAAAAAAAAAAAAAAAAAkUAAAAAQAAABQAAAAUAAAAFAAAAAEAAAAAAAAAZAAAAGQAAAAAAAAAZAAAAGQAAAAVAAAAYAAAAAAAAAAAAAAADwAAACADAAAAAAAAAAAAAAEAAACgMgAAVgcAAKr4//8BAAAAf39/AAEAAABkAAAAAAAAABQAAABAHwAAAAAAACYAAAAAAAAAwOD//wAAAAAmAAAAZAAAABYAAABMAAAAAAAAAAAAAAAEAAAAAAAAAAEAAACAgIAKAAAAACgAAAAoAAAAZAAAAGQAAAAAAAAAzMzMAAAAAABQAAAAUAAAAGQAAABkAAAAAAAAABcAAAAUAAAAAAAAAAAAAAD/fwAA/38AAAAAAAAJAAAABAAAAAAAAAAMAAAAEAAAAAAAAAAAAAAAAAAAAAAAAAAeAAAAaAAAAAAAAAAAAAAAAAAAAAAAAAAAAAAAECcAABAnAAAAAAAAAAAAAAAAAAAAAAAAAAAAAAAAAAAAAAAAAAAAABQAAAAAAAAAwMD/AAAAAABkAAAAMgAAAAAAAABkAAAAAAAAAH9/fwAKAAAAHwAAAFQAAAAAAAAFAAAAAQAAAAAAAAAAAAAAAAAAAAAAAAAAAAAAAAAAAAAAAAAAAAAAAn9/fwAAAAADzMzMAMDA/wB/f38AAAAAAAAAAAAAAAAAAAAAAAAAAAAhAAAAGAAAABQAAAA4EwAAGycAAAglAABZKQAAAAAAACYAAAAIAAAAAAAAAAAAAAA="/>
+                <pr:smNativeData xmlns:pr="smNativeData" val="SMDATA_13_1CvgZRMAAAAlAAAAZAAAAA8BAAAAkAAAAEgAAACQAAAASAAAAAAAAAABAAAAAAAAAAEAAABQAAAAAAAAAAAA4D8AAAAAAADgPwAAAAAAAOA/AAAAAAAA4D8AAAAAAADgPwAAAAAAAOA/AAAAAAAA4D8AAAAAAADgPwAAAAAAAOA/AAAAAAAA4D8CAAAAjAAAAAAAAAAAAAAAu+DjDP///wgAAAAAAAAAAAAAAAAAAAAAAAAAAAAAAAAAAAAAZAAAAAEAAABAAAAAAAAAAAAAAAAAAAAAAAAAAAAAAAAAAAAAAAAAAAAAAAAAAAAAAAAAAAAAAAAAAAAAAAAAAAAAAAAAAAAAAAAAAAAAAAAAAAAAAAAAAAAAAAAAAAAAFAAAADwAAAAAAAAAAAAAAAAAAAkUAAAAAQAAABQAAAAUAAAAFAAAAAEAAAAAAAAAZAAAAGQAAAAAAAAAZAAAAGQAAAAVAAAAYAAAAAAAAAAAAAAADwAAACADAAAAAAAAAAAAAAEAAACgMgAAVgcAAKr4//8BAAAAf39/AAEAAABkAAAAAAAAABQAAABAHwAAAAAAACYAAAAAAAAAwOD//wAAAAAmAAAAZAAAABYAAABMAAAAAAAAAAAAAAAEAAAAAAAAAAEAAACAgIAKAAAAACgAAAAoAAAAZAAAAGQAAAAAAAAAzMzMAAAAAABQAAAAUAAAAGQAAABkAAAAAAAAABcAAAAUAAAAAAAAAAAAAAD/fwAA/38AAAAAAAAJAAAABAAAAAAAAAAMAAAAEAAAAAAAAAAAAAAAAAAAAAAAAAAeAAAAaAAAAAAAAAAAAAAAAAAAAAAAAAAAAAAAECcAABAnAAAAAAAAAAAAAAAAAAAAAAAAAAAAAAAAAAAAAAAAAAAAABQAAAAAAAAAwMD/AAAAAABkAAAAMgAAAAAAAABkAAAAAAAAAH9/fwAKAAAAHwAAAFQAAAAAAAAFAAAAAQAAAAAAAAAAAAAAAAAAAAAAAAAAAAAAAAAAAAAAAAAAAAAAAn9/fwAAAAADzMzMAMDA/wB/f38AAAAAAAAAAAAAAAAAAAAAAAAAAAAhAAAAGAAAABQAAAA4EwAAGycAAAglAABZKQAAEAAAACYAAAAIAAAAAAAAAAAAAAA="/>
               </a:ext>
             </a:extLst>
           </p:cNvSpPr>
@@ -1183,9 +1171,6 @@
           <a:lstStyle/>
           <a:p>
             <a:pPr/>
-            <a:r>
-              <a:t/>
-            </a:r>
           </a:p>
         </p:txBody>
       </p:sp>
@@ -1196,7 +1181,7 @@
             <a:spLocks noGrp="1" noChangeArrowheads="1"/>
             <a:extLst>
               <a:ext uri="smNativeData">
-                <pr:smNativeData xmlns:pr="smNativeData" val="SMDATA_13_HczeZRMAAAAlAAAAZAAAAA8BAAAAkAAAAEgAAACQAAAASAAAAAAAAAABAAAAAAAAAAEAAABQAAAAAAAAAAAA4D8AAAAAAADgPwAAAAAAAOA/AAAAAAAA4D8AAAAAAADgPwAAAAAAAOA/AAAAAAAA4D8AAAAAAADgPwAAAAAAAOA/AAAAAAAA4D8CAAAAjAAAAAAAAAAAAAAAu+DjDP///wgAAAAAAAAAAAAAAAAAAAAAAAAAAAAAAAAAAAAAZAAAAAEAAABAAAAAAAAAAAAAAAAAAAAAAAAAAAAAAAAAAAAAAAAAAAAAAAAAAAAAAAAAAAAAAAAAAAAAAAAAAAAAAAAAAAAAAAAAAAAAAAAAAAAAAAAAAAAAAAAAAAAAFAAAADwAAAAAAAAAAAAAAAAAAAkUAAAAAQAAABQAAAAUAAAAFAAAAAEAAAAAAAAAZAAAAGQAAAAAAAAAZAAAAGQAAAAVAAAAYAAAAAAAAAAAAAAADwAAACADAAAAAAAAAAAAAAEAAACgMgAAVgcAAKr4//8BAAAAf39/AAEAAABkAAAAAAAAABQAAABAHwAAAAAAACYAAAAAAAAAwOD//wAAAAAmAAAAZAAAABYAAABMAAAAAAAAAAAAAAAEAAAAAAAAAAEAAACAgIAKAAAAACgAAAAoAAAAZAAAAGQAAAAAAAAAzMzMAAAAAABQAAAAUAAAAGQAAABkAAAAAAAAABcAAAAUAAAAAAAAAAAAAAD/fwAA/38AAAAAAAAJAAAABAAAAAAAAAAMAAAAEAAAAAAAAAAAAAAAAAAAAAAAAAAeAAAAaAAAAAAAAAAAAAAAAAAAAAAAAAAAAAAAECcAABAnAAAAAAAAAAAAAAAAAAAAAAAAAAAAAAAAAAAAAAAAAAAAABQAAAAAAAAAwMD/AAAAAABkAAAAMgAAAAAAAABkAAAAAAAAAH9/fwAKAAAAHwAAAFQAAAAAAAAFAAAAAQAAAAAAAAAAAAAAAAAAAAAAAAAAAAAAAAAAAAAAAAAAAAAAAn9/fwAAAAADzMzMAMDA/wB/f38AAAAAAAAAAAAAAAAAAAAAAAAAAAAhAAAAGAAAABQAAABQKAAAGycAAHA1AABZKQAAAAAAACYAAAAIAAAAAAAAAAAAAAA="/>
+                <pr:smNativeData xmlns:pr="smNativeData" val="SMDATA_13_1CvgZRMAAAAlAAAAZAAAAA8BAAAAkAAAAEgAAACQAAAASAAAAAAAAAABAAAAAAAAAAEAAABQAAAAAAAAAAAA4D8AAAAAAADgPwAAAAAAAOA/AAAAAAAA4D8AAAAAAADgPwAAAAAAAOA/AAAAAAAA4D8AAAAAAADgPwAAAAAAAOA/AAAAAAAA4D8CAAAAjAAAAAAAAAAAAAAAu+DjDP///wgAAAAAAAAAAAAAAAAAAAAAAAAAAAAAAAAAAAAAZAAAAAEAAABAAAAAAAAAAAAAAAAAAAAAAAAAAAAAAAAAAAAAAAAAAAAAAAAAAAAAAAAAAAAAAAAAAAAAAAAAAAAAAAAAAAAAAAAAAAAAAAAAAAAAAAAAAAAAAAAAAAAAFAAAADwAAAAAAAAAAAAAAAAAAAkUAAAAAQAAABQAAAAUAAAAFAAAAAEAAAAAAAAAZAAAAGQAAAAAAAAAZAAAAGQAAAAVAAAAYAAAAAAAAAAAAAAADwAAACADAAAAAAAAAAAAAAEAAACgMgAAVgcAAKr4//8BAAAAf39/AAEAAABkAAAAAAAAABQAAABAHwAAAAAAACYAAAAAAAAAwOD//wAAAAAmAAAAZAAAABYAAABMAAAAAAAAAAAAAAAEAAAAAAAAAAEAAACAgIAKAAAAACgAAAAoAAAAZAAAAGQAAAAAAAAAzMzMAAAAAABQAAAAUAAAAGQAAABkAAAAAAAAABcAAAAUAAAAAAAAAAAAAAD/fwAA/38AAAAAAAAJAAAABAAAAAAAAAAMAAAAEAAAAAAAAAAAAAAAAAAAAAAAAAAeAAAAaAAAAAAAAAAAAAAAAAAAAAAAAAAAAAAAECcAABAnAAAAAAAAAAAAAAAAAAAAAAAAAAAAAAAAAAAAAAAAAAAAABQAAAAAAAAAwMD/AAAAAABkAAAAMgAAAAAAAABkAAAAAAAAAH9/fwAKAAAAHwAAAFQAAAAAAAAFAAAAAQAAAAAAAAAAAAAAAAAAAAAAAAAAAAAAAAAAAAAAAAAAAAAAAn9/fwAAAAADzMzMAMDA/wB/f38AAAAAAAAAAAAAAAAAAAAAAAAAAAAhAAAAGAAAABQAAABQKAAAGycAAHA1AABZKQAAEAAAACYAAAAIAAAAAAAAAAAAAAA="/>
               </a:ext>
             </a:extLst>
           </p:cNvSpPr>
@@ -1210,7 +1195,7 @@
           <a:lstStyle/>
           <a:p>
             <a:pPr/>
-            <a:fld id="{3FD83A68-26D2-8DCC-9C60-D099742E6A85}" type="slidenum">
+            <a:fld id="{3E4675F1-BFD3-1383-9DFE-49D63BB06B1C}" type="slidenum">
               <a:t/>
             </a:fld>
           </a:p>
@@ -1248,7 +1233,7 @@
             <a:spLocks noGrp="1" noChangeArrowheads="1"/>
             <a:extLst>
               <a:ext uri="smNativeData">
-                <pr:smNativeData xmlns:pr="smNativeData" val="SMDATA_13_HczeZRMAAAAlAAAAZAAAAA8BAAAAkAAAAEgAAACQAAAASAAAAAAAAAABAAAAAAAAAAEAAABQAAAAAAAAAAAA4D8AAAAAAADgPwAAAAAAAOA/AAAAAAAA4D8AAAAAAADgPwAAAAAAAOA/AAAAAAAA4D8AAAAAAADgPwAAAAAAAOA/AAAAAAAA4D8CAAAAjAAAAAAAAAAAAAAAu+DjDP///wgAAAAAAAAAAAAAAAAAAAAAAAAAAAAAAAAAAAAAZAAAAAEAAABAAAAAAAAAAAAAAAAAAAAAAAAAAAAAAAAAAAAAAAAAAAAAAAAAAAAAAAAAAAAAAAAAAAAAAAAAAAAAAAAAAAAAAAAAAAAAAAAAAAAAAAAAAAAAAAAAAAAAFAAAADwAAAAAAAAAAAAAAAAAAAkUAAAAAQAAABQAAAAUAAAAFAAAAAEAAAAAAAAAZAAAAGQAAAAAAAAAZAAAAGQAAAAVAAAAYAAAAAAAAAAAAAAADwAAACADAAAAAAAAAAAAAAEAAACgMgAAVgcAAKr4//8BAAAAf39/AAEAAABkAAAAAAAAABQAAABAHwAAAAAAACYAAAAAAAAAwOD//wAAAAAmAAAAZAAAABYAAABMAAAAAAAAAAAAAAAEAAAAAAAAAAEAAACAgIAKAAAAACgAAAAoAAAAZAAAAGQAAAAAAAAAzMzMAAAAAABQAAAAUAAAAGQAAABkAAAAAAAAABcAAAAUAAAAAAAAAAAAAAD/fwAA/38AAAAAAAAJAAAABAAAAAAAAAAMAAAAEAAAAAAAAAAAAAAAAAAAAAAAAAAeAAAAaAAAAAAAAAAAAAAAAAAAAAAAAAAAAAAAECcAABAnAAAAAAAAAAAAAAAAAAAAAAAAAAAAAAAAAAAAAAAAAAAAABQAAAAAAAAAwMD/AAAAAABkAAAAMgAAAAAAAABkAAAAAAAAAH9/fwAKAAAAHwAAAFQAAAAAAAAFAAAAAQAAAAAAAAAAAAAAAAAAAAAAAAAAAAAAAAAAAAAAAAAAAAAAAn9/fwAAAAADzMzMAMDA/wB/f38AAAAAAAAAAAAAAAAAAAAAAAAAAAAhAAAAGAAAABQAAADQAgAAsAEAAHA1AAC4CAAAAAAAACYAAAAIAAAAAAAAAAAAAAA="/>
+                <pr:smNativeData xmlns:pr="smNativeData" val="SMDATA_13_1CvgZRMAAAAlAAAAZAAAAA8BAAAAkAAAAEgAAACQAAAASAAAAAAAAAABAAAAAAAAAAEAAABQAAAAAAAAAAAA4D8AAAAAAADgPwAAAAAAAOA/AAAAAAAA4D8AAAAAAADgPwAAAAAAAOA/AAAAAAAA4D8AAAAAAADgPwAAAAAAAOA/AAAAAAAA4D8CAAAAjAAAAAAAAAAAAAAAu+DjDP///wgAAAAAAAAAAAAAAAAAAAAAAAAAAAAAAAAAAAAAZAAAAAEAAABAAAAAAAAAAAAAAAAAAAAAAAAAAAAAAAAAAAAAAAAAAAAAAAAAAAAAAAAAAAAAAAAAAAAAAAAAAAAAAAAAAAAAAAAAAAAAAAAAAAAAAAAAAAAAAAAAAAAAFAAAADwAAAAAAAAAAAAAAAAAAAkUAAAAAQAAABQAAAAUAAAAFAAAAAEAAAAAAAAAZAAAAGQAAAAAAAAAZAAAAGQAAAAVAAAAYAAAAAAAAAAAAAAADwAAACADAAAAAAAAAAAAAAEAAACgMgAAVgcAAKr4//8BAAAAf39/AAEAAABkAAAAAAAAABQAAABAHwAAAAAAACYAAAAAAAAAwOD//wAAAAAmAAAAZAAAABYAAABMAAAAAAAAAAAAAAAEAAAAAAAAAAEAAACAgIAKAAAAACgAAAAoAAAAZAAAAGQAAAAAAAAAzMzMAAAAAABQAAAAUAAAAGQAAABkAAAAAAAAABcAAAAUAAAAAAAAAAAAAAD/fwAA/38AAAAAAAAJAAAABAAAAAAAAAAMAAAAEAAAAAAAAAAAAAAAAAAAAAAAAAAeAAAAaAAAAAAAAAAAAAAAAAAAAAAAAAAAAAAAECcAABAnAAAAAAAAAAAAAAAAAAAAAAAAAAAAAAAAAAAAAAAAAAAAABQAAAAAAAAAwMD/AAAAAABkAAAAMgAAAAAAAABkAAAAAAAAAH9/fwAKAAAAHwAAAFQAAAAAAAAFAAAAAQAAAAAAAAAAAAAAAAAAAAAAAAAAAAAAAAAAAAAAAAAAAAAAAn9/fwAAAAADzMzMAMDA/wB/f38AAAAAAAAAAAAAAAAAAAAAAAAAAAAhAAAAGAAAABQAAADQAgAAsAEAAHA1AAC4CAAAEAAAACYAAAAIAAAAAAAAAAAAAAA="/>
               </a:ext>
             </a:extLst>
           </p:cNvSpPr>
@@ -1275,12 +1260,12 @@
             <a:spLocks noGrp="1" noChangeArrowheads="1"/>
             <a:extLst>
               <a:ext uri="smNativeData">
-                <pr:smNativeData xmlns:pr="smNativeData" val="SMDATA_13_HczeZRMAAAAlAAAAZAAAAA8BAAAAkAAAAEgAAACQAAAASAAAAAAAAAAAAAAAAAAAAAEAAABQAAAAAAAAAAAA4D8AAAAAAADgPwAAAAAAAOA/AAAAAAAA4D8AAAAAAADgPwAAAAAAAOA/AAAAAAAA4D8AAAAAAADgPwAAAAAAAOA/AAAAAAAA4D8CAAAAjAAAAAAAAAAAAAAAu+DjDP///wgAAAAAAAAAAAAAAAAAAAAAAAAAAAAAAAAAAAAAZAAAAAEAAABAAAAAAAAAAAAAAAAAAAAAAAAAAAAAAAAAAAAAAAAAAAAAAAAAAAAAAAAAAAAAAAAAAAAAAAAAAAAAAAAAAAAAAAAAAAAAAAAAAAAAAAAAAAAAAAAAAAAAFAAAADwAAAAAAAAAAAAAAAAAAAkUAAAAAQAAABQAAAAUAAAAFAAAAAEAAAAAAAAAZAAAAGQAAAAAAAAAZAAAAGQAAAAVAAAAYAAAAAAAAAAAAAAADwAAACADAAAAAAAAAAAAAAEAAACgMgAAVgcAAKr4//8BAAAAf39/AAEAAABkAAAAAAAAABQAAABAHwAAAAAAACYAAAAAAAAAwOD//wAAAAAmAAAAZAAAABYAAABMAAAAAAAAAAAAAAAEAAAAAAAAAAEAAACAgIAKAAAAACgAAAAoAAAAZAAAAGQAAAAAAAAAzMzMAAAAAABQAAAAUAAAAGQAAABkAAAAAAAAABcAAAAUAAAAAAAAAAAAAAD/fwAA/38AAAAAAAAJAAAABAAAAAAAAAAMAAAAEAAAAAAAAAAAAAAAAAAAAAAAAAAeAAAAaAAAAAAAAAAAAAAAAAAAAAAAAAAAAAAAECcAABAnAAAAAAAAAAAAAAAAAAAAAAAAAAAAAAAAAAAAAAAAAAAAABQAAAAAAAAAwMD/AAAAAABkAAAAMgAAAAAAAABkAAAAAAAAAH9/fwAKAAAAHwAAAFQAAAAAAAAFAAAAAQAAAAAAAAAAAAAAAAAAAAAAAAAAAAAAAAAAAAAAAAAAAAAAAn9/fwAAAAADzMzMAMDA/wB/f38AAAAAAAAAAAAAAAAAAAAAAAAAAAAhAAAAGAAAABQAAADQAgAA2AkAAKgbAACwJQAAAAAAACYAAAAIAAAAAYAAAAAAAAA="/>
+                <pr:smNativeData xmlns:pr="smNativeData" val="SMDATA_13_1CvgZRMAAAAlAAAAZAAAAA8BAAAAkAAAAEgAAACQAAAASAAAAAAAAAAAAAAAAAAAAAEAAABQAAAAAAAAAAAA4D8AAAAAAADgPwAAAAAAAOA/AAAAAAAA4D8AAAAAAADgPwAAAAAAAOA/AAAAAAAA4D8AAAAAAADgPwAAAAAAAOA/AAAAAAAA4D8CAAAAjAAAAAAAAAAAAAAAu+DjDP///wgAAAAAAAAAAAAAAAAAAAAAAAAAAAAAAAAAAAAAZAAAAAEAAABAAAAAAAAAAAAAAAAAAAAAAAAAAAAAAAAAAAAAAAAAAAAAAAAAAAAAAAAAAAAAAAAAAAAAAAAAAAAAAAAAAAAAAAAAAAAAAAAAAAAAAAAAAAAAAAAAAAAAFAAAADwAAAAAAAAAAAAAAAAAAAkUAAAAAQAAABQAAAAUAAAAFAAAAAEAAAAAAAAAZAAAAGQAAAAAAAAAZAAAAGQAAAAVAAAAYAAAAAAAAAAAAAAADwAAACADAAAAAAAAAAAAAAEAAACgMgAAVgcAAKr4//8BAAAAf39/AAEAAABkAAAAAAAAABQAAABAHwAAAAAAACYAAAAAAAAAwOD//wAAAAAmAAAAZAAAABYAAABMAAAAAAAAAAAAAAAEAAAAAAAAAAEAAACAgIAKAAAAACgAAAAoAAAAZAAAAGQAAAAAAAAAzMzMAAAAAABQAAAAUAAAAGQAAABkAAAAAAAAABcAAAAUAAAAAAAAAAAAAAD/fwAA/38AAAAAAAAJAAAABAAAAAAAAAAMAAAAEAAAAAAAAAAAAAAAAAAAAAAAAAAeAAAAaAAAAAAAAAAAAAAAAAAAAAAAAAAAAAAAECcAABAnAAAAAAAAAAAAAAAAAAAAAAAAAAAAAAAAAAAAAAAAAAAAABQAAAAAAAAAwMD/AAAAAABkAAAAMgAAAAAAAABkAAAAAAAAAH9/fwAKAAAAHwAAAFQAAAAAAAAFAAAAAQAAAAAAAAAAAAAAAAAAAAAAAAAAAAAAAAAAAAAAAAAAAAAAAn9/fwAAAAADzMzMAMDA/wB/f38AAAAAAAAAAAAAAAAAAAAAAAAAAAAhAAAAGAAAABQAAADQAgAA2AkAAKgbAACwJQAAEAAAACYAAAAIAAAAAYAAAAAAAAA="/>
               </a:ext>
             </a:extLst>
           </p:cNvSpPr>
           <p:nvPr>
-            <p:ph sz="half" idx="1"/>
+            <p:ph idx="1"/>
           </p:nvPr>
         </p:nvSpPr>
         <p:spPr>
@@ -1359,12 +1344,12 @@
             <a:spLocks noGrp="1" noChangeArrowheads="1"/>
             <a:extLst>
               <a:ext uri="smNativeData">
-                <pr:smNativeData xmlns:pr="smNativeData" val="SMDATA_13_HczeZRMAAAAlAAAAZAAAAA8BAAAAkAAAAEgAAACQAAAASAAAAAAAAAAAAAAAAAAAAAEAAABQAAAAAAAAAAAA4D8AAAAAAADgPwAAAAAAAOA/AAAAAAAA4D8AAAAAAADgPwAAAAAAAOA/AAAAAAAA4D8AAAAAAADgPwAAAAAAAOA/AAAAAAAA4D8CAAAAjAAAAAAAAAAAAAAAu+DjDP///wgAAAAAAAAAAAAAAAAAAAAAAAAAAAAAAAAAAAAAZAAAAAEAAABAAAAAAAAAAAAAAAAAAAAAAAAAAAAAAAAAAAAAAAAAAAAAAAAAAAAAAAAAAAAAAAAAAAAAAAAAAAAAAAAAAAAAAAAAAAAAAAAAAAAAAAAAAAAAAAAAAAAAFAAAADwAAAAAAAAAAAAAAAAAAAkUAAAAAQAAABQAAAAUAAAAFAAAAAEAAAAAAAAAZAAAAGQAAAAAAAAAZAAAAGQAAAAVAAAAYAAAAAAAAAAAAAAADwAAACADAAAAAAAAAAAAAAEAAACgMgAAVgcAAKr4//8BAAAAf39/AAEAAABkAAAAAAAAABQAAABAHwAAAAAAACYAAAAAAAAAwOD//wAAAAAmAAAAZAAAABYAAABMAAAAAAAAAAAAAAAEAAAAAAAAAAEAAACAgIAKAAAAACgAAAAoAAAAZAAAAGQAAAAAAAAAzMzMAAAAAABQAAAAUAAAAGQAAABkAAAAAAAAABcAAAAUAAAAAAAAAAAAAAD/fwAA/38AAAAAAAAJAAAABAAAAAAAAAAMAAAAEAAAAAAAAAAAAAAAAAAAAAAAAAAeAAAAaAAAAAAAAAAAAAAAAAAAAAAAAAAAAAAAECcAABAnAAAAAAAAAAAAAAAAAAAAAAAAAAAAAAAAAAAAAAAAAAAAABQAAAAAAAAAwMD/AAAAAABkAAAAMgAAAAAAAABkAAAAAAAAAH9/fwAKAAAAHwAAAFQAAAAAAAAFAAAAAQAAAAAAAAAAAAAAAAAAAAAAAAAAAAAAAAAAAAAAAAAAAAAAAn9/fwAAAAADzMzMAMDA/wB/f38AAAAAAAAAAAAAAAAAAAAAAAAAAAAhAAAAGAAAABQAAACYHAAA2AkAAHA1AACwJQAAAAAAACYAAAAIAAAAAYAAAAAAAAA="/>
+                <pr:smNativeData xmlns:pr="smNativeData" val="SMDATA_13_1CvgZRMAAAAlAAAAZAAAAA8BAAAAkAAAAEgAAACQAAAASAAAAAAAAAAAAAAAAAAAAAEAAABQAAAAAAAAAAAA4D8AAAAAAADgPwAAAAAAAOA/AAAAAAAA4D8AAAAAAADgPwAAAAAAAOA/AAAAAAAA4D8AAAAAAADgPwAAAAAAAOA/AAAAAAAA4D8CAAAAjAAAAAAAAAAAAAAAu+DjDP///wgAAAAAAAAAAAAAAAAAAAAAAAAAAAAAAAAAAAAAZAAAAAEAAABAAAAAAAAAAAAAAAAAAAAAAAAAAAAAAAAAAAAAAAAAAAAAAAAAAAAAAAAAAAAAAAAAAAAAAAAAAAAAAAAAAAAAAAAAAAAAAAAAAAAAAAAAAAAAAAAAAAAAFAAAADwAAAAAAAAAAAAAAAAAAAkUAAAAAQAAABQAAAAUAAAAFAAAAAEAAAAAAAAAZAAAAGQAAAAAAAAAZAAAAGQAAAAVAAAAYAAAAAAAAAAAAAAADwAAACADAAAAAAAAAAAAAAEAAACgMgAAVgcAAKr4//8BAAAAf39/AAEAAABkAAAAAAAAABQAAABAHwAAAAAAACYAAAAAAAAAwOD//wAAAAAmAAAAZAAAABYAAABMAAAAAAAAAAAAAAAEAAAAAAAAAAEAAACAgIAKAAAAACgAAAAoAAAAZAAAAGQAAAAAAAAAzMzMAAAAAABQAAAAUAAAAGQAAABkAAAAAAAAABcAAAAUAAAAAAAAAAAAAAD/fwAA/38AAAAAAAAJAAAABAAAAAAAAAAMAAAAEAAAAAAAAAAAAAAAAAAAAAAAAAAeAAAAaAAAAAAAAAAAAAAAAAAAAAAAAAAAAAAAECcAABAnAAAAAAAAAAAAAAAAAAAAAAAAAAAAAAAAAAAAAAAAAAAAABQAAAAAAAAAwMD/AAAAAABkAAAAMgAAAAAAAABkAAAAAAAAAH9/fwAKAAAAHwAAAFQAAAAAAAAFAAAAAQAAAAAAAAAAAAAAAAAAAAAAAAAAAAAAAAAAAAAAAAAAAAAAAn9/fwAAAAADzMzMAMDA/wB/f38AAAAAAAAAAAAAAAAAAAAAAAAAAAAhAAAAGAAAABQAAACYHAAA2AkAAHA1AACwJQAAEAAAACYAAAAIAAAAAYAAAAAAAAA="/>
               </a:ext>
             </a:extLst>
           </p:cNvSpPr>
           <p:nvPr>
-            <p:ph sz="half" idx="2"/>
+            <p:ph idx="2"/>
           </p:nvPr>
         </p:nvSpPr>
         <p:spPr>
@@ -1443,7 +1428,7 @@
             <a:spLocks noGrp="1" noChangeArrowheads="1"/>
             <a:extLst>
               <a:ext uri="smNativeData">
-                <pr:smNativeData xmlns:pr="smNativeData" val="SMDATA_13_HczeZRMAAAAlAAAAZAAAAA8BAAAAkAAAAEgAAACQAAAASAAAAAAAAAABAAAAAAAAAAEAAABQAAAAAAAAAAAA4D8AAAAAAADgPwAAAAAAAOA/AAAAAAAA4D8AAAAAAADgPwAAAAAAAOA/AAAAAAAA4D8AAAAAAADgPwAAAAAAAOA/AAAAAAAA4D8CAAAAjAAAAAAAAAAAAAAAu+DjDP///wgAAAAAAAAAAAAAAAAAAAAAAAAAAAAAAAAAAAAAZAAAAAEAAABAAAAAAAAAAAAAAAAAAAAAAAAAAAAAAAAAAAAAAAAAAAAAAAAAAAAAAAAAAAAAAAAAAAAAAAAAAAAAAAAAAAAAAAAAAAAAAAAAAAAAAAAAAAAAAAAAAAAAFAAAADwAAAAAAAAAAAAAAAAAAAkUAAAAAQAAABQAAAAUAAAAFAAAAAEAAAAAAAAAZAAAAGQAAAAAAAAAZAAAAGQAAAAVAAAAYAAAAAAAAAAAAAAADwAAACADAAAAAAAAAAAAAAEAAACgMgAAVgcAAKr4//8BAAAAf39/AAEAAABkAAAAAAAAABQAAABAHwAAAAAAACYAAAAAAAAAwOD//wAAAAAmAAAAZAAAABYAAABMAAAAAAAAAAAAAAAEAAAAAAAAAAEAAACAgIAKAAAAACgAAAAoAAAAZAAAAGQAAAAAAAAAzMzMAAAAAABQAAAAUAAAAGQAAABkAAAAAAAAABcAAAAUAAAAAAAAAAAAAAD/fwAA/38AAAAAAAAJAAAABAAAAAAAAAAMAAAAEAAAAAAAAAAAAAAAAAAAAAAAAAAeAAAAaAAAAAAAAAAAAAAAAAAAAAAAAAAAAAAAECcAABAnAAAAAAAAAAAAAAAAAAAAAAAAAAAAAAAAAAAAAAAAAAAAABQAAAAAAAAAwMD/AAAAAABkAAAAMgAAAAAAAABkAAAAAAAAAH9/fwAKAAAAHwAAAFQAAAAAAAAFAAAAAQAAAAAAAAAAAAAAAAAAAAAAAAAAAAAAAAAAAAAAAAAAAAAAAn9/fwAAAAADzMzMAMDA/wB/f38AAAAAAAAAAAAAAAAAAAAAAAAAAAAhAAAAGAAAABQAAADQAgAAGycAAPAPAABZKQAAAAAAACYAAAAIAAAAAAAAAAAAAAA="/>
+                <pr:smNativeData xmlns:pr="smNativeData" val="SMDATA_13_1CvgZRMAAAAlAAAAZAAAAA8BAAAAkAAAAEgAAACQAAAASAAAAAAAAAABAAAAAAAAAAEAAABQAAAAAAAAAAAA4D8AAAAAAADgPwAAAAAAAOA/AAAAAAAA4D8AAAAAAADgPwAAAAAAAOA/AAAAAAAA4D8AAAAAAADgPwAAAAAAAOA/AAAAAAAA4D8CAAAAjAAAAAAAAAAAAAAAu+DjDP///wgAAAAAAAAAAAAAAAAAAAAAAAAAAAAAAAAAAAAAZAAAAAEAAABAAAAAAAAAAAAAAAAAAAAAAAAAAAAAAAAAAAAAAAAAAAAAAAAAAAAAAAAAAAAAAAAAAAAAAAAAAAAAAAAAAAAAAAAAAAAAAAAAAAAAAAAAAAAAAAAAAAAAFAAAADwAAAAAAAAAAAAAAAAAAAkUAAAAAQAAABQAAAAUAAAAFAAAAAEAAAAAAAAAZAAAAGQAAAAAAAAAZAAAAGQAAAAVAAAAYAAAAAAAAAAAAAAADwAAACADAAAAAAAAAAAAAAEAAACgMgAAVgcAAKr4//8BAAAAf39/AAEAAABkAAAAAAAAABQAAABAHwAAAAAAACYAAAAAAAAAwOD//wAAAAAmAAAAZAAAABYAAABMAAAAAAAAAAAAAAAEAAAAAAAAAAEAAACAgIAKAAAAACgAAAAoAAAAZAAAAGQAAAAAAAAAzMzMAAAAAABQAAAAUAAAAGQAAABkAAAAAAAAABcAAAAUAAAAAAAAAAAAAAD/fwAA/38AAAAAAAAJAAAABAAAAAAAAAAMAAAAEAAAAAAAAAAAAAAAAAAAAAAAAAAeAAAAaAAAAAAAAAAAAAAAAAAAAAAAAAAAAAAAECcAABAnAAAAAAAAAAAAAAAAAAAAAAAAAAAAAAAAAAAAAAAAAAAAABQAAAAAAAAAwMD/AAAAAABkAAAAMgAAAAAAAABkAAAAAAAAAH9/fwAKAAAAHwAAAFQAAAAAAAAFAAAAAQAAAAAAAAAAAAAAAAAAAAAAAAAAAAAAAAAAAAAAAAAAAAAAAn9/fwAAAAADzMzMAMDA/wB/f38AAAAAAAAAAAAAAAAAAAAAAAAAAAAhAAAAGAAAABQAAADQAgAAGycAAPAPAABZKQAAEAAAACYAAAAIAAAAAAAAAAAAAAA="/>
               </a:ext>
             </a:extLst>
           </p:cNvSpPr>
@@ -1457,7 +1442,7 @@
           <a:lstStyle/>
           <a:p>
             <a:pPr/>
-            <a:fld id="{3FD813E5-ABD2-8DE5-9C60-5DB05D2E6A08}" type="datetime1">
+            <a:fld id="{3E46481C-52D3-13BE-9DFE-A4EB06B06BF1}" type="datetime1">
               <a:t/>
             </a:fld>
           </a:p>
@@ -1470,7 +1455,7 @@
             <a:spLocks noGrp="1" noChangeArrowheads="1"/>
             <a:extLst>
               <a:ext uri="smNativeData">
-                <pr:smNativeData xmlns:pr="smNativeData" val="SMDATA_13_HczeZRMAAAAlAAAAZAAAAA8BAAAAkAAAAEgAAACQAAAASAAAAAAAAAABAAAAAAAAAAEAAABQAAAAAAAAAAAA4D8AAAAAAADgPwAAAAAAAOA/AAAAAAAA4D8AAAAAAADgPwAAAAAAAOA/AAAAAAAA4D8AAAAAAADgPwAAAAAAAOA/AAAAAAAA4D8CAAAAjAAAAAAAAAAAAAAAu+DjDP///wgAAAAAAAAAAAAAAAAAAAAAAAAAAAAAAAAAAAAAZAAAAAEAAABAAAAAAAAAAAAAAAAAAAAAAAAAAAAAAAAAAAAAAAAAAAAAAAAAAAAAAAAAAAAAAAAAAAAAAAAAAAAAAAAAAAAAAAAAAAAAAAAAAAAAAAAAAAAAAAAAAAAAFAAAADwAAAAAAAAAAAAAAAAAAAkUAAAAAQAAABQAAAAUAAAAFAAAAAEAAAAAAAAAZAAAAGQAAAAAAAAAZAAAAGQAAAAVAAAAYAAAAAAAAAAAAAAADwAAACADAAAAAAAAAAAAAAEAAACgMgAAVgcAAKr4//8BAAAAf39/AAEAAABkAAAAAAAAABQAAABAHwAAAAAAACYAAAAAAAAAwOD//wAAAAAmAAAAZAAAABYAAABMAAAAAAAAAAAAAAAEAAAAAAAAAAEAAACAgIAKAAAAACgAAAAoAAAAZAAAAGQAAAAAAAAAzMzMAAAAAABQAAAAUAAAAGQAAABkAAAAAAAAABcAAAAUAAAAAAAAAAAAAAD/fwAA/38AAAAAAAAJAAAABAAAAAAAAAAMAAAAEAAAAAAAAAAAAAAAAAAAAAAAAAAeAAAAaAAAAAAAAAAAAAAAAAAAAAAAAAAAAAAAECcAABAnAAAAAAAAAAAAAAAAAAAAAAAAAAAAAAAAAAAAAAAAAAAAABQAAAAAAAAAwMD/AAAAAABkAAAAMgAAAAAAAABkAAAAAAAAAH9/fwAKAAAAHwAAAFQAAAAAAAAFAAAAAQAAAAAAAAAAAAAAAAAAAAAAAAAAAAAAAAAAAAAAAAAAAAAAAn9/fwAAAAADzMzMAMDA/wB/f38AAAAAAAAAAAAAAAAAAAAAAAAAAAAhAAAAGAAAABQAAAA4EwAAGycAAAglAABZKQAAAAAAACYAAAAIAAAAAAAAAAAAAAA="/>
+                <pr:smNativeData xmlns:pr="smNativeData" val="SMDATA_13_1CvgZRMAAAAlAAAAZAAAAA8BAAAAkAAAAEgAAACQAAAASAAAAAAAAAABAAAAAAAAAAEAAABQAAAAAAAAAAAA4D8AAAAAAADgPwAAAAAAAOA/AAAAAAAA4D8AAAAAAADgPwAAAAAAAOA/AAAAAAAA4D8AAAAAAADgPwAAAAAAAOA/AAAAAAAA4D8CAAAAjAAAAAAAAAAAAAAAu+DjDP///wgAAAAAAAAAAAAAAAAAAAAAAAAAAAAAAAAAAAAAZAAAAAEAAABAAAAAAAAAAAAAAAAAAAAAAAAAAAAAAAAAAAAAAAAAAAAAAAAAAAAAAAAAAAAAAAAAAAAAAAAAAAAAAAAAAAAAAAAAAAAAAAAAAAAAAAAAAAAAAAAAAAAAFAAAADwAAAAAAAAAAAAAAAAAAAkUAAAAAQAAABQAAAAUAAAAFAAAAAEAAAAAAAAAZAAAAGQAAAAAAAAAZAAAAGQAAAAVAAAAYAAAAAAAAAAAAAAADwAAACADAAAAAAAAAAAAAAEAAACgMgAAVgcAAKr4//8BAAAAf39/AAEAAABkAAAAAAAAABQAAABAHwAAAAAAACYAAAAAAAAAwOD//wAAAAAmAAAAZAAAABYAAABMAAAAAAAAAAAAAAAEAAAAAAAAAAEAAACAgIAKAAAAACgAAAAoAAAAZAAAAGQAAAAAAAAAzMzMAAAAAABQAAAAUAAAAGQAAABkAAAAAAAAABcAAAAUAAAAAAAAAAAAAAD/fwAA/38AAAAAAAAJAAAABAAAAAAAAAAMAAAAEAAAAAAAAAAAAAAAAAAAAAAAAAAeAAAAaAAAAAAAAAAAAAAAAAAAAAAAAAAAAAAAECcAABAnAAAAAAAAAAAAAAAAAAAAAAAAAAAAAAAAAAAAAAAAAAAAABQAAAAAAAAAwMD/AAAAAABkAAAAMgAAAAAAAABkAAAAAAAAAH9/fwAKAAAAHwAAAFQAAAAAAAAFAAAAAQAAAAAAAAAAAAAAAAAAAAAAAAAAAAAAAAAAAAAAAAAAAAAAAn9/fwAAAAADzMzMAMDA/wB/f38AAAAAAAAAAAAAAAAAAAAAAAAAAAAhAAAAGAAAABQAAAA4EwAAGycAAAglAABZKQAAEAAAACYAAAAIAAAAAAAAAAAAAAA="/>
               </a:ext>
             </a:extLst>
           </p:cNvSpPr>
@@ -1484,9 +1469,6 @@
           <a:lstStyle/>
           <a:p>
             <a:pPr/>
-            <a:r>
-              <a:t/>
-            </a:r>
           </a:p>
         </p:txBody>
       </p:sp>
@@ -1497,7 +1479,7 @@
             <a:spLocks noGrp="1" noChangeArrowheads="1"/>
             <a:extLst>
               <a:ext uri="smNativeData">
-                <pr:smNativeData xmlns:pr="smNativeData" val="SMDATA_13_HczeZRMAAAAlAAAAZAAAAA8BAAAAkAAAAEgAAACQAAAASAAAAAAAAAABAAAAAAAAAAEAAABQAAAAAAAAAAAA4D8AAAAAAADgPwAAAAAAAOA/AAAAAAAA4D8AAAAAAADgPwAAAAAAAOA/AAAAAAAA4D8AAAAAAADgPwAAAAAAAOA/AAAAAAAA4D8CAAAAjAAAAAAAAAAAAAAAu+DjDP///wgAAAAAAAAAAAAAAAAAAAAAAAAAAAAAAAAAAAAAZAAAAAEAAABAAAAAAAAAAAAAAAAAAAAAAAAAAAAAAAAAAAAAAAAAAAAAAAAAAAAAAAAAAAAAAAAAAAAAAAAAAAAAAAAAAAAAAAAAAAAAAAAAAAAAAAAAAAAAAAAAAAAAFAAAADwAAAAAAAAAAAAAAAAAAAkUAAAAAQAAABQAAAAUAAAAFAAAAAEAAAAAAAAAZAAAAGQAAAAAAAAAZAAAAGQAAAAVAAAAYAAAAAAAAAAAAAAADwAAACADAAAAAAAAAAAAAAEAAACgMgAAVgcAAKr4//8BAAAAf39/AAEAAABkAAAAAAAAABQAAABAHwAAAAAAACYAAAAAAAAAwOD//wAAAAAmAAAAZAAAABYAAABMAAAAAAAAAAAAAAAEAAAAAAAAAAEAAACAgIAKAAAAACgAAAAoAAAAZAAAAGQAAAAAAAAAzMzMAAAAAABQAAAAUAAAAGQAAABkAAAAAAAAABcAAAAUAAAAAAAAAAAAAAD/fwAA/38AAAAAAAAJAAAABAAAAAAAAAAMAAAAEAAAAAAAAAAAAAAAAAAAAAAAAAAeAAAAaAAAAAAAAAAAAAAAAAAAAAAAAAAAAAAAECcAABAnAAAAAAAAAAAAAAAAAAAAAAAAAAAAAAAAAAAAAAAAAAAAABQAAAAAAAAAwMD/AAAAAABkAAAAMgAAAAAAAABkAAAAAAAAAH9/fwAKAAAAHwAAAFQAAAAAAAAFAAAAAQAAAAAAAAAAAAAAAAAAAAAAAAAAAAAAAAAAAAAAAAAAAAAAAn9/fwAAAAADzMzMAMDA/wB/f38AAAAAAAAAAAAAAAAAAAAAAAAAAAAhAAAAGAAAABQAAABQKAAAGycAAHA1AABZKQAAAAAAACYAAAAIAAAAAAAAAAAAAAA="/>
+                <pr:smNativeData xmlns:pr="smNativeData" val="SMDATA_13_1CvgZRMAAAAlAAAAZAAAAA8BAAAAkAAAAEgAAACQAAAASAAAAAAAAAABAAAAAAAAAAEAAABQAAAAAAAAAAAA4D8AAAAAAADgPwAAAAAAAOA/AAAAAAAA4D8AAAAAAADgPwAAAAAAAOA/AAAAAAAA4D8AAAAAAADgPwAAAAAAAOA/AAAAAAAA4D8CAAAAjAAAAAAAAAAAAAAAu+DjDP///wgAAAAAAAAAAAAAAAAAAAAAAAAAAAAAAAAAAAAAZAAAAAEAAABAAAAAAAAAAAAAAAAAAAAAAAAAAAAAAAAAAAAAAAAAAAAAAAAAAAAAAAAAAAAAAAAAAAAAAAAAAAAAAAAAAAAAAAAAAAAAAAAAAAAAAAAAAAAAAAAAAAAAFAAAADwAAAAAAAAAAAAAAAAAAAkUAAAAAQAAABQAAAAUAAAAFAAAAAEAAAAAAAAAZAAAAGQAAAAAAAAAZAAAAGQAAAAVAAAAYAAAAAAAAAAAAAAADwAAACADAAAAAAAAAAAAAAEAAACgMgAAVgcAAKr4//8BAAAAf39/AAEAAABkAAAAAAAAABQAAABAHwAAAAAAACYAAAAAAAAAwOD//wAAAAAmAAAAZAAAABYAAABMAAAAAAAAAAAAAAAEAAAAAAAAAAEAAACAgIAKAAAAACgAAAAoAAAAZAAAAGQAAAAAAAAAzMzMAAAAAABQAAAAUAAAAGQAAABkAAAAAAAAABcAAAAUAAAAAAAAAAAAAAD/fwAA/38AAAAAAAAJAAAABAAAAAAAAAAMAAAAEAAAAAAAAAAAAAAAAAAAAAAAAAAeAAAAaAAAAAAAAAAAAAAAAAAAAAAAAAAAAAAAECcAABAnAAAAAAAAAAAAAAAAAAAAAAAAAAAAAAAAAAAAAAAAAAAAABQAAAAAAAAAwMD/AAAAAABkAAAAMgAAAAAAAABkAAAAAAAAAH9/fwAKAAAAHwAAAFQAAAAAAAAFAAAAAQAAAAAAAAAAAAAAAAAAAAAAAAAAAAAAAAAAAAAAAAAAAAAAAn9/fwAAAAADzMzMAMDA/wB/f38AAAAAAAAAAAAAAAAAAAAAAAAAAAAhAAAAGAAAABQAAABQKAAAGycAAHA1AABZKQAAEAAAACYAAAAIAAAAAAAAAAAAAAA="/>
               </a:ext>
             </a:extLst>
           </p:cNvSpPr>
@@ -1511,7 +1493,7 @@
           <a:lstStyle/>
           <a:p>
             <a:pPr/>
-            <a:fld id="{3FD83ACC-82D2-8DCC-9C60-7499742E6A21}" type="slidenum">
+            <a:fld id="{3E467227-69D3-1384-9DFE-9FD13CB06BCA}" type="slidenum">
               <a:t/>
             </a:fld>
           </a:p>
@@ -1549,7 +1531,7 @@
             <a:spLocks noGrp="1" noChangeArrowheads="1"/>
             <a:extLst>
               <a:ext uri="smNativeData">
-                <pr:smNativeData xmlns:pr="smNativeData" val="SMDATA_13_HczeZRMAAAAlAAAAZAAAAA8BAAAAkAAAAEgAAACQAAAASAAAAAAAAAABAAAAAAAAAAEAAABQAAAAAAAAAAAA4D8AAAAAAADgPwAAAAAAAOA/AAAAAAAA4D8AAAAAAADgPwAAAAAAAOA/AAAAAAAA4D8AAAAAAADgPwAAAAAAAOA/AAAAAAAA4D8CAAAAjAAAAAAAAAAAAAAAu+DjDP///wgAAAAAAAAAAAAAAAAAAAAAAAAAAAAAAAAAAAAAZAAAAAEAAABAAAAAAAAAAAAAAAAAAAAAAAAAAAAAAAAAAAAAAAAAAAAAAAAAAAAAAAAAAAAAAAAAAAAAAAAAAAAAAAAAAAAAAAAAAAAAAAAAAAAAAAAAAAAAAAAAAAAAFAAAADwAAAAAAAAAAAAAAAAAAAkUAAAAAQAAABQAAAAUAAAAFAAAAAEAAAAAAAAAZAAAAGQAAAAAAAAAZAAAAGQAAAAVAAAAYAAAAAAAAAAAAAAADwAAACADAAAAAAAAAAAAAAEAAACgMgAAVgcAAKr4//8BAAAAf39/AAEAAABkAAAAAAAAABQAAABAHwAAAAAAACYAAAAAAAAAwOD//wAAAAAmAAAAZAAAABYAAABMAAAAAAAAAAAAAAAEAAAAAAAAAAEAAACAgIAKAAAAACgAAAAoAAAAZAAAAGQAAAAAAAAAzMzMAAAAAABQAAAAUAAAAGQAAABkAAAAAAAAABcAAAAUAAAAAAAAAAAAAAD/fwAA/38AAAAAAAAJAAAABAAAACqp7T8MAAAAEAAAAAAAAAAAAAAAAAAAAAAAAAAeAAAAaAAAAAAAAAAAAAAAAAAAAAAAAAAAAAAAECcAABAnAAAAAAAAAAAAAAAAAAAAAAAAAAAAAAAAAAAAAAAAAAAAABQAAAAAAAAAwMD/AAAAAABkAAAAMgAAAAAAAABkAAAAAAAAAH9/fwAKAAAAHwAAAFQAAAAAAAAFAAAAAQAAAAAAAAAAAAAAAAAAAAAAAAAAAAAAAAAAAAAAAAAAAAAAAn9/fwAAAAADzMzMAMDA/wB/f38AAAAAAAAAAAAAAAAAAAAAAAAAAAAhAAAAGAAAABQAAADQAgAAsAEAAHA1AAC4CAAAAAAAACYAAAAIAAAAAAAAAAAAAAA="/>
+                <pr:smNativeData xmlns:pr="smNativeData" val="SMDATA_13_1CvgZRMAAAAlAAAAZAAAAA8BAAAAkAAAAEgAAACQAAAASAAAAAAAAAABAAAAAAAAAAEAAABQAAAAAAAAAAAA4D8AAAAAAADgPwAAAAAAAOA/AAAAAAAA4D8AAAAAAADgPwAAAAAAAOA/AAAAAAAA4D8AAAAAAADgPwAAAAAAAOA/AAAAAAAA4D8CAAAAjAAAAAAAAAAAAAAAu+DjDP///wgAAAAAAAAAAAAAAAAAAAAAAAAAAAAAAAAAAAAAZAAAAAEAAABAAAAAAAAAAAAAAAAAAAAAAAAAAAAAAAAAAAAAAAAAAAAAAAAAAAAAAAAAAAAAAAAAAAAAAAAAAAAAAAAAAAAAAAAAAAAAAAAAAAAAAAAAAAAAAAAAAAAAFAAAADwAAAAAAAAAAAAAAAAAAAkUAAAAAQAAABQAAAAUAAAAFAAAAAEAAAAAAAAAZAAAAGQAAAAAAAAAZAAAAGQAAAAVAAAAYAAAAAAAAAAAAAAADwAAACADAAAAAAAAAAAAAAEAAACgMgAAVgcAAKr4//8BAAAAf39/AAEAAABkAAAAAAAAABQAAABAHwAAAAAAACYAAAAAAAAAwOD//wAAAAAmAAAAZAAAABYAAABMAAAAAAAAAAAAAAAEAAAAAAAAAAEAAACAgIAKAAAAACgAAAAoAAAAZAAAAGQAAAAAAAAAzMzMAAAAAABQAAAAUAAAAGQAAABkAAAAAAAAABcAAAAUAAAAAAAAAAAAAAD/fwAA/38AAAAAAAAJAAAABAAAACqp7T8MAAAAEAAAAAAAAAAAAAAAAAAAAAAAAAAeAAAAaAAAAAAAAAAAAAAAAAAAAAAAAAAAAAAAECcAABAnAAAAAAAAAAAAAAAAAAAAAAAAAAAAAAAAAAAAAAAAAAAAABQAAAAAAAAAwMD/AAAAAABkAAAAMgAAAAAAAABkAAAAAAAAAH9/fwAKAAAAHwAAAFQAAAAAAAAFAAAAAQAAAAAAAAAAAAAAAAAAAAAAAAAAAAAAAAAAAAAAAAAAAAAAAn9/fwAAAAADzMzMAMDA/wB/f38AAAAAAAAAAAAAAAAAAAAAAAAAAAAhAAAAGAAAABQAAADQAgAAsAEAAHA1AAC4CAAAEAAAACYAAAAIAAAAAAAAAAAAAAA="/>
               </a:ext>
             </a:extLst>
           </p:cNvSpPr>
@@ -1576,7 +1558,7 @@
             <a:spLocks noGrp="1" noChangeArrowheads="1"/>
             <a:extLst>
               <a:ext uri="smNativeData">
-                <pr:smNativeData xmlns:pr="smNativeData" val="SMDATA_13_HczeZRMAAAAlAAAAZAAAAA8BAAAAkAAAAEgAAACQAAAASAAAAAAAAAACAAAAAAAAAAEAAABQAAAAAAAAAAAA4D8AAAAAAADgPwAAAAAAAOA/AAAAAAAA4D8AAAAAAADgPwAAAAAAAOA/AAAAAAAA4D8AAAAAAADgPwAAAAAAAOA/AAAAAAAA4D8CAAAAjAAAAAAAAAAAAAAAu+DjDP///wgAAAAAAAAAAAAAAAAAAAAAAAAAAAAAAAAAAAAAZAAAAAEAAABAAAAAAAAAAAAAAAAAAAAAAAAAAAAAAAAAAAAAAAAAAAAAAAAAAAAAAAAAAAAAAAAAAAAAAAAAAAAAAAAAAAAAAAAAAAAAAAAAAAAAAAAAAAAAAAAAAAAAFAAAADwAAAAAAAAAAAAAAAAAAAkUAAAAAQAAABQAAAAUAAAAFAAAAAEAAAAAAAAAZAAAAGQAAAAAAAAAZAAAAGQAAAAVAAAAYAAAAAAAAAAAAAAADwAAACADAAAAAAAAAAAAAAEAAACgMgAAVgcAAKr4//8BAAAAf39/AAEAAABkAAAAAAAAABQAAABAHwAAAAAAACYAAAAAAAAAwOD//wAAAAAmAAAAZAAAABYAAABMAAAAAAAAAAAAAAAEAAAAAAAAAAEAAACAgIAKAAAAACgAAAAoAAAAZAAAAGQAAAAAAAAAzMzMAAAAAABQAAAAUAAAAGQAAABkAAAAAAAAABcAAAAUAAAAAAAAAAAAAAD/fwAA/38AAAAAAAAJAAAABAAAAAAEAAAMAAAAEAAAAAAAAAAAAAAAAAAAAAAAAAAeAAAAaAAAAAAAAAAAAAAAAAAAAAAAAAAAAAAAECcAABAnAAAAAAAAAAAAAAAAAAAAAAAAAAAAAAAAAAAAAAAAAAAAABQAAAAAAAAAwMD/AAAAAABkAAAAMgAAAAAAAABkAAAAAAAAAH9/fwAKAAAAHwAAAFQAAAAAAAAFAAAAAQAAAAAAAAAAAAAAAAAAAAAAAAAAAAAAAAAAAAAAAAAAAAAAAn9/fwAAAAADzMzMAMDA/wB/f38AAAAAAAAAAAAAAAAAAAAAAAAAAAAhAAAAGAAAABQAAADQAgAAcQkAAKobAABhDQAAAAAAACYAAAAIAAAAgYAAAAAAAAA="/>
+                <pr:smNativeData xmlns:pr="smNativeData" val="SMDATA_13_1CvgZRMAAAAlAAAAZAAAAA8BAAAAkAAAAEgAAACQAAAASAAAAAAAAAACAAAAAAAAAAEAAABQAAAAAAAAAAAA4D8AAAAAAADgPwAAAAAAAOA/AAAAAAAA4D8AAAAAAADgPwAAAAAAAOA/AAAAAAAA4D8AAAAAAADgPwAAAAAAAOA/AAAAAAAA4D8CAAAAjAAAAAAAAAAAAAAAu+DjDP///wgAAAAAAAAAAAAAAAAAAAAAAAAAAAAAAAAAAAAAZAAAAAEAAABAAAAAAAAAAAAAAAAAAAAAAAAAAAAAAAAAAAAAAAAAAAAAAAAAAAAAAAAAAAAAAAAAAAAAAAAAAAAAAAAAAAAAAAAAAAAAAAAAAAAAAAAAAAAAAAAAAAAAFAAAADwAAAAAAAAAAAAAAAAAAAkUAAAAAQAAABQAAAAUAAAAFAAAAAEAAAAAAAAAZAAAAGQAAAAAAAAAZAAAAGQAAAAVAAAAYAAAAAAAAAAAAAAADwAAACADAAAAAAAAAAAAAAEAAACgMgAAVgcAAKr4//8BAAAAf39/AAEAAABkAAAAAAAAABQAAABAHwAAAAAAACYAAAAAAAAAwOD//wAAAAAmAAAAZAAAABYAAABMAAAAAAAAAAAAAAAEAAAAAAAAAAEAAACAgIAKAAAAACgAAAAoAAAAZAAAAGQAAAAAAAAAzMzMAAAAAABQAAAAUAAAAGQAAABkAAAAAAAAABcAAAAUAAAAAAAAAAAAAAD/fwAA/38AAAAAAAAJAAAABAAAAAAEAAAMAAAAEAAAAAAAAAAAAAAAAAAAAAAAAAAeAAAAaAAAAAAAAAAAAAAAAAAAAAAAAAAAAAAAECcAABAnAAAAAAAAAAAAAAAAAAAAAAAAAAAAAAAAAAAAAAAAAAAAABQAAAAAAAAAwMD/AAAAAABkAAAAMgAAAAAAAABkAAAAAAAAAH9/fwAKAAAAHwAAAFQAAAAAAAAFAAAAAQAAAAAAAAAAAAAAAAAAAAAAAAAAAAAAAAAAAAAAAAAAAAAAAn9/fwAAAAADzMzMAMDA/wB/f38AAAAAAAAAAAAAAAAAAAAAAAAAAAAhAAAAGAAAABQAAADQAgAAcQkAAKobAABhDQAAEAAAACYAAAAIAAAAgYAAAAAAAAA="/>
               </a:ext>
             </a:extLst>
           </p:cNvSpPr>
@@ -1649,12 +1631,12 @@
             <a:spLocks noGrp="1" noChangeArrowheads="1"/>
             <a:extLst>
               <a:ext uri="smNativeData">
-                <pr:smNativeData xmlns:pr="smNativeData" val="SMDATA_13_HczeZRMAAAAlAAAAZAAAAA8BAAAAkAAAAEgAAACQAAAASAAAAAAAAAAAAAAAAAAAAAEAAABQAAAAAAAAAAAA4D8AAAAAAADgPwAAAAAAAOA/AAAAAAAA4D8AAAAAAADgPwAAAAAAAOA/AAAAAAAA4D8AAAAAAADgPwAAAAAAAOA/AAAAAAAA4D8CAAAAjAAAAAAAAAAAAAAAu+DjDP///wgAAAAAAAAAAAAAAAAAAAAAAAAAAAAAAAAAAAAAZAAAAAEAAABAAAAAAAAAAAAAAAAAAAAAAAAAAAAAAAAAAAAAAAAAAAAAAAAAAAAAAAAAAAAAAAAAAAAAAAAAAAAAAAAAAAAAAAAAAAAAAAAAAAAAAAAAAAAAAAAAAAAAFAAAADwAAAAAAAAAAAAAAAAAAAkUAAAAAQAAABQAAAAUAAAAFAAAAAEAAAAAAAAAZAAAAGQAAAAAAAAAZAAAAGQAAAAVAAAAYAAAAAAAAAAAAAAADwAAACADAAAAAAAAAAAAAAEAAACgMgAAVgcAAKr4//8BAAAAf39/AAEAAABkAAAAAAAAABQAAABAHwAAAAAAACYAAAAAAAAAwOD//wAAAAAmAAAAZAAAABYAAABMAAAAAAAAAAAAAAAEAAAAAAAAAAEAAACAgIAKAAAAACgAAAAoAAAAZAAAAGQAAAAAAAAAzMzMAAAAAABQAAAAUAAAAGQAAABkAAAAAAAAABcAAAAUAAAAAAAAAAAAAAD/fwAA/38AAAAAAAAJAAAABAAAAAAAAAAMAAAAEAAAAAAAAAAAAAAAAAAAAAAAAAAeAAAAaAAAAAAAAAAAAAAAAAAAAAAAAAAAAAAAECcAABAnAAAAAAAAAAAAAAAAAAAAAAAAAAAAAAAAAAAAAAAAAAAAABQAAAAAAAAAwMD/AAAAAABkAAAAMgAAAAAAAABkAAAAAAAAAH9/fwAKAAAAHwAAAFQAAAAAAAAFAAAAAQAAAAAAAAAAAAAAAAAAAAAAAAAAAAAAAAAAAAAAAAAAAAAAAn9/fwAAAAADzMzMAMDA/wB/f38AAAAAAAAAAAAAAAAAAAAAAAAAAAAhAAAAGAAAABQAAADQAgAAYQ0AAKobAACwJQAAAAAAACYAAAAIAAAAAYAAAAAAAAA="/>
+                <pr:smNativeData xmlns:pr="smNativeData" val="SMDATA_13_1CvgZRMAAAAlAAAAZAAAAA8BAAAAkAAAAEgAAACQAAAASAAAAAAAAAAAAAAAAAAAAAEAAABQAAAAAAAAAAAA4D8AAAAAAADgPwAAAAAAAOA/AAAAAAAA4D8AAAAAAADgPwAAAAAAAOA/AAAAAAAA4D8AAAAAAADgPwAAAAAAAOA/AAAAAAAA4D8CAAAAjAAAAAAAAAAAAAAAu+DjDP///wgAAAAAAAAAAAAAAAAAAAAAAAAAAAAAAAAAAAAAZAAAAAEAAABAAAAAAAAAAAAAAAAAAAAAAAAAAAAAAAAAAAAAAAAAAAAAAAAAAAAAAAAAAAAAAAAAAAAAAAAAAAAAAAAAAAAAAAAAAAAAAAAAAAAAAAAAAAAAAAAAAAAAFAAAADwAAAAAAAAAAAAAAAAAAAkUAAAAAQAAABQAAAAUAAAAFAAAAAEAAAAAAAAAZAAAAGQAAAAAAAAAZAAAAGQAAAAVAAAAYAAAAAAAAAAAAAAADwAAACADAAAAAAAAAAAAAAEAAACgMgAAVgcAAKr4//8BAAAAf39/AAEAAABkAAAAAAAAABQAAABAHwAAAAAAACYAAAAAAAAAwOD//wAAAAAmAAAAZAAAABYAAABMAAAAAAAAAAAAAAAEAAAAAAAAAAEAAACAgIAKAAAAACgAAAAoAAAAZAAAAGQAAAAAAAAAzMzMAAAAAABQAAAAUAAAAGQAAABkAAAAAAAAABcAAAAUAAAAAAAAAAAAAAD/fwAA/38AAAAAAAAJAAAABAAAAAAAAAAMAAAAEAAAAAAAAAAAAAAAAAAAAAAAAAAeAAAAaAAAAAAAAAAAAAAAAAAAAAAAAAAAAAAAECcAABAnAAAAAAAAAAAAAAAAAAAAAAAAAAAAAAAAAAAAAAAAAAAAABQAAAAAAAAAwMD/AAAAAABkAAAAMgAAAAAAAABkAAAAAAAAAH9/fwAKAAAAHwAAAFQAAAAAAAAFAAAAAQAAAAAAAAAAAAAAAAAAAAAAAAAAAAAAAAAAAAAAAAAAAAAAAn9/fwAAAAADzMzMAMDA/wB/f38AAAAAAAAAAAAAAAAAAAAAAAAAAAAhAAAAGAAAABQAAADQAgAAYQ0AAKobAACwJQAAEAAAACYAAAAIAAAAAYAAAAAAAAA="/>
               </a:ext>
             </a:extLst>
           </p:cNvSpPr>
           <p:nvPr>
-            <p:ph sz="half" idx="2"/>
+            <p:ph idx="2"/>
           </p:nvPr>
         </p:nvSpPr>
         <p:spPr>
@@ -1733,7 +1715,7 @@
             <a:spLocks noGrp="1" noChangeArrowheads="1"/>
             <a:extLst>
               <a:ext uri="smNativeData">
-                <pr:smNativeData xmlns:pr="smNativeData" val="SMDATA_13_HczeZRMAAAAlAAAAZAAAAA8BAAAAkAAAAEgAAACQAAAASAAAAAAAAAACAAAAAAAAAAEAAABQAAAAAAAAAAAA4D8AAAAAAADgPwAAAAAAAOA/AAAAAAAA4D8AAAAAAADgPwAAAAAAAOA/AAAAAAAA4D8AAAAAAADgPwAAAAAAAOA/AAAAAAAA4D8CAAAAjAAAAAAAAAAAAAAAu+DjDP///wgAAAAAAAAAAAAAAAAAAAAAAAAAAAAAAAAAAAAAZAAAAAEAAABAAAAAAAAAAAAAAAAAAAAAAAAAAAAAAAAAAAAAAAAAAAAAAAAAAAAAAAAAAAAAAAAAAAAAAAAAAAAAAAAAAAAAAAAAAAAAAAAAAAAAAAAAAAAAAAAAAAAAFAAAADwAAAAAAAAAAAAAAAAAAAkUAAAAAQAAABQAAAAUAAAAFAAAAAEAAAAAAAAAZAAAAGQAAAAAAAAAZAAAAGQAAAAVAAAAYAAAAAAAAAAAAAAADwAAACADAAAAAAAAAAAAAAEAAACgMgAAVgcAAKr4//8BAAAAf39/AAEAAABkAAAAAAAAABQAAABAHwAAAAAAACYAAAAAAAAAwOD//wAAAAAmAAAAZAAAABYAAABMAAAAAAAAAAAAAAAEAAAAAAAAAAEAAACAgIAKAAAAACgAAAAoAAAAZAAAAGQAAAAAAAAAzMzMAAAAAABQAAAAUAAAAGQAAABkAAAAAAAAABcAAAAUAAAAAAAAAAAAAAD/fwAA/38AAAAAAAAJAAAABAAAAAAAAAAMAAAAEAAAAAAAAAAAAAAAAAAAAAAAAAAeAAAAaAAAAAAAAAAAAAAAAAAAAAAAAAAAAAAAECcAABAnAAAAAAAAAAAAAAAAAAAAAAAAAAAAAAAAAAAAAAAAAAAAABQAAAAAAAAAwMD/AAAAAABkAAAAMgAAAAAAAABkAAAAAAAAAH9/fwAKAAAAHwAAAFQAAAAAAAAFAAAAAQAAAAAAAAAAAAAAAAAAAAAAAAAAAAAAAAAAAAAAAAAAAAAAAn9/fwAAAAADzMzMAMDA/wB/f38AAAAAAAAAAAAAAAAAAAAAAAAAAAAhAAAAGAAAABQAAACWHAAAcQkAAHA1AABhDQAAAAAAACYAAAAIAAAAgYAAAAAAAAA="/>
+                <pr:smNativeData xmlns:pr="smNativeData" val="SMDATA_13_1CvgZRMAAAAlAAAAZAAAAA8BAAAAkAAAAEgAAACQAAAASAAAAAAAAAACAAAAAAAAAAEAAABQAAAAAAAAAAAA4D8AAAAAAADgPwAAAAAAAOA/AAAAAAAA4D8AAAAAAADgPwAAAAAAAOA/AAAAAAAA4D8AAAAAAADgPwAAAAAAAOA/AAAAAAAA4D8CAAAAjAAAAAAAAAAAAAAAu+DjDP///wgAAAAAAAAAAAAAAAAAAAAAAAAAAAAAAAAAAAAAZAAAAAEAAABAAAAAAAAAAAAAAAAAAAAAAAAAAAAAAAAAAAAAAAAAAAAAAAAAAAAAAAAAAAAAAAAAAAAAAAAAAAAAAAAAAAAAAAAAAAAAAAAAAAAAAAAAAAAAAAAAAAAAFAAAADwAAAAAAAAAAAAAAAAAAAkUAAAAAQAAABQAAAAUAAAAFAAAAAEAAAAAAAAAZAAAAGQAAAAAAAAAZAAAAGQAAAAVAAAAYAAAAAAAAAAAAAAADwAAACADAAAAAAAAAAAAAAEAAACgMgAAVgcAAKr4//8BAAAAf39/AAEAAABkAAAAAAAAABQAAABAHwAAAAAAACYAAAAAAAAAwOD//wAAAAAmAAAAZAAAABYAAABMAAAAAAAAAAAAAAAEAAAAAAAAAAEAAACAgIAKAAAAACgAAAAoAAAAZAAAAGQAAAAAAAAAzMzMAAAAAABQAAAAUAAAAGQAAABkAAAAAAAAABcAAAAUAAAAAAAAAAAAAAD/fwAA/38AAAAAAAAJAAAABAAAAAAAAAAMAAAAEAAAAAAAAAAAAAAAAAAAAAAAAAAeAAAAaAAAAAAAAAAAAAAAAAAAAAAAAAAAAAAAECcAABAnAAAAAAAAAAAAAAAAAAAAAAAAAAAAAAAAAAAAAAAAAAAAABQAAAAAAAAAwMD/AAAAAABkAAAAMgAAAAAAAABkAAAAAAAAAH9/fwAKAAAAHwAAAFQAAAAAAAAFAAAAAQAAAAAAAAAAAAAAAAAAAAAAAAAAAAAAAAAAAAAAAAAAAAAAAn9/fwAAAAADzMzMAMDA/wB/f38AAAAAAAAAAAAAAAAAAAAAAAAAAAAhAAAAGAAAABQAAACWHAAAcQkAAHA1AABhDQAAEAAAACYAAAAIAAAAgYAAAAAAAAA="/>
               </a:ext>
             </a:extLst>
           </p:cNvSpPr>
@@ -1806,12 +1788,12 @@
             <a:spLocks noGrp="1" noChangeArrowheads="1"/>
             <a:extLst>
               <a:ext uri="smNativeData">
-                <pr:smNativeData xmlns:pr="smNativeData" val="SMDATA_13_HczeZRMAAAAlAAAAZAAAAA8BAAAAkAAAAEgAAACQAAAASAAAAAAAAAAAAAAAAAAAAAEAAABQAAAAAAAAAAAA4D8AAAAAAADgPwAAAAAAAOA/AAAAAAAA4D8AAAAAAADgPwAAAAAAAOA/AAAAAAAA4D8AAAAAAADgPwAAAAAAAOA/AAAAAAAA4D8CAAAAjAAAAAAAAAAAAAAAu+DjDP///wgAAAAAAAAAAAAAAAAAAAAAAAAAAAAAAAAAAAAAZAAAAAEAAABAAAAAAAAAAAAAAAAAAAAAAAAAAAAAAAAAAAAAAAAAAAAAAAAAAAAAAAAAAAAAAAAAAAAAAAAAAAAAAAAAAAAAAAAAAAAAAAAAAAAAAAAAAAAAAAAAAAAAFAAAADwAAAAAAAAAAAAAAAAAAAkUAAAAAQAAABQAAAAUAAAAFAAAAAEAAAAAAAAAZAAAAGQAAAAAAAAAZAAAAGQAAAAVAAAAYAAAAAAAAAAAAAAADwAAACADAAAAAAAAAAAAAAEAAACgMgAAVgcAAKr4//8BAAAAf39/AAEAAABkAAAAAAAAABQAAABAHwAAAAAAACYAAAAAAAAAwOD//wAAAAAmAAAAZAAAABYAAABMAAAAAAAAAAAAAAAEAAAAAAAAAAEAAACAgIAKAAAAACgAAAAoAAAAZAAAAGQAAAAAAAAAzMzMAAAAAABQAAAAUAAAAGQAAABkAAAAAAAAABcAAAAUAAAAAAAAAAAAAAD/fwAA/38AAAAAAAAJAAAABAAAAPpc7z8MAAAAEAAAAAAAAAAAAAAAAAAAAAAAAAAeAAAAaAAAAAAAAAAAAAAAAAAAAAAAAAAAAAAAECcAABAnAAAAAAAAAAAAAAAAAAAAAAAAAAAAAAAAAAAAAAAAAAAAABQAAAAAAAAAwMD/AAAAAABkAAAAMgAAAAAAAABkAAAAAAAAAH9/fwAKAAAAHwAAAFQAAAAAAAAFAAAAAQAAAAAAAAAAAAAAAAAAAAAAAAAAAAAAAAAAAAAAAAAAAAAAAn9/fwAAAAADzMzMAMDA/wB/f38AAAAAAAAAAAAAAAAAAAAAAAAAAAAhAAAAGAAAABQAAACWHAAAYQ0AAHA1AACwJQAAAAAAACYAAAAIAAAAAYAAAAAAAAA="/>
+                <pr:smNativeData xmlns:pr="smNativeData" val="SMDATA_13_1CvgZRMAAAAlAAAAZAAAAA8BAAAAkAAAAEgAAACQAAAASAAAAAAAAAAAAAAAAAAAAAEAAABQAAAAAAAAAAAA4D8AAAAAAADgPwAAAAAAAOA/AAAAAAAA4D8AAAAAAADgPwAAAAAAAOA/AAAAAAAA4D8AAAAAAADgPwAAAAAAAOA/AAAAAAAA4D8CAAAAjAAAAAAAAAAAAAAAu+DjDP///wgAAAAAAAAAAAAAAAAAAAAAAAAAAAAAAAAAAAAAZAAAAAEAAABAAAAAAAAAAAAAAAAAAAAAAAAAAAAAAAAAAAAAAAAAAAAAAAAAAAAAAAAAAAAAAAAAAAAAAAAAAAAAAAAAAAAAAAAAAAAAAAAAAAAAAAAAAAAAAAAAAAAAFAAAADwAAAAAAAAAAAAAAAAAAAkUAAAAAQAAABQAAAAUAAAAFAAAAAEAAAAAAAAAZAAAAGQAAAAAAAAAZAAAAGQAAAAVAAAAYAAAAAAAAAAAAAAADwAAACADAAAAAAAAAAAAAAEAAACgMgAAVgcAAKr4//8BAAAAf39/AAEAAABkAAAAAAAAABQAAABAHwAAAAAAACYAAAAAAAAAwOD//wAAAAAmAAAAZAAAABYAAABMAAAAAAAAAAAAAAAEAAAAAAAAAAEAAACAgIAKAAAAACgAAAAoAAAAZAAAAGQAAAAAAAAAzMzMAAAAAABQAAAAUAAAAGQAAABkAAAAAAAAABcAAAAUAAAAAAAAAAAAAAD/fwAA/38AAAAAAAAJAAAABAAAAPpc7z8MAAAAEAAAAAAAAAAAAAAAAAAAAAAAAAAeAAAAaAAAAAAAAAAAAAAAAAAAAAAAAAAAAAAAECcAABAnAAAAAAAAAAAAAAAAAAAAAAAAAAAAAAAAAAAAAAAAAAAAABQAAAAAAAAAwMD/AAAAAABkAAAAMgAAAAAAAABkAAAAAAAAAH9/fwAKAAAAHwAAAFQAAAAAAAAFAAAAAQAAAAAAAAAAAAAAAAAAAAAAAAAAAAAAAAAAAAAAAAAAAAAAAn9/fwAAAAADzMzMAMDA/wB/f38AAAAAAAAAAAAAAAAAAAAAAAAAAAAhAAAAGAAAABQAAACWHAAAYQ0AAHA1AACwJQAAEAAAACYAAAAIAAAAAYAAAAAAAAA="/>
               </a:ext>
             </a:extLst>
           </p:cNvSpPr>
           <p:nvPr>
-            <p:ph sz="half" idx="4"/>
+            <p:ph idx="4"/>
           </p:nvPr>
         </p:nvSpPr>
         <p:spPr>
@@ -1890,7 +1872,7 @@
             <a:spLocks noGrp="1" noChangeArrowheads="1"/>
             <a:extLst>
               <a:ext uri="smNativeData">
-                <pr:smNativeData xmlns:pr="smNativeData" val="SMDATA_13_HczeZRMAAAAlAAAAZAAAAA8BAAAAkAAAAEgAAACQAAAASAAAAAAAAAABAAAAAAAAAAEAAABQAAAAAAAAAAAA4D8AAAAAAADgPwAAAAAAAOA/AAAAAAAA4D8AAAAAAADgPwAAAAAAAOA/AAAAAAAA4D8AAAAAAADgPwAAAAAAAOA/AAAAAAAA4D8CAAAAjAAAAAAAAAAAAAAAu+DjDP///wgAAAAAAAAAAAAAAAAAAAAAAAAAAAAAAAAAAAAAZAAAAAEAAABAAAAAAAAAAAAAAAAAAAAAAAAAAAAAAAAAAAAAAAAAAAAAAAAAAAAAAAAAAAAAAAAAAAAAAAAAAAAAAAAAAAAAAAAAAAAAAAAAAAAAAAAAAAAAAAAAAAAAFAAAADwAAAAAAAAAAAAAAAAAAAkUAAAAAQAAABQAAAAUAAAAFAAAAAEAAAAAAAAAZAAAAGQAAAAAAAAAZAAAAGQAAAAVAAAAYAAAAAAAAAAAAAAADwAAACADAAAAAAAAAAAAAAEAAACgMgAAVgcAAKr4//8BAAAAf39/AAEAAABkAAAAAAAAABQAAABAHwAAAAAAACYAAAAAAAAAwOD//wAAAAAmAAAAZAAAABYAAABMAAAAAAAAAAAAAAAEAAAAAAAAAAEAAACAgIAKAAAAACgAAAAoAAAAZAAAAGQAAAAAAAAAzMzMAAAAAABQAAAAUAAAAGQAAABkAAAAAAAAABcAAAAUAAAAAAAAAAAAAAD/fwAA/38AAAAAAAAJAAAABAAAAAAAAAAMAAAAEAAAAAAAAAAAAAAAAAAAAAAAAAAeAAAAaAAAAAAAAAAAAAAAAAAAAAAAAAAAAAAAECcAABAnAAAAAAAAAAAAAAAAAAAAAAAAAAAAAAAAAAAAAAAAAAAAABQAAAAAAAAAwMD/AAAAAABkAAAAMgAAAAAAAABkAAAAAAAAAH9/fwAKAAAAHwAAAFQAAAAAAAAFAAAAAQAAAAAAAAAAAAAAAAAAAAAAAAAAAAAAAAAAAAAAAAAAAAAAAn9/fwAAAAADzMzMAMDA/wB/f38AAAAAAAAAAAAAAAAAAAAAAAAAAAAhAAAAGAAAABQAAADQAgAAGycAAPAPAABZKQAAAAAAACYAAAAIAAAAAAAAAAAAAAA="/>
+                <pr:smNativeData xmlns:pr="smNativeData" val="SMDATA_13_1CvgZRMAAAAlAAAAZAAAAA8BAAAAkAAAAEgAAACQAAAASAAAAAAAAAABAAAAAAAAAAEAAABQAAAAAAAAAAAA4D8AAAAAAADgPwAAAAAAAOA/AAAAAAAA4D8AAAAAAADgPwAAAAAAAOA/AAAAAAAA4D8AAAAAAADgPwAAAAAAAOA/AAAAAAAA4D8CAAAAjAAAAAAAAAAAAAAAu+DjDP///wgAAAAAAAAAAAAAAAAAAAAAAAAAAAAAAAAAAAAAZAAAAAEAAABAAAAAAAAAAAAAAAAAAAAAAAAAAAAAAAAAAAAAAAAAAAAAAAAAAAAAAAAAAAAAAAAAAAAAAAAAAAAAAAAAAAAAAAAAAAAAAAAAAAAAAAAAAAAAAAAAAAAAFAAAADwAAAAAAAAAAAAAAAAAAAkUAAAAAQAAABQAAAAUAAAAFAAAAAEAAAAAAAAAZAAAAGQAAAAAAAAAZAAAAGQAAAAVAAAAYAAAAAAAAAAAAAAADwAAACADAAAAAAAAAAAAAAEAAACgMgAAVgcAAKr4//8BAAAAf39/AAEAAABkAAAAAAAAABQAAABAHwAAAAAAACYAAAAAAAAAwOD//wAAAAAmAAAAZAAAABYAAABMAAAAAAAAAAAAAAAEAAAAAAAAAAEAAACAgIAKAAAAACgAAAAoAAAAZAAAAGQAAAAAAAAAzMzMAAAAAABQAAAAUAAAAGQAAABkAAAAAAAAABcAAAAUAAAAAAAAAAAAAAD/fwAA/38AAAAAAAAJAAAABAAAAAAAAAAMAAAAEAAAAAAAAAAAAAAAAAAAAAAAAAAeAAAAaAAAAAAAAAAAAAAAAAAAAAAAAAAAAAAAECcAABAnAAAAAAAAAAAAAAAAAAAAAAAAAAAAAAAAAAAAAAAAAAAAABQAAAAAAAAAwMD/AAAAAABkAAAAMgAAAAAAAABkAAAAAAAAAH9/fwAKAAAAHwAAAFQAAAAAAAAFAAAAAQAAAAAAAAAAAAAAAAAAAAAAAAAAAAAAAAAAAAAAAAAAAAAAAn9/fwAAAAADzMzMAMDA/wB/f38AAAAAAAAAAAAAAAAAAAAAAAAAAAAhAAAAGAAAABQAAADQAgAAGycAAPAPAABZKQAAEAAAACYAAAAIAAAAAAAAAAAAAAA="/>
               </a:ext>
             </a:extLst>
           </p:cNvSpPr>
@@ -1904,7 +1886,7 @@
           <a:lstStyle/>
           <a:p>
             <a:pPr/>
-            <a:fld id="{3FD8425D-13D2-8DB4-9C60-E5E10C2E6AB0}" type="datetime1">
+            <a:fld id="{3E467DEE-A0D3-138B-9DFE-56DE33B06B03}" type="datetime1">
               <a:t/>
             </a:fld>
           </a:p>
@@ -1917,7 +1899,7 @@
             <a:spLocks noGrp="1" noChangeArrowheads="1"/>
             <a:extLst>
               <a:ext uri="smNativeData">
-                <pr:smNativeData xmlns:pr="smNativeData" val="SMDATA_13_HczeZRMAAAAlAAAAZAAAAA8BAAAAkAAAAEgAAACQAAAASAAAAAAAAAABAAAAAAAAAAEAAABQAAAAAAAAAAAA4D8AAAAAAADgPwAAAAAAAOA/AAAAAAAA4D8AAAAAAADgPwAAAAAAAOA/AAAAAAAA4D8AAAAAAADgPwAAAAAAAOA/AAAAAAAA4D8CAAAAjAAAAAAAAAAAAAAAu+DjDP///wgAAAAAAAAAAAAAAAAAAAAAAAAAAAAAAAAAAAAAZAAAAAEAAABAAAAAAAAAAAAAAAAAAAAAAAAAAAAAAAAAAAAAAAAAAAAAAAAAAAAAAAAAAAAAAAAAAAAAAAAAAAAAAAAAAAAAAAAAAAAAAAAAAAAAAAAAAAAAAAAAAAAAFAAAADwAAAAAAAAAAAAAAAAAAAkUAAAAAQAAABQAAAAUAAAAFAAAAAEAAAAAAAAAZAAAAGQAAAAAAAAAZAAAAGQAAAAVAAAAYAAAAAAAAAAAAAAADwAAACADAAAAAAAAAAAAAAEAAACgMgAAVgcAAKr4//8BAAAAf39/AAEAAABkAAAAAAAAABQAAABAHwAAAAAAACYAAAAAAAAAwOD//wAAAAAmAAAAZAAAABYAAABMAAAAAAAAAAAAAAAEAAAAAAAAAAEAAACAgIAKAAAAACgAAAAoAAAAZAAAAGQAAAAAAAAAzMzMAAAAAABQAAAAUAAAAGQAAABkAAAAAAAAABcAAAAUAAAAAAAAAAAAAAD/fwAA/38AAAAAAAAJAAAABAAAAAAAAAAMAAAAEAAAAAAAAAAAAAAAAAAAAAAAAAAeAAAAaAAAAAAAAAAAAAAAAAAAAAAAAAAAAAAAECcAABAnAAAAAAAAAAAAAAAAAAAAAAAAAAAAAAAAAAAAAAAAAAAAABQAAAAAAAAAwMD/AAAAAABkAAAAMgAAAAAAAABkAAAAAAAAAH9/fwAKAAAAHwAAAFQAAAAAAAAFAAAAAQAAAAAAAAAAAAAAAAAAAAAAAAAAAAAAAAAAAAAAAAAAAAAAAn9/fwAAAAADzMzMAMDA/wB/f38AAAAAAAAAAAAAAAAAAAAAAAAAAAAhAAAAGAAAABQAAAA4EwAAGycAAAglAABZKQAAAAAAACYAAAAIAAAAAAAAAAAAAAA="/>
+                <pr:smNativeData xmlns:pr="smNativeData" val="SMDATA_13_1CvgZRMAAAAlAAAAZAAAAA8BAAAAkAAAAEgAAACQAAAASAAAAAAAAAABAAAAAAAAAAEAAABQAAAAAAAAAAAA4D8AAAAAAADgPwAAAAAAAOA/AAAAAAAA4D8AAAAAAADgPwAAAAAAAOA/AAAAAAAA4D8AAAAAAADgPwAAAAAAAOA/AAAAAAAA4D8CAAAAjAAAAAAAAAAAAAAAu+DjDP///wgAAAAAAAAAAAAAAAAAAAAAAAAAAAAAAAAAAAAAZAAAAAEAAABAAAAAAAAAAAAAAAAAAAAAAAAAAAAAAAAAAAAAAAAAAAAAAAAAAAAAAAAAAAAAAAAAAAAAAAAAAAAAAAAAAAAAAAAAAAAAAAAAAAAAAAAAAAAAAAAAAAAAFAAAADwAAAAAAAAAAAAAAAAAAAkUAAAAAQAAABQAAAAUAAAAFAAAAAEAAAAAAAAAZAAAAGQAAAAAAAAAZAAAAGQAAAAVAAAAYAAAAAAAAAAAAAAADwAAACADAAAAAAAAAAAAAAEAAACgMgAAVgcAAKr4//8BAAAAf39/AAEAAABkAAAAAAAAABQAAABAHwAAAAAAACYAAAAAAAAAwOD//wAAAAAmAAAAZAAAABYAAABMAAAAAAAAAAAAAAAEAAAAAAAAAAEAAACAgIAKAAAAACgAAAAoAAAAZAAAAGQAAAAAAAAAzMzMAAAAAABQAAAAUAAAAGQAAABkAAAAAAAAABcAAAAUAAAAAAAAAAAAAAD/fwAA/38AAAAAAAAJAAAABAAAAAAAAAAMAAAAEAAAAAAAAAAAAAAAAAAAAAAAAAAeAAAAaAAAAAAAAAAAAAAAAAAAAAAAAAAAAAAAECcAABAnAAAAAAAAAAAAAAAAAAAAAAAAAAAAAAAAAAAAAAAAAAAAABQAAAAAAAAAwMD/AAAAAABkAAAAMgAAAAAAAABkAAAAAAAAAH9/fwAKAAAAHwAAAFQAAAAAAAAFAAAAAQAAAAAAAAAAAAAAAAAAAAAAAAAAAAAAAAAAAAAAAAAAAAAAAn9/fwAAAAADzMzMAMDA/wB/f38AAAAAAAAAAAAAAAAAAAAAAAAAAAAhAAAAGAAAABQAAAA4EwAAGycAAAglAABZKQAAEAAAACYAAAAIAAAAAAAAAAAAAAA="/>
               </a:ext>
             </a:extLst>
           </p:cNvSpPr>
@@ -1931,9 +1913,6 @@
           <a:lstStyle/>
           <a:p>
             <a:pPr/>
-            <a:r>
-              <a:t/>
-            </a:r>
           </a:p>
         </p:txBody>
       </p:sp>
@@ -1944,7 +1923,7 @@
             <a:spLocks noGrp="1" noChangeArrowheads="1"/>
             <a:extLst>
               <a:ext uri="smNativeData">
-                <pr:smNativeData xmlns:pr="smNativeData" val="SMDATA_13_HczeZRMAAAAlAAAAZAAAAA8BAAAAkAAAAEgAAACQAAAASAAAAAAAAAABAAAAAAAAAAEAAABQAAAAAAAAAAAA4D8AAAAAAADgPwAAAAAAAOA/AAAAAAAA4D8AAAAAAADgPwAAAAAAAOA/AAAAAAAA4D8AAAAAAADgPwAAAAAAAOA/AAAAAAAA4D8CAAAAjAAAAAAAAAAAAAAAu+DjDP///wgAAAAAAAAAAAAAAAAAAAAAAAAAAAAAAAAAAAAAZAAAAAEAAABAAAAAAAAAAAAAAAAAAAAAAAAAAAAAAAAAAAAAAAAAAAAAAAAAAAAAAAAAAAAAAAAAAAAAAAAAAAAAAAAAAAAAAAAAAAAAAAAAAAAAAAAAAAAAAAAAAAAAFAAAADwAAAAAAAAAAAAAAAAAAAkUAAAAAQAAABQAAAAUAAAAFAAAAAEAAAAAAAAAZAAAAGQAAAAAAAAAZAAAAGQAAAAVAAAAYAAAAAAAAAAAAAAADwAAACADAAAAAAAAAAAAAAEAAACgMgAAVgcAAKr4//8BAAAAf39/AAEAAABkAAAAAAAAABQAAABAHwAAAAAAACYAAAAAAAAAwOD//wAAAAAmAAAAZAAAABYAAABMAAAAAAAAAAAAAAAEAAAAAAAAAAEAAACAgIAKAAAAACgAAAAoAAAAZAAAAGQAAAAAAAAAzMzMAAAAAABQAAAAUAAAAGQAAABkAAAAAAAAABcAAAAUAAAAAAAAAAAAAAD/fwAA/38AAAAAAAAJAAAABAAAAO3iANgMAAAAEAAAAAAAAAAAAAAAAAAAAAAAAAAeAAAAaAAAAAAAAAAAAAAAAAAAAAAAAAAAAAAAECcAABAnAAAAAAAAAAAAAAAAAAAAAAAAAAAAAAAAAAAAAAAAAAAAABQAAAAAAAAAwMD/AAAAAABkAAAAMgAAAAAAAABkAAAAAAAAAH9/fwAKAAAAHwAAAFQAAAAAAAAFAAAAAQAAAAAAAAAAAAAAAAAAAAAAAAAAAAAAAAAAAAAAAAAAAAAAAn9/fwAAAAADzMzMAMDA/wB/f38AAAAAAAAAAAAAAAAAAAAAAAAAAAAhAAAAGAAAABQAAABQKAAAGycAAHA1AABZKQAAAAAAACYAAAAIAAAAAAAAAAAAAAA="/>
+                <pr:smNativeData xmlns:pr="smNativeData" val="SMDATA_13_1CvgZRMAAAAlAAAAZAAAAA8BAAAAkAAAAEgAAACQAAAASAAAAAAAAAABAAAAAAAAAAEAAABQAAAAAAAAAAAA4D8AAAAAAADgPwAAAAAAAOA/AAAAAAAA4D8AAAAAAADgPwAAAAAAAOA/AAAAAAAA4D8AAAAAAADgPwAAAAAAAOA/AAAAAAAA4D8CAAAAjAAAAAAAAAAAAAAAu+DjDP///wgAAAAAAAAAAAAAAAAAAAAAAAAAAAAAAAAAAAAAZAAAAAEAAABAAAAAAAAAAAAAAAAAAAAAAAAAAAAAAAAAAAAAAAAAAAAAAAAAAAAAAAAAAAAAAAAAAAAAAAAAAAAAAAAAAAAAAAAAAAAAAAAAAAAAAAAAAAAAAAAAAAAAFAAAADwAAAAAAAAAAAAAAAAAAAkUAAAAAQAAABQAAAAUAAAAFAAAAAEAAAAAAAAAZAAAAGQAAAAAAAAAZAAAAGQAAAAVAAAAYAAAAAAAAAAAAAAADwAAACADAAAAAAAAAAAAAAEAAACgMgAAVgcAAKr4//8BAAAAf39/AAEAAABkAAAAAAAAABQAAABAHwAAAAAAACYAAAAAAAAAwOD//wAAAAAmAAAAZAAAABYAAABMAAAAAAAAAAAAAAAEAAAAAAAAAAEAAACAgIAKAAAAACgAAAAoAAAAZAAAAGQAAAAAAAAAzMzMAAAAAABQAAAAUAAAAGQAAABkAAAAAAAAABcAAAAUAAAAAAAAAAAAAAD/fwAA/38AAAAAAAAJAAAABAAAAO3iANgMAAAAEAAAAAAAAAAAAAAAAAAAAAAAAAAeAAAAaAAAAAAAAAAAAAAAAAAAAAAAAAAAAAAAECcAABAnAAAAAAAAAAAAAAAAAAAAAAAAAAAAAAAAAAAAAAAAAAAAABQAAAAAAAAAwMD/AAAAAABkAAAAMgAAAAAAAABkAAAAAAAAAH9/fwAKAAAAHwAAAFQAAAAAAAAFAAAAAQAAAAAAAAAAAAAAAAAAAAAAAAAAAAAAAAAAAAAAAAAAAAAAAn9/fwAAAAADzMzMAMDA/wB/f38AAAAAAAAAAAAAAAAAAAAAAAAAAAAhAAAAGAAAABQAAABQKAAAGycAAHA1AABZKQAAEAAAACYAAAAIAAAAAAAAAAAAAAA="/>
               </a:ext>
             </a:extLst>
           </p:cNvSpPr>
@@ -1958,7 +1937,7 @@
           <a:lstStyle/>
           <a:p>
             <a:pPr/>
-            <a:fld id="{3FD855E3-ADD2-8DA3-9C60-5BF61B2E6A0E}" type="slidenum">
+            <a:fld id="{3E4600B6-F8D3-13F6-9DFE-0EA34EB06B5B}" type="slidenum">
               <a:t/>
             </a:fld>
           </a:p>
@@ -1996,7 +1975,7 @@
             <a:spLocks noGrp="1" noChangeArrowheads="1"/>
             <a:extLst>
               <a:ext uri="smNativeData">
-                <pr:smNativeData xmlns:pr="smNativeData" val="SMDATA_13_HczeZRMAAAAlAAAAZAAAAA8BAAAAkAAAAEgAAACQAAAASAAAAAAAAAABAAAAAAAAAAEAAABQAAAAAAAAAAAA4D8AAAAAAADgPwAAAAAAAOA/AAAAAAAA4D8AAAAAAADgPwAAAAAAAOA/AAAAAAAA4D8AAAAAAADgPwAAAAAAAOA/AAAAAAAA4D8CAAAAjAAAAAAAAAAAAAAAu+DjDP///wgAAAAAAAAAAAAAAAAAAAAAAAAAAAAAAAAAAAAAZAAAAAEAAABAAAAAAAAAAAAAAAAAAAAAAAAAAAAAAAAAAAAAAAAAAAAAAAAAAAAAAAAAAAAAAAAAAAAAAAAAAAAAAAAAAAAAAAAAAAAAAAAAAAAAAAAAAAAAAAAAAAAAFAAAADwAAAAAAAAAAAAAAAAAAAkUAAAAAQAAABQAAAAUAAAAFAAAAAEAAAAAAAAAZAAAAGQAAAAAAAAAZAAAAGQAAAAVAAAAYAAAAAAAAAAAAAAADwAAACADAAAAAAAAAAAAAAEAAACgMgAAVgcAAKr4//8BAAAAf39/AAEAAABkAAAAAAAAABQAAABAHwAAAAAAACYAAAAAAAAAwOD//wAAAAAmAAAAZAAAABYAAABMAAAAAAAAAAAAAAAEAAAAAAAAAAEAAACAgIAKAAAAACgAAAAoAAAAZAAAAGQAAAAAAAAAzMzMAAAAAABQAAAAUAAAAGQAAABkAAAAAAAAABcAAAAUAAAAAAAAAAAAAAD/fwAA/38AAAAAAAAJAAAABAAAAAAAAAAMAAAAEAAAAAAAAAAAAAAAAAAAAAAAAAAeAAAAaAAAAAAAAAAAAAAAAAAAAAAAAAAAAAAAECcAABAnAAAAAAAAAAAAAAAAAAAAAAAAAAAAAAAAAAAAAAAAAAAAABQAAAAAAAAAwMD/AAAAAABkAAAAMgAAAAAAAABkAAAAAAAAAH9/fwAKAAAAHwAAAFQAAAAAAAAFAAAAAQAAAAAAAAAAAAAAAAAAAAAAAAAAAAAAAAAAAAAAAAAAAAAAAn9/fwAAAAADzMzMAMDA/wB/f38AAAAAAAAAAAAAAAAAAAAAAAAAAAAhAAAAGAAAABQAAADQAgAAsAEAAHA1AAC4CAAAAAAAACYAAAAIAAAAAAAAAAAAAAA="/>
+                <pr:smNativeData xmlns:pr="smNativeData" val="SMDATA_13_1CvgZRMAAAAlAAAAZAAAAA8BAAAAkAAAAEgAAACQAAAASAAAAAAAAAABAAAAAAAAAAEAAABQAAAAAAAAAAAA4D8AAAAAAADgPwAAAAAAAOA/AAAAAAAA4D8AAAAAAADgPwAAAAAAAOA/AAAAAAAA4D8AAAAAAADgPwAAAAAAAOA/AAAAAAAA4D8CAAAAjAAAAAAAAAAAAAAAu+DjDP///wgAAAAAAAAAAAAAAAAAAAAAAAAAAAAAAAAAAAAAZAAAAAEAAABAAAAAAAAAAAAAAAAAAAAAAAAAAAAAAAAAAAAAAAAAAAAAAAAAAAAAAAAAAAAAAAAAAAAAAAAAAAAAAAAAAAAAAAAAAAAAAAAAAAAAAAAAAAAAAAAAAAAAFAAAADwAAAAAAAAAAAAAAAAAAAkUAAAAAQAAABQAAAAUAAAAFAAAAAEAAAAAAAAAZAAAAGQAAAAAAAAAZAAAAGQAAAAVAAAAYAAAAAAAAAAAAAAADwAAACADAAAAAAAAAAAAAAEAAACgMgAAVgcAAKr4//8BAAAAf39/AAEAAABkAAAAAAAAABQAAABAHwAAAAAAACYAAAAAAAAAwOD//wAAAAAmAAAAZAAAABYAAABMAAAAAAAAAAAAAAAEAAAAAAAAAAEAAACAgIAKAAAAACgAAAAoAAAAZAAAAGQAAAAAAAAAzMzMAAAAAABQAAAAUAAAAGQAAABkAAAAAAAAABcAAAAUAAAAAAAAAAAAAAD/fwAA/38AAAAAAAAJAAAABAAAAAAAAAAMAAAAEAAAAAAAAAAAAAAAAAAAAAAAAAAeAAAAaAAAAAAAAAAAAAAAAAAAAAAAAAAAAAAAECcAABAnAAAAAAAAAAAAAAAAAAAAAAAAAAAAAAAAAAAAAAAAAAAAABQAAAAAAAAAwMD/AAAAAABkAAAAMgAAAAAAAABkAAAAAAAAAH9/fwAKAAAAHwAAAFQAAAAAAAAFAAAAAQAAAAAAAAAAAAAAAAAAAAAAAAAAAAAAAAAAAAAAAAAAAAAAAn9/fwAAAAADzMzMAMDA/wB/f38AAAAAAAAAAAAAAAAAAAAAAAAAAAAhAAAAGAAAABQAAADQAgAAsAEAAHA1AAC4CAAAEAAAACYAAAAIAAAAAAAAAAAAAAA="/>
               </a:ext>
             </a:extLst>
           </p:cNvSpPr>
@@ -2023,7 +2002,7 @@
             <a:spLocks noGrp="1" noChangeArrowheads="1"/>
             <a:extLst>
               <a:ext uri="smNativeData">
-                <pr:smNativeData xmlns:pr="smNativeData" val="SMDATA_13_HczeZRMAAAAlAAAAZAAAAA8BAAAAkAAAAEgAAACQAAAASAAAAAAAAAABAAAAAAAAAAEAAABQAAAAAAAAAAAA4D8AAAAAAADgPwAAAAAAAOA/AAAAAAAA4D8AAAAAAADgPwAAAAAAAOA/AAAAAAAA4D8AAAAAAADgPwAAAAAAAOA/AAAAAAAA4D8CAAAAjAAAAAAAAAAAAAAAu+DjDP///wgAAAAAAAAAAAAAAAAAAAAAAAAAAAAAAAAAAAAAZAAAAAEAAABAAAAAAAAAAAAAAAAAAAAAAAAAAAAAAAAAAAAAAAAAAAAAAAAAAAAAAAAAAAAAAAAAAAAAAAAAAAAAAAAAAAAAAAAAAAAAAAAAAAAAAAAAAAAAAAAAAAAAFAAAADwAAAAAAAAAAAAAAAAAAAkUAAAAAQAAABQAAAAUAAAAFAAAAAEAAAAAAAAAZAAAAGQAAAAAAAAAZAAAAGQAAAAVAAAAYAAAAAAAAAAAAAAADwAAACADAAAAAAAAAAAAAAEAAACgMgAAVgcAAKr4//8BAAAAf39/AAEAAABkAAAAAAAAABQAAABAHwAAAAAAACYAAAAAAAAAwOD//wAAAAAmAAAAZAAAABYAAABMAAAAAAAAAAAAAAAEAAAAAAAAAAEAAACAgIAKAAAAACgAAAAoAAAAZAAAAGQAAAAAAAAAzMzMAAAAAABQAAAAUAAAAGQAAABkAAAAAAAAABcAAAAUAAAAAAAAAAAAAAD/fwAA/38AAAAAAAAJAAAABAAAAAIAAQAMAAAAEAAAAAAAAAAAAAAAAAAAAAAAAAAeAAAAaAAAAAAAAAAAAAAAAAAAAAAAAAAAAAAAECcAABAnAAAAAAAAAAAAAAAAAAAAAAAAAAAAAAAAAAAAAAAAAAAAABQAAAAAAAAAwMD/AAAAAABkAAAAMgAAAAAAAABkAAAAAAAAAH9/fwAKAAAAHwAAAFQAAAAAAAAFAAAAAQAAAAAAAAAAAAAAAAAAAAAAAAAAAAAAAAAAAAAAAAAAAAAAAn9/fwAAAAADzMzMAMDA/wB/f38AAAAAAAAAAAAAAAAAAAAAAAAAAAAhAAAAGAAAABQAAADQAgAAGycAAPAPAABZKQAAAAAAACYAAAAIAAAAAAAAAAAAAAA="/>
+                <pr:smNativeData xmlns:pr="smNativeData" val="SMDATA_13_1CvgZRMAAAAlAAAAZAAAAA8BAAAAkAAAAEgAAACQAAAASAAAAAAAAAABAAAAAAAAAAEAAABQAAAAAAAAAAAA4D8AAAAAAADgPwAAAAAAAOA/AAAAAAAA4D8AAAAAAADgPwAAAAAAAOA/AAAAAAAA4D8AAAAAAADgPwAAAAAAAOA/AAAAAAAA4D8CAAAAjAAAAAAAAAAAAAAAu+DjDP///wgAAAAAAAAAAAAAAAAAAAAAAAAAAAAAAAAAAAAAZAAAAAEAAABAAAAAAAAAAAAAAAAAAAAAAAAAAAAAAAAAAAAAAAAAAAAAAAAAAAAAAAAAAAAAAAAAAAAAAAAAAAAAAAAAAAAAAAAAAAAAAAAAAAAAAAAAAAAAAAAAAAAAFAAAADwAAAAAAAAAAAAAAAAAAAkUAAAAAQAAABQAAAAUAAAAFAAAAAEAAAAAAAAAZAAAAGQAAAAAAAAAZAAAAGQAAAAVAAAAYAAAAAAAAAAAAAAADwAAACADAAAAAAAAAAAAAAEAAACgMgAAVgcAAKr4//8BAAAAf39/AAEAAABkAAAAAAAAABQAAABAHwAAAAAAACYAAAAAAAAAwOD//wAAAAAmAAAAZAAAABYAAABMAAAAAAAAAAAAAAAEAAAAAAAAAAEAAACAgIAKAAAAACgAAAAoAAAAZAAAAGQAAAAAAAAAzMzMAAAAAABQAAAAUAAAAGQAAABkAAAAAAAAABcAAAAUAAAAAAAAAAAAAAD/fwAA/38AAAAAAAAJAAAABAAAAAIAAQAMAAAAEAAAAAAAAAAAAAAAAAAAAAAAAAAeAAAAaAAAAAAAAAAAAAAAAAAAAAAAAAAAAAAAECcAABAnAAAAAAAAAAAAAAAAAAAAAAAAAAAAAAAAAAAAAAAAAAAAABQAAAAAAAAAwMD/AAAAAABkAAAAMgAAAAAAAABkAAAAAAAAAH9/fwAKAAAAHwAAAFQAAAAAAAAFAAAAAQAAAAAAAAAAAAAAAAAAAAAAAAAAAAAAAAAAAAAAAAAAAAAAAn9/fwAAAAADzMzMAMDA/wB/f38AAAAAAAAAAAAAAAAAAAAAAAAAAAAhAAAAGAAAABQAAADQAgAAGycAAPAPAABZKQAAEAAAACYAAAAIAAAAAAAAAAAAAAA="/>
               </a:ext>
             </a:extLst>
           </p:cNvSpPr>
@@ -2037,7 +2016,7 @@
           <a:lstStyle/>
           <a:p>
             <a:pPr/>
-            <a:fld id="{3FD859DF-91D2-8DAF-9C60-67FA172E6A32}" type="datetime1">
+            <a:fld id="{3E467819-57D3-138E-9DFE-A1DB36B06BF4}" type="datetime1">
               <a:t/>
             </a:fld>
           </a:p>
@@ -2050,7 +2029,7 @@
             <a:spLocks noGrp="1" noChangeArrowheads="1"/>
             <a:extLst>
               <a:ext uri="smNativeData">
-                <pr:smNativeData xmlns:pr="smNativeData" val="SMDATA_13_HczeZRMAAAAlAAAAZAAAAA8BAAAAkAAAAEgAAACQAAAASAAAAAAAAAABAAAAAAAAAAEAAABQAAAAAAAAAAAA4D8AAAAAAADgPwAAAAAAAOA/AAAAAAAA4D8AAAAAAADgPwAAAAAAAOA/AAAAAAAA4D8AAAAAAADgPwAAAAAAAOA/AAAAAAAA4D8CAAAAjAAAAAAAAAAAAAAAu+DjDP///wgAAAAAAAAAAAAAAAAAAAAAAAAAAAAAAAAAAAAAZAAAAAEAAABAAAAAAAAAAAAAAAAAAAAAAAAAAAAAAAAAAAAAAAAAAAAAAAAAAAAAAAAAAAAAAAAAAAAAAAAAAAAAAAAAAAAAAAAAAAAAAAAAAAAAAAAAAAAAAAAAAAAAFAAAADwAAAAAAAAAAAAAAAAAAAkUAAAAAQAAABQAAAAUAAAAFAAAAAEAAAAAAAAAZAAAAGQAAAAAAAAAZAAAAGQAAAAVAAAAYAAAAAAAAAAAAAAADwAAACADAAAAAAAAAAAAAAEAAACgMgAAVgcAAKr4//8BAAAAf39/AAEAAABkAAAAAAAAABQAAABAHwAAAAAAACYAAAAAAAAAwOD//wAAAAAmAAAAZAAAABYAAABMAAAAAAAAAAAAAAAEAAAAAAAAAAEAAACAgIAKAAAAACgAAAAoAAAAZAAAAGQAAAAAAAAAzMzMAAAAAABQAAAAUAAAAGQAAABkAAAAAAAAABcAAAAUAAAAAAAAAAAAAAD/fwAA/38AAAAAAAAJAAAABAAAAAAAAAAMAAAAEAAAAAAAAAAAAAAAAAAAAAAAAAAeAAAAaAAAAAAAAAAAAAAAAAAAAAAAAAAAAAAAECcAABAnAAAAAAAAAAAAAAAAAAAAAAAAAAAAAAAAAAAAAAAAAAAAABQAAAAAAAAAwMD/AAAAAABkAAAAMgAAAAAAAABkAAAAAAAAAH9/fwAKAAAAHwAAAFQAAAAAAAAFAAAAAQAAAAAAAAAAAAAAAAAAAAAAAAAAAAAAAAAAAAAAAAAAAAAAAn9/fwAAAAADzMzMAMDA/wB/f38AAAAAAAAAAAAAAAAAAAAAAAAAAAAhAAAAGAAAABQAAAA4EwAAGycAAAglAABZKQAAAAAAACYAAAAIAAAAAAAAAAAAAAA="/>
+                <pr:smNativeData xmlns:pr="smNativeData" val="SMDATA_13_1CvgZRMAAAAlAAAAZAAAAA8BAAAAkAAAAEgAAACQAAAASAAAAAAAAAABAAAAAAAAAAEAAABQAAAAAAAAAAAA4D8AAAAAAADgPwAAAAAAAOA/AAAAAAAA4D8AAAAAAADgPwAAAAAAAOA/AAAAAAAA4D8AAAAAAADgPwAAAAAAAOA/AAAAAAAA4D8CAAAAjAAAAAAAAAAAAAAAu+DjDP///wgAAAAAAAAAAAAAAAAAAAAAAAAAAAAAAAAAAAAAZAAAAAEAAABAAAAAAAAAAAAAAAAAAAAAAAAAAAAAAAAAAAAAAAAAAAAAAAAAAAAAAAAAAAAAAAAAAAAAAAAAAAAAAAAAAAAAAAAAAAAAAAAAAAAAAAAAAAAAAAAAAAAAFAAAADwAAAAAAAAAAAAAAAAAAAkUAAAAAQAAABQAAAAUAAAAFAAAAAEAAAAAAAAAZAAAAGQAAAAAAAAAZAAAAGQAAAAVAAAAYAAAAAAAAAAAAAAADwAAACADAAAAAAAAAAAAAAEAAACgMgAAVgcAAKr4//8BAAAAf39/AAEAAABkAAAAAAAAABQAAABAHwAAAAAAACYAAAAAAAAAwOD//wAAAAAmAAAAZAAAABYAAABMAAAAAAAAAAAAAAAEAAAAAAAAAAEAAACAgIAKAAAAACgAAAAoAAAAZAAAAGQAAAAAAAAAzMzMAAAAAABQAAAAUAAAAGQAAABkAAAAAAAAABcAAAAUAAAAAAAAAAAAAAD/fwAA/38AAAAAAAAJAAAABAAAAAAAAAAMAAAAEAAAAAAAAAAAAAAAAAAAAAAAAAAeAAAAaAAAAAAAAAAAAAAAAAAAAAAAAAAAAAAAECcAABAnAAAAAAAAAAAAAAAAAAAAAAAAAAAAAAAAAAAAAAAAAAAAABQAAAAAAAAAwMD/AAAAAABkAAAAMgAAAAAAAABkAAAAAAAAAH9/fwAKAAAAHwAAAFQAAAAAAAAFAAAAAQAAAAAAAAAAAAAAAAAAAAAAAAAAAAAAAAAAAAAAAAAAAAAAAn9/fwAAAAADzMzMAMDA/wB/f38AAAAAAAAAAAAAAAAAAAAAAAAAAAAhAAAAGAAAABQAAAA4EwAAGycAAAglAABZKQAAEAAAACYAAAAIAAAAAAAAAAAAAAA="/>
               </a:ext>
             </a:extLst>
           </p:cNvSpPr>
@@ -2064,9 +2043,6 @@
           <a:lstStyle/>
           <a:p>
             <a:pPr/>
-            <a:r>
-              <a:t/>
-            </a:r>
           </a:p>
         </p:txBody>
       </p:sp>
@@ -2077,7 +2053,7 @@
             <a:spLocks noGrp="1" noChangeArrowheads="1"/>
             <a:extLst>
               <a:ext uri="smNativeData">
-                <pr:smNativeData xmlns:pr="smNativeData" val="SMDATA_13_HczeZRMAAAAlAAAAZAAAAA8BAAAAkAAAAEgAAACQAAAASAAAAAAAAAABAAAAAAAAAAEAAABQAAAAAAAAAAAA4D8AAAAAAADgPwAAAAAAAOA/AAAAAAAA4D8AAAAAAADgPwAAAAAAAOA/AAAAAAAA4D8AAAAAAADgPwAAAAAAAOA/AAAAAAAA4D8CAAAAjAAAAAAAAAAAAAAAu+DjDP///wgAAAAAAAAAAAAAAAAAAAAAAAAAAAAAAAAAAAAAZAAAAAEAAABAAAAAAAAAAAAAAAAAAAAAAAAAAAAAAAAAAAAAAAAAAAAAAAAAAAAAAAAAAAAAAAAAAAAAAAAAAAAAAAAAAAAAAAAAAAAAAAAAAAAAAAAAAAAAAAAAAAAAFAAAADwAAAAAAAAAAAAAAAAAAAkUAAAAAQAAABQAAAAUAAAAFAAAAAEAAAAAAAAAZAAAAGQAAAAAAAAAZAAAAGQAAAAVAAAAYAAAAAAAAAAAAAAADwAAACADAAAAAAAAAAAAAAEAAACgMgAAVgcAAKr4//8BAAAAf39/AAEAAABkAAAAAAAAABQAAABAHwAAAAAAACYAAAAAAAAAwOD//wAAAAAmAAAAZAAAABYAAABMAAAAAAAAAAAAAAAEAAAAAAAAAAEAAACAgIAKAAAAACgAAAAoAAAAZAAAAGQAAAAAAAAAzMzMAAAAAABQAAAAUAAAAGQAAABkAAAAAAAAABcAAAAUAAAAAAAAAAAAAAD/fwAA/38AAAAAAAAJAAAABAAAAAAAAAAMAAAAEAAAAAAAAAAAAAAAAAAAAAAAAAAeAAAAaAAAAAAAAAAAAAAAAAAAAAAAAAAAAAAAECcAABAnAAAAAAAAAAAAAAAAAAAAAAAAAAAAAAAAAAAAAAAAAAAAABQAAAAAAAAAwMD/AAAAAABkAAAAMgAAAAAAAABkAAAAAAAAAH9/fwAKAAAAHwAAAFQAAAAAAAAFAAAAAQAAAAAAAAAAAAAAAAAAAAAAAAAAAAAAAAAAAAAAAAAAAAAAAn9/fwAAAAADzMzMAMDA/wB/f38AAAAAAAAAAAAAAAAAAAAAAAAAAAAhAAAAGAAAABQAAABQKAAAGycAAHA1AABZKQAAAAAAACYAAAAIAAAAAAAAAAAAAAA="/>
+                <pr:smNativeData xmlns:pr="smNativeData" val="SMDATA_13_1CvgZRMAAAAlAAAAZAAAAA8BAAAAkAAAAEgAAACQAAAASAAAAAAAAAABAAAAAAAAAAEAAABQAAAAAAAAAAAA4D8AAAAAAADgPwAAAAAAAOA/AAAAAAAA4D8AAAAAAADgPwAAAAAAAOA/AAAAAAAA4D8AAAAAAADgPwAAAAAAAOA/AAAAAAAA4D8CAAAAjAAAAAAAAAAAAAAAu+DjDP///wgAAAAAAAAAAAAAAAAAAAAAAAAAAAAAAAAAAAAAZAAAAAEAAABAAAAAAAAAAAAAAAAAAAAAAAAAAAAAAAAAAAAAAAAAAAAAAAAAAAAAAAAAAAAAAAAAAAAAAAAAAAAAAAAAAAAAAAAAAAAAAAAAAAAAAAAAAAAAAAAAAAAAFAAAADwAAAAAAAAAAAAAAAAAAAkUAAAAAQAAABQAAAAUAAAAFAAAAAEAAAAAAAAAZAAAAGQAAAAAAAAAZAAAAGQAAAAVAAAAYAAAAAAAAAAAAAAADwAAACADAAAAAAAAAAAAAAEAAACgMgAAVgcAAKr4//8BAAAAf39/AAEAAABkAAAAAAAAABQAAABAHwAAAAAAACYAAAAAAAAAwOD//wAAAAAmAAAAZAAAABYAAABMAAAAAAAAAAAAAAAEAAAAAAAAAAEAAACAgIAKAAAAACgAAAAoAAAAZAAAAGQAAAAAAAAAzMzMAAAAAABQAAAAUAAAAGQAAABkAAAAAAAAABcAAAAUAAAAAAAAAAAAAAD/fwAA/38AAAAAAAAJAAAABAAAAAAAAAAMAAAAEAAAAAAAAAAAAAAAAAAAAAAAAAAeAAAAaAAAAAAAAAAAAAAAAAAAAAAAAAAAAAAAECcAABAnAAAAAAAAAAAAAAAAAAAAAAAAAAAAAAAAAAAAAAAAAAAAABQAAAAAAAAAwMD/AAAAAABkAAAAMgAAAAAAAABkAAAAAAAAAH9/fwAKAAAAHwAAAFQAAAAAAAAFAAAAAQAAAAAAAAAAAAAAAAAAAAAAAAAAAAAAAAAAAAAAAAAAAAAAAn9/fwAAAAADzMzMAMDA/wB/f38AAAAAAAAAAAAAAAAAAAAAAAAAAAAhAAAAGAAAABQAAABQKAAAGycAAHA1AABZKQAAEAAAACYAAAAIAAAAAAAAAAAAAAA="/>
               </a:ext>
             </a:extLst>
           </p:cNvSpPr>
@@ -2091,7 +2067,7 @@
           <a:lstStyle/>
           <a:p>
             <a:pPr/>
-            <a:fld id="{3FD87E0F-41D2-8D88-9C60-B7DD302E6AE2}" type="slidenum">
+            <a:fld id="{3E4617D0-9ED3-13E1-9DFE-68B459B06B3D}" type="slidenum">
               <a:t/>
             </a:fld>
           </a:p>
@@ -2129,7 +2105,7 @@
             <a:spLocks noGrp="1" noChangeArrowheads="1"/>
             <a:extLst>
               <a:ext uri="smNativeData">
-                <pr:smNativeData xmlns:pr="smNativeData" val="SMDATA_13_HczeZRMAAAAlAAAAZAAAAA8BAAAAkAAAAEgAAACQAAAASAAAAAAAAAABAAAAAAAAAAEAAABQAAAAAAAAAAAA4D8AAAAAAADgPwAAAAAAAOA/AAAAAAAA4D8AAAAAAADgPwAAAAAAAOA/AAAAAAAA4D8AAAAAAADgPwAAAAAAAOA/AAAAAAAA4D8CAAAAjAAAAAAAAAAAAAAAu+DjDP///wgAAAAAAAAAAAAAAAAAAAAAAAAAAAAAAAAAAAAAZAAAAAEAAABAAAAAAAAAAAAAAAAAAAAAAAAAAAAAAAAAAAAAAAAAAAAAAAAAAAAAAAAAAAAAAAAAAAAAAAAAAAAAAAAAAAAAAAAAAAAAAAAAAAAAAAAAAAAAAAAAAAAAFAAAADwAAAAAAAAAAAAAAAAAAAkUAAAAAQAAABQAAAAUAAAAFAAAAAEAAAAAAAAAZAAAAGQAAAAAAAAAZAAAAGQAAAAVAAAAYAAAAAAAAAAAAAAADwAAACADAAAAAAAAAAAAAAEAAACgMgAAVgcAAKr4//8BAAAAf39/AAEAAABkAAAAAAAAABQAAABAHwAAAAAAACYAAAAAAAAAwOD//wAAAAAmAAAAZAAAABYAAABMAAAAAAAAAAAAAAAEAAAAAAAAAAEAAACAgIAKAAAAACgAAAAoAAAAZAAAAGQAAAAAAAAAzMzMAAAAAABQAAAAUAAAAGQAAABkAAAAAAAAABcAAAAUAAAAAAAAAAAAAAD/fwAA/38AAAAAAAAJAAAABAAAAAAAAAAMAAAAEAAAAAAAAAAAAAAAAAAAAAAAAAAeAAAAaAAAAAAAAAAAAAAAAAAAAAAAAAAAAAAAECcAABAnAAAAAAAAAAAAAAAAAAAAAAAAAAAAAAAAAAAAAAAAAAAAABQAAAAAAAAAwMD/AAAAAABkAAAAMgAAAAAAAABkAAAAAAAAAH9/fwAKAAAAHwAAAFQAAAAAAAAFAAAAAQAAAAAAAAAAAAAAAAAAAAAAAAAAAAAAAAAAAAAAAAAAAAAAAn9/fwAAAAADzMzMAMDA/wB/f38AAAAAAAAAAAAAAAAAAAAAAAAAAAAhAAAAGAAAABQAAADQAgAAGycAAPAPAABZKQAAAAAAACYAAAAIAAAAAAAAAAAAAAA="/>
+                <pr:smNativeData xmlns:pr="smNativeData" val="SMDATA_13_1CvgZRMAAAAlAAAAZAAAAA8BAAAAkAAAAEgAAACQAAAASAAAAAAAAAABAAAAAAAAAAEAAABQAAAAAAAAAAAA4D8AAAAAAADgPwAAAAAAAOA/AAAAAAAA4D8AAAAAAADgPwAAAAAAAOA/AAAAAAAA4D8AAAAAAADgPwAAAAAAAOA/AAAAAAAA4D8CAAAAjAAAAAAAAAAAAAAAu+DjDP///wgAAAAAAAAAAAAAAAAAAAAAAAAAAAAAAAAAAAAAZAAAAAEAAABAAAAAAAAAAAAAAAAAAAAAAAAAAAAAAAAAAAAAAAAAAAAAAAAAAAAAAAAAAAAAAAAAAAAAAAAAAAAAAAAAAAAAAAAAAAAAAAAAAAAAAAAAAAAAAAAAAAAAFAAAADwAAAAAAAAAAAAAAAAAAAkUAAAAAQAAABQAAAAUAAAAFAAAAAEAAAAAAAAAZAAAAGQAAAAAAAAAZAAAAGQAAAAVAAAAYAAAAAAAAAAAAAAADwAAACADAAAAAAAAAAAAAAEAAACgMgAAVgcAAKr4//8BAAAAf39/AAEAAABkAAAAAAAAABQAAABAHwAAAAAAACYAAAAAAAAAwOD//wAAAAAmAAAAZAAAABYAAABMAAAAAAAAAAAAAAAEAAAAAAAAAAEAAACAgIAKAAAAACgAAAAoAAAAZAAAAGQAAAAAAAAAzMzMAAAAAABQAAAAUAAAAGQAAABkAAAAAAAAABcAAAAUAAAAAAAAAAAAAAD/fwAA/38AAAAAAAAJAAAABAAAAAAAAAAMAAAAEAAAAAAAAAAAAAAAAAAAAAAAAAAeAAAAaAAAAAAAAAAAAAAAAAAAAAAAAAAAAAAAECcAABAnAAAAAAAAAAAAAAAAAAAAAAAAAAAAAAAAAAAAAAAAAAAAABQAAAAAAAAAwMD/AAAAAABkAAAAMgAAAAAAAABkAAAAAAAAAH9/fwAKAAAAHwAAAFQAAAAAAAAFAAAAAQAAAAAAAAAAAAAAAAAAAAAAAAAAAAAAAAAAAAAAAAAAAAAAAn9/fwAAAAADzMzMAMDA/wB/f38AAAAAAAAAAAAAAAAAAAAAAAAAAAAhAAAAGAAAABQAAADQAgAAGycAAPAPAABZKQAAEAAAACYAAAAIAAAAAAAAAAAAAAA="/>
               </a:ext>
             </a:extLst>
           </p:cNvSpPr>
@@ -2143,7 +2119,7 @@
           <a:lstStyle/>
           <a:p>
             <a:pPr/>
-            <a:fld id="{3FD83E54-1AD2-8DC8-9C60-EC9D702E6AB9}" type="datetime1">
+            <a:fld id="{3E467999-D7D3-138F-9DFE-21DA37B06B74}" type="datetime1">
               <a:t/>
             </a:fld>
           </a:p>
@@ -2156,7 +2132,7 @@
             <a:spLocks noGrp="1" noChangeArrowheads="1"/>
             <a:extLst>
               <a:ext uri="smNativeData">
-                <pr:smNativeData xmlns:pr="smNativeData" val="SMDATA_13_HczeZRMAAAAlAAAAZAAAAA8BAAAAkAAAAEgAAACQAAAASAAAAAAAAAABAAAAAAAAAAEAAABQAAAAAAAAAAAA4D8AAAAAAADgPwAAAAAAAOA/AAAAAAAA4D8AAAAAAADgPwAAAAAAAOA/AAAAAAAA4D8AAAAAAADgPwAAAAAAAOA/AAAAAAAA4D8CAAAAjAAAAAAAAAAAAAAAu+DjDP///wgAAAAAAAAAAAAAAAAAAAAAAAAAAAAAAAAAAAAAZAAAAAEAAABAAAAAAAAAAAAAAAAAAAAAAAAAAAAAAAAAAAAAAAAAAAAAAAAAAAAAAAAAAAAAAAAAAAAAAAAAAAAAAAAAAAAAAAAAAAAAAAAAAAAAAAAAAAAAAAAAAAAAFAAAADwAAAAAAAAAAAAAAAAAAAkUAAAAAQAAABQAAAAUAAAAFAAAAAEAAAAAAAAAZAAAAGQAAAAAAAAAZAAAAGQAAAAVAAAAYAAAAAAAAAAAAAAADwAAACADAAAAAAAAAAAAAAEAAACgMgAAVgcAAKr4//8BAAAAf39/AAEAAABkAAAAAAAAABQAAABAHwAAAAAAACYAAAAAAAAAwOD//wAAAAAmAAAAZAAAABYAAABMAAAAAAAAAAAAAAAEAAAAAAAAAAEAAACAgIAKAAAAACgAAAAoAAAAZAAAAGQAAAAAAAAAzMzMAAAAAABQAAAAUAAAAGQAAABkAAAAAAAAABcAAAAUAAAAAAAAAAAAAAD/fwAA/38AAAAAAAAJAAAABAAAAAAAAAAMAAAAEAAAAAAAAAAAAAAAAAAAAAAAAAAeAAAAaAAAAAAAAAAAAAAAAAAAAAAAAAAAAAAAECcAABAnAAAAAAAAAAAAAAAAAAAAAAAAAAAAAAAAAAAAAAAAAAAAABQAAAAAAAAAwMD/AAAAAABkAAAAMgAAAAAAAABkAAAAAAAAAH9/fwAKAAAAHwAAAFQAAAAAAAAFAAAAAQAAAAAAAAAAAAAAAAAAAAAAAAAAAAAAAAAAAAAAAAAAAAAAAn9/fwAAAAADzMzMAMDA/wB/f38AAAAAAAAAAAAAAAAAAAAAAAAAAAAhAAAAGAAAABQAAAA4EwAAGycAAAglAABZKQAAAAAAACYAAAAIAAAAAAAAAAAAAAA="/>
+                <pr:smNativeData xmlns:pr="smNativeData" val="SMDATA_13_1CvgZRMAAAAlAAAAZAAAAA8BAAAAkAAAAEgAAACQAAAASAAAAAAAAAABAAAAAAAAAAEAAABQAAAAAAAAAAAA4D8AAAAAAADgPwAAAAAAAOA/AAAAAAAA4D8AAAAAAADgPwAAAAAAAOA/AAAAAAAA4D8AAAAAAADgPwAAAAAAAOA/AAAAAAAA4D8CAAAAjAAAAAAAAAAAAAAAu+DjDP///wgAAAAAAAAAAAAAAAAAAAAAAAAAAAAAAAAAAAAAZAAAAAEAAABAAAAAAAAAAAAAAAAAAAAAAAAAAAAAAAAAAAAAAAAAAAAAAAAAAAAAAAAAAAAAAAAAAAAAAAAAAAAAAAAAAAAAAAAAAAAAAAAAAAAAAAAAAAAAAAAAAAAAFAAAADwAAAAAAAAAAAAAAAAAAAkUAAAAAQAAABQAAAAUAAAAFAAAAAEAAAAAAAAAZAAAAGQAAAAAAAAAZAAAAGQAAAAVAAAAYAAAAAAAAAAAAAAADwAAACADAAAAAAAAAAAAAAEAAACgMgAAVgcAAKr4//8BAAAAf39/AAEAAABkAAAAAAAAABQAAABAHwAAAAAAACYAAAAAAAAAwOD//wAAAAAmAAAAZAAAABYAAABMAAAAAAAAAAAAAAAEAAAAAAAAAAEAAACAgIAKAAAAACgAAAAoAAAAZAAAAGQAAAAAAAAAzMzMAAAAAABQAAAAUAAAAGQAAABkAAAAAAAAABcAAAAUAAAAAAAAAAAAAAD/fwAA/38AAAAAAAAJAAAABAAAAAAAAAAMAAAAEAAAAAAAAAAAAAAAAAAAAAAAAAAeAAAAaAAAAAAAAAAAAAAAAAAAAAAAAAAAAAAAECcAABAnAAAAAAAAAAAAAAAAAAAAAAAAAAAAAAAAAAAAAAAAAAAAABQAAAAAAAAAwMD/AAAAAABkAAAAMgAAAAAAAABkAAAAAAAAAH9/fwAKAAAAHwAAAFQAAAAAAAAFAAAAAQAAAAAAAAAAAAAAAAAAAAAAAAAAAAAAAAAAAAAAAAAAAAAAAn9/fwAAAAADzMzMAMDA/wB/f38AAAAAAAAAAAAAAAAAAAAAAAAAAAAhAAAAGAAAABQAAAA4EwAAGycAAAglAABZKQAAEAAAACYAAAAIAAAAAAAAAAAAAAA="/>
               </a:ext>
             </a:extLst>
           </p:cNvSpPr>
@@ -2170,9 +2146,6 @@
           <a:lstStyle/>
           <a:p>
             <a:pPr/>
-            <a:r>
-              <a:t/>
-            </a:r>
           </a:p>
         </p:txBody>
       </p:sp>
@@ -2183,7 +2156,7 @@
             <a:spLocks noGrp="1" noChangeArrowheads="1"/>
             <a:extLst>
               <a:ext uri="smNativeData">
-                <pr:smNativeData xmlns:pr="smNativeData" val="SMDATA_13_HczeZRMAAAAlAAAAZAAAAA8BAAAAkAAAAEgAAACQAAAASAAAAAAAAAABAAAAAAAAAAEAAABQAAAAAAAAAAAA4D8AAAAAAADgPwAAAAAAAOA/AAAAAAAA4D8AAAAAAADgPwAAAAAAAOA/AAAAAAAA4D8AAAAAAADgPwAAAAAAAOA/AAAAAAAA4D8CAAAAjAAAAAAAAAAAAAAAu+DjDP///wgAAAAAAAAAAAAAAAAAAAAAAAAAAAAAAAAAAAAAZAAAAAEAAABAAAAAAAAAAAAAAAAAAAAAAAAAAAAAAAAAAAAAAAAAAAAAAAAAAAAAAAAAAAAAAAAAAAAAAAAAAAAAAAAAAAAAAAAAAAAAAAAAAAAAAAAAAAAAAAAAAAAAFAAAADwAAAAAAAAAAAAAAAAAAAkUAAAAAQAAABQAAAAUAAAAFAAAAAEAAAAAAAAAZAAAAGQAAAAAAAAAZAAAAGQAAAAVAAAAYAAAAAAAAAAAAAAADwAAACADAAAAAAAAAAAAAAEAAACgMgAAVgcAAKr4//8BAAAAf39/AAEAAABkAAAAAAAAABQAAABAHwAAAAAAACYAAAAAAAAAwOD//wAAAAAmAAAAZAAAABYAAABMAAAAAAAAAAAAAAAEAAAAAAAAAAEAAACAgIAKAAAAACgAAAAoAAAAZAAAAGQAAAAAAAAAzMzMAAAAAABQAAAAUAAAAGQAAABkAAAAAAAAABcAAAAUAAAAAAAAAAAAAAD/fwAA/38AAAAAAAAJAAAABAAAAAAAAAAMAAAAEAAAAAAAAAAAAAAAAAAAAAAAAAAeAAAAaAAAAAAAAAAAAAAAAAAAAAAAAAAAAAAAECcAABAnAAAAAAAAAAAAAAAAAAAAAAAAAAAAAAAAAAAAAAAAAAAAABQAAAAAAAAAwMD/AAAAAABkAAAAMgAAAAAAAABkAAAAAAAAAH9/fwAKAAAAHwAAAFQAAAAAAAAFAAAAAQAAAAAAAAAAAAAAAAAAAAAAAAAAAAAAAAAAAAAAAAAAAAAAAn9/fwAAAAADzMzMAMDA/wB/f38AAAAAAAAAAAAAAAAAAAAAAAAAAAAhAAAAGAAAABQAAABQKAAAGycAAHA1AABZKQAAAAAAACYAAAAIAAAAAAAAAAAAAAA="/>
+                <pr:smNativeData xmlns:pr="smNativeData" val="SMDATA_13_1CvgZRMAAAAlAAAAZAAAAA8BAAAAkAAAAEgAAACQAAAASAAAAAAAAAABAAAAAAAAAAEAAABQAAAAAAAAAAAA4D8AAAAAAADgPwAAAAAAAOA/AAAAAAAA4D8AAAAAAADgPwAAAAAAAOA/AAAAAAAA4D8AAAAAAADgPwAAAAAAAOA/AAAAAAAA4D8CAAAAjAAAAAAAAAAAAAAAu+DjDP///wgAAAAAAAAAAAAAAAAAAAAAAAAAAAAAAAAAAAAAZAAAAAEAAABAAAAAAAAAAAAAAAAAAAAAAAAAAAAAAAAAAAAAAAAAAAAAAAAAAAAAAAAAAAAAAAAAAAAAAAAAAAAAAAAAAAAAAAAAAAAAAAAAAAAAAAAAAAAAAAAAAAAAFAAAADwAAAAAAAAAAAAAAAAAAAkUAAAAAQAAABQAAAAUAAAAFAAAAAEAAAAAAAAAZAAAAGQAAAAAAAAAZAAAAGQAAAAVAAAAYAAAAAAAAAAAAAAADwAAACADAAAAAAAAAAAAAAEAAACgMgAAVgcAAKr4//8BAAAAf39/AAEAAABkAAAAAAAAABQAAABAHwAAAAAAACYAAAAAAAAAwOD//wAAAAAmAAAAZAAAABYAAABMAAAAAAAAAAAAAAAEAAAAAAAAAAEAAACAgIAKAAAAACgAAAAoAAAAZAAAAGQAAAAAAAAAzMzMAAAAAABQAAAAUAAAAGQAAABkAAAAAAAAABcAAAAUAAAAAAAAAAAAAAD/fwAA/38AAAAAAAAJAAAABAAAAAAAAAAMAAAAEAAAAAAAAAAAAAAAAAAAAAAAAAAeAAAAaAAAAAAAAAAAAAAAAAAAAAAAAAAAAAAAECcAABAnAAAAAAAAAAAAAAAAAAAAAAAAAAAAAAAAAAAAAAAAAAAAABQAAAAAAAAAwMD/AAAAAABkAAAAMgAAAAAAAABkAAAAAAAAAH9/fwAKAAAAHwAAAFQAAAAAAAAFAAAAAQAAAAAAAAAAAAAAAAAAAAAAAAAAAAAAAAAAAAAAAAAAAAAAAn9/fwAAAAADzMzMAMDA/wB/f38AAAAAAAAAAAAAAAAAAAAAAAAAAAAhAAAAGAAAABQAAABQKAAAGycAAHA1AABZKQAAEAAAACYAAAAIAAAAAAAAAAAAAAA="/>
               </a:ext>
             </a:extLst>
           </p:cNvSpPr>
@@ -2197,7 +2170,7 @@
           <a:lstStyle/>
           <a:p>
             <a:pPr/>
-            <a:fld id="{3FD84CD8-96D2-8DBA-9C60-60EF022E6A35}" type="slidenum">
+            <a:fld id="{3E462100-4ED3-13D7-9DFE-B8826FB06BED}" type="slidenum">
               <a:t/>
             </a:fld>
           </a:p>
@@ -2235,7 +2208,7 @@
             <a:spLocks noGrp="1" noChangeArrowheads="1"/>
             <a:extLst>
               <a:ext uri="smNativeData">
-                <pr:smNativeData xmlns:pr="smNativeData" val="SMDATA_13_HczeZRMAAAAlAAAAZAAAAA8BAAAAkAAAAEgAAACQAAAASAAAAAAAAAACAAAAAAAAAAEAAABQAAAAAAAAAAAA4D8AAAAAAADgPwAAAAAAAOA/AAAAAAAA4D8AAAAAAADgPwAAAAAAAOA/AAAAAAAA4D8AAAAAAADgPwAAAAAAAOA/AAAAAAAA4D8CAAAAjAAAAAAAAAAAAAAAu+DjDP///wgAAAAAAAAAAAAAAAAAAAAAAAAAAAAAAAAAAAAAZAAAAAEAAABAAAAAAAAAAAAAAAAAAAAAAAAAAAAAAAAAAAAAAAAAAAAAAAAAAAAAAAAAAAAAAAAAAAAAAAAAAAAAAAAAAAAAAAAAAAAAAAAAAAAAAAAAAAAAAAAAAAAAFAAAADwAAAAAAAAAAAAAAAAAAAkUAAAAAQAAABQAAAAUAAAAFAAAAAEAAAAAAAAAZAAAAGQAAAAAAAAAZAAAAGQAAAAVAAAAYAAAAAAAAAAAAAAADwAAACADAAAAAAAAAAAAAAEAAACgMgAAVgcAAKr4//8BAAAAf39/AAEAAABkAAAAAAAAABQAAABAHwAAAAAAACYAAAAAAAAAwOD//wAAAAAmAAAAZAAAABYAAABMAAAAAAAAAAAAAAAEAAAAAAAAAAEAAACAgIAKAAAAACgAAAAoAAAAZAAAAGQAAAAAAAAAzMzMAAAAAABQAAAAUAAAAGQAAABkAAAAAAAAABcAAAAUAAAAAAAAAAAAAAD/fwAA/38AAAAAAAAJAAAABAAAABUAAgAMAAAAEAAAAAAAAAAAAAAAAAAAAAAAAAAeAAAAaAAAAAAAAAAAAAAAAAAAAAAAAAAAAAAAECcAABAnAAAAAAAAAAAAAAAAAAAAAAAAAAAAAAAAAAAAAAAAAAAAABQAAAAAAAAAwMD/AAAAAABkAAAAMgAAAAAAAABkAAAAAAAAAH9/fwAKAAAAHwAAAFQAAAAAAAAFAAAAAQAAAAAAAAAAAAAAAAAAAAAAAAAAAAAAAAAAAAAAAAAAAAAAAn9/fwAAAAADzMzMAMDA/wB/f38AAAAAAAAAAAAAAAAAAAAAAAAAAAAhAAAAGAAAABQAAADQAgAArgEAAFIVAADUCAAAAAAAACYAAAAIAAAAgYAAAAAAAAA="/>
+                <pr:smNativeData xmlns:pr="smNativeData" val="SMDATA_13_1CvgZRMAAAAlAAAAZAAAAA8BAAAAkAAAAEgAAACQAAAASAAAAAAAAAACAAAAAAAAAAEAAABQAAAAAAAAAAAA4D8AAAAAAADgPwAAAAAAAOA/AAAAAAAA4D8AAAAAAADgPwAAAAAAAOA/AAAAAAAA4D8AAAAAAADgPwAAAAAAAOA/AAAAAAAA4D8CAAAAjAAAAAAAAAAAAAAAu+DjDP///wgAAAAAAAAAAAAAAAAAAAAAAAAAAAAAAAAAAAAAZAAAAAEAAABAAAAAAAAAAAAAAAAAAAAAAAAAAAAAAAAAAAAAAAAAAAAAAAAAAAAAAAAAAAAAAAAAAAAAAAAAAAAAAAAAAAAAAAAAAAAAAAAAAAAAAAAAAAAAAAAAAAAAFAAAADwAAAAAAAAAAAAAAAAAAAkUAAAAAQAAABQAAAAUAAAAFAAAAAEAAAAAAAAAZAAAAGQAAAAAAAAAZAAAAGQAAAAVAAAAYAAAAAAAAAAAAAAADwAAACADAAAAAAAAAAAAAAEAAACgMgAAVgcAAKr4//8BAAAAf39/AAEAAABkAAAAAAAAABQAAABAHwAAAAAAACYAAAAAAAAAwOD//wAAAAAmAAAAZAAAABYAAABMAAAAAAAAAAAAAAAEAAAAAAAAAAEAAACAgIAKAAAAACgAAAAoAAAAZAAAAGQAAAAAAAAAzMzMAAAAAABQAAAAUAAAAGQAAABkAAAAAAAAABcAAAAUAAAAAAAAAAAAAAD/fwAA/38AAAAAAAAJAAAABAAAABUAAgAMAAAAEAAAAAAAAAAAAAAAAAAAAAAAAAAeAAAAaAAAAAAAAAAAAAAAAAAAAAAAAAAAAAAAECcAABAnAAAAAAAAAAAAAAAAAAAAAAAAAAAAAAAAAAAAAAAAAAAAABQAAAAAAAAAwMD/AAAAAABkAAAAMgAAAAAAAABkAAAAAAAAAH9/fwAKAAAAHwAAAFQAAAAAAAAFAAAAAQAAAAAAAAAAAAAAAAAAAAAAAAAAAAAAAAAAAAAAAAAAAAAAAn9/fwAAAAADzMzMAMDA/wB/f38AAAAAAAAAAAAAAAAAAAAAAAAAAAAhAAAAGAAAABQAAADQAgAArgEAAFIVAADUCAAAEAAAACYAAAAIAAAAgYAAAAAAAAA="/>
               </a:ext>
             </a:extLst>
           </p:cNvSpPr>
@@ -2275,7 +2248,7 @@
             <a:spLocks noGrp="1" noChangeArrowheads="1"/>
             <a:extLst>
               <a:ext uri="smNativeData">
-                <pr:smNativeData xmlns:pr="smNativeData" val="SMDATA_13_HczeZRMAAAAlAAAAZAAAAA8BAAAAkAAAAEgAAACQAAAASAAAAAAAAAAAAAAAAAAAAAEAAABQAAAAAAAAAAAA4D8AAAAAAADgPwAAAAAAAOA/AAAAAAAA4D8AAAAAAADgPwAAAAAAAOA/AAAAAAAA4D8AAAAAAADgPwAAAAAAAOA/AAAAAAAA4D8CAAAAjAAAAAAAAAAAAAAAu+DjDP///wgAAAAAAAAAAAAAAAAAAAAAAAAAAAAAAAAAAAAAZAAAAAEAAABAAAAAAAAAAAAAAAAAAAAAAAAAAAAAAAAAAAAAAAAAAAAAAAAAAAAAAAAAAAAAAAAAAAAAAAAAAAAAAAAAAAAAAAAAAAAAAAAAAAAAAAAAAAAAAAAAAAAAFAAAADwAAAAAAAAAAAAAAAAAAAkUAAAAAQAAABQAAAAUAAAAFAAAAAEAAAAAAAAAZAAAAGQAAAAAAAAAZAAAAGQAAAAVAAAAYAAAAAAAAAAAAAAADwAAACADAAAAAAAAAAAAAAEAAACgMgAAVgcAAKr4//8BAAAAf39/AAEAAABkAAAAAAAAABQAAABAHwAAAAAAACYAAAAAAAAAwOD//wAAAAAmAAAAZAAAABYAAABMAAAAAAAAAAAAAAAEAAAAAAAAAAEAAACAgIAKAAAAACgAAAAoAAAAZAAAAGQAAAAAAAAAzMzMAAAAAABQAAAAUAAAAGQAAABkAAAAAAAAABcAAAAUAAAAAAAAAAAAAAD/fwAA/38AAAAAAAAJAAAABAAAAAEAAQAMAAAAEAAAAAAAAAAAAAAAAAAAAAAAAAAeAAAAaAAAAAAAAAAAAAAAAAAAAAAAAAAAAAAAECcAABAnAAAAAAAAAAAAAAAAAAAAAAAAAAAAAAAAAAAAAAAAAAAAABQAAAAAAAAAwMD/AAAAAABkAAAAMgAAAAAAAABkAAAAAAAAAH9/fwAKAAAAHwAAAFQAAAAAAAAFAAAAAQAAAAAAAAAAAAAAAAAAAAAAAAAAAAAAAAAAAAAAAAAAAAAAAn9/fwAAAAADzMzMAMDA/wB/f38AAAAAAAAAAAAAAAAAAAAAAAAAAAAhAAAAGAAAABQAAAD+FQAArgEAAHA1AACwJQAAAAAAACYAAAAIAAAAAYAAAAAAAAA="/>
+                <pr:smNativeData xmlns:pr="smNativeData" val="SMDATA_13_1CvgZRMAAAAlAAAAZAAAAA8BAAAAkAAAAEgAAACQAAAASAAAAAAAAAAAAAAAAAAAAAEAAABQAAAAAAAAAAAA4D8AAAAAAADgPwAAAAAAAOA/AAAAAAAA4D8AAAAAAADgPwAAAAAAAOA/AAAAAAAA4D8AAAAAAADgPwAAAAAAAOA/AAAAAAAA4D8CAAAAjAAAAAAAAAAAAAAAu+DjDP///wgAAAAAAAAAAAAAAAAAAAAAAAAAAAAAAAAAAAAAZAAAAAEAAABAAAAAAAAAAAAAAAAAAAAAAAAAAAAAAAAAAAAAAAAAAAAAAAAAAAAAAAAAAAAAAAAAAAAAAAAAAAAAAAAAAAAAAAAAAAAAAAAAAAAAAAAAAAAAAAAAAAAAFAAAADwAAAAAAAAAAAAAAAAAAAkUAAAAAQAAABQAAAAUAAAAFAAAAAEAAAAAAAAAZAAAAGQAAAAAAAAAZAAAAGQAAAAVAAAAYAAAAAAAAAAAAAAADwAAACADAAAAAAAAAAAAAAEAAACgMgAAVgcAAKr4//8BAAAAf39/AAEAAABkAAAAAAAAABQAAABAHwAAAAAAACYAAAAAAAAAwOD//wAAAAAmAAAAZAAAABYAAABMAAAAAAAAAAAAAAAEAAAAAAAAAAEAAACAgIAKAAAAACgAAAAoAAAAZAAAAGQAAAAAAAAAzMzMAAAAAABQAAAAUAAAAGQAAABkAAAAAAAAABcAAAAUAAAAAAAAAAAAAAD/fwAA/38AAAAAAAAJAAAABAAAAAEAAQAMAAAAEAAAAAAAAAAAAAAAAAAAAAAAAAAeAAAAaAAAAAAAAAAAAAAAAAAAAAAAAAAAAAAAECcAABAnAAAAAAAAAAAAAAAAAAAAAAAAAAAAAAAAAAAAAAAAAAAAABQAAAAAAAAAwMD/AAAAAABkAAAAMgAAAAAAAABkAAAAAAAAAH9/fwAKAAAAHwAAAFQAAAAAAAAFAAAAAQAAAAAAAAAAAAAAAAAAAAAAAAAAAAAAAAAAAAAAAAAAAAAAAn9/fwAAAAADzMzMAMDA/wB/f38AAAAAAAAAAAAAAAAAAAAAAAAAAAAhAAAAGAAAABQAAAD+FQAArgEAAHA1AACwJQAAEAAAACYAAAAIAAAAAYAAAAAAAAA="/>
               </a:ext>
             </a:extLst>
           </p:cNvSpPr>
@@ -2359,12 +2332,12 @@
             <a:spLocks noGrp="1" noChangeArrowheads="1"/>
             <a:extLst>
               <a:ext uri="smNativeData">
-                <pr:smNativeData xmlns:pr="smNativeData" val="SMDATA_13_HczeZRMAAAAlAAAAZAAAAA8BAAAAkAAAAEgAAACQAAAASAAAAAAAAAAAAAAAAAAAAAEAAABQAAAAAAAAAAAA4D8AAAAAAADgPwAAAAAAAOA/AAAAAAAA4D8AAAAAAADgPwAAAAAAAOA/AAAAAAAA4D8AAAAAAADgPwAAAAAAAOA/AAAAAAAA4D8CAAAAjAAAAAAAAAAAAAAAu+DjDP///wgAAAAAAAAAAAAAAAAAAAAAAAAAAAAAAAAAAAAAZAAAAAEAAABAAAAAAAAAAAAAAAAAAAAAAAAAAAAAAAAAAAAAAAAAAAAAAAAAAAAAAAAAAAAAAAAAAAAAAAAAAAAAAAAAAAAAAAAAAAAAAAAAAAAAAAAAAAAAAAAAAAAAFAAAADwAAAAAAAAAAAAAAAAAAAkUAAAAAQAAABQAAAAUAAAAFAAAAAEAAAAAAAAAZAAAAGQAAAAAAAAAZAAAAGQAAAAVAAAAYAAAAAAAAAAAAAAADwAAACADAAAAAAAAAAAAAAEAAACgMgAAVgcAAKr4//8BAAAAf39/AAEAAABkAAAAAAAAABQAAABAHwAAAAAAACYAAAAAAAAAwOD//wAAAAAmAAAAZAAAABYAAABMAAAAAAAAAAAAAAAEAAAAAAAAAAEAAACAgIAKAAAAACgAAAAoAAAAZAAAAGQAAAAAAAAAzMzMAAAAAABQAAAAUAAAAGQAAABkAAAAAAAAABcAAAAUAAAAAAAAAAAAAAD/fwAA/38AAAAAAAAJAAAABAAAAAAAAAAMAAAAEAAAAAAAAAAAAAAAAAAAAAAAAAAeAAAAaAAAAAAAAAAAAAAAAAAAAAAAAAAAAAAAECcAABAnAAAAAAAAAAAAAAAAAAAAAAAAAAAAAAAAAAAAAAAAAAAAABQAAAAAAAAAwMD/AAAAAABkAAAAMgAAAAAAAABkAAAAAAAAAH9/fwAKAAAAHwAAAFQAAAAAAAAFAAAAAQAAAAAAAAAAAAAAAAAAAAAAAAAAAAAAAAAAAAAAAAAAAAAAAn9/fwAAAAADzMzMAMDA/wB/f38AAAAAAAAAAAAAAAAAAAAAAAAAAAAhAAAAGAAAABQAAADQAgAA1AgAAFIVAACwJQAAAAAAACYAAAAIAAAAAYAAAAAAAAA="/>
+                <pr:smNativeData xmlns:pr="smNativeData" val="SMDATA_13_1CvgZRMAAAAlAAAAZAAAAA8BAAAAkAAAAEgAAACQAAAASAAAAAAAAAAAAAAAAAAAAAEAAABQAAAAAAAAAAAA4D8AAAAAAADgPwAAAAAAAOA/AAAAAAAA4D8AAAAAAADgPwAAAAAAAOA/AAAAAAAA4D8AAAAAAADgPwAAAAAAAOA/AAAAAAAA4D8CAAAAjAAAAAAAAAAAAAAAu+DjDP///wgAAAAAAAAAAAAAAAAAAAAAAAAAAAAAAAAAAAAAZAAAAAEAAABAAAAAAAAAAAAAAAAAAAAAAAAAAAAAAAAAAAAAAAAAAAAAAAAAAAAAAAAAAAAAAAAAAAAAAAAAAAAAAAAAAAAAAAAAAAAAAAAAAAAAAAAAAAAAAAAAAAAAFAAAADwAAAAAAAAAAAAAAAAAAAkUAAAAAQAAABQAAAAUAAAAFAAAAAEAAAAAAAAAZAAAAGQAAAAAAAAAZAAAAGQAAAAVAAAAYAAAAAAAAAAAAAAADwAAACADAAAAAAAAAAAAAAEAAACgMgAAVgcAAKr4//8BAAAAf39/AAEAAABkAAAAAAAAABQAAABAHwAAAAAAACYAAAAAAAAAwOD//wAAAAAmAAAAZAAAABYAAABMAAAAAAAAAAAAAAAEAAAAAAAAAAEAAACAgIAKAAAAACgAAAAoAAAAZAAAAGQAAAAAAAAAzMzMAAAAAABQAAAAUAAAAGQAAABkAAAAAAAAABcAAAAUAAAAAAAAAAAAAAD/fwAA/38AAAAAAAAJAAAABAAAAAAAAAAMAAAAEAAAAAAAAAAAAAAAAAAAAAAAAAAeAAAAaAAAAAAAAAAAAAAAAAAAAAAAAAAAAAAAECcAABAnAAAAAAAAAAAAAAAAAAAAAAAAAAAAAAAAAAAAAAAAAAAAABQAAAAAAAAAwMD/AAAAAABkAAAAMgAAAAAAAABkAAAAAAAAAH9/fwAKAAAAHwAAAFQAAAAAAAAFAAAAAQAAAAAAAAAAAAAAAAAAAAAAAAAAAAAAAAAAAAAAAAAAAAAAAn9/fwAAAAADzMzMAMDA/wB/f38AAAAAAAAAAAAAAAAAAAAAAAAAAAAhAAAAGAAAABQAAADQAgAA1AgAAFIVAACwJQAAEAAAACYAAAAIAAAAAYAAAAAAAAA="/>
               </a:ext>
             </a:extLst>
           </p:cNvSpPr>
           <p:nvPr>
-            <p:ph sz="half" idx="2"/>
+            <p:ph idx="2"/>
           </p:nvPr>
         </p:nvSpPr>
         <p:spPr>
@@ -2428,7 +2401,7 @@
             <a:spLocks noGrp="1" noChangeArrowheads="1"/>
             <a:extLst>
               <a:ext uri="smNativeData">
-                <pr:smNativeData xmlns:pr="smNativeData" val="SMDATA_13_HczeZRMAAAAlAAAAZAAAAA8BAAAAkAAAAEgAAACQAAAASAAAAAAAAAABAAAAAAAAAAEAAABQAAAAAAAAAAAA4D8AAAAAAADgPwAAAAAAAOA/AAAAAAAA4D8AAAAAAADgPwAAAAAAAOA/AAAAAAAA4D8AAAAAAADgPwAAAAAAAOA/AAAAAAAA4D8CAAAAjAAAAAAAAAAAAAAAu+DjDP///wgAAAAAAAAAAAAAAAAAAAAAAAAAAAAAAAAAAAAAZAAAAAEAAABAAAAAAAAAAAAAAAAAAAAAAAAAAAAAAAAAAAAAAAAAAAAAAAAAAAAAAAAAAAAAAAAAAAAAAAAAAAAAAAAAAAAAAAAAAAAAAAAAAAAAAAAAAAAAAAAAAAAAFAAAADwAAAAAAAAAAAAAAAAAAAkUAAAAAQAAABQAAAAUAAAAFAAAAAEAAAAAAAAAZAAAAGQAAAAAAAAAZAAAAGQAAAAVAAAAYAAAAAAAAAAAAAAADwAAACADAAAAAAAAAAAAAAEAAACgMgAAVgcAAKr4//8BAAAAf39/AAEAAABkAAAAAAAAABQAAABAHwAAAAAAACYAAAAAAAAAwOD//wAAAAAmAAAAZAAAABYAAABMAAAAAAAAAAAAAAAEAAAAAAAAAAEAAACAgIAKAAAAACgAAAAoAAAAZAAAAGQAAAAAAAAAzMzMAAAAAABQAAAAUAAAAGQAAABkAAAAAAAAABcAAAAUAAAAAAAAAAAAAAD/fwAA/38AAAAAAAAJAAAABAAAAAAAAAAMAAAAEAAAAAAAAAAAAAAAAAAAAAAAAAAeAAAAaAAAAAAAAAAAAAAAAAAAAAAAAAAAAAAAECcAABAnAAAAAAAAAAAAAAAAAAAAAAAAAAAAAAAAAAAAAAAAAAAAABQAAAAAAAAAwMD/AAAAAABkAAAAMgAAAAAAAABkAAAAAAAAAH9/fwAKAAAAHwAAAFQAAAAAAAAFAAAAAQAAAAAAAAAAAAAAAAAAAAAAAAAAAAAAAAAAAAAAAAAAAAAAAn9/fwAAAAADzMzMAMDA/wB/f38AAAAAAAAAAAAAAAAAAAAAAAAAAAAhAAAAGAAAABQAAADQAgAAGycAAPAPAABZKQAAAAAAACYAAAAIAAAAAAAAAAAAAAA="/>
+                <pr:smNativeData xmlns:pr="smNativeData" val="SMDATA_13_1CvgZRMAAAAlAAAAZAAAAA8BAAAAkAAAAEgAAACQAAAASAAAAAAAAAABAAAAAAAAAAEAAABQAAAAAAAAAAAA4D8AAAAAAADgPwAAAAAAAOA/AAAAAAAA4D8AAAAAAADgPwAAAAAAAOA/AAAAAAAA4D8AAAAAAADgPwAAAAAAAOA/AAAAAAAA4D8CAAAAjAAAAAAAAAAAAAAAu+DjDP///wgAAAAAAAAAAAAAAAAAAAAAAAAAAAAAAAAAAAAAZAAAAAEAAABAAAAAAAAAAAAAAAAAAAAAAAAAAAAAAAAAAAAAAAAAAAAAAAAAAAAAAAAAAAAAAAAAAAAAAAAAAAAAAAAAAAAAAAAAAAAAAAAAAAAAAAAAAAAAAAAAAAAAFAAAADwAAAAAAAAAAAAAAAAAAAkUAAAAAQAAABQAAAAUAAAAFAAAAAEAAAAAAAAAZAAAAGQAAAAAAAAAZAAAAGQAAAAVAAAAYAAAAAAAAAAAAAAADwAAACADAAAAAAAAAAAAAAEAAACgMgAAVgcAAKr4//8BAAAAf39/AAEAAABkAAAAAAAAABQAAABAHwAAAAAAACYAAAAAAAAAwOD//wAAAAAmAAAAZAAAABYAAABMAAAAAAAAAAAAAAAEAAAAAAAAAAEAAACAgIAKAAAAACgAAAAoAAAAZAAAAGQAAAAAAAAAzMzMAAAAAABQAAAAUAAAAGQAAABkAAAAAAAAABcAAAAUAAAAAAAAAAAAAAD/fwAA/38AAAAAAAAJAAAABAAAAAAAAAAMAAAAEAAAAAAAAAAAAAAAAAAAAAAAAAAeAAAAaAAAAAAAAAAAAAAAAAAAAAAAAAAAAAAAECcAABAnAAAAAAAAAAAAAAAAAAAAAAAAAAAAAAAAAAAAAAAAAAAAABQAAAAAAAAAwMD/AAAAAABkAAAAMgAAAAAAAABkAAAAAAAAAH9/fwAKAAAAHwAAAFQAAAAAAAAFAAAAAQAAAAAAAAAAAAAAAAAAAAAAAAAAAAAAAAAAAAAAAAAAAAAAAn9/fwAAAAADzMzMAMDA/wB/f38AAAAAAAAAAAAAAAAAAAAAAAAAAAAhAAAAGAAAABQAAADQAgAAGycAAPAPAABZKQAAEAAAACYAAAAIAAAAAAAAAAAAAAA="/>
               </a:ext>
             </a:extLst>
           </p:cNvSpPr>
@@ -2442,7 +2415,7 @@
           <a:lstStyle/>
           <a:p>
             <a:pPr/>
-            <a:fld id="{3FD83AD5-9BD2-8DCC-9C60-6D99742E6A38}" type="datetime1">
+            <a:fld id="{3E465457-19D3-13A2-9DFE-EFF71AB06BBA}" type="datetime1">
               <a:t/>
             </a:fld>
           </a:p>
@@ -2455,7 +2428,7 @@
             <a:spLocks noGrp="1" noChangeArrowheads="1"/>
             <a:extLst>
               <a:ext uri="smNativeData">
-                <pr:smNativeData xmlns:pr="smNativeData" val="SMDATA_13_HczeZRMAAAAlAAAAZAAAAA8BAAAAkAAAAEgAAACQAAAASAAAAAAAAAABAAAAAAAAAAEAAABQAAAAAAAAAAAA4D8AAAAAAADgPwAAAAAAAOA/AAAAAAAA4D8AAAAAAADgPwAAAAAAAOA/AAAAAAAA4D8AAAAAAADgPwAAAAAAAOA/AAAAAAAA4D8CAAAAjAAAAAAAAAAAAAAAu+DjDP///wgAAAAAAAAAAAAAAAAAAAAAAAAAAAAAAAAAAAAAZAAAAAEAAABAAAAAAAAAAAAAAAAAAAAAAAAAAAAAAAAAAAAAAAAAAAAAAAAAAAAAAAAAAAAAAAAAAAAAAAAAAAAAAAAAAAAAAAAAAAAAAAAAAAAAAAAAAAAAAAAAAAAAFAAAADwAAAAAAAAAAAAAAAAAAAkUAAAAAQAAABQAAAAUAAAAFAAAAAEAAAAAAAAAZAAAAGQAAAAAAAAAZAAAAGQAAAAVAAAAYAAAAAAAAAAAAAAADwAAACADAAAAAAAAAAAAAAEAAACgMgAAVgcAAKr4//8BAAAAf39/AAEAAABkAAAAAAAAABQAAABAHwAAAAAAACYAAAAAAAAAwOD//wAAAAAmAAAAZAAAABYAAABMAAAAAAAAAAAAAAAEAAAAAAAAAAEAAACAgIAKAAAAACgAAAAoAAAAZAAAAGQAAAAAAAAAzMzMAAAAAABQAAAAUAAAAGQAAABkAAAAAAAAABcAAAAUAAAAAAAAAAAAAAD/fwAA/38AAAAAAAAJAAAABAAAAEsEAAAMAAAAEAAAAAAAAAAAAAAAAAAAAAAAAAAeAAAAaAAAAAAAAAAAAAAAAAAAAAAAAAAAAAAAECcAABAnAAAAAAAAAAAAAAAAAAAAAAAAAAAAAAAAAAAAAAAAAAAAABQAAAAAAAAAwMD/AAAAAABkAAAAMgAAAAAAAABkAAAAAAAAAH9/fwAKAAAAHwAAAFQAAAAAAAAFAAAAAQAAAAAAAAAAAAAAAAAAAAAAAAAAAAAAAAAAAAAAAAAAAAAAAn9/fwAAAAADzMzMAMDA/wB/f38AAAAAAAAAAAAAAAAAAAAAAAAAAAAhAAAAGAAAABQAAAA4EwAAGycAAAglAABZKQAAAAAAACYAAAAIAAAAAAAAAAAAAAA="/>
+                <pr:smNativeData xmlns:pr="smNativeData" val="SMDATA_13_1CvgZRMAAAAlAAAAZAAAAA8BAAAAkAAAAEgAAACQAAAASAAAAAAAAAABAAAAAAAAAAEAAABQAAAAAAAAAAAA4D8AAAAAAADgPwAAAAAAAOA/AAAAAAAA4D8AAAAAAADgPwAAAAAAAOA/AAAAAAAA4D8AAAAAAADgPwAAAAAAAOA/AAAAAAAA4D8CAAAAjAAAAAAAAAAAAAAAu+DjDP///wgAAAAAAAAAAAAAAAAAAAAAAAAAAAAAAAAAAAAAZAAAAAEAAABAAAAAAAAAAAAAAAAAAAAAAAAAAAAAAAAAAAAAAAAAAAAAAAAAAAAAAAAAAAAAAAAAAAAAAAAAAAAAAAAAAAAAAAAAAAAAAAAAAAAAAAAAAAAAAAAAAAAAFAAAADwAAAAAAAAAAAAAAAAAAAkUAAAAAQAAABQAAAAUAAAAFAAAAAEAAAAAAAAAZAAAAGQAAAAAAAAAZAAAAGQAAAAVAAAAYAAAAAAAAAAAAAAADwAAACADAAAAAAAAAAAAAAEAAACgMgAAVgcAAKr4//8BAAAAf39/AAEAAABkAAAAAAAAABQAAABAHwAAAAAAACYAAAAAAAAAwOD//wAAAAAmAAAAZAAAABYAAABMAAAAAAAAAAAAAAAEAAAAAAAAAAEAAACAgIAKAAAAACgAAAAoAAAAZAAAAGQAAAAAAAAAzMzMAAAAAABQAAAAUAAAAGQAAABkAAAAAAAAABcAAAAUAAAAAAAAAAAAAAD/fwAA/38AAAAAAAAJAAAABAAAAEsEAAAMAAAAEAAAAAAAAAAAAAAAAAAAAAAAAAAeAAAAaAAAAAAAAAAAAAAAAAAAAAAAAAAAAAAAECcAABAnAAAAAAAAAAAAAAAAAAAAAAAAAAAAAAAAAAAAAAAAAAAAABQAAAAAAAAAwMD/AAAAAABkAAAAMgAAAAAAAABkAAAAAAAAAH9/fwAKAAAAHwAAAFQAAAAAAAAFAAAAAQAAAAAAAAAAAAAAAAAAAAAAAAAAAAAAAAAAAAAAAAAAAAAAAn9/fwAAAAADzMzMAMDA/wB/f38AAAAAAAAAAAAAAAAAAAAAAAAAAAAhAAAAGAAAABQAAAA4EwAAGycAAAglAABZKQAAEAAAACYAAAAIAAAAAAAAAAAAAAA="/>
               </a:ext>
             </a:extLst>
           </p:cNvSpPr>
@@ -2469,9 +2442,6 @@
           <a:lstStyle/>
           <a:p>
             <a:pPr/>
-            <a:r>
-              <a:t/>
-            </a:r>
           </a:p>
         </p:txBody>
       </p:sp>
@@ -2482,7 +2452,7 @@
             <a:spLocks noGrp="1" noChangeArrowheads="1"/>
             <a:extLst>
               <a:ext uri="smNativeData">
-                <pr:smNativeData xmlns:pr="smNativeData" val="SMDATA_13_HczeZRMAAAAlAAAAZAAAAA8BAAAAkAAAAEgAAACQAAAASAAAAAAAAAABAAAAAAAAAAEAAABQAAAAAAAAAAAA4D8AAAAAAADgPwAAAAAAAOA/AAAAAAAA4D8AAAAAAADgPwAAAAAAAOA/AAAAAAAA4D8AAAAAAADgPwAAAAAAAOA/AAAAAAAA4D8CAAAAjAAAAAAAAAAAAAAAu+DjDP///wgAAAAAAAAAAAAAAAAAAAAAAAAAAAAAAAAAAAAAZAAAAAEAAABAAAAAAAAAAAAAAAAAAAAAAAAAAAAAAAAAAAAAAAAAAAAAAAAAAAAAAAAAAAAAAAAAAAAAAAAAAAAAAAAAAAAAAAAAAAAAAAAAAAAAAAAAAAAAAAAAAAAAFAAAADwAAAAAAAAAAAAAAAAAAAkUAAAAAQAAABQAAAAUAAAAFAAAAAEAAAAAAAAAZAAAAGQAAAAAAAAAZAAAAGQAAAAVAAAAYAAAAAAAAAAAAAAADwAAACADAAAAAAAAAAAAAAEAAACgMgAAVgcAAKr4//8BAAAAf39/AAEAAABkAAAAAAAAABQAAABAHwAAAAAAACYAAAAAAAAAwOD//wAAAAAmAAAAZAAAABYAAABMAAAAAAAAAAAAAAAEAAAAAAAAAAEAAACAgIAKAAAAACgAAAAoAAAAZAAAAGQAAAAAAAAAzMzMAAAAAABQAAAAUAAAAGQAAABkAAAAAAAAABcAAAAUAAAAAAAAAAAAAAD/fwAA/38AAAAAAAAJAAAABAAAAGgBAAAMAAAAEAAAAAAAAAAAAAAAAAAAAAAAAAAeAAAAaAAAAAAAAAAAAAAAAAAAAAAAAAAAAAAAECcAABAnAAAAAAAAAAAAAAAAAAAAAAAAAAAAAAAAAAAAAAAAAAAAABQAAAAAAAAAwMD/AAAAAABkAAAAMgAAAAAAAABkAAAAAAAAAH9/fwAKAAAAHwAAAFQAAAAAAAAFAAAAAQAAAAAAAAAAAAAAAAAAAAAAAAAAAAAAAAAAAAAAAAAAAAAAAn9/fwAAAAADzMzMAMDA/wB/f38AAAAAAAAAAAAAAAAAAAAAAAAAAAAhAAAAGAAAABQAAABQKAAAGycAAHA1AABZKQAAAAAAACYAAAAIAAAAAAAAAAAAAAA="/>
+                <pr:smNativeData xmlns:pr="smNativeData" val="SMDATA_13_1CvgZRMAAAAlAAAAZAAAAA8BAAAAkAAAAEgAAACQAAAASAAAAAAAAAABAAAAAAAAAAEAAABQAAAAAAAAAAAA4D8AAAAAAADgPwAAAAAAAOA/AAAAAAAA4D8AAAAAAADgPwAAAAAAAOA/AAAAAAAA4D8AAAAAAADgPwAAAAAAAOA/AAAAAAAA4D8CAAAAjAAAAAAAAAAAAAAAu+DjDP///wgAAAAAAAAAAAAAAAAAAAAAAAAAAAAAAAAAAAAAZAAAAAEAAABAAAAAAAAAAAAAAAAAAAAAAAAAAAAAAAAAAAAAAAAAAAAAAAAAAAAAAAAAAAAAAAAAAAAAAAAAAAAAAAAAAAAAAAAAAAAAAAAAAAAAAAAAAAAAAAAAAAAAFAAAADwAAAAAAAAAAAAAAAAAAAkUAAAAAQAAABQAAAAUAAAAFAAAAAEAAAAAAAAAZAAAAGQAAAAAAAAAZAAAAGQAAAAVAAAAYAAAAAAAAAAAAAAADwAAACADAAAAAAAAAAAAAAEAAACgMgAAVgcAAKr4//8BAAAAf39/AAEAAABkAAAAAAAAABQAAABAHwAAAAAAACYAAAAAAAAAwOD//wAAAAAmAAAAZAAAABYAAABMAAAAAAAAAAAAAAAEAAAAAAAAAAEAAACAgIAKAAAAACgAAAAoAAAAZAAAAGQAAAAAAAAAzMzMAAAAAABQAAAAUAAAAGQAAABkAAAAAAAAABcAAAAUAAAAAAAAAAAAAAD/fwAA/38AAAAAAAAJAAAABAAAAGgBAAAMAAAAEAAAAAAAAAAAAAAAAAAAAAAAAAAeAAAAaAAAAAAAAAAAAAAAAAAAAAAAAAAAAAAAECcAABAnAAAAAAAAAAAAAAAAAAAAAAAAAAAAAAAAAAAAAAAAAAAAABQAAAAAAAAAwMD/AAAAAABkAAAAMgAAAAAAAABkAAAAAAAAAH9/fwAKAAAAHwAAAFQAAAAAAAAFAAAAAQAAAAAAAAAAAAAAAAAAAAAAAAAAAAAAAAAAAAAAAAAAAAAAAn9/fwAAAAADzMzMAMDA/wB/f38AAAAAAAAAAAAAAAAAAAAAAAAAAAAhAAAAGAAAABQAAABQKAAAGycAAHA1AABZKQAAEAAAACYAAAAIAAAAAAAAAAAAAAA="/>
               </a:ext>
             </a:extLst>
           </p:cNvSpPr>
@@ -2496,7 +2466,7 @@
           <a:lstStyle/>
           <a:p>
             <a:pPr/>
-            <a:fld id="{3FD803C4-8AD2-8DF5-9C60-7CA04D2E6A29}" type="slidenum">
+            <a:fld id="{3E46607A-34D3-1396-9DFE-C2C32EB06B97}" type="slidenum">
               <a:t/>
             </a:fld>
           </a:p>
@@ -2534,7 +2504,7 @@
             <a:spLocks noGrp="1" noChangeArrowheads="1"/>
             <a:extLst>
               <a:ext uri="smNativeData">
-                <pr:smNativeData xmlns:pr="smNativeData" val="SMDATA_13_HczeZRMAAAAlAAAAZAAAAA8BAAAAkAAAAEgAAACQAAAASAAAAAAAAAACAAAAAAAAAAEAAABQAAAAAAAAAAAA4D8AAAAAAADgPwAAAAAAAOA/AAAAAAAA4D8AAAAAAADgPwAAAAAAAOA/AAAAAAAA4D8AAAAAAADgPwAAAAAAAOA/AAAAAAAA4D8CAAAAjAAAAAAAAAAAAAAAu+DjDP///wgAAAAAAAAAAAAAAAAAAAAAAAAAAAAAAAAAAAAAZAAAAAEAAABAAAAAAAAAAAAAAAAAAAAAAAAAAAAAAAAAAAAAAAAAAAAAAAAAAAAAAAAAAAAAAAAAAAAAAAAAAAAAAAAAAAAAAAAAAAAAAAAAAAAAAAAAAAAAAAAAAAAAFAAAADwAAAAAAAAAAAAAAAAAAAkUAAAAAQAAABQAAAAUAAAAFAAAAAEAAAAAAAAAZAAAAGQAAAAAAAAAZAAAAGQAAAAVAAAAYAAAAAAAAAAAAAAADwAAACADAAAAAAAAAAAAAAEAAACgMgAAVgcAAKr4//8BAAAAf39/AAEAAABkAAAAAAAAABQAAABAHwAAAAAAACYAAAAAAAAAwOD//wAAAAAmAAAAZAAAABYAAABMAAAAAAAAAAAAAAAEAAAAAAAAAAEAAACAgIAKAAAAACgAAAAoAAAAZAAAAGQAAAAAAAAAzMzMAAAAAABQAAAAUAAAAGQAAABkAAAAAAAAABcAAAAUAAAAAAAAAAAAAAD/fwAA/38AAAAAAAAJAAAABAAAAAAAAAAMAAAAEAAAAAAAAAAAAAAAAAAAAAAAAAAeAAAAaAAAAAAAAAAAAAAAAAAAAAAAAAAAAAAAECcAABAnAAAAAAAAAAAAAAAAAAAAAAAAAAAAAAAAAAAAAAAAAAAAABQAAAAAAAAAwMD/AAAAAABkAAAAMgAAAAAAAABkAAAAAAAAAH9/fwAKAAAAHwAAAFQAAAAAAAAFAAAAAQAAAAAAAAAAAAAAAAAAAAAAAAAAAAAAAAAAAAAAAAAAAAAAAn9/fwAAAAADzMzMAMDA/wB/f38AAAAAAAAAAAAAAAAAAAAAAAAAAAAhAAAAGAAAABQAAAAGCwAAiB0AAMYsAAAEIQAAAAAAACYAAAAIAAAAgYAAAAAAAAA="/>
+                <pr:smNativeData xmlns:pr="smNativeData" val="SMDATA_13_1CvgZRMAAAAlAAAAZAAAAA8BAAAAkAAAAEgAAACQAAAASAAAAAAAAAACAAAAAAAAAAEAAABQAAAAAAAAAAAA4D8AAAAAAADgPwAAAAAAAOA/AAAAAAAA4D8AAAAAAADgPwAAAAAAAOA/AAAAAAAA4D8AAAAAAADgPwAAAAAAAOA/AAAAAAAA4D8CAAAAjAAAAAAAAAAAAAAAu+DjDP///wgAAAAAAAAAAAAAAAAAAAAAAAAAAAAAAAAAAAAAZAAAAAEAAABAAAAAAAAAAAAAAAAAAAAAAAAAAAAAAAAAAAAAAAAAAAAAAAAAAAAAAAAAAAAAAAAAAAAAAAAAAAAAAAAAAAAAAAAAAAAAAAAAAAAAAAAAAAAAAAAAAAAAFAAAADwAAAAAAAAAAAAAAAAAAAkUAAAAAQAAABQAAAAUAAAAFAAAAAEAAAAAAAAAZAAAAGQAAAAAAAAAZAAAAGQAAAAVAAAAYAAAAAAAAAAAAAAADwAAACADAAAAAAAAAAAAAAEAAACgMgAAVgcAAKr4//8BAAAAf39/AAEAAABkAAAAAAAAABQAAABAHwAAAAAAACYAAAAAAAAAwOD//wAAAAAmAAAAZAAAABYAAABMAAAAAAAAAAAAAAAEAAAAAAAAAAEAAACAgIAKAAAAACgAAAAoAAAAZAAAAGQAAAAAAAAAzMzMAAAAAABQAAAAUAAAAGQAAABkAAAAAAAAABcAAAAUAAAAAAAAAAAAAAD/fwAA/38AAAAAAAAJAAAABAAAAAAAAAAMAAAAEAAAAAAAAAAAAAAAAAAAAAAAAAAeAAAAaAAAAAAAAAAAAAAAAAAAAAAAAAAAAAAAECcAABAnAAAAAAAAAAAAAAAAAAAAAAAAAAAAAAAAAAAAAAAAAAAAABQAAAAAAAAAwMD/AAAAAABkAAAAMgAAAAAAAABkAAAAAAAAAH9/fwAKAAAAHwAAAFQAAAAAAAAFAAAAAQAAAAAAAAAAAAAAAAAAAAAAAAAAAAAAAAAAAAAAAAAAAAAAAn9/fwAAAAADzMzMAMDA/wB/f38AAAAAAAAAAAAAAAAAAAAAAAAAAAAhAAAAGAAAABQAAAAGCwAAiB0AAMYsAAAEIQAAEAAAACYAAAAIAAAAgYAAAAAAAAA="/>
               </a:ext>
             </a:extLst>
           </p:cNvSpPr>
@@ -2574,7 +2544,7 @@
             <a:spLocks noGrp="1" noChangeArrowheads="1"/>
             <a:extLst>
               <a:ext uri="smNativeData">
-                <pr:smNativeData xmlns:pr="smNativeData" val="SMDATA_13_HczeZRMAAAAlAAAAZAAAAA8BAAAAkAAAAEgAAACQAAAASAAAAAAAAAAAAAAAAAAAAAEAAABQAAAAAAAAAAAA4D8AAAAAAADgPwAAAAAAAOA/AAAAAAAA4D8AAAAAAADgPwAAAAAAAOA/AAAAAAAA4D8AAAAAAADgPwAAAAAAAOA/AAAAAAAA4D8CAAAAjAAAAAAAAAAAAAAAu+DjDP///wgAAAAAAAAAAAAAAAAAAAAAAAAAAAAAAAAAAAAAZAAAAAEAAABAAAAAAAAAAAAAAAAAAAAAAAAAAAAAAAAAAAAAAAAAAAAAAAAAAAAAAAAAAAAAAAAAAAAAAAAAAAAAAAAAAAAAAAAAAAAAAAAAAAAAAAAAAAAAAAAAAAAAFAAAADwAAAAAAAAAAAAAAAAAAAkUAAAAAQAAABQAAAAUAAAAFAAAAAEAAAAAAAAAZAAAAGQAAAAAAAAAZAAAAGQAAAAVAAAAYAAAAAAAAAAAAAAADwAAACADAAAAAAAAAAAAAAEAAACgMgAAVgcAAKr4//8BAAAAf39/AAEAAABkAAAAAAAAABQAAABAHwAAAAAAACYAAAAAAAAAwOD//wAAAAAmAAAAZAAAABYAAABMAAAAAAAAAAAAAAAEAAAAAAAAAAEAAACAgIAKAAAAACgAAAAoAAAAZAAAAGQAAAAAAAAAzMzMAAAAAABQAAAAUAAAAGQAAABkAAAAAAAAABcAAAAUAAAAAAAAAAAAAAD/fwAA/38AAAAAAAAJAAAABAAAAAAAAAAMAAAAEAAAAAAAAAAAAAAAAAAAAAAAAAAeAAAAaAAAAAAAAAAAAAAAAAAAAAAAAAAAAAAAECcAABAnAAAAAAAAAAAAAAAAAAAAAAAAAAAAAAAAAAAAAAAAAAAAABQAAAAAAAAAwMD/AAAAAABkAAAAMgAAAAAAAABkAAAAAAAAAH9/fwAKAAAAHwAAAFQAAAAAAAAFAAAAAQAAAAAAAAAAAAAAAAAAAAAAAAAAAAAAAAAAAAAAAAAAAAAAAn9/fwAAAAADzMzMAMDA/wB/f38AAAAAAAAAAAAAAAAAAAAAAAAAAAAhAAAAGAAAABQAAAAGCwAAxgMAAMYsAAAWHQAAAAAAACYAAAAIAAAAAYAAAAAAAAA="/>
+                <pr:smNativeData xmlns:pr="smNativeData" val="SMDATA_13_1CvgZRMAAAAlAAAAZAAAAA8BAAAAkAAAAEgAAACQAAAASAAAAAAAAAAAAAAAAAAAAAEAAABQAAAAAAAAAAAA4D8AAAAAAADgPwAAAAAAAOA/AAAAAAAA4D8AAAAAAADgPwAAAAAAAOA/AAAAAAAA4D8AAAAAAADgPwAAAAAAAOA/AAAAAAAA4D8CAAAAjAAAAAAAAAAAAAAAu+DjDP///wgAAAAAAAAAAAAAAAAAAAAAAAAAAAAAAAAAAAAAZAAAAAEAAABAAAAAAAAAAAAAAAAAAAAAAAAAAAAAAAAAAAAAAAAAAAAAAAAAAAAAAAAAAAAAAAAAAAAAAAAAAAAAAAAAAAAAAAAAAAAAAAAAAAAAAAAAAAAAAAAAAAAAFAAAADwAAAAAAAAAAAAAAAAAAAkUAAAAAQAAABQAAAAUAAAAFAAAAAEAAAAAAAAAZAAAAGQAAAAAAAAAZAAAAGQAAAAVAAAAYAAAAAAAAAAAAAAADwAAACADAAAAAAAAAAAAAAEAAACgMgAAVgcAAKr4//8BAAAAf39/AAEAAABkAAAAAAAAABQAAABAHwAAAAAAACYAAAAAAAAAwOD//wAAAAAmAAAAZAAAABYAAABMAAAAAAAAAAAAAAAEAAAAAAAAAAEAAACAgIAKAAAAACgAAAAoAAAAZAAAAGQAAAAAAAAAzMzMAAAAAABQAAAAUAAAAGQAAABkAAAAAAAAABcAAAAUAAAAAAAAAAAAAAD/fwAA/38AAAAAAAAJAAAABAAAAAAAAAAMAAAAEAAAAAAAAAAAAAAAAAAAAAAAAAAeAAAAaAAAAAAAAAAAAAAAAAAAAAAAAAAAAAAAECcAABAnAAAAAAAAAAAAAAAAAAAAAAAAAAAAAAAAAAAAAAAAAAAAABQAAAAAAAAAwMD/AAAAAABkAAAAMgAAAAAAAABkAAAAAAAAAH9/fwAKAAAAHwAAAFQAAAAAAAAFAAAAAQAAAAAAAAAAAAAAAAAAAAAAAAAAAAAAAAAAAAAAAAAAAAAAAn9/fwAAAAADzMzMAMDA/wB/f38AAAAAAAAAAAAAAAAAAAAAAAAAAAAhAAAAGAAAABQAAAAGCwAAxgMAAMYsAAAWHQAAEAAAACYAAAAIAAAAAYAAAAAAAAA="/>
               </a:ext>
             </a:extLst>
           </p:cNvSpPr>
@@ -2643,12 +2613,12 @@
             <a:spLocks noGrp="1" noChangeArrowheads="1"/>
             <a:extLst>
               <a:ext uri="smNativeData">
-                <pr:smNativeData xmlns:pr="smNativeData" val="SMDATA_13_HczeZRMAAAAlAAAAZAAAAA8BAAAAkAAAAEgAAACQAAAASAAAAAAAAAAAAAAAAAAAAAEAAABQAAAAAAAAAAAA4D8AAAAAAADgPwAAAAAAAOA/AAAAAAAA4D8AAAAAAADgPwAAAAAAAOA/AAAAAAAA4D8AAAAAAADgPwAAAAAAAOA/AAAAAAAA4D8CAAAAjAAAAAAAAAAAAAAAu+DjDP///wgAAAAAAAAAAAAAAAAAAAAAAAAAAAAAAAAAAAAAZAAAAAEAAABAAAAAAAAAAAAAAAAAAAAAAAAAAAAAAAAAAAAAAAAAAAAAAAAAAAAAAAAAAAAAAAAAAAAAAAAAAAAAAAAAAAAAAAAAAAAAAAAAAAAAAAAAAAAAAAAAAAAAFAAAADwAAAAAAAAAAAAAAAAAAAkUAAAAAQAAABQAAAAUAAAAFAAAAAEAAAAAAAAAZAAAAGQAAAAAAAAAZAAAAGQAAAAVAAAAYAAAAAAAAAAAAAAADwAAACADAAAAAAAAAAAAAAEAAACgMgAAVgcAAKr4//8BAAAAf39/AAEAAABkAAAAAAAAABQAAABAHwAAAAAAACYAAAAAAAAAwOD//wAAAAAmAAAAZAAAABYAAABMAAAAAAAAAAAAAAAEAAAAAAAAAAEAAACAgIAKAAAAACgAAAAoAAAAZAAAAGQAAAAAAAAAzMzMAAAAAABQAAAAUAAAAGQAAABkAAAAAAAAABcAAAAUAAAAAAAAAAAAAAD/fwAA/38AAAAAAAAJAAAABAAAAGFsAAgMAAAAEAAAAAAAAAAAAAAAAAAAAAAAAAAeAAAAaAAAAAAAAAAAAAAAAAAAAAAAAAAAAAAAECcAABAnAAAAAAAAAAAAAAAAAAAAAAAAAAAAAAAAAAAAAAAAAAAAABQAAAAAAAAAwMD/AAAAAABkAAAAMgAAAAAAAABkAAAAAAAAAH9/fwAKAAAAHwAAAFQAAAAAAAAFAAAAAQAAAAAAAAAAAAAAAAAAAAAAAAAAAAAAAAAAAAAAAAAAAAAAAn9/fwAAAAADzMzMAMDA/wB/f38AAAAAAAAAAAAAAAAAAAAAAAAAAAAhAAAAGAAAABQAAAAGCwAABCEAAMYsAAD4JQAAAAAAACYAAAAIAAAAAYAAAAAAAAA="/>
+                <pr:smNativeData xmlns:pr="smNativeData" val="SMDATA_13_1CvgZRMAAAAlAAAAZAAAAA8BAAAAkAAAAEgAAACQAAAASAAAAAAAAAAAAAAAAAAAAAEAAABQAAAAAAAAAAAA4D8AAAAAAADgPwAAAAAAAOA/AAAAAAAA4D8AAAAAAADgPwAAAAAAAOA/AAAAAAAA4D8AAAAAAADgPwAAAAAAAOA/AAAAAAAA4D8CAAAAjAAAAAAAAAAAAAAAu+DjDP///wgAAAAAAAAAAAAAAAAAAAAAAAAAAAAAAAAAAAAAZAAAAAEAAABAAAAAAAAAAAAAAAAAAAAAAAAAAAAAAAAAAAAAAAAAAAAAAAAAAAAAAAAAAAAAAAAAAAAAAAAAAAAAAAAAAAAAAAAAAAAAAAAAAAAAAAAAAAAAAAAAAAAAFAAAADwAAAAAAAAAAAAAAAAAAAkUAAAAAQAAABQAAAAUAAAAFAAAAAEAAAAAAAAAZAAAAGQAAAAAAAAAZAAAAGQAAAAVAAAAYAAAAAAAAAAAAAAADwAAACADAAAAAAAAAAAAAAEAAACgMgAAVgcAAKr4//8BAAAAf39/AAEAAABkAAAAAAAAABQAAABAHwAAAAAAACYAAAAAAAAAwOD//wAAAAAmAAAAZAAAABYAAABMAAAAAAAAAAAAAAAEAAAAAAAAAAEAAACAgIAKAAAAACgAAAAoAAAAZAAAAGQAAAAAAAAAzMzMAAAAAABQAAAAUAAAAGQAAABkAAAAAAAAABcAAAAUAAAAAAAAAAAAAAD/fwAA/38AAAAAAAAJAAAABAAAAGFsAAgMAAAAEAAAAAAAAAAAAAAAAAAAAAAAAAAeAAAAaAAAAAAAAAAAAAAAAAAAAAAAAAAAAAAAECcAABAnAAAAAAAAAAAAAAAAAAAAAAAAAAAAAAAAAAAAAAAAAAAAABQAAAAAAAAAwMD/AAAAAABkAAAAMgAAAAAAAABkAAAAAAAAAH9/fwAKAAAAHwAAAFQAAAAAAAAFAAAAAQAAAAAAAAAAAAAAAAAAAAAAAAAAAAAAAAAAAAAAAAAAAAAAAn9/fwAAAAADzMzMAMDA/wB/f38AAAAAAAAAAAAAAAAAAAAAAAAAAAAhAAAAGAAAABQAAAAGCwAABCEAAMYsAAD4JQAAEAAAACYAAAAIAAAAAYAAAAAAAAA="/>
               </a:ext>
             </a:extLst>
           </p:cNvSpPr>
           <p:nvPr>
-            <p:ph sz="half" idx="2"/>
+            <p:ph idx="2"/>
           </p:nvPr>
         </p:nvSpPr>
         <p:spPr>
@@ -2712,7 +2682,7 @@
             <a:spLocks noGrp="1" noChangeArrowheads="1"/>
             <a:extLst>
               <a:ext uri="smNativeData">
-                <pr:smNativeData xmlns:pr="smNativeData" val="SMDATA_13_HczeZRMAAAAlAAAAZAAAAA8BAAAAkAAAAEgAAACQAAAASAAAAAAAAAABAAAAAAAAAAEAAABQAAAAAAAAAAAA4D8AAAAAAADgPwAAAAAAAOA/AAAAAAAA4D8AAAAAAADgPwAAAAAAAOA/AAAAAAAA4D8AAAAAAADgPwAAAAAAAOA/AAAAAAAA4D8CAAAAjAAAAAAAAAAAAAAAu+DjDP///wgAAAAAAAAAAAAAAAAAAAAAAAAAAAAAAAAAAAAAZAAAAAEAAABAAAAAAAAAAAAAAAAAAAAAAAAAAAAAAAAAAAAAAAAAAAAAAAAAAAAAAAAAAAAAAAAAAAAAAAAAAAAAAAAAAAAAAAAAAAAAAAAAAAAAAAAAAAAAAAAAAAAAFAAAADwAAAAAAAAAAAAAAAAAAAkUAAAAAQAAABQAAAAUAAAAFAAAAAEAAAAAAAAAZAAAAGQAAAAAAAAAZAAAAGQAAAAVAAAAYAAAAAAAAAAAAAAADwAAACADAAAAAAAAAAAAAAEAAACgMgAAVgcAAKr4//8BAAAAf39/AAEAAABkAAAAAAAAABQAAABAHwAAAAAAACYAAAAAAAAAwOD//wAAAAAmAAAAZAAAABYAAABMAAAAAAAAAAAAAAAEAAAAAAAAAAEAAACAgIAKAAAAACgAAAAoAAAAZAAAAGQAAAAAAAAAzMzMAAAAAABQAAAAUAAAAGQAAABkAAAAAAAAABcAAAAUAAAAAAAAAAAAAAD/fwAA/38AAAAAAAAJAAAABAAAAAAAAAAMAAAAEAAAAAAAAAAAAAAAAAAAAAAAAAAeAAAAaAAAAAAAAAAAAAAAAAAAAAAAAAAAAAAAECcAABAnAAAAAAAAAAAAAAAAAAAAAAAAAAAAAAAAAAAAAAAAAAAAABQAAAAAAAAAwMD/AAAAAABkAAAAMgAAAAAAAABkAAAAAAAAAH9/fwAKAAAAHwAAAFQAAAAAAAAFAAAAAQAAAAAAAAAAAAAAAAAAAAAAAAAAAAAAAAAAAAAAAAAAAAAAAn9/fwAAAAADzMzMAMDA/wB/f38AAAAAAAAAAAAAAAAAAAAAAAAAAAAhAAAAGAAAABQAAADQAgAAGycAAPAPAABZKQAAAAAAACYAAAAIAAAAAAAAAAAAAAA="/>
+                <pr:smNativeData xmlns:pr="smNativeData" val="SMDATA_13_1CvgZRMAAAAlAAAAZAAAAA8BAAAAkAAAAEgAAACQAAAASAAAAAAAAAABAAAAAAAAAAEAAABQAAAAAAAAAAAA4D8AAAAAAADgPwAAAAAAAOA/AAAAAAAA4D8AAAAAAADgPwAAAAAAAOA/AAAAAAAA4D8AAAAAAADgPwAAAAAAAOA/AAAAAAAA4D8CAAAAjAAAAAAAAAAAAAAAu+DjDP///wgAAAAAAAAAAAAAAAAAAAAAAAAAAAAAAAAAAAAAZAAAAAEAAABAAAAAAAAAAAAAAAAAAAAAAAAAAAAAAAAAAAAAAAAAAAAAAAAAAAAAAAAAAAAAAAAAAAAAAAAAAAAAAAAAAAAAAAAAAAAAAAAAAAAAAAAAAAAAAAAAAAAAFAAAADwAAAAAAAAAAAAAAAAAAAkUAAAAAQAAABQAAAAUAAAAFAAAAAEAAAAAAAAAZAAAAGQAAAAAAAAAZAAAAGQAAAAVAAAAYAAAAAAAAAAAAAAADwAAACADAAAAAAAAAAAAAAEAAACgMgAAVgcAAKr4//8BAAAAf39/AAEAAABkAAAAAAAAABQAAABAHwAAAAAAACYAAAAAAAAAwOD//wAAAAAmAAAAZAAAABYAAABMAAAAAAAAAAAAAAAEAAAAAAAAAAEAAACAgIAKAAAAACgAAAAoAAAAZAAAAGQAAAAAAAAAzMzMAAAAAABQAAAAUAAAAGQAAABkAAAAAAAAABcAAAAUAAAAAAAAAAAAAAD/fwAA/38AAAAAAAAJAAAABAAAAAAAAAAMAAAAEAAAAAAAAAAAAAAAAAAAAAAAAAAeAAAAaAAAAAAAAAAAAAAAAAAAAAAAAAAAAAAAECcAABAnAAAAAAAAAAAAAAAAAAAAAAAAAAAAAAAAAAAAAAAAAAAAABQAAAAAAAAAwMD/AAAAAABkAAAAMgAAAAAAAABkAAAAAAAAAH9/fwAKAAAAHwAAAFQAAAAAAAAFAAAAAQAAAAAAAAAAAAAAAAAAAAAAAAAAAAAAAAAAAAAAAAAAAAAAAn9/fwAAAAADzMzMAMDA/wB/f38AAAAAAAAAAAAAAAAAAAAAAAAAAAAhAAAAGAAAABQAAADQAgAAGycAAPAPAABZKQAAEAAAACYAAAAIAAAAAAAAAAAAAAA="/>
               </a:ext>
             </a:extLst>
           </p:cNvSpPr>
@@ -2726,7 +2696,7 @@
           <a:lstStyle/>
           <a:p>
             <a:pPr/>
-            <a:fld id="{3FD8630A-44D2-8D95-9C60-B2C02D2E6AE7}" type="datetime1">
+            <a:fld id="{3E4620EF-A1D3-13D6-9DFE-57836EB06B02}" type="datetime1">
               <a:t/>
             </a:fld>
           </a:p>
@@ -2739,7 +2709,7 @@
             <a:spLocks noGrp="1" noChangeArrowheads="1"/>
             <a:extLst>
               <a:ext uri="smNativeData">
-                <pr:smNativeData xmlns:pr="smNativeData" val="SMDATA_13_HczeZRMAAAAlAAAAZAAAAA8BAAAAkAAAAEgAAACQAAAASAAAAAAAAAABAAAAAAAAAAEAAABQAAAAAAAAAAAA4D8AAAAAAADgPwAAAAAAAOA/AAAAAAAA4D8AAAAAAADgPwAAAAAAAOA/AAAAAAAA4D8AAAAAAADgPwAAAAAAAOA/AAAAAAAA4D8CAAAAjAAAAAAAAAAAAAAAu+DjDP///wgAAAAAAAAAAAAAAAAAAAAAAAAAAAAAAAAAAAAAZAAAAAEAAABAAAAAAAAAAAAAAAAAAAAAAAAAAAAAAAAAAAAAAAAAAAAAAAAAAAAAAAAAAAAAAAAAAAAAAAAAAAAAAAAAAAAAAAAAAAAAAAAAAAAAAAAAAAAAAAAAAAAAFAAAADwAAAAAAAAAAAAAAAAAAAkUAAAAAQAAABQAAAAUAAAAFAAAAAEAAAAAAAAAZAAAAGQAAAAAAAAAZAAAAGQAAAAVAAAAYAAAAAAAAAAAAAAADwAAACADAAAAAAAAAAAAAAEAAACgMgAAVgcAAKr4//8BAAAAf39/AAEAAABkAAAAAAAAABQAAABAHwAAAAAAACYAAAAAAAAAwOD//wAAAAAmAAAAZAAAABYAAABMAAAAAAAAAAAAAAAEAAAAAAAAAAEAAACAgIAKAAAAACgAAAAoAAAAZAAAAGQAAAAAAAAAzMzMAAAAAABQAAAAUAAAAGQAAABkAAAAAAAAABcAAAAUAAAAAAAAAAAAAAD/fwAA/38AAAAAAAAJAAAABAAAAAAAAAAMAAAAEAAAAAAAAAAAAAAAAAAAAAAAAAAeAAAAaAAAAAAAAAAAAAAAAAAAAAAAAAAAAAAAECcAABAnAAAAAAAAAAAAAAAAAAAAAAAAAAAAAAAAAAAAAAAAAAAAABQAAAAAAAAAwMD/AAAAAABkAAAAMgAAAAAAAABkAAAAAAAAAH9/fwAKAAAAHwAAAFQAAAAAAAAFAAAAAQAAAAAAAAAAAAAAAAAAAAAAAAAAAAAAAAAAAAAAAAAAAAAAAn9/fwAAAAADzMzMAMDA/wB/f38AAAAAAAAAAAAAAAAAAAAAAAAAAAAhAAAAGAAAABQAAAA4EwAAGycAAAglAABZKQAAAAAAACYAAAAIAAAAAAAAAAAAAAA="/>
+                <pr:smNativeData xmlns:pr="smNativeData" val="SMDATA_13_1CvgZRMAAAAlAAAAZAAAAA8BAAAAkAAAAEgAAACQAAAASAAAAAAAAAABAAAAAAAAAAEAAABQAAAAAAAAAAAA4D8AAAAAAADgPwAAAAAAAOA/AAAAAAAA4D8AAAAAAADgPwAAAAAAAOA/AAAAAAAA4D8AAAAAAADgPwAAAAAAAOA/AAAAAAAA4D8CAAAAjAAAAAAAAAAAAAAAu+DjDP///wgAAAAAAAAAAAAAAAAAAAAAAAAAAAAAAAAAAAAAZAAAAAEAAABAAAAAAAAAAAAAAAAAAAAAAAAAAAAAAAAAAAAAAAAAAAAAAAAAAAAAAAAAAAAAAAAAAAAAAAAAAAAAAAAAAAAAAAAAAAAAAAAAAAAAAAAAAAAAAAAAAAAAFAAAADwAAAAAAAAAAAAAAAAAAAkUAAAAAQAAABQAAAAUAAAAFAAAAAEAAAAAAAAAZAAAAGQAAAAAAAAAZAAAAGQAAAAVAAAAYAAAAAAAAAAAAAAADwAAACADAAAAAAAAAAAAAAEAAACgMgAAVgcAAKr4//8BAAAAf39/AAEAAABkAAAAAAAAABQAAABAHwAAAAAAACYAAAAAAAAAwOD//wAAAAAmAAAAZAAAABYAAABMAAAAAAAAAAAAAAAEAAAAAAAAAAEAAACAgIAKAAAAACgAAAAoAAAAZAAAAGQAAAAAAAAAzMzMAAAAAABQAAAAUAAAAGQAAABkAAAAAAAAABcAAAAUAAAAAAAAAAAAAAD/fwAA/38AAAAAAAAJAAAABAAAAAAAAAAMAAAAEAAAAAAAAAAAAAAAAAAAAAAAAAAeAAAAaAAAAAAAAAAAAAAAAAAAAAAAAAAAAAAAECcAABAnAAAAAAAAAAAAAAAAAAAAAAAAAAAAAAAAAAAAAAAAAAAAABQAAAAAAAAAwMD/AAAAAABkAAAAMgAAAAAAAABkAAAAAAAAAH9/fwAKAAAAHwAAAFQAAAAAAAAFAAAAAQAAAAAAAAAAAAAAAAAAAAAAAAAAAAAAAAAAAAAAAAAAAAAAAn9/fwAAAAADzMzMAMDA/wB/f38AAAAAAAAAAAAAAAAAAAAAAAAAAAAhAAAAGAAAABQAAAA4EwAAGycAAAglAABZKQAAEAAAACYAAAAIAAAAAAAAAAAAAAA="/>
               </a:ext>
             </a:extLst>
           </p:cNvSpPr>
@@ -2753,9 +2723,6 @@
           <a:lstStyle/>
           <a:p>
             <a:pPr/>
-            <a:r>
-              <a:t/>
-            </a:r>
           </a:p>
         </p:txBody>
       </p:sp>
@@ -2766,7 +2733,7 @@
             <a:spLocks noGrp="1" noChangeArrowheads="1"/>
             <a:extLst>
               <a:ext uri="smNativeData">
-                <pr:smNativeData xmlns:pr="smNativeData" val="SMDATA_13_HczeZRMAAAAlAAAAZAAAAA8BAAAAkAAAAEgAAACQAAAASAAAAAAAAAABAAAAAAAAAAEAAABQAAAAAAAAAAAA4D8AAAAAAADgPwAAAAAAAOA/AAAAAAAA4D8AAAAAAADgPwAAAAAAAOA/AAAAAAAA4D8AAAAAAADgPwAAAAAAAOA/AAAAAAAA4D8CAAAAjAAAAAAAAAAAAAAAu+DjDP///wgAAAAAAAAAAAAAAAAAAAAAAAAAAAAAAAAAAAAAZAAAAAEAAABAAAAAAAAAAAAAAAAAAAAAAAAAAAAAAAAAAAAAAAAAAAAAAAAAAAAAAAAAAAAAAAAAAAAAAAAAAAAAAAAAAAAAAAAAAAAAAAAAAAAAAAAAAAAAAAAAAAAAFAAAADwAAAAAAAAAAAAAAAAAAAkUAAAAAQAAABQAAAAUAAAAFAAAAAEAAAAAAAAAZAAAAGQAAAAAAAAAZAAAAGQAAAAVAAAAYAAAAAAAAAAAAAAADwAAACADAAAAAAAAAAAAAAEAAACgMgAAVgcAAKr4//8BAAAAf39/AAEAAABkAAAAAAAAABQAAABAHwAAAAAAACYAAAAAAAAAwOD//wAAAAAmAAAAZAAAABYAAABMAAAAAAAAAAAAAAAEAAAAAAAAAAEAAACAgIAKAAAAACgAAAAoAAAAZAAAAGQAAAAAAAAAzMzMAAAAAABQAAAAUAAAAGQAAABkAAAAAAAAABcAAAAUAAAAAAAAAAAAAAD/fwAA/38AAAAAAAAJAAAABAAAAAAAAAAMAAAAEAAAAAAAAAAAAAAAAAAAAAAAAAAeAAAAaAAAAAAAAAAAAAAAAAAAAAAAAAAAAAAAECcAABAnAAAAAAAAAAAAAAAAAAAAAAAAAAAAAAAAAAAAAAAAAAAAABQAAAAAAAAAwMD/AAAAAABkAAAAMgAAAAAAAABkAAAAAAAAAH9/fwAKAAAAHwAAAFQAAAAAAAAFAAAAAQAAAAAAAAAAAAAAAAAAAAAAAAAAAAAAAAAAAAAAAAAAAAAAAn9/fwAAAAADzMzMAMDA/wB/f38AAAAAAAAAAAAAAAAAAAAAAAAAAAAhAAAAGAAAABQAAABQKAAAGycAAHA1AABZKQAAAAAAACYAAAAIAAAAAAAAAAAAAAA="/>
+                <pr:smNativeData xmlns:pr="smNativeData" val="SMDATA_13_1CvgZRMAAAAlAAAAZAAAAA8BAAAAkAAAAEgAAACQAAAASAAAAAAAAAABAAAAAAAAAAEAAABQAAAAAAAAAAAA4D8AAAAAAADgPwAAAAAAAOA/AAAAAAAA4D8AAAAAAADgPwAAAAAAAOA/AAAAAAAA4D8AAAAAAADgPwAAAAAAAOA/AAAAAAAA4D8CAAAAjAAAAAAAAAAAAAAAu+DjDP///wgAAAAAAAAAAAAAAAAAAAAAAAAAAAAAAAAAAAAAZAAAAAEAAABAAAAAAAAAAAAAAAAAAAAAAAAAAAAAAAAAAAAAAAAAAAAAAAAAAAAAAAAAAAAAAAAAAAAAAAAAAAAAAAAAAAAAAAAAAAAAAAAAAAAAAAAAAAAAAAAAAAAAFAAAADwAAAAAAAAAAAAAAAAAAAkUAAAAAQAAABQAAAAUAAAAFAAAAAEAAAAAAAAAZAAAAGQAAAAAAAAAZAAAAGQAAAAVAAAAYAAAAAAAAAAAAAAADwAAACADAAAAAAAAAAAAAAEAAACgMgAAVgcAAKr4//8BAAAAf39/AAEAAABkAAAAAAAAABQAAABAHwAAAAAAACYAAAAAAAAAwOD//wAAAAAmAAAAZAAAABYAAABMAAAAAAAAAAAAAAAEAAAAAAAAAAEAAACAgIAKAAAAACgAAAAoAAAAZAAAAGQAAAAAAAAAzMzMAAAAAABQAAAAUAAAAGQAAABkAAAAAAAAABcAAAAUAAAAAAAAAAAAAAD/fwAA/38AAAAAAAAJAAAABAAAAAAAAAAMAAAAEAAAAAAAAAAAAAAAAAAAAAAAAAAeAAAAaAAAAAAAAAAAAAAAAAAAAAAAAAAAAAAAECcAABAnAAAAAAAAAAAAAAAAAAAAAAAAAAAAAAAAAAAAAAAAAAAAABQAAAAAAAAAwMD/AAAAAABkAAAAMgAAAAAAAABkAAAAAAAAAH9/fwAKAAAAHwAAAFQAAAAAAAAFAAAAAQAAAAAAAAAAAAAAAAAAAAAAAAAAAAAAAAAAAAAAAAAAAAAAAn9/fwAAAAADzMzMAMDA/wB/f38AAAAAAAAAAAAAAAAAAAAAAAAAAAAhAAAAGAAAABQAAABQKAAAGycAAHA1AABZKQAAEAAAACYAAAAIAAAAAAAAAAAAAAA="/>
               </a:ext>
             </a:extLst>
           </p:cNvSpPr>
@@ -2780,7 +2747,7 @@
           <a:lstStyle/>
           <a:p>
             <a:pPr/>
-            <a:fld id="{3FD844C3-8DD2-8DB2-9C60-7BE70A2E6A2E}" type="slidenum">
+            <a:fld id="{3E467387-C9D3-1385-9DFE-3FD03DB06B6A}" type="slidenum">
               <a:t/>
             </a:fld>
           </a:p>
@@ -2826,7 +2793,7 @@
             <a:spLocks noGrp="1" noChangeArrowheads="1"/>
             <a:extLst>
               <a:ext uri="smNativeData">
-                <pr:smNativeData xmlns:pr="smNativeData" val="SMDATA_13_HczeZRMAAAAlAAAAZAAAAA8BAAAAkAAAAEgAAACQAAAASAAAAAAAAAABAAAAAAAAAAEAAABQAAAAAAAAAAAA4D8AAAAAAADgPwAAAAAAAOA/AAAAAAAA4D8AAAAAAADgPwAAAAAAAOA/AAAAAAAA4D8AAAAAAADgPwAAAAAAAOA/AAAAAAAA4D8CAAAAjAAAAAAAAAAAAAAAu+DjDP///wgAAAAAAAAAAAAAAAAAAAAAAAAAAAAAAAAAAAAAZAAAAAEAAABAAAAAAAAAAAAAAAAAAAAAAAAAAAAAAAAAAAAAAAAAAAAAAAAAAAAAAAAAAAAAAAAAAAAAAAAAAAAAAAAAAAAAAAAAAAAAAAAAAAAAAAAAAAAAAAAAAAAAFAAAADwAAAAAAAAAAAAAAAAAAAkUAAAAAQAAABQAAAAUAAAAFAAAAAEAAAAAAAAAZAAAAGQAAAAAAAAAZAAAAGQAAAAVAAAAYAAAAAAAAAAAAAAADwAAACADAAAAAAAAAAAAAAEAAACgMgAAVgcAAKr4//8BAAAAf39/AAEAAABkAAAAAAAAABQAAABAHwAAAAAAACYAAAAAAAAAwOD//wAAAAAmAAAAZAAAABYAAABMAAAAAAAAAAAAAAAEAAAAAAAAAAEAAACAgIAKAAAAACgAAAAoAAAAZAAAAGQAAAAAAAAAzMzMAAAAAABQAAAAUAAAAGQAAABkAAAAAAAAABcAAAAUAAAAAAAAAAAAAAD/fwAA/38AAAAAAAAJAAAABAAAAAAAAAAMAAAAEAAAAAAAAAAAAAAAAAAAAAAAAAAeAAAAaAAAAAAAAAAAAAAAAAAAAAAAAAAAAAAAECcAABAnAAAAAAAAAAAAAAAAAAAAAAAAAAAAAAAAAAAAAAAAAAAAABQAAAAAAAAAwMD/AAAAAABkAAAAMgAAAAAAAABkAAAAAAAAAH9/fwAKAAAAHwAAAFQAAAAAAAAFAAAAAQAAAAAAAAAAAAAAAAAAAAAAAAAAAAAAAAAAAAAAAAAAAAAAAn9/fwAAAAADzMzMAMDA/wB/f38AAAAAAAAAAAAAAAAAAAAAAAAAAAAhAAAAGAAAABQAAADQAgAAsAEAAHA1AAC4CAAAAAAAACYAAAAIAAAA//////////8="/>
+                <pr:smNativeData xmlns:pr="smNativeData" val="SMDATA_13_1CvgZRMAAAAlAAAAZAAAAA8BAAAAkAAAAEgAAACQAAAASAAAAAAAAAABAAAAAAAAAAEAAABQAAAAAAAAAAAA4D8AAAAAAADgPwAAAAAAAOA/AAAAAAAA4D8AAAAAAADgPwAAAAAAAOA/AAAAAAAA4D8AAAAAAADgPwAAAAAAAOA/AAAAAAAA4D8CAAAAjAAAAAAAAAAAAAAAu+DjDP///wgAAAAAAAAAAAAAAAAAAAAAAAAAAAAAAAAAAAAAZAAAAAEAAABAAAAAAAAAAAAAAAAAAAAAAAAAAAAAAAAAAAAAAAAAAAAAAAAAAAAAAAAAAAAAAAAAAAAAAAAAAAAAAAAAAAAAAAAAAAAAAAAAAAAAAAAAAAAAAAAAAAAAFAAAADwAAAAAAAAAAAAAAAAAAAkUAAAAAQAAABQAAAAUAAAAFAAAAAEAAAAAAAAAZAAAAGQAAAAAAAAAZAAAAGQAAAAVAAAAYAAAAAAAAAAAAAAADwAAACADAAAAAAAAAAAAAAEAAACgMgAAVgcAAKr4//8BAAAAf39/AAEAAABkAAAAAAAAABQAAABAHwAAAAAAACYAAAAAAAAAwOD//wAAAAAmAAAAZAAAABYAAABMAAAAAAAAAAAAAAAEAAAAAAAAAAEAAACAgIAKAAAAACgAAAAoAAAAZAAAAGQAAAAAAAAAzMzMAAAAAABQAAAAUAAAAGQAAABkAAAAAAAAABcAAAAUAAAAAAAAAAAAAAD/fwAA/38AAAAAAAAJAAAABAAAAAAAAAAMAAAAEAAAAAAAAAAAAAAAAAAAAAAAAAAeAAAAaAAAAAAAAAAAAAAAAAAAAAAAAAAAAAAAECcAABAnAAAAAAAAAAAAAAAAAAAAAAAAAAAAAAAAAAAAAAAAAAAAABQAAAAAAAAAwMD/AAAAAABkAAAAMgAAAAAAAABkAAAAAAAAAH9/fwAKAAAAHwAAAFQAAAAAAAAFAAAAAQAAAAAAAAAAAAAAAAAAAAAAAAAAAAAAAAAAAAAAAAAAAAAAAn9/fwAAAAADzMzMAMDA/wB/f38AAAAAAAAAAAAAAAAAAAAAAAAAAAAhAAAAGAAAABQAAADQAgAAsAEAAHA1AAC4CAAAEAAAACYAAAAIAAAA//////////8="/>
               </a:ext>
             </a:extLst>
           </p:cNvSpPr>
@@ -2870,7 +2837,7 @@
             <a:spLocks noGrp="1" noChangeArrowheads="1"/>
             <a:extLst>
               <a:ext uri="smNativeData">
-                <pr:smNativeData xmlns:pr="smNativeData" val="SMDATA_13_HczeZRMAAAAlAAAAZAAAAA8BAAAAkAAAAEgAAACQAAAASAAAAAAAAAAAAAAAAAAAAAEAAABQAAAAAAAAAAAA4D8AAAAAAADgPwAAAAAAAOA/AAAAAAAA4D8AAAAAAADgPwAAAAAAAOA/AAAAAAAA4D8AAAAAAADgPwAAAAAAAOA/AAAAAAAA4D8CAAAAjAAAAAAAAAAAAAAAu+DjDP///wgAAAAAAAAAAAAAAAAAAAAAAAAAAAAAAAAAAAAAZAAAAAEAAABAAAAAAAAAAAAAAAAAAAAAAAAAAAAAAAAAAAAAAAAAAAAAAAAAAAAAAAAAAAAAAAAAAAAAAAAAAAAAAAAAAAAAAAAAAAAAAAAAAAAAAAAAAAAAAAAAAAAAFAAAADwAAAAAAAAAAAAAAAAAAAkUAAAAAQAAABQAAAAUAAAAFAAAAAEAAAAAAAAAZAAAAGQAAAAAAAAAZAAAAGQAAAAVAAAAYAAAAAAAAAAAAAAADwAAACADAAAAAAAAAAAAAAEAAACgMgAAVgcAAKr4//8BAAAAf39/AAEAAABkAAAAAAAAABQAAABAHwAAAAAAACYAAAAAAAAAwOD//wAAAAAmAAAAZAAAABYAAABMAAAAAAAAAAAAAAAEAAAAAAAAAAEAAACAgIAKAAAAACgAAAAoAAAAZAAAAGQAAAAAAAAAzMzMAAAAAABQAAAAUAAAAGQAAABkAAAAAAAAABcAAAAUAAAAAAAAAAAAAAD/fwAA/38AAAAAAAAJAAAABAAAAPpc7z8MAAAAEAAAAAAAAAAAAAAAAAAAAAAAAAAeAAAAaAAAAAAAAAAAAAAAAAAAAAAAAAAAAAAAECcAABAnAAAAAAAAAAAAAAAAAAAAAAAAAAAAAAAAAAAAAAAAAAAAABQAAAAAAAAAwMD/AAAAAABkAAAAMgAAAAAAAABkAAAAAAAAAH9/fwAKAAAAHwAAAFQAAAAAAAAFAAAAAQAAAAAAAAAAAAAAAAAAAAAAAAAAAAAAAAAAAAAAAAAAAAAAAn9/fwAAAAADzMzMAMDA/wB/f38AAAAAAAAAAAAAAAAAAAAAAAAAAAAhAAAAGAAAABQAAADQAgAA2AkAAHA1AACwJQAAAAAAACYAAAAIAAAA//////////8="/>
+                <pr:smNativeData xmlns:pr="smNativeData" val="SMDATA_13_1CvgZRMAAAAlAAAAZAAAAA8BAAAAkAAAAEgAAACQAAAASAAAAAAAAAAAAAAAAAAAAAEAAABQAAAAAAAAAAAA4D8AAAAAAADgPwAAAAAAAOA/AAAAAAAA4D8AAAAAAADgPwAAAAAAAOA/AAAAAAAA4D8AAAAAAADgPwAAAAAAAOA/AAAAAAAA4D8CAAAAjAAAAAAAAAAAAAAAu+DjDP///wgAAAAAAAAAAAAAAAAAAAAAAAAAAAAAAAAAAAAAZAAAAAEAAABAAAAAAAAAAAAAAAAAAAAAAAAAAAAAAAAAAAAAAAAAAAAAAAAAAAAAAAAAAAAAAAAAAAAAAAAAAAAAAAAAAAAAAAAAAAAAAAAAAAAAAAAAAAAAAAAAAAAAFAAAADwAAAAAAAAAAAAAAAAAAAkUAAAAAQAAABQAAAAUAAAAFAAAAAEAAAAAAAAAZAAAAGQAAAAAAAAAZAAAAGQAAAAVAAAAYAAAAAAAAAAAAAAADwAAACADAAAAAAAAAAAAAAEAAACgMgAAVgcAAKr4//8BAAAAf39/AAEAAABkAAAAAAAAABQAAABAHwAAAAAAACYAAAAAAAAAwOD//wAAAAAmAAAAZAAAABYAAABMAAAAAAAAAAAAAAAEAAAAAAAAAAEAAACAgIAKAAAAACgAAAAoAAAAZAAAAGQAAAAAAAAAzMzMAAAAAABQAAAAUAAAAGQAAABkAAAAAAAAABcAAAAUAAAAAAAAAAAAAAD/fwAA/38AAAAAAAAJAAAABAAAAPpc7z8MAAAAEAAAAAAAAAAAAAAAAAAAAAAAAAAeAAAAaAAAAAAAAAAAAAAAAAAAAAAAAAAAAAAAECcAABAnAAAAAAAAAAAAAAAAAAAAAAAAAAAAAAAAAAAAAAAAAAAAABQAAAAAAAAAwMD/AAAAAABkAAAAMgAAAAAAAABkAAAAAAAAAH9/fwAKAAAAHwAAAFQAAAAAAAAFAAAAAQAAAAAAAAAAAAAAAAAAAAAAAAAAAAAAAAAAAAAAAAAAAAAAAn9/fwAAAAADzMzMAMDA/wB/f38AAAAAAAAAAAAAAAAAAAAAAAAAAAAhAAAAGAAAABQAAADQAgAA2AkAAHA1AACwJQAAEAAAACYAAAAIAAAA//////////8="/>
               </a:ext>
             </a:extLst>
           </p:cNvSpPr>
@@ -2938,7 +2905,7 @@
             <a:spLocks noGrp="1" noChangeArrowheads="1"/>
             <a:extLst>
               <a:ext uri="smNativeData">
-                <pr:smNativeData xmlns:pr="smNativeData" val="SMDATA_13_HczeZRMAAAAlAAAAZAAAAA8BAAAAkAAAAEgAAACQAAAASAAAAAAAAAABAAAAAAAAAAEAAABQAAAAAAAAAAAA4D8AAAAAAADgPwAAAAAAAOA/AAAAAAAA4D8AAAAAAADgPwAAAAAAAOA/AAAAAAAA4D8AAAAAAADgPwAAAAAAAOA/AAAAAAAA4D8CAAAAjAAAAAAAAAAAAAAAu+DjDP///wgAAAAAAAAAAAAAAAAAAAAAAAAAAAAAAAAAAAAAZAAAAAEAAABAAAAAAAAAAAAAAAAAAAAAAAAAAAAAAAAAAAAAAAAAAAAAAAAAAAAAAAAAAAAAAAAAAAAAAAAAAAAAAAAAAAAAAAAAAAAAAAAAAAAAAAAAAAAAAAAAAAAAFAAAADwAAAAAAAAAAAAAAAAAAAkUAAAAAQAAABQAAAAUAAAAFAAAAAEAAAAAAAAAZAAAAGQAAAAAAAAAZAAAAGQAAAAVAAAAYAAAAAAAAAAAAAAADwAAACADAAAAAAAAAAAAAAEAAACgMgAAVgcAAKr4//8BAAAAf39/AAEAAABkAAAAAAAAABQAAABAHwAAAAAAACYAAAAAAAAAwOD//wAAAAAmAAAAZAAAABYAAABMAAAAAAAAAAAAAAAEAAAAAAAAAAEAAACAgIAKAAAAACgAAAAoAAAAZAAAAGQAAAAAAAAAzMzMAAAAAABQAAAAUAAAAGQAAABkAAAAAAAAABcAAAAUAAAAAAAAAAAAAAD/fwAA/38AAAAAAAAJAAAABAAAAAAAAAAMAAAAEAAAAAAAAAAAAAAAAAAAAAAAAAAeAAAAaAAAAAAAAAAAAAAAAAAAAAAAAAAAAAAAECcAABAnAAAAAAAAAAAAAAAAAAAAAAAAAAAAAAAAAAAAAAAAAAAAABQAAAAAAAAAwMD/AAAAAABkAAAAMgAAAAAAAABkAAAAAAAAAH9/fwAKAAAAHwAAAFQAAAAAAAAFAAAAAQAAAAAAAAAAAAAAAAAAAAAAAAAAAAAAAAAAAAAAAAAAAAAAAn9/fwAAAAADzMzMAMDA/wB/f38AAAAAAAAAAAAAAAAAAAAAAAAAAAAhAAAAGAAAABQAAADQAgAAGycAAPAPAABZKQAAAAAAACYAAAAIAAAA//////////8="/>
+                <pr:smNativeData xmlns:pr="smNativeData" val="SMDATA_13_1CvgZRMAAAAlAAAAZAAAAA8BAAAAkAAAAEgAAACQAAAASAAAAAAAAAABAAAAAAAAAAEAAABQAAAAAAAAAAAA4D8AAAAAAADgPwAAAAAAAOA/AAAAAAAA4D8AAAAAAADgPwAAAAAAAOA/AAAAAAAA4D8AAAAAAADgPwAAAAAAAOA/AAAAAAAA4D8CAAAAjAAAAAAAAAAAAAAAu+DjDP///wgAAAAAAAAAAAAAAAAAAAAAAAAAAAAAAAAAAAAAZAAAAAEAAABAAAAAAAAAAAAAAAAAAAAAAAAAAAAAAAAAAAAAAAAAAAAAAAAAAAAAAAAAAAAAAAAAAAAAAAAAAAAAAAAAAAAAAAAAAAAAAAAAAAAAAAAAAAAAAAAAAAAAFAAAADwAAAAAAAAAAAAAAAAAAAkUAAAAAQAAABQAAAAUAAAAFAAAAAEAAAAAAAAAZAAAAGQAAAAAAAAAZAAAAGQAAAAVAAAAYAAAAAAAAAAAAAAADwAAACADAAAAAAAAAAAAAAEAAACgMgAAVgcAAKr4//8BAAAAf39/AAEAAABkAAAAAAAAABQAAABAHwAAAAAAACYAAAAAAAAAwOD//wAAAAAmAAAAZAAAABYAAABMAAAAAAAAAAAAAAAEAAAAAAAAAAEAAACAgIAKAAAAACgAAAAoAAAAZAAAAGQAAAAAAAAAzMzMAAAAAABQAAAAUAAAAGQAAABkAAAAAAAAABcAAAAUAAAAAAAAAAAAAAD/fwAA/38AAAAAAAAJAAAABAAAAAAAAAAMAAAAEAAAAAAAAAAAAAAAAAAAAAAAAAAeAAAAaAAAAAAAAAAAAAAAAAAAAAAAAAAAAAAAECcAABAnAAAAAAAAAAAAAAAAAAAAAAAAAAAAAAAAAAAAAAAAAAAAABQAAAAAAAAAwMD/AAAAAABkAAAAMgAAAAAAAABkAAAAAAAAAH9/fwAKAAAAHwAAAFQAAAAAAAAFAAAAAQAAAAAAAAAAAAAAAAAAAAAAAAAAAAAAAAAAAAAAAAAAAAAAAn9/fwAAAAADzMzMAMDA/wB/f38AAAAAAAAAAAAAAAAAAAAAAAAAAAAhAAAAGAAAABQAAADQAgAAGycAAPAPAABZKQAAEAAAACYAAAAIAAAA//////////8="/>
               </a:ext>
             </a:extLst>
           </p:cNvSpPr>
@@ -2973,7 +2940,7 @@
           </a:lstStyle>
           <a:p>
             <a:pPr/>
-            <a:fld id="{3FD8478C-C2D2-8DB1-9C60-34E4092E6A61}" type="datetime1">
+            <a:fld id="{3E462FE3-ADD3-13D9-9DFE-5B8C61B06B0E}" type="datetime1">
               <a:t/>
             </a:fld>
           </a:p>
@@ -2986,7 +2953,7 @@
             <a:spLocks noGrp="1" noChangeArrowheads="1"/>
             <a:extLst>
               <a:ext uri="smNativeData">
-                <pr:smNativeData xmlns:pr="smNativeData" val="SMDATA_13_HczeZRMAAAAlAAAAZAAAAA8BAAAAkAAAAEgAAACQAAAASAAAAAAAAAABAAAAAAAAAAEAAABQAAAAAAAAAAAA4D8AAAAAAADgPwAAAAAAAOA/AAAAAAAA4D8AAAAAAADgPwAAAAAAAOA/AAAAAAAA4D8AAAAAAADgPwAAAAAAAOA/AAAAAAAA4D8CAAAAjAAAAAAAAAAAAAAAu+DjDP///wgAAAAAAAAAAAAAAAAAAAAAAAAAAAAAAAAAAAAAZAAAAAEAAABAAAAAAAAAAAAAAAAAAAAAAAAAAAAAAAAAAAAAAAAAAAAAAAAAAAAAAAAAAAAAAAAAAAAAAAAAAAAAAAAAAAAAAAAAAAAAAAAAAAAAAAAAAAAAAAAAAAAAFAAAADwAAAAAAAAAAAAAAAAAAAkUAAAAAQAAABQAAAAUAAAAFAAAAAEAAAAAAAAAZAAAAGQAAAAAAAAAZAAAAGQAAAAVAAAAYAAAAAAAAAAAAAAADwAAACADAAAAAAAAAAAAAAEAAACgMgAAVgcAAKr4//8BAAAAf39/AAEAAABkAAAAAAAAABQAAABAHwAAAAAAACYAAAAAAAAAwOD//wAAAAAmAAAAZAAAABYAAABMAAAAAAAAAAAAAAAEAAAAAAAAAAEAAACAgIAKAAAAACgAAAAoAAAAZAAAAGQAAAAAAAAAzMzMAAAAAABQAAAAUAAAAGQAAABkAAAAAAAAABcAAAAUAAAAAAAAAAAAAAD/fwAA/38AAAAAAAAJAAAABAAAAAAAAAAMAAAAEAAAAAAAAAAAAAAAAAAAAAAAAAAeAAAAaAAAAAAAAAAAAAAAAAAAAAAAAAAAAAAAECcAABAnAAAAAAAAAAAAAAAAAAAAAAAAAAAAAAAAAAAAAAAAAAAAABQAAAAAAAAAwMD/AAAAAABkAAAAMgAAAAAAAABkAAAAAAAAAH9/fwAKAAAAHwAAAFQAAAAAAAAFAAAAAQAAAAAAAAAAAAAAAAAAAAAAAAAAAAAAAAAAAAAAAAAAAAAAAn9/fwAAAAADzMzMAMDA/wB/f38AAAAAAAAAAAAAAAAAAAAAAAAAAAAhAAAAGAAAABQAAAA4EwAAGycAAAglAABZKQAAAAAAACYAAAAIAAAA//////////8="/>
+                <pr:smNativeData xmlns:pr="smNativeData" val="SMDATA_13_1CvgZRMAAAAlAAAAZAAAAA8BAAAAkAAAAEgAAACQAAAASAAAAAAAAAABAAAAAAAAAAEAAABQAAAAAAAAAAAA4D8AAAAAAADgPwAAAAAAAOA/AAAAAAAA4D8AAAAAAADgPwAAAAAAAOA/AAAAAAAA4D8AAAAAAADgPwAAAAAAAOA/AAAAAAAA4D8CAAAAjAAAAAAAAAAAAAAAu+DjDP///wgAAAAAAAAAAAAAAAAAAAAAAAAAAAAAAAAAAAAAZAAAAAEAAABAAAAAAAAAAAAAAAAAAAAAAAAAAAAAAAAAAAAAAAAAAAAAAAAAAAAAAAAAAAAAAAAAAAAAAAAAAAAAAAAAAAAAAAAAAAAAAAAAAAAAAAAAAAAAAAAAAAAAFAAAADwAAAAAAAAAAAAAAAAAAAkUAAAAAQAAABQAAAAUAAAAFAAAAAEAAAAAAAAAZAAAAGQAAAAAAAAAZAAAAGQAAAAVAAAAYAAAAAAAAAAAAAAADwAAACADAAAAAAAAAAAAAAEAAACgMgAAVgcAAKr4//8BAAAAf39/AAEAAABkAAAAAAAAABQAAABAHwAAAAAAACYAAAAAAAAAwOD//wAAAAAmAAAAZAAAABYAAABMAAAAAAAAAAAAAAAEAAAAAAAAAAEAAACAgIAKAAAAACgAAAAoAAAAZAAAAGQAAAAAAAAAzMzMAAAAAABQAAAAUAAAAGQAAABkAAAAAAAAABcAAAAUAAAAAAAAAAAAAAD/fwAA/38AAAAAAAAJAAAABAAAAAAAAAAMAAAAEAAAAAAAAAAAAAAAAAAAAAAAAAAeAAAAaAAAAAAAAAAAAAAAAAAAAAAAAAAAAAAAECcAABAnAAAAAAAAAAAAAAAAAAAAAAAAAAAAAAAAAAAAAAAAAAAAABQAAAAAAAAAwMD/AAAAAABkAAAAMgAAAAAAAABkAAAAAAAAAH9/fwAKAAAAHwAAAFQAAAAAAAAFAAAAAQAAAAAAAAAAAAAAAAAAAAAAAAAAAAAAAAAAAAAAAAAAAAAAAn9/fwAAAAADzMzMAMDA/wB/f38AAAAAAAAAAAAAAAAAAAAAAAAAAAAhAAAAGAAAABQAAAA4EwAAGycAAAglAABZKQAAEAAAACYAAAAIAAAA//////////8="/>
               </a:ext>
             </a:extLst>
           </p:cNvSpPr>
@@ -3021,9 +2988,6 @@
           </a:lstStyle>
           <a:p>
             <a:pPr/>
-            <a:r>
-              <a:t/>
-            </a:r>
           </a:p>
         </p:txBody>
       </p:sp>
@@ -3034,7 +2998,7 @@
             <a:spLocks noGrp="1" noChangeArrowheads="1"/>
             <a:extLst>
               <a:ext uri="smNativeData">
-                <pr:smNativeData xmlns:pr="smNativeData" val="SMDATA_13_HczeZRMAAAAlAAAAZAAAAA8BAAAAkAAAAEgAAACQAAAASAAAAAAAAAABAAAAAAAAAAEAAABQAAAAAAAAAAAA4D8AAAAAAADgPwAAAAAAAOA/AAAAAAAA4D8AAAAAAADgPwAAAAAAAOA/AAAAAAAA4D8AAAAAAADgPwAAAAAAAOA/AAAAAAAA4D8CAAAAjAAAAAAAAAAAAAAAu+DjDP///wgAAAAAAAAAAAAAAAAAAAAAAAAAAAAAAAAAAAAAZAAAAAEAAABAAAAAAAAAAAAAAAAAAAAAAAAAAAAAAAAAAAAAAAAAAAAAAAAAAAAAAAAAAAAAAAAAAAAAAAAAAAAAAAAAAAAAAAAAAAAAAAAAAAAAAAAAAAAAAAAAAAAAFAAAADwAAAAAAAAAAAAAAAAAAAkUAAAAAQAAABQAAAAUAAAAFAAAAAEAAAAAAAAAZAAAAGQAAAAAAAAAZAAAAGQAAAAVAAAAYAAAAAAAAAAAAAAADwAAACADAAAAAAAAAAAAAAEAAACgMgAAVgcAAKr4//8BAAAAf39/AAEAAABkAAAAAAAAABQAAABAHwAAAAAAACYAAAAAAAAAwOD//wAAAAAmAAAAZAAAABYAAABMAAAAAAAAAAAAAAAEAAAAAAAAAAEAAACAgIAKAAAAACgAAAAoAAAAZAAAAGQAAAAAAAAAzMzMAAAAAABQAAAAUAAAAGQAAABkAAAAAAAAABcAAAAUAAAAAAAAAAAAAAD/fwAA/38AAAAAAAAJAAAABAAAAAAAAAAMAAAAEAAAAAAAAAAAAAAAAAAAAAAAAAAeAAAAaAAAAAAAAAAAAAAAAAAAAAAAAAAAAAAAECcAABAnAAAAAAAAAAAAAAAAAAAAAAAAAAAAAAAAAAAAAAAAAAAAABQAAAAAAAAAwMD/AAAAAABkAAAAMgAAAAAAAABkAAAAAAAAAH9/fwAKAAAAHwAAAFQAAAAAAAAFAAAAAQAAAAAAAAAAAAAAAAAAAAAAAAAAAAAAAAAAAAAAAAAAAAAAAn9/fwAAAAADzMzMAMDA/wB/f38AAAAAAAAAAAAAAAAAAAAAAAAAAAAhAAAAGAAAABQAAABQKAAAGycAAHA1AABZKQAAAAAAACYAAAAIAAAA//////////8="/>
+                <pr:smNativeData xmlns:pr="smNativeData" val="SMDATA_13_1CvgZRMAAAAlAAAAZAAAAA8BAAAAkAAAAEgAAACQAAAASAAAAAAAAAABAAAAAAAAAAEAAABQAAAAAAAAAAAA4D8AAAAAAADgPwAAAAAAAOA/AAAAAAAA4D8AAAAAAADgPwAAAAAAAOA/AAAAAAAA4D8AAAAAAADgPwAAAAAAAOA/AAAAAAAA4D8CAAAAjAAAAAAAAAAAAAAAu+DjDP///wgAAAAAAAAAAAAAAAAAAAAAAAAAAAAAAAAAAAAAZAAAAAEAAABAAAAAAAAAAAAAAAAAAAAAAAAAAAAAAAAAAAAAAAAAAAAAAAAAAAAAAAAAAAAAAAAAAAAAAAAAAAAAAAAAAAAAAAAAAAAAAAAAAAAAAAAAAAAAAAAAAAAAFAAAADwAAAAAAAAAAAAAAAAAAAkUAAAAAQAAABQAAAAUAAAAFAAAAAEAAAAAAAAAZAAAAGQAAAAAAAAAZAAAAGQAAAAVAAAAYAAAAAAAAAAAAAAADwAAACADAAAAAAAAAAAAAAEAAACgMgAAVgcAAKr4//8BAAAAf39/AAEAAABkAAAAAAAAABQAAABAHwAAAAAAACYAAAAAAAAAwOD//wAAAAAmAAAAZAAAABYAAABMAAAAAAAAAAAAAAAEAAAAAAAAAAEAAACAgIAKAAAAACgAAAAoAAAAZAAAAGQAAAAAAAAAzMzMAAAAAABQAAAAUAAAAGQAAABkAAAAAAAAABcAAAAUAAAAAAAAAAAAAAD/fwAA/38AAAAAAAAJAAAABAAAAAAAAAAMAAAAEAAAAAAAAAAAAAAAAAAAAAAAAAAeAAAAaAAAAAAAAAAAAAAAAAAAAAAAAAAAAAAAECcAABAnAAAAAAAAAAAAAAAAAAAAAAAAAAAAAAAAAAAAAAAAAAAAABQAAAAAAAAAwMD/AAAAAABkAAAAMgAAAAAAAABkAAAAAAAAAH9/fwAKAAAAHwAAAFQAAAAAAAAFAAAAAQAAAAAAAAAAAAAAAAAAAAAAAAAAAAAAAAAAAAAAAAAAAAAAAn9/fwAAAAADzMzMAMDA/wB/f38AAAAAAAAAAAAAAAAAAAAAAAAAAAAhAAAAGAAAABQAAABQKAAAGycAAHA1AABZKQAAEAAAACYAAAAIAAAA//////////8="/>
               </a:ext>
             </a:extLst>
           </p:cNvSpPr>
@@ -3069,7 +3033,7 @@
           </a:lstStyle>
           <a:p>
             <a:pPr/>
-            <a:fld id="{3FD809CA-84D2-8DFF-9C60-72AA472E6A27}" type="slidenum">
+            <a:fld id="{3E466BED-A3D3-139D-9DFE-55C825B06B00}" type="slidenum">
               <a:t/>
             </a:fld>
           </a:p>
@@ -3116,6 +3080,182 @@
           <a:cs typeface="Times New Roman" pitchFamily="1" charset="0"/>
         </a:defRPr>
       </a:lvl1pPr>
+      <a:lvl2pPr marL="457200" marR="0" indent="0" algn="l" defTabSz="449580">
+        <a:lnSpc>
+          <a:spcPct val="100000"/>
+        </a:lnSpc>
+        <a:spcBef>
+          <a:spcPts val="0"/>
+        </a:spcBef>
+        <a:spcAft>
+          <a:spcPts val="0"/>
+        </a:spcAft>
+        <a:buNone/>
+        <a:tabLst/>
+        <a:defRPr sz="1800" b="0" i="0" u="none" strike="noStrike" kern="1" spc="0" baseline="0">
+          <a:solidFill>
+            <a:schemeClr val="tx1"/>
+          </a:solidFill>
+          <a:effectLst/>
+          <a:latin typeface="Calibri" pitchFamily="2" charset="0"/>
+          <a:ea typeface="SimSun" pitchFamily="0" charset="0"/>
+          <a:cs typeface="Times New Roman" pitchFamily="1" charset="0"/>
+        </a:defRPr>
+      </a:lvl2pPr>
+      <a:lvl3pPr marL="914400" marR="0" indent="0" algn="l" defTabSz="449580">
+        <a:lnSpc>
+          <a:spcPct val="100000"/>
+        </a:lnSpc>
+        <a:spcBef>
+          <a:spcPts val="0"/>
+        </a:spcBef>
+        <a:spcAft>
+          <a:spcPts val="0"/>
+        </a:spcAft>
+        <a:buNone/>
+        <a:tabLst/>
+        <a:defRPr sz="1800" b="0" i="0" u="none" strike="noStrike" kern="1" spc="0" baseline="0">
+          <a:solidFill>
+            <a:schemeClr val="tx1"/>
+          </a:solidFill>
+          <a:effectLst/>
+          <a:latin typeface="Calibri" pitchFamily="2" charset="0"/>
+          <a:ea typeface="SimSun" pitchFamily="0" charset="0"/>
+          <a:cs typeface="Times New Roman" pitchFamily="1" charset="0"/>
+        </a:defRPr>
+      </a:lvl3pPr>
+      <a:lvl4pPr marL="1371600" marR="0" indent="0" algn="l" defTabSz="449580">
+        <a:lnSpc>
+          <a:spcPct val="100000"/>
+        </a:lnSpc>
+        <a:spcBef>
+          <a:spcPts val="0"/>
+        </a:spcBef>
+        <a:spcAft>
+          <a:spcPts val="0"/>
+        </a:spcAft>
+        <a:buNone/>
+        <a:tabLst/>
+        <a:defRPr sz="1800" b="0" i="0" u="none" strike="noStrike" kern="1" spc="0" baseline="0">
+          <a:solidFill>
+            <a:schemeClr val="tx1"/>
+          </a:solidFill>
+          <a:effectLst/>
+          <a:latin typeface="Calibri" pitchFamily="2" charset="0"/>
+          <a:ea typeface="SimSun" pitchFamily="0" charset="0"/>
+          <a:cs typeface="Times New Roman" pitchFamily="1" charset="0"/>
+        </a:defRPr>
+      </a:lvl4pPr>
+      <a:lvl5pPr marL="1828800" marR="0" indent="0" algn="l" defTabSz="449580">
+        <a:lnSpc>
+          <a:spcPct val="100000"/>
+        </a:lnSpc>
+        <a:spcBef>
+          <a:spcPts val="0"/>
+        </a:spcBef>
+        <a:spcAft>
+          <a:spcPts val="0"/>
+        </a:spcAft>
+        <a:buNone/>
+        <a:tabLst/>
+        <a:defRPr sz="1800" b="0" i="0" u="none" strike="noStrike" kern="1" spc="0" baseline="0">
+          <a:solidFill>
+            <a:schemeClr val="tx1"/>
+          </a:solidFill>
+          <a:effectLst/>
+          <a:latin typeface="Calibri" pitchFamily="2" charset="0"/>
+          <a:ea typeface="SimSun" pitchFamily="0" charset="0"/>
+          <a:cs typeface="Times New Roman" pitchFamily="1" charset="0"/>
+        </a:defRPr>
+      </a:lvl5pPr>
+      <a:lvl6pPr marL="2286000" marR="0" indent="0" algn="l" defTabSz="449580">
+        <a:lnSpc>
+          <a:spcPct val="100000"/>
+        </a:lnSpc>
+        <a:spcBef>
+          <a:spcPts val="0"/>
+        </a:spcBef>
+        <a:spcAft>
+          <a:spcPts val="0"/>
+        </a:spcAft>
+        <a:buNone/>
+        <a:tabLst/>
+        <a:defRPr sz="1800" b="0" i="0" u="none" strike="noStrike" kern="1" spc="0" baseline="0">
+          <a:solidFill>
+            <a:schemeClr val="tx1"/>
+          </a:solidFill>
+          <a:effectLst/>
+          <a:latin typeface="Calibri" pitchFamily="2" charset="0"/>
+          <a:ea typeface="SimSun" pitchFamily="0" charset="0"/>
+          <a:cs typeface="Times New Roman" pitchFamily="1" charset="0"/>
+        </a:defRPr>
+      </a:lvl6pPr>
+      <a:lvl7pPr marL="2743200" marR="0" indent="0" algn="l" defTabSz="449580">
+        <a:lnSpc>
+          <a:spcPct val="100000"/>
+        </a:lnSpc>
+        <a:spcBef>
+          <a:spcPts val="0"/>
+        </a:spcBef>
+        <a:spcAft>
+          <a:spcPts val="0"/>
+        </a:spcAft>
+        <a:buNone/>
+        <a:tabLst/>
+        <a:defRPr sz="1800" b="0" i="0" u="none" strike="noStrike" kern="1" spc="0" baseline="0">
+          <a:solidFill>
+            <a:schemeClr val="tx1"/>
+          </a:solidFill>
+          <a:effectLst/>
+          <a:latin typeface="Calibri" pitchFamily="2" charset="0"/>
+          <a:ea typeface="SimSun" pitchFamily="0" charset="0"/>
+          <a:cs typeface="Times New Roman" pitchFamily="1" charset="0"/>
+        </a:defRPr>
+      </a:lvl7pPr>
+      <a:lvl8pPr marL="3200400" marR="0" indent="0" algn="l" defTabSz="449580">
+        <a:lnSpc>
+          <a:spcPct val="100000"/>
+        </a:lnSpc>
+        <a:spcBef>
+          <a:spcPts val="0"/>
+        </a:spcBef>
+        <a:spcAft>
+          <a:spcPts val="0"/>
+        </a:spcAft>
+        <a:buNone/>
+        <a:tabLst/>
+        <a:defRPr sz="1800" b="0" i="0" u="none" strike="noStrike" kern="1" spc="0" baseline="0">
+          <a:solidFill>
+            <a:schemeClr val="tx1"/>
+          </a:solidFill>
+          <a:effectLst/>
+          <a:latin typeface="Calibri" pitchFamily="2" charset="0"/>
+          <a:ea typeface="SimSun" pitchFamily="0" charset="0"/>
+          <a:cs typeface="Times New Roman" pitchFamily="1" charset="0"/>
+        </a:defRPr>
+      </a:lvl8pPr>
+      <a:lvl9pPr marL="3657600" marR="0" indent="0" algn="l" defTabSz="449580">
+        <a:lnSpc>
+          <a:spcPct val="100000"/>
+        </a:lnSpc>
+        <a:spcBef>
+          <a:spcPts val="0"/>
+        </a:spcBef>
+        <a:spcAft>
+          <a:spcPts val="0"/>
+        </a:spcAft>
+        <a:buNone/>
+        <a:tabLst/>
+        <a:defRPr sz="1800" b="0" i="0" u="none" strike="noStrike" kern="1" spc="0" baseline="0">
+          <a:solidFill>
+            <a:schemeClr val="tx1"/>
+          </a:solidFill>
+          <a:effectLst/>
+          <a:latin typeface="Calibri" pitchFamily="2" charset="0"/>
+          <a:ea typeface="SimSun" pitchFamily="0" charset="0"/>
+          <a:cs typeface="Times New Roman" pitchFamily="1" charset="0"/>
+        </a:defRPr>
+      </a:lvl9pPr>
     </p:titleStyle>
     <p:bodyStyle>
       <a:lvl1pPr marL="342900" marR="0" indent="-342900" algn="l" defTabSz="449580">
@@ -3572,7 +3712,7 @@
             <a:spLocks noGrp="1" noChangeArrowheads="1"/>
             <a:extLst>
               <a:ext uri="smNativeData">
-                <pr:smNativeData xmlns:pr="smNativeData" val="SMDATA_13_HczeZRMAAAAlAAAAZAAAAA8BAAAAkAAAAEgAAACQAAAASAAAAAAAAAABAAAAAAAAAAEAAABQAAAAAAAAAAAA4D8AAAAAAADgPwAAAAAAAOA/AAAAAAAA4D8AAAAAAADgPwAAAAAAAOA/AAAAAAAA4D8AAAAAAADgPwAAAAAAAOA/AAAAAAAA4D8CAAAAjAAAAAAAAAAAAAAAu+DjDP///wgAAAAAAAAAAAAAAAAAAAAAAAAAAAAAAAAAAAAAZAAAAAEAAABAAAAAAAAAAAAAAAAAAAAAAAAAAAAAAAAAAAAAAAAAAAAAAAAAAAAAAAAAAAAAAAAAAAAAAAAAAAAAAAAAAAAAAAAAAAAAAAAAAAAAAAAAAAAAAAAAAAAAFAAAADwAAAAAAAAAAAAAAAAAAAkUAAAAAQAAABQAAAAUAAAAFAAAAAEAAAAAAAAAZAAAAGQAAAAAAAAAZAAAAGQAAAAVAAAAYAAAAAAAAAAAAAAADwAAACADAAAAAAAAAAAAAAEAAACgMgAAVgcAAKr4//8BAAAAf39/AAEAAABkAAAAAAAAABQAAABAHwAAAAAAACYAAAAAAAAAwOD//wAAAAAmAAAAZAAAABYAAABMAAAAAAAAAAAAAAAEAAAAAAAAAAEAAACAgIAKAAAAACgAAAAoAAAAZAAAAGQAAAAAAAAAzMzMAAAAAABQAAAAUAAAAGQAAABkAAAAAAAAABcAAAAUAAAAAAAAAAAAAAD/fwAA/38AAAAAAAAJAAAABAAAAAAAAAAMAAAAEAAAAAAAAAAAAAAAAAAAAAAAAAAeAAAAaAAAAAAAAAAAAAAAAAAAAAAAAAAAAAAAECcAABAnAAAAAAAAAAAAAAAAAAAAAAAAAAAAAAAAAAAAAAAAAAAAABQAAAAAAAAAwMD/AAAAAABkAAAAMgAAAAAAAABkAAAAAAAAAH9/fwAKAAAAHwAAAFQAAAC74OMF////AQAAAAAAAAAAAAAAAAAAAAAAAAAAAAAAAAAAAAAAAAAAAAAAAn9/fwCAgIADzMzMAMDA/wB/f38AAAAAAAAAAAAAAAAAAAAAAAAAAAAhAAAAGAAAABQAAAD5AwAANQIAANczAAB6CwAAAAAAACYAAAAIAAAAAQAAAAAAAAA="/>
+                <pr:smNativeData xmlns:pr="smNativeData" val="SMDATA_13_1CvgZRMAAAAlAAAAZAAAAA8BAAAAkAAAAEgAAACQAAAASAAAAAAAAAABAAAAAAAAAAEAAABQAAAAAAAAAAAA4D8AAAAAAADgPwAAAAAAAOA/AAAAAAAA4D8AAAAAAADgPwAAAAAAAOA/AAAAAAAA4D8AAAAAAADgPwAAAAAAAOA/AAAAAAAA4D8CAAAAjAAAAAAAAAAAAAAAu+DjDP///wgAAAAAAAAAAAAAAAAAAAAAAAAAAAAAAAAAAAAAZAAAAAEAAABAAAAAAAAAAAAAAAAAAAAAAAAAAAAAAAAAAAAAAAAAAAAAAAAAAAAAAAAAAAAAAAAAAAAAAAAAAAAAAAAAAAAAAAAAAAAAAAAAAAAAAAAAAAAAAAAAAAAAFAAAADwAAAAAAAAAAAAAAAAAAAkUAAAAAQAAABQAAAAUAAAAFAAAAAEAAAAAAAAAZAAAAGQAAAAAAAAAZAAAAGQAAAAVAAAAYAAAAAAAAAAAAAAADwAAACADAAAAAAAAAAAAAAEAAACgMgAAVgcAAKr4//8BAAAAf39/AAEAAABkAAAAAAAAABQAAABAHwAAAAAAACYAAAAAAAAAwOD//wAAAAAmAAAAZAAAABYAAABMAAAAAAAAAAAAAAAEAAAAAAAAAAEAAACAgIAKAAAAACgAAAAoAAAAZAAAAGQAAAAAAAAAzMzMAAAAAABQAAAAUAAAAGQAAABkAAAAAAAAABcAAAAUAAAAAAAAAAAAAAD/fwAA/38AAAAAAAAJAAAABAAAAAAAAAAMAAAAEAAAAAAAAAAAAAAAAAAAAAAAAAAeAAAAaAAAAAAAAAAAAAAAAAAAAAAAAAAAAAAAECcAABAnAAAAAAAAAAAAAAAAAAAAAAAAAAAAAAAAAAAAAAAAAAAAABQAAAAAAAAAwMD/AAAAAABkAAAAMgAAAAAAAABkAAAAAAAAAH9/fwAKAAAAHwAAAFQAAAC74OMF////AQAAAAAAAAAAAAAAAAAAAAAAAAAAAAAAAAAAAAAAAAAAAAAAAn9/fwCAgIADzMzMAMDA/wB/f38AAAAAAAAAAAAAAAAAAAAAAAAAAAAhAAAAGAAAABQAAAD5AwAANQIAANczAAB6CwAAEAAAACYAAAAIAAAAAQAAAAAAAAA="/>
               </a:ext>
             </a:extLst>
           </p:cNvSpPr>
@@ -3610,7 +3750,7 @@
             <a:spLocks noGrp="1" noChangeArrowheads="1"/>
             <a:extLst>
               <a:ext uri="smNativeData">
-                <pr:smNativeData xmlns:pr="smNativeData" val="SMDATA_13_HczeZRMAAAAlAAAAZAAAAA8BAAAAkAAAAEgAAACQAAAASAAAAAAAAAAAAAAAAAAAAAEAAABQAAAAAAAAAAAA4D8AAAAAAADgPwAAAAAAAOA/AAAAAAAA4D8AAAAAAADgPwAAAAAAAOA/AAAAAAAA4D8AAAAAAADgPwAAAAAAAOA/AAAAAAAA4D8CAAAAjAAAAAAAAAAAAAAAu+DjDP///wgAAAAAAAAAAAAAAAAAAAAAAAAAAAAAAAAAAAAAZAAAAAEAAABAAAAAAAAAAAAAAAAAAAAAAAAAAAAAAAAAAAAAAAAAAAAAAAAAAAAAAAAAAAAAAAAAAAAAAAAAAAAAAAAAAAAAAAAAAAAAAAAAAAAAAAAAAAAAAAAAAAAAFAAAADwAAAAAAAAAAAAAAAAAAAkUAAAAAQAAABQAAAAUAAAAFAAAAAEAAAAAAAAAZAAAAGQAAAAAAAAAZAAAAGQAAAAVAAAAYAAAAAAAAAAAAAAADwAAACADAAAAAAAAAAAAAAEAAACgMgAAVgcAAKr4//8BAAAAf39/AAEAAABkAAAAAAAAABQAAABAHwAAAAAAACYAAAAAAAAAwOD//wAAAAAmAAAAZAAAABYAAABMAAAAAAAAAAAAAAAEAAAAAAAAAAEAAACAgIAKAAAAACgAAAAoAAAAZAAAAGQAAAAAAAAAzMzMAAAAAABQAAAAUAAAAGQAAABkAAAAAAAAABcAAAAUAAAAAAAAAAAAAAD/fwAA/38AAAAAAAAJAAAABAAAAAAAAAAMAAAAEAAAAAAAAAAAAAAAAAAAAAAAAAAeAAAAaAAAAAAAAAAAAAAAAAAAAAAAAAAAAAAAECcAABAnAAAAAAAAAAAAAAAAAAAAAAAAAAAAAAAAAAAAAAAAAAAAABQAAAAAAAAAwMD/AAAAAABkAAAAMgAAAAAAAABkAAAAAAAAAH9/fwAKAAAAHwAAAFQAAAC74OMF////AQAAAAAAAAAAAAAAAAAAAAAAAAAAAAAAAAAAAAAAAAAAAAAAAn9/fwCAgIADzMzMAMDA/wB/f38AAAAAAAAAAAAAAAAAAAAAAAAAAAAhAAAAGAAAABQAAABMCAAAPg0AAKwvAAD2JQAAAAAAACYAAAAIAAAAAQAAAAAAAAA="/>
+                <pr:smNativeData xmlns:pr="smNativeData" val="SMDATA_13_1CvgZRMAAAAlAAAAZAAAAA8BAAAAkAAAAEgAAACQAAAASAAAAAAAAAAAAAAAAAAAAAEAAABQAAAAAAAAAAAA4D8AAAAAAADgPwAAAAAAAOA/AAAAAAAA4D8AAAAAAADgPwAAAAAAAOA/AAAAAAAA4D8AAAAAAADgPwAAAAAAAOA/AAAAAAAA4D8CAAAAjAAAAAAAAAAAAAAAu+DjDP///wgAAAAAAAAAAAAAAAAAAAAAAAAAAAAAAAAAAAAAZAAAAAEAAABAAAAAAAAAAAAAAAAAAAAAAAAAAAAAAAAAAAAAAAAAAAAAAAAAAAAAAAAAAAAAAAAAAAAAAAAAAAAAAAAAAAAAAAAAAAAAAAAAAAAAAAAAAAAAAAAAAAAAFAAAADwAAAAAAAAAAAAAAAAAAAkUAAAAAQAAABQAAAAUAAAAFAAAAAEAAAAAAAAAZAAAAGQAAAAAAAAAZAAAAGQAAAAVAAAAYAAAAAAAAAAAAAAADwAAACADAAAAAAAAAAAAAAEAAACgMgAAVgcAAKr4//8BAAAAf39/AAEAAABkAAAAAAAAABQAAABAHwAAAAAAACYAAAAAAAAAwOD//wAAAAAmAAAAZAAAABYAAABMAAAAAAAAAAAAAAAEAAAAAAAAAAEAAACAgIAKAAAAACgAAAAoAAAAZAAAAGQAAAAAAAAAzMzMAAAAAABQAAAAUAAAAGQAAABkAAAAAAAAABcAAAAUAAAAAAAAAAAAAAD/fwAA/38AAAAAAAAJAAAABAAAAAAAAAAMAAAAEAAAAAAAAAAAAAAAAAAAAAAAAAAeAAAAaAAAAAAAAAAAAAAAAAAAAAAAAAAAAAAAECcAABAnAAAAAAAAAAAAAAAAAAAAAAAAAAAAAAAAAAAAAAAAAAAAABQAAAAAAAAAwMD/AAAAAABkAAAAMgAAAAAAAABkAAAAAAAAAH9/fwAKAAAAHwAAAFQAAAC74OMF////AQAAAAAAAAAAAAAAAAAAAAAAAAAAAAAAAAAAAAAAAAAAAAAAAn9/fwCAgIADzMzMAMDA/wB/f38AAAAAAAAAAAAAAAAAAAAAAAAAAAAhAAAAGAAAABQAAABMCAAAPg0AAKwvAAD2JQAAEAAAACYAAAAIAAAAAQAAAAAAAAA="/>
               </a:ext>
             </a:extLst>
           </p:cNvSpPr>
@@ -3689,7 +3829,7 @@
 </file>
 
 <file path=ppt/slides/slide10.xml><?xml version="1.0" encoding="utf-8"?>
-<p:sld xmlns:p="http://schemas.openxmlformats.org/presentationml/2006/main" xmlns:p14="http://schemas.microsoft.com/office/powerpoint/2010/main" xmlns:r="http://schemas.openxmlformats.org/officeDocument/2006/relationships" xmlns:a="http://schemas.openxmlformats.org/drawingml/2006/main">
+<p:sld xmlns:p="http://schemas.openxmlformats.org/presentationml/2006/main" xmlns:p14="http://schemas.microsoft.com/office/powerpoint/2010/main" xmlns:r="http://schemas.openxmlformats.org/officeDocument/2006/relationships" xmlns:a="http://schemas.openxmlformats.org/drawingml/2006/main" showMasterPhAnim="0">
   <p:cSld>
     <p:spTree>
       <p:nvGrpSpPr>
@@ -3712,7 +3852,7 @@
             <a:spLocks noGrp="1" noChangeArrowheads="1"/>
             <a:extLst>
               <a:ext uri="smNativeData">
-                <pr:smNativeData xmlns:pr="smNativeData" val="SMDATA_13_HczeZRMAAAAlAAAAZAAAAA8BAAAAkAAAAEgAAACQAAAASAAAAAAAAAAAAAAAAAAAAAEAAABQAAAAAAAAAAAA4D8AAAAAAADgPwAAAAAAAOA/AAAAAAAA4D8AAAAAAADgPwAAAAAAAOA/AAAAAAAA4D8AAAAAAADgPwAAAAAAAOA/AAAAAAAA4D8CAAAAjAAAAAAAAAAAAAAAu+DjDP///wgAAAAAAAAAAAAAAAAAAAAAAAAAAAAAAAAAAAAAZAAAAAEAAABAAAAAAAAAAAAAAAAAAAAAAAAAAAAAAAAAAAAAAAAAAAAAAAAAAAAAAAAAAAAAAAAAAAAAAAAAAAAAAAAAAAAAAAAAAAAAAAAAAAAAAAAAAAAAAAAAAAAAFAAAADwAAAAAAAAAAAAAAAAAAAkUAAAAAQAAABQAAAAUAAAAFAAAAAEAAAAAAAAAZAAAAGQAAAAAAAAAZAAAAGQAAAAVAAAAYAAAAAAAAAAAAAAADwAAACADAAAAAAAAAAAAAAEAAACgMgAAVgcAAKr4//8BAAAAf39/AAEAAABkAAAAAAAAABQAAABAHwAAAAAAACYAAAAAAAAAwOD//wAAAAAmAAAAZAAAABYAAABMAAAAAAAAAAAAAAAEAAAAAAAAAAEAAACAgIAKAAAAACgAAAAoAAAAZAAAAGQAAAAAAAAAzMzMAAAAAABQAAAAUAAAAGQAAABkAAAAAAAAABcAAAAUAAAAAAAAAAAAAAD/fwAA/38AAAAAAAAJAAAABAAAAAAAAAAMAAAAEAAAAAAAAAAAAAAAAAAAAAAAAAAeAAAAaAAAAAAAAAAAAAAAAAAAAAAAAAAAAAAAECcAABAnAAAAAAAAAAAAAAAAAAAAAAAAAAAAAAAAAAAAAAAAAAAAABQAAAAAAAAAwMD/AAAAAABkAAAAMgAAAAAAAABkAAAAAAAAAH9/fwAKAAAAHwAAAFQAAAC74OMF////AQAAAAAAAAAAAAAAAAAAAAAAAAAAAAAAAAAAAAAAAAAAAAAAAn9/fwCAgIADzMzMAMDA/wB/f38AAAAAAAAAAAAAAAAAAAAAAAAAAAAhAAAAGAAAABQAAABwCAAAFwMAANAvAAD2JQAAAAAAACYAAAAIAAAAAQAAAAAAAAA="/>
+                <pr:smNativeData xmlns:pr="smNativeData" val="SMDATA_13_1CvgZRMAAAAlAAAAZAAAAA8BAAAAkAAAAEgAAACQAAAASAAAAAAAAAAAAAAAAAAAAAEAAABQAAAAAAAAAAAA4D8AAAAAAADgPwAAAAAAAOA/AAAAAAAA4D8AAAAAAADgPwAAAAAAAOA/AAAAAAAA4D8AAAAAAADgPwAAAAAAAOA/AAAAAAAA4D8CAAAAjAAAAAAAAAAAAAAAu+DjDP///wgAAAAAAAAAAAAAAAAAAAAAAAAAAAAAAAAAAAAAZAAAAAEAAABAAAAAAAAAAAAAAAAAAAAAAAAAAAAAAAAAAAAAAAAAAAAAAAAAAAAAAAAAAAAAAAAAAAAAAAAAAAAAAAAAAAAAAAAAAAAAAAAAAAAAAAAAAAAAAAAAAAAAFAAAADwAAAAAAAAAAAAAAAAAAAkUAAAAAQAAABQAAAAUAAAAFAAAAAEAAAAAAAAAZAAAAGQAAAAAAAAAZAAAAGQAAAAVAAAAYAAAAAAAAAAAAAAADwAAACADAAAAAAAAAAAAAAEAAACgMgAAVgcAAKr4//8BAAAAf39/AAEAAABkAAAAAAAAABQAAABAHwAAAAAAACYAAAAAAAAAwOD//wAAAAAmAAAAZAAAABYAAABMAAAAAAAAAAAAAAAEAAAAAAAAAAEAAACAgIAKAAAAACgAAAAoAAAAZAAAAGQAAAAAAAAAzMzMAAAAAABQAAAAUAAAAGQAAABkAAAAAAAAABcAAAAUAAAAAAAAAAAAAAD/fwAA/38AAAAAAAAJAAAABAAAAAAAAAAMAAAAEAAAAAAAAAAAAAAAAAAAAAAAAAAeAAAAaAAAAAAAAAAAAAAAAAAAAAAAAAAAAAAAECcAABAnAAAAAAAAAAAAAAAAAAAAAAAAAAAAAAAAAAAAAAAAAAAAABQAAAAAAAAAwMD/AAAAAABkAAAAMgAAAAAAAABkAAAAAAAAAH9/fwAKAAAAHwAAAFQAAAC74OMF////AQAAAAAAAAAAAAAAAAAAAAAAAAAAAAAAAAAAAAAAAAAAAAAAAn9/fwCAgIADzMzMAMDA/wB/f38AAAAAAAAAAAAAAAAAAAAAAAAAAAAhAAAAGAAAABQAAABwCAAAFwMAANAvAAD2JQAAEAAAACYAAAAIAAAAAQAAAAAAAAA="/>
               </a:ext>
             </a:extLst>
           </p:cNvSpPr>
@@ -3778,9 +3918,285 @@
   <p:timing>
     <p:tnLst>
       <p:par>
-        <p:cTn id="1" dur="indefinite" restart="never" nodeType="tmRoot"/>
+        <p:cTn id="1" dur="indefinite" restart="never" nodeType="tmRoot">
+          <p:childTnLst>
+            <p:seq concurrent="1" nextAc="seek">
+              <p:cTn id="2" dur="indefinite" nodeType="mainSeq">
+                <p:childTnLst>
+                  <p:par>
+                    <p:cTn id="3" fill="hold">
+                      <p:stCondLst>
+                        <p:cond delay="indefinite"/>
+                      </p:stCondLst>
+                      <p:childTnLst>
+                        <p:par>
+                          <p:cTn id="4" fill="hold">
+                            <p:stCondLst>
+                              <p:cond delay="0"/>
+                            </p:stCondLst>
+                            <p:childTnLst>
+                              <p:par>
+                                <p:cTn id="5" presetID="1" presetClass="entr" presetSubtype="0" fill="hold" grpId="0" nodeType="clickEffect">
+                                  <p:stCondLst>
+                                    <p:cond delay="0"/>
+                                  </p:stCondLst>
+                                  <p:childTnLst>
+                                    <p:set>
+                                      <p:cBhvr>
+                                        <p:cTn id="6" dur="1" fill="hold">
+                                          <p:stCondLst>
+                                            <p:cond delay="0"/>
+                                          </p:stCondLst>
+                                        </p:cTn>
+                                        <p:tgtEl>
+                                          <p:spTgt spid="2">
+                                            <p:txEl>
+                                              <p:pRg st="0" end="0"/>
+                                            </p:txEl>
+                                          </p:spTgt>
+                                        </p:tgtEl>
+                                        <p:attrNameLst>
+                                          <p:attrName>style.visibility</p:attrName>
+                                        </p:attrNameLst>
+                                      </p:cBhvr>
+                                      <p:to>
+                                        <p:strVal val="visible"/>
+                                      </p:to>
+                                    </p:set>
+                                  </p:childTnLst>
+                                </p:cTn>
+                              </p:par>
+                            </p:childTnLst>
+                          </p:cTn>
+                        </p:par>
+                      </p:childTnLst>
+                    </p:cTn>
+                  </p:par>
+                  <p:par>
+                    <p:cTn id="7" fill="hold">
+                      <p:stCondLst>
+                        <p:cond delay="indefinite"/>
+                      </p:stCondLst>
+                      <p:childTnLst>
+                        <p:par>
+                          <p:cTn id="8" fill="hold">
+                            <p:stCondLst>
+                              <p:cond delay="0"/>
+                            </p:stCondLst>
+                            <p:childTnLst>
+                              <p:par>
+                                <p:cTn id="9" presetID="1" presetClass="entr" presetSubtype="0" fill="hold" grpId="0" nodeType="clickEffect">
+                                  <p:stCondLst>
+                                    <p:cond delay="0"/>
+                                  </p:stCondLst>
+                                  <p:childTnLst>
+                                    <p:set>
+                                      <p:cBhvr>
+                                        <p:cTn id="10" dur="1" fill="hold">
+                                          <p:stCondLst>
+                                            <p:cond delay="0"/>
+                                          </p:stCondLst>
+                                        </p:cTn>
+                                        <p:tgtEl>
+                                          <p:spTgt spid="2">
+                                            <p:txEl>
+                                              <p:pRg st="1" end="1"/>
+                                            </p:txEl>
+                                          </p:spTgt>
+                                        </p:tgtEl>
+                                        <p:attrNameLst>
+                                          <p:attrName>style.visibility</p:attrName>
+                                        </p:attrNameLst>
+                                      </p:cBhvr>
+                                      <p:to>
+                                        <p:strVal val="visible"/>
+                                      </p:to>
+                                    </p:set>
+                                  </p:childTnLst>
+                                </p:cTn>
+                              </p:par>
+                            </p:childTnLst>
+                          </p:cTn>
+                        </p:par>
+                      </p:childTnLst>
+                    </p:cTn>
+                  </p:par>
+                  <p:par>
+                    <p:cTn id="11" fill="hold">
+                      <p:stCondLst>
+                        <p:cond delay="indefinite"/>
+                      </p:stCondLst>
+                      <p:childTnLst>
+                        <p:par>
+                          <p:cTn id="12" fill="hold">
+                            <p:stCondLst>
+                              <p:cond delay="0"/>
+                            </p:stCondLst>
+                            <p:childTnLst>
+                              <p:par>
+                                <p:cTn id="13" presetID="1" presetClass="entr" presetSubtype="0" fill="hold" grpId="0" nodeType="clickEffect">
+                                  <p:stCondLst>
+                                    <p:cond delay="0"/>
+                                  </p:stCondLst>
+                                  <p:childTnLst>
+                                    <p:set>
+                                      <p:cBhvr>
+                                        <p:cTn id="14" dur="1" fill="hold">
+                                          <p:stCondLst>
+                                            <p:cond delay="0"/>
+                                          </p:stCondLst>
+                                        </p:cTn>
+                                        <p:tgtEl>
+                                          <p:spTgt spid="2">
+                                            <p:txEl>
+                                              <p:pRg st="2" end="2"/>
+                                            </p:txEl>
+                                          </p:spTgt>
+                                        </p:tgtEl>
+                                        <p:attrNameLst>
+                                          <p:attrName>style.visibility</p:attrName>
+                                        </p:attrNameLst>
+                                      </p:cBhvr>
+                                      <p:to>
+                                        <p:strVal val="visible"/>
+                                      </p:to>
+                                    </p:set>
+                                  </p:childTnLst>
+                                </p:cTn>
+                              </p:par>
+                            </p:childTnLst>
+                          </p:cTn>
+                        </p:par>
+                      </p:childTnLst>
+                    </p:cTn>
+                  </p:par>
+                  <p:par>
+                    <p:cTn id="15" fill="hold">
+                      <p:stCondLst>
+                        <p:cond delay="indefinite"/>
+                      </p:stCondLst>
+                      <p:childTnLst>
+                        <p:par>
+                          <p:cTn id="16" fill="hold">
+                            <p:stCondLst>
+                              <p:cond delay="0"/>
+                            </p:stCondLst>
+                            <p:childTnLst>
+                              <p:par>
+                                <p:cTn id="17" presetID="1" presetClass="entr" presetSubtype="0" fill="hold" grpId="0" nodeType="clickEffect">
+                                  <p:stCondLst>
+                                    <p:cond delay="0"/>
+                                  </p:stCondLst>
+                                  <p:childTnLst>
+                                    <p:set>
+                                      <p:cBhvr>
+                                        <p:cTn id="18" dur="1" fill="hold">
+                                          <p:stCondLst>
+                                            <p:cond delay="0"/>
+                                          </p:stCondLst>
+                                        </p:cTn>
+                                        <p:tgtEl>
+                                          <p:spTgt spid="2">
+                                            <p:txEl>
+                                              <p:pRg st="3" end="3"/>
+                                            </p:txEl>
+                                          </p:spTgt>
+                                        </p:tgtEl>
+                                        <p:attrNameLst>
+                                          <p:attrName>style.visibility</p:attrName>
+                                        </p:attrNameLst>
+                                      </p:cBhvr>
+                                      <p:to>
+                                        <p:strVal val="visible"/>
+                                      </p:to>
+                                    </p:set>
+                                  </p:childTnLst>
+                                </p:cTn>
+                              </p:par>
+                            </p:childTnLst>
+                          </p:cTn>
+                        </p:par>
+                      </p:childTnLst>
+                    </p:cTn>
+                  </p:par>
+                  <p:par>
+                    <p:cTn id="19" fill="hold">
+                      <p:stCondLst>
+                        <p:cond delay="indefinite"/>
+                      </p:stCondLst>
+                      <p:childTnLst>
+                        <p:par>
+                          <p:cTn id="20" fill="hold">
+                            <p:stCondLst>
+                              <p:cond delay="0"/>
+                            </p:stCondLst>
+                            <p:childTnLst>
+                              <p:par>
+                                <p:cTn id="21" presetID="1" presetClass="entr" presetSubtype="0" fill="hold" grpId="0" nodeType="clickEffect">
+                                  <p:stCondLst>
+                                    <p:cond delay="0"/>
+                                  </p:stCondLst>
+                                  <p:childTnLst>
+                                    <p:set>
+                                      <p:cBhvr>
+                                        <p:cTn id="22" dur="1" fill="hold">
+                                          <p:stCondLst>
+                                            <p:cond delay="0"/>
+                                          </p:stCondLst>
+                                        </p:cTn>
+                                        <p:tgtEl>
+                                          <p:spTgt spid="2">
+                                            <p:txEl>
+                                              <p:pRg st="4" end="4"/>
+                                            </p:txEl>
+                                          </p:spTgt>
+                                        </p:tgtEl>
+                                        <p:attrNameLst>
+                                          <p:attrName>style.visibility</p:attrName>
+                                        </p:attrNameLst>
+                                      </p:cBhvr>
+                                      <p:to>
+                                        <p:strVal val="visible"/>
+                                      </p:to>
+                                    </p:set>
+                                  </p:childTnLst>
+                                </p:cTn>
+                              </p:par>
+                            </p:childTnLst>
+                          </p:cTn>
+                        </p:par>
+                      </p:childTnLst>
+                    </p:cTn>
+                  </p:par>
+                </p:childTnLst>
+              </p:cTn>
+              <p:prevCondLst>
+                <p:cond evt="onPrev" delay="0">
+                  <p:tgtEl>
+                    <p:sldTgt/>
+                  </p:tgtEl>
+                </p:cond>
+              </p:prevCondLst>
+              <p:nextCondLst>
+                <p:cond evt="onNext" delay="0">
+                  <p:tgtEl>
+                    <p:sldTgt/>
+                  </p:tgtEl>
+                </p:cond>
+              </p:nextCondLst>
+            </p:seq>
+          </p:childTnLst>
+        </p:cTn>
       </p:par>
     </p:tnLst>
+    <p:bldLst>
+      <p:bldP spid="2" grpId="0" build="p"/>
+    </p:bldLst>
+    <p:extLst>
+      <p:ext uri="smNativeData">
+        <pr:smNativeData xmlns:pr="smNativeData" val="1CvgZQUAAAAFAAAAAAAAAAEAAAABAAAAAAAAAAAAAAAAAAAAAAAAAAkAAAABAAAAAQAAAAEAAAAAAAAAAAAAAAAAAAAAAAAADQAAAAIAAAABAAAAAQAAAAAAAAAAAAAAAAAAAAAAAAARAAAAAwAAAAEAAAABAAAAAAAAAAAAAAAAAAAAAAAAABUAAAAEAAAAAQAAAAEAAAAAAAAAAAAAAAAAAAAAAAAA"/>
+      </p:ext>
+    </p:extLst>
   </p:timing>
 </p:sld>
 </file>
@@ -3809,7 +4225,7 @@
             <a:spLocks noGrp="1" noChangeArrowheads="1"/>
             <a:extLst>
               <a:ext uri="smNativeData">
-                <pr:smNativeData xmlns:pr="smNativeData" val="SMDATA_13_HczeZRMAAAAlAAAAZAAAAA8BAAAAkAAAAEgAAACQAAAASAAAAAAAAAABAAAAAAAAAAEAAABQAAAAAAAAAAAA4D8AAAAAAADgPwAAAAAAAOA/AAAAAAAA4D8AAAAAAADgPwAAAAAAAOA/AAAAAAAA4D8AAAAAAADgPwAAAAAAAOA/AAAAAAAA4D8CAAAAjAAAAAAAAAAAAAAAu+DjDP///wgAAAAAAAAAAAAAAAAAAAAAAAAAAAAAAAAAAAAAZAAAAAEAAABAAAAAAAAAAAAAAAAAAAAAAAAAAAAAAAAAAAAAAAAAAAAAAAAAAAAAAAAAAAAAAAAAAAAAAAAAAAAAAAAAAAAAAAAAAAAAAAAAAAAAAAAAAAAAAAAAAAAAFAAAADwAAAAAAAAAAAAAAAAAAAkUAAAAAQAAABQAAAAUAAAAFAAAAAEAAAAAAAAAZAAAAGQAAAAAAAAAZAAAAGQAAAAVAAAAYAAAAAAAAAAAAAAADwAAACADAAAAAAAAAAAAAAEAAACgMgAAVgcAAKr4//8BAAAAf39/AAEAAABkAAAAAAAAABQAAABAHwAAAAAAACYAAAAAAAAAwOD//wAAAAAmAAAAZAAAABYAAABMAAAAAAAAAAAAAAAEAAAAAAAAAAEAAACAgIAKAAAAACgAAAAoAAAAZAAAAGQAAAAAAAAAzMzMAAAAAABQAAAAUAAAAGQAAABkAAAAAAAAABcAAAAUAAAAAAAAAAAAAAD/fwAA/38AAAAAAAAJAAAABAAAAAAAAAAMAAAAEAAAAAAAAAAAAAAAAAAAAAAAAAAeAAAAaAAAAAAAAAAAAAAAAAAAAAAAAAAAAAAAECcAABAnAAAAAAAAAAAAAAAAAAAAAAAAAAAAAAAAAAAAAAAAAAAAABQAAAAAAAAAwMD/AAAAAABkAAAAMgAAAAAAAABkAAAAAAAAAH9/fwAKAAAAHwAAAFQAAAC74OMF////AQAAAAAAAAAAAAAAAAAAAAAAAAAAAAAAAAAAAAAAAAAAAAAAAn9/fwCAgIADzMzMAMDA/wB/f38AAAAAAAAAAAAAAAAAAAAAAAAAAAAhAAAAGAAAABQAAABGBAAAxAEAABY0AADQCgAAAAAAACYAAAAIAAAAAQAAAAAAAAA="/>
+                <pr:smNativeData xmlns:pr="smNativeData" val="SMDATA_13_1CvgZRMAAAAlAAAAZAAAAA8BAAAAkAAAAEgAAACQAAAASAAAAAAAAAABAAAAAAAAAAEAAABQAAAAAAAAAAAA4D8AAAAAAADgPwAAAAAAAOA/AAAAAAAA4D8AAAAAAADgPwAAAAAAAOA/AAAAAAAA4D8AAAAAAADgPwAAAAAAAOA/AAAAAAAA4D8CAAAAjAAAAAAAAAAAAAAAu+DjDP///wgAAAAAAAAAAAAAAAAAAAAAAAAAAAAAAAAAAAAAZAAAAAEAAABAAAAAAAAAAAAAAAAAAAAAAAAAAAAAAAAAAAAAAAAAAAAAAAAAAAAAAAAAAAAAAAAAAAAAAAAAAAAAAAAAAAAAAAAAAAAAAAAAAAAAAAAAAAAAAAAAAAAAFAAAADwAAAAAAAAAAAAAAAAAAAkUAAAAAQAAABQAAAAUAAAAFAAAAAEAAAAAAAAAZAAAAGQAAAAAAAAAZAAAAGQAAAAVAAAAYAAAAAAAAAAAAAAADwAAACADAAAAAAAAAAAAAAEAAACgMgAAVgcAAKr4//8BAAAAf39/AAEAAABkAAAAAAAAABQAAABAHwAAAAAAACYAAAAAAAAAwOD//wAAAAAmAAAAZAAAABYAAABMAAAAAAAAAAAAAAAEAAAAAAAAAAEAAACAgIAKAAAAACgAAAAoAAAAZAAAAGQAAAAAAAAAzMzMAAAAAABQAAAAUAAAAGQAAABkAAAAAAAAABcAAAAUAAAAAAAAAAAAAAD/fwAA/38AAAAAAAAJAAAABAAAAAAAAAAMAAAAEAAAAAAAAAAAAAAAAAAAAAAAAAAeAAAAaAAAAAAAAAAAAAAAAAAAAAAAAAAAAAAAECcAABAnAAAAAAAAAAAAAAAAAAAAAAAAAAAAAAAAAAAAAAAAAAAAABQAAAAAAAAAwMD/AAAAAABkAAAAMgAAAAAAAABkAAAAAAAAAH9/fwAKAAAAHwAAAFQAAAC74OMF////AQAAAAAAAAAAAAAAAAAAAAAAAAAAAAAAAAAAAAAAAAAAAAAAAn9/fwCAgIADzMzMAMDA/wB/f38AAAAAAAAAAAAAAAAAAAAAAAAAAAAhAAAAGAAAABQAAABGBAAAxAEAABY0AADQCgAAEAAAACYAAAAIAAAAAQAAAAAAAAA="/>
               </a:ext>
             </a:extLst>
           </p:cNvSpPr>
@@ -3847,7 +4263,7 @@
             <a:spLocks noGrp="1" noChangeArrowheads="1"/>
             <a:extLst>
               <a:ext uri="smNativeData">
-                <pr:smNativeData xmlns:pr="smNativeData" val="SMDATA_13_HczeZRMAAAAlAAAAZAAAAA8BAAAAkAAAAEgAAACQAAAASAAAAAAAAAAAAAAAAAAAAAEAAABQAAAAAAAAAAAA4D8AAAAAAADgPwAAAAAAAOA/AAAAAAAA4D8AAAAAAADgPwAAAAAAAOA/AAAAAAAA4D8AAAAAAADgPwAAAAAAAOA/AAAAAAAA4D8CAAAAjAAAAAAAAAAAAAAAu+DjDP///wgAAAAAAAAAAAAAAAAAAAAAAAAAAAAAAAAAAAAAZAAAAAEAAABAAAAAAAAAAAAAAAAAAAAAAAAAAAAAAAAAAAAAAAAAAAAAAAAAAAAAAAAAAAAAAAAAAAAAAAAAAAAAAAAAAAAAAAAAAAAAAAAAAAAAAAAAAAAAAAAAAAAAFAAAADwAAAAAAAAAAAAAAAAAAAkUAAAAAQAAABQAAAAUAAAAFAAAAAEAAAAAAAAAZAAAAGQAAAAAAAAAZAAAAGQAAAAVAAAAYAAAAAAAAAAAAAAADwAAACADAAAAAAAAAAAAAAEAAACgMgAAVgcAAKr4//8BAAAAf39/AAEAAABkAAAAAAAAABQAAABAHwAAAAAAACYAAAAAAAAAwOD//wAAAAAmAAAAZAAAABYAAABMAAAAAAAAAAAAAAAEAAAAAAAAAAEAAACAgIAKAAAAACgAAAAoAAAAZAAAAGQAAAAAAAAAzMzMAAAAAABQAAAAUAAAAGQAAABkAAAAAAAAABcAAAAUAAAAAAAAAAAAAAD/fwAA/38AAAAAAAAJAAAABAAAAAAAAAAMAAAAEAAAAAAAAAAAAAAAAAAAAAAAAAAeAAAAaAAAAAAAAAAAAAAAAAAAAAAAAAAAAAAAECcAABAnAAAAAAAAAAAAAAAAAAAAAAAAAAAAAAAAAAAAAAAAAAAAABQAAAAAAAAAwMD/AAAAAABkAAAAMgAAAAAAAABkAAAAAAAAAH9/fwAKAAAAHwAAAFQAAAC74OMF////AQAAAAAAAAAAAAAAAAAAAAAAAAAAAAAAAAAAAAAAAAAAAAAAAn9/fwCAgIADzMzMAMDA/wB/f38AAAAAAAAAAAAAAAAAAAAAAAAAAAAhAAAAGAAAABQAAABwCAAACQsAANAvAACFJQAAAAAAACYAAAAIAAAAAQAAAAAAAAA="/>
+                <pr:smNativeData xmlns:pr="smNativeData" val="SMDATA_13_1CvgZRMAAAAlAAAAZAAAAA8BAAAAkAAAAEgAAACQAAAASAAAAAAAAAAAAAAAAAAAAAEAAABQAAAAAAAAAAAA4D8AAAAAAADgPwAAAAAAAOA/AAAAAAAA4D8AAAAAAADgPwAAAAAAAOA/AAAAAAAA4D8AAAAAAADgPwAAAAAAAOA/AAAAAAAA4D8CAAAAjAAAAAAAAAAAAAAAu+DjDP///wgAAAAAAAAAAAAAAAAAAAAAAAAAAAAAAAAAAAAAZAAAAAEAAABAAAAAAAAAAAAAAAAAAAAAAAAAAAAAAAAAAAAAAAAAAAAAAAAAAAAAAAAAAAAAAAAAAAAAAAAAAAAAAAAAAAAAAAAAAAAAAAAAAAAAAAAAAAAAAAAAAAAAFAAAADwAAAAAAAAAAAAAAAAAAAkUAAAAAQAAABQAAAAUAAAAFAAAAAEAAAAAAAAAZAAAAGQAAAAAAAAAZAAAAGQAAAAVAAAAYAAAAAAAAAAAAAAADwAAACADAAAAAAAAAAAAAAEAAACgMgAAVgcAAKr4//8BAAAAf39/AAEAAABkAAAAAAAAABQAAABAHwAAAAAAACYAAAAAAAAAwOD//wAAAAAmAAAAZAAAABYAAABMAAAAAAAAAAAAAAAEAAAAAAAAAAEAAACAgIAKAAAAACgAAAAoAAAAZAAAAGQAAAAAAAAAzMzMAAAAAABQAAAAUAAAAGQAAABkAAAAAAAAABcAAAAUAAAAAAAAAAAAAAD/fwAA/38AAAAAAAAJAAAABAAAAAAAAAAMAAAAEAAAAAAAAAAAAAAAAAAAAAAAAAAeAAAAaAAAAAAAAAAAAAAAAAAAAAAAAAAAAAAAECcAABAnAAAAAAAAAAAAAAAAAAAAAAAAAAAAAAAAAAAAAAAAAAAAABQAAAAAAAAAwMD/AAAAAABkAAAAMgAAAAAAAABkAAAAAAAAAH9/fwAKAAAAHwAAAFQAAAC74OMF////AQAAAAAAAAAAAAAAAAAAAAAAAAAAAAAAAAAAAAAAAAAAAAAAAn9/fwCAgIADzMzMAMDA/wB/f38AAAAAAAAAAAAAAAAAAAAAAAAAAAAhAAAAGAAAABQAAABwCAAACQsAANAvAACFJQAAEAAAACYAAAAIAAAAAQAAAAAAAAA="/>
               </a:ext>
             </a:extLst>
           </p:cNvSpPr>
@@ -3920,7 +4336,7 @@
 </file>
 
 <file path=ppt/slides/slide12.xml><?xml version="1.0" encoding="utf-8"?>
-<p:sld xmlns:p="http://schemas.openxmlformats.org/presentationml/2006/main" xmlns:p14="http://schemas.microsoft.com/office/powerpoint/2010/main" xmlns:r="http://schemas.openxmlformats.org/officeDocument/2006/relationships" xmlns:a="http://schemas.openxmlformats.org/drawingml/2006/main">
+<p:sld xmlns:p="http://schemas.openxmlformats.org/presentationml/2006/main" xmlns:p14="http://schemas.microsoft.com/office/powerpoint/2010/main" xmlns:r="http://schemas.openxmlformats.org/officeDocument/2006/relationships" xmlns:a="http://schemas.openxmlformats.org/drawingml/2006/main" showMasterPhAnim="0">
   <p:cSld>
     <p:spTree>
       <p:nvGrpSpPr>
@@ -3943,7 +4359,7 @@
             <a:spLocks noGrp="1" noChangeArrowheads="1"/>
             <a:extLst>
               <a:ext uri="smNativeData">
-                <pr:smNativeData xmlns:pr="smNativeData" val="SMDATA_13_HczeZRMAAAAlAAAAZAAAAA8BAAAAkAAAAEgAAACQAAAASAAAAAAAAAAAAAAAAAAAAAEAAABQAAAAAAAAAAAA4D8AAAAAAADgPwAAAAAAAOA/AAAAAAAA4D8AAAAAAADgPwAAAAAAAOA/AAAAAAAA4D8AAAAAAADgPwAAAAAAAOA/AAAAAAAA4D8CAAAAjAAAAAAAAAAAAAAAu+DjDP///wgAAAAAAAAAAAAAAAAAAAAAAAAAAAAAAAAAAAAAZAAAAAEAAABAAAAAAAAAAAAAAAAAAAAAAAAAAAAAAAAAAAAAAAAAAAAAAAAAAAAAAAAAAAAAAAAAAAAAAAAAAAAAAAAAAAAAAAAAAAAAAAAAAAAAAAAAAAAAAAAAAAAAFAAAADwAAAAAAAAAAAAAAAAAAAkUAAAAAQAAABQAAAAUAAAAFAAAAAEAAAAAAAAAZAAAAGQAAAAAAAAAZAAAAGQAAAAVAAAAYAAAAAAAAAAAAAAADwAAACADAAAAAAAAAAAAAAEAAACgMgAAVgcAAKr4//8BAAAAf39/AAEAAABkAAAAAAAAABQAAABAHwAAAAAAACYAAAAAAAAAwOD//wAAAAAmAAAAZAAAABYAAABMAAAAAAAAAAAAAAAEAAAAAAAAAAEAAACAgIAKAAAAACgAAAAoAAAAZAAAAGQAAAAAAAAAzMzMAAAAAABQAAAAUAAAAGQAAABkAAAAAAAAABcAAAAUAAAAAAAAAAAAAAD/fwAA/38AAAAAAAAJAAAABAAAAAAAAAAMAAAAEAAAAAAAAAAAAAAAAAAAAAAAAAAeAAAAaAAAAAAAAAAAAAAAAAAAAAAAAAAAAAAAECcAABAnAAAAAAAAAAAAAAAAAAAAAAAAAAAAAAAAAAAAAAAAAAAAABQAAAAAAAAAwMD/AAAAAABkAAAAMgAAAAAAAABkAAAAAAAAAH9/fwAKAAAAHwAAAFQAAAC74OMF////AQAAAAAAAAAAAAAAAAAAAAAAAAAAAAAAAAAAAAAAAAAAAAAAAn9/fwCAgIADzMzMAMDA/wB/f38AAAAAAAAAAAAAAAAAAAAAAAAAAAAhAAAAGAAAABQAAABwCAAA+QMAANAvAAD2JQAAAAAAACYAAAAIAAAAAQAAAAAAAAA="/>
+                <pr:smNativeData xmlns:pr="smNativeData" val="SMDATA_13_1CvgZRMAAAAlAAAAZAAAAA8BAAAAkAAAAEgAAACQAAAASAAAAAAAAAAAAAAAAAAAAAEAAABQAAAAAAAAAAAA4D8AAAAAAADgPwAAAAAAAOA/AAAAAAAA4D8AAAAAAADgPwAAAAAAAOA/AAAAAAAA4D8AAAAAAADgPwAAAAAAAOA/AAAAAAAA4D8CAAAAjAAAAAAAAAAAAAAAu+DjDP///wgAAAAAAAAAAAAAAAAAAAAAAAAAAAAAAAAAAAAAZAAAAAEAAABAAAAAAAAAAAAAAAAAAAAAAAAAAAAAAAAAAAAAAAAAAAAAAAAAAAAAAAAAAAAAAAAAAAAAAAAAAAAAAAAAAAAAAAAAAAAAAAAAAAAAAAAAAAAAAAAAAAAAFAAAADwAAAAAAAAAAAAAAAAAAAkUAAAAAQAAABQAAAAUAAAAFAAAAAEAAAAAAAAAZAAAAGQAAAAAAAAAZAAAAGQAAAAVAAAAYAAAAAAAAAAAAAAADwAAACADAAAAAAAAAAAAAAEAAACgMgAAVgcAAKr4//8BAAAAf39/AAEAAABkAAAAAAAAABQAAABAHwAAAAAAACYAAAAAAAAAwOD//wAAAAAmAAAAZAAAABYAAABMAAAAAAAAAAAAAAAEAAAAAAAAAAEAAACAgIAKAAAAACgAAAAoAAAAZAAAAGQAAAAAAAAAzMzMAAAAAABQAAAAUAAAAGQAAABkAAAAAAAAABcAAAAUAAAAAAAAAAAAAAD/fwAA/38AAAAAAAAJAAAABAAAAAAAAAAMAAAAEAAAAAAAAAAAAAAAAAAAAAAAAAAeAAAAaAAAAAAAAAAAAAAAAAAAAAAAAAAAAAAAECcAABAnAAAAAAAAAAAAAAAAAAAAAAAAAAAAAAAAAAAAAAAAAAAAABQAAAAAAAAAwMD/AAAAAABkAAAAMgAAAAAAAABkAAAAAAAAAH9/fwAKAAAAHwAAAFQAAAC74OMF////AQAAAAAAAAAAAAAAAAAAAAAAAAAAAAAAAAAAAAAAAAAAAAAAAn9/fwCAgIADzMzMAMDA/wB/f38AAAAAAAAAAAAAAAAAAAAAAAAAAAAhAAAAGAAAABQAAABwCAAA+QMAANAvAAD2JQAAEAAAACYAAAAIAAAAAQAAAAAAAAA="/>
               </a:ext>
             </a:extLst>
           </p:cNvSpPr>
@@ -4009,9 +4425,285 @@
   <p:timing>
     <p:tnLst>
       <p:par>
-        <p:cTn id="1" dur="indefinite" restart="never" nodeType="tmRoot"/>
+        <p:cTn id="1" dur="indefinite" restart="never" nodeType="tmRoot">
+          <p:childTnLst>
+            <p:seq concurrent="1" nextAc="seek">
+              <p:cTn id="2" dur="indefinite" nodeType="mainSeq">
+                <p:childTnLst>
+                  <p:par>
+                    <p:cTn id="3" fill="hold">
+                      <p:stCondLst>
+                        <p:cond delay="indefinite"/>
+                      </p:stCondLst>
+                      <p:childTnLst>
+                        <p:par>
+                          <p:cTn id="4" fill="hold">
+                            <p:stCondLst>
+                              <p:cond delay="0"/>
+                            </p:stCondLst>
+                            <p:childTnLst>
+                              <p:par>
+                                <p:cTn id="5" presetID="1" presetClass="entr" presetSubtype="0" fill="hold" grpId="0" nodeType="clickEffect">
+                                  <p:stCondLst>
+                                    <p:cond delay="0"/>
+                                  </p:stCondLst>
+                                  <p:childTnLst>
+                                    <p:set>
+                                      <p:cBhvr>
+                                        <p:cTn id="6" dur="1" fill="hold">
+                                          <p:stCondLst>
+                                            <p:cond delay="0"/>
+                                          </p:stCondLst>
+                                        </p:cTn>
+                                        <p:tgtEl>
+                                          <p:spTgt spid="2">
+                                            <p:txEl>
+                                              <p:pRg st="0" end="0"/>
+                                            </p:txEl>
+                                          </p:spTgt>
+                                        </p:tgtEl>
+                                        <p:attrNameLst>
+                                          <p:attrName>style.visibility</p:attrName>
+                                        </p:attrNameLst>
+                                      </p:cBhvr>
+                                      <p:to>
+                                        <p:strVal val="visible"/>
+                                      </p:to>
+                                    </p:set>
+                                  </p:childTnLst>
+                                </p:cTn>
+                              </p:par>
+                            </p:childTnLst>
+                          </p:cTn>
+                        </p:par>
+                      </p:childTnLst>
+                    </p:cTn>
+                  </p:par>
+                  <p:par>
+                    <p:cTn id="7" fill="hold">
+                      <p:stCondLst>
+                        <p:cond delay="indefinite"/>
+                      </p:stCondLst>
+                      <p:childTnLst>
+                        <p:par>
+                          <p:cTn id="8" fill="hold">
+                            <p:stCondLst>
+                              <p:cond delay="0"/>
+                            </p:stCondLst>
+                            <p:childTnLst>
+                              <p:par>
+                                <p:cTn id="9" presetID="1" presetClass="entr" presetSubtype="0" fill="hold" grpId="0" nodeType="clickEffect">
+                                  <p:stCondLst>
+                                    <p:cond delay="0"/>
+                                  </p:stCondLst>
+                                  <p:childTnLst>
+                                    <p:set>
+                                      <p:cBhvr>
+                                        <p:cTn id="10" dur="1" fill="hold">
+                                          <p:stCondLst>
+                                            <p:cond delay="0"/>
+                                          </p:stCondLst>
+                                        </p:cTn>
+                                        <p:tgtEl>
+                                          <p:spTgt spid="2">
+                                            <p:txEl>
+                                              <p:pRg st="1" end="1"/>
+                                            </p:txEl>
+                                          </p:spTgt>
+                                        </p:tgtEl>
+                                        <p:attrNameLst>
+                                          <p:attrName>style.visibility</p:attrName>
+                                        </p:attrNameLst>
+                                      </p:cBhvr>
+                                      <p:to>
+                                        <p:strVal val="visible"/>
+                                      </p:to>
+                                    </p:set>
+                                  </p:childTnLst>
+                                </p:cTn>
+                              </p:par>
+                            </p:childTnLst>
+                          </p:cTn>
+                        </p:par>
+                      </p:childTnLst>
+                    </p:cTn>
+                  </p:par>
+                  <p:par>
+                    <p:cTn id="11" fill="hold">
+                      <p:stCondLst>
+                        <p:cond delay="indefinite"/>
+                      </p:stCondLst>
+                      <p:childTnLst>
+                        <p:par>
+                          <p:cTn id="12" fill="hold">
+                            <p:stCondLst>
+                              <p:cond delay="0"/>
+                            </p:stCondLst>
+                            <p:childTnLst>
+                              <p:par>
+                                <p:cTn id="13" presetID="1" presetClass="entr" presetSubtype="0" fill="hold" grpId="0" nodeType="clickEffect">
+                                  <p:stCondLst>
+                                    <p:cond delay="0"/>
+                                  </p:stCondLst>
+                                  <p:childTnLst>
+                                    <p:set>
+                                      <p:cBhvr>
+                                        <p:cTn id="14" dur="1" fill="hold">
+                                          <p:stCondLst>
+                                            <p:cond delay="0"/>
+                                          </p:stCondLst>
+                                        </p:cTn>
+                                        <p:tgtEl>
+                                          <p:spTgt spid="2">
+                                            <p:txEl>
+                                              <p:pRg st="2" end="2"/>
+                                            </p:txEl>
+                                          </p:spTgt>
+                                        </p:tgtEl>
+                                        <p:attrNameLst>
+                                          <p:attrName>style.visibility</p:attrName>
+                                        </p:attrNameLst>
+                                      </p:cBhvr>
+                                      <p:to>
+                                        <p:strVal val="visible"/>
+                                      </p:to>
+                                    </p:set>
+                                  </p:childTnLst>
+                                </p:cTn>
+                              </p:par>
+                            </p:childTnLst>
+                          </p:cTn>
+                        </p:par>
+                      </p:childTnLst>
+                    </p:cTn>
+                  </p:par>
+                  <p:par>
+                    <p:cTn id="15" fill="hold">
+                      <p:stCondLst>
+                        <p:cond delay="indefinite"/>
+                      </p:stCondLst>
+                      <p:childTnLst>
+                        <p:par>
+                          <p:cTn id="16" fill="hold">
+                            <p:stCondLst>
+                              <p:cond delay="0"/>
+                            </p:stCondLst>
+                            <p:childTnLst>
+                              <p:par>
+                                <p:cTn id="17" presetID="1" presetClass="entr" presetSubtype="0" fill="hold" grpId="0" nodeType="clickEffect">
+                                  <p:stCondLst>
+                                    <p:cond delay="0"/>
+                                  </p:stCondLst>
+                                  <p:childTnLst>
+                                    <p:set>
+                                      <p:cBhvr>
+                                        <p:cTn id="18" dur="1" fill="hold">
+                                          <p:stCondLst>
+                                            <p:cond delay="0"/>
+                                          </p:stCondLst>
+                                        </p:cTn>
+                                        <p:tgtEl>
+                                          <p:spTgt spid="2">
+                                            <p:txEl>
+                                              <p:pRg st="3" end="3"/>
+                                            </p:txEl>
+                                          </p:spTgt>
+                                        </p:tgtEl>
+                                        <p:attrNameLst>
+                                          <p:attrName>style.visibility</p:attrName>
+                                        </p:attrNameLst>
+                                      </p:cBhvr>
+                                      <p:to>
+                                        <p:strVal val="visible"/>
+                                      </p:to>
+                                    </p:set>
+                                  </p:childTnLst>
+                                </p:cTn>
+                              </p:par>
+                            </p:childTnLst>
+                          </p:cTn>
+                        </p:par>
+                      </p:childTnLst>
+                    </p:cTn>
+                  </p:par>
+                  <p:par>
+                    <p:cTn id="19" fill="hold">
+                      <p:stCondLst>
+                        <p:cond delay="indefinite"/>
+                      </p:stCondLst>
+                      <p:childTnLst>
+                        <p:par>
+                          <p:cTn id="20" fill="hold">
+                            <p:stCondLst>
+                              <p:cond delay="0"/>
+                            </p:stCondLst>
+                            <p:childTnLst>
+                              <p:par>
+                                <p:cTn id="21" presetID="1" presetClass="entr" presetSubtype="0" fill="hold" grpId="0" nodeType="clickEffect">
+                                  <p:stCondLst>
+                                    <p:cond delay="0"/>
+                                  </p:stCondLst>
+                                  <p:childTnLst>
+                                    <p:set>
+                                      <p:cBhvr>
+                                        <p:cTn id="22" dur="1" fill="hold">
+                                          <p:stCondLst>
+                                            <p:cond delay="0"/>
+                                          </p:stCondLst>
+                                        </p:cTn>
+                                        <p:tgtEl>
+                                          <p:spTgt spid="2">
+                                            <p:txEl>
+                                              <p:pRg st="4" end="4"/>
+                                            </p:txEl>
+                                          </p:spTgt>
+                                        </p:tgtEl>
+                                        <p:attrNameLst>
+                                          <p:attrName>style.visibility</p:attrName>
+                                        </p:attrNameLst>
+                                      </p:cBhvr>
+                                      <p:to>
+                                        <p:strVal val="visible"/>
+                                      </p:to>
+                                    </p:set>
+                                  </p:childTnLst>
+                                </p:cTn>
+                              </p:par>
+                            </p:childTnLst>
+                          </p:cTn>
+                        </p:par>
+                      </p:childTnLst>
+                    </p:cTn>
+                  </p:par>
+                </p:childTnLst>
+              </p:cTn>
+              <p:prevCondLst>
+                <p:cond evt="onPrev" delay="0">
+                  <p:tgtEl>
+                    <p:sldTgt/>
+                  </p:tgtEl>
+                </p:cond>
+              </p:prevCondLst>
+              <p:nextCondLst>
+                <p:cond evt="onNext" delay="0">
+                  <p:tgtEl>
+                    <p:sldTgt/>
+                  </p:tgtEl>
+                </p:cond>
+              </p:nextCondLst>
+            </p:seq>
+          </p:childTnLst>
+        </p:cTn>
       </p:par>
     </p:tnLst>
+    <p:bldLst>
+      <p:bldP spid="2" grpId="0" build="p"/>
+    </p:bldLst>
+    <p:extLst>
+      <p:ext uri="smNativeData">
+        <pr:smNativeData xmlns:pr="smNativeData" val="1CvgZQUAAAAFAAAAAAAAAAEAAAABAAAAAAAAAAAAAAAAAAAAAAAAAAkAAAABAAAAAQAAAAEAAAAAAAAAAAAAAAAAAAAAAAAADQAAAAIAAAABAAAAAQAAAAAAAAAAAAAAAAAAAAAAAAARAAAAAwAAAAEAAAABAAAAAAAAAAAAAAAAAAAAAAAAABUAAAAEAAAAAQAAAAEAAAAAAAAAAAAAAAAAAAAAAAAA"/>
+      </p:ext>
+    </p:extLst>
   </p:timing>
 </p:sld>
 </file>
@@ -4040,7 +4732,7 @@
             <a:spLocks noGrp="1" noChangeArrowheads="1"/>
             <a:extLst>
               <a:ext uri="smNativeData">
-                <pr:smNativeData xmlns:pr="smNativeData" val="SMDATA_13_HczeZRMAAAAlAAAAZAAAAA8BAAAAkAAAAEgAAACQAAAASAAAAAAAAAABAAAAAAAAAAEAAABQAAAAAAAAAAAA4D8AAAAAAADgPwAAAAAAAOA/AAAAAAAA4D8AAAAAAADgPwAAAAAAAOA/AAAAAAAA4D8AAAAAAADgPwAAAAAAAOA/AAAAAAAA4D8CAAAAjAAAAAAAAAAAAAAAu+DjDP///wgAAAAAAAAAAAAAAAAAAAAAAAAAAAAAAAAAAAAAZAAAAAEAAABAAAAAAAAAAAAAAAAAAAAAAAAAAAAAAAAAAAAAAAAAAAAAAAAAAAAAAAAAAAAAAAAAAAAAAAAAAAAAAAAAAAAAAAAAAAAAAAAAAAAAAAAAAAAAAAAAAAAAFAAAADwAAAAAAAAAAAAAAAAAAAkUAAAAAQAAABQAAAAUAAAAFAAAAAEAAAAAAAAAZAAAAGQAAAAAAAAAZAAAAGQAAAAVAAAAYAAAAAAAAAAAAAAADwAAACADAAAAAAAAAAAAAAEAAACgMgAAVgcAAKr4//8BAAAAf39/AAEAAABkAAAAAAAAABQAAABAHwAAAAAAACYAAAAAAAAAwOD//wAAAAAmAAAAZAAAABYAAABMAAAAAAAAAAAAAAAEAAAAAAAAAAEAAACAgIAKAAAAACgAAAAoAAAAZAAAAGQAAAAAAAAAzMzMAAAAAABQAAAAUAAAAGQAAABkAAAAAAAAABcAAAAUAAAAAAAAAAAAAAD/fwAA/38AAAAAAAAJAAAABAAAAAAAAAAMAAAAEAAAAAAAAAAAAAAAAAAAAAAAAAAeAAAAaAAAAAAAAAAAAAAAAAAAAAAAAAAAAAAAECcAABAnAAAAAAAAAAAAAAAAAAAAAAAAAAAAAAAAAAAAAAAAAAAAABQAAAAAAAAAwMD/AAAAAABkAAAAMgAAAAAAAABkAAAAAAAAAH9/fwAKAAAAHwAAAFQAAAC74OMF////AQAAAAAAAAAAAAAAAAAAAAAAAAAAAAAAAAAAAAAAAAAAAAAAAn9/fwCAgIADzMzMAMDA/wB/f38AAAAAAAAAAAAAAAAAAAAAAAAAAAAhAAAAGAAAABQAAABqBAAAUwEAADo0AABfCgAAAAAAACYAAAAIAAAAAQAAAAAAAAA="/>
+                <pr:smNativeData xmlns:pr="smNativeData" val="SMDATA_13_1CvgZRMAAAAlAAAAZAAAAA8BAAAAkAAAAEgAAACQAAAASAAAAAAAAAABAAAAAAAAAAEAAABQAAAAAAAAAAAA4D8AAAAAAADgPwAAAAAAAOA/AAAAAAAA4D8AAAAAAADgPwAAAAAAAOA/AAAAAAAA4D8AAAAAAADgPwAAAAAAAOA/AAAAAAAA4D8CAAAAjAAAAAAAAAAAAAAAu+DjDP///wgAAAAAAAAAAAAAAAAAAAAAAAAAAAAAAAAAAAAAZAAAAAEAAABAAAAAAAAAAAAAAAAAAAAAAAAAAAAAAAAAAAAAAAAAAAAAAAAAAAAAAAAAAAAAAAAAAAAAAAAAAAAAAAAAAAAAAAAAAAAAAAAAAAAAAAAAAAAAAAAAAAAAFAAAADwAAAAAAAAAAAAAAAAAAAkUAAAAAQAAABQAAAAUAAAAFAAAAAEAAAAAAAAAZAAAAGQAAAAAAAAAZAAAAGQAAAAVAAAAYAAAAAAAAAAAAAAADwAAACADAAAAAAAAAAAAAAEAAACgMgAAVgcAAKr4//8BAAAAf39/AAEAAABkAAAAAAAAABQAAABAHwAAAAAAACYAAAAAAAAAwOD//wAAAAAmAAAAZAAAABYAAABMAAAAAAAAAAAAAAAEAAAAAAAAAAEAAACAgIAKAAAAACgAAAAoAAAAZAAAAGQAAAAAAAAAzMzMAAAAAABQAAAAUAAAAGQAAABkAAAAAAAAABcAAAAUAAAAAAAAAAAAAAD/fwAA/38AAAAAAAAJAAAABAAAAAAAAAAMAAAAEAAAAAAAAAAAAAAAAAAAAAAAAAAeAAAAaAAAAAAAAAAAAAAAAAAAAAAAAAAAAAAAECcAABAnAAAAAAAAAAAAAAAAAAAAAAAAAAAAAAAAAAAAAAAAAAAAABQAAAAAAAAAwMD/AAAAAABkAAAAMgAAAAAAAABkAAAAAAAAAH9/fwAKAAAAHwAAAFQAAAC74OMF////AQAAAAAAAAAAAAAAAAAAAAAAAAAAAAAAAAAAAAAAAAAAAAAAAn9/fwCAgIADzMzMAMDA/wB/f38AAAAAAAAAAAAAAAAAAAAAAAAAAAAhAAAAGAAAABQAAABqBAAAUwEAADo0AABfCgAAEAAAACYAAAAIAAAAAQAAAAAAAAA="/>
               </a:ext>
             </a:extLst>
           </p:cNvSpPr>
@@ -4078,7 +4770,7 @@
             <a:spLocks noGrp="1" noChangeArrowheads="1"/>
             <a:extLst>
               <a:ext uri="smNativeData">
-                <pr:smNativeData xmlns:pr="smNativeData" val="SMDATA_13_HczeZRMAAAAlAAAAZAAAAA8BAAAAkAAAAEgAAACQAAAASAAAAAAAAAAAAAAAAAAAAAEAAABQAAAAAAAAAAAA4D8AAAAAAADgPwAAAAAAAOA/AAAAAAAA4D8AAAAAAADgPwAAAAAAAOA/AAAAAAAA4D8AAAAAAADgPwAAAAAAAOA/AAAAAAAA4D8CAAAAjAAAAAAAAAAAAAAAu+DjDP///wgAAAAAAAAAAAAAAAAAAAAAAAAAAAAAAAAAAAAAZAAAAAEAAABAAAAAAAAAAAAAAAAAAAAAAAAAAAAAAAAAAAAAAAAAAAAAAAAAAAAAAAAAAAAAAAAAAAAAAAAAAAAAAAAAAAAAAAAAAAAAAAAAAAAAAAAAAAAAAAAAAAAAFAAAADwAAAAAAAAAAAAAAAAAAAkUAAAAAQAAABQAAAAUAAAAFAAAAAEAAAAAAAAAZAAAAGQAAAAAAAAAZAAAAGQAAAAVAAAAYAAAAAAAAAAAAAAADwAAACADAAAAAAAAAAAAAAEAAACgMgAAVgcAAKr4//8BAAAAf39/AAEAAABkAAAAAAAAABQAAABAHwAAAAAAACYAAAAAAAAAwOD//wAAAAAmAAAAZAAAABYAAABMAAAAAAAAAAAAAAAEAAAAAAAAAAEAAACAgIAKAAAAACgAAAAoAAAAZAAAAGQAAAAAAAAAzMzMAAAAAABQAAAAUAAAAGQAAABkAAAAAAAAABcAAAAUAAAAAAAAAAAAAAD/fwAA/38AAAAAAAAJAAAABAAAAAAAAAAMAAAAEAAAAAAAAAAAAAAAAAAAAAAAAAAeAAAAaAAAAAAAAAAAAAAAAAAAAAAAAAAAAAAAECcAABAnAAAAAAAAAAAAAAAAAAAAAAAAAAAAAAAAAAAAAAAAAAAAABQAAAAAAAAAwMD/AAAAAABkAAAAMgAAAAAAAABkAAAAAAAAAH9/fwAKAAAAHwAAAFQAAAC74OMF////AQAAAAAAAAAAAAAAAAAAAAAAAAAAAAAAAAAAAAAAAAAAAAAAAn9/fwCAgIADzMzMAMDA/wB/f38AAAAAAAAAAAAAAAAAAAAAAAAAAAAhAAAAGAAAABQAAABwCAAACQsAANAvAADYJgAAAAAAACYAAAAIAAAAAQAAAAAAAAA="/>
+                <pr:smNativeData xmlns:pr="smNativeData" val="SMDATA_13_1CvgZRMAAAAlAAAAZAAAAA8BAAAAkAAAAEgAAACQAAAASAAAAAAAAAAAAAAAAAAAAAEAAABQAAAAAAAAAAAA4D8AAAAAAADgPwAAAAAAAOA/AAAAAAAA4D8AAAAAAADgPwAAAAAAAOA/AAAAAAAA4D8AAAAAAADgPwAAAAAAAOA/AAAAAAAA4D8CAAAAjAAAAAAAAAAAAAAAu+DjDP///wgAAAAAAAAAAAAAAAAAAAAAAAAAAAAAAAAAAAAAZAAAAAEAAABAAAAAAAAAAAAAAAAAAAAAAAAAAAAAAAAAAAAAAAAAAAAAAAAAAAAAAAAAAAAAAAAAAAAAAAAAAAAAAAAAAAAAAAAAAAAAAAAAAAAAAAAAAAAAAAAAAAAAFAAAADwAAAAAAAAAAAAAAAAAAAkUAAAAAQAAABQAAAAUAAAAFAAAAAEAAAAAAAAAZAAAAGQAAAAAAAAAZAAAAGQAAAAVAAAAYAAAAAAAAAAAAAAADwAAACADAAAAAAAAAAAAAAEAAACgMgAAVgcAAKr4//8BAAAAf39/AAEAAABkAAAAAAAAABQAAABAHwAAAAAAACYAAAAAAAAAwOD//wAAAAAmAAAAZAAAABYAAABMAAAAAAAAAAAAAAAEAAAAAAAAAAEAAACAgIAKAAAAACgAAAAoAAAAZAAAAGQAAAAAAAAAzMzMAAAAAABQAAAAUAAAAGQAAABkAAAAAAAAABcAAAAUAAAAAAAAAAAAAAD/fwAA/38AAAAAAAAJAAAABAAAAAAAAAAMAAAAEAAAAAAAAAAAAAAAAAAAAAAAAAAeAAAAaAAAAAAAAAAAAAAAAAAAAAAAAAAAAAAAECcAABAnAAAAAAAAAAAAAAAAAAAAAAAAAAAAAAAAAAAAAAAAAAAAABQAAAAAAAAAwMD/AAAAAABkAAAAMgAAAAAAAABkAAAAAAAAAH9/fwAKAAAAHwAAAFQAAAC74OMF////AQAAAAAAAAAAAAAAAAAAAAAAAAAAAAAAAAAAAAAAAAAAAAAAAn9/fwCAgIADzMzMAMDA/wB/f38AAAAAAAAAAAAAAAAAAAAAAAAAAAAhAAAAGAAAABQAAABwCAAACQsAANAvAADYJgAAEAAAACYAAAAIAAAAAQAAAAAAAAA="/>
               </a:ext>
             </a:extLst>
           </p:cNvSpPr>
@@ -4169,7 +4861,7 @@
 </file>
 
 <file path=ppt/slides/slide14.xml><?xml version="1.0" encoding="utf-8"?>
-<p:sld xmlns:p="http://schemas.openxmlformats.org/presentationml/2006/main" xmlns:p14="http://schemas.microsoft.com/office/powerpoint/2010/main" xmlns:r="http://schemas.openxmlformats.org/officeDocument/2006/relationships" xmlns:a="http://schemas.openxmlformats.org/drawingml/2006/main">
+<p:sld xmlns:p="http://schemas.openxmlformats.org/presentationml/2006/main" xmlns:p14="http://schemas.microsoft.com/office/powerpoint/2010/main" xmlns:r="http://schemas.openxmlformats.org/officeDocument/2006/relationships" xmlns:a="http://schemas.openxmlformats.org/drawingml/2006/main" showMasterPhAnim="0">
   <p:cSld>
     <p:spTree>
       <p:nvGrpSpPr>
@@ -4192,7 +4884,7 @@
             <a:spLocks noGrp="1" noChangeArrowheads="1"/>
             <a:extLst>
               <a:ext uri="smNativeData">
-                <pr:smNativeData xmlns:pr="smNativeData" val="SMDATA_13_HczeZRMAAAAlAAAAZAAAAA8BAAAAkAAAAEgAAACQAAAASAAAAAAAAAAAAAAAAAAAAAEAAABQAAAAAAAAAAAA4D8AAAAAAADgPwAAAAAAAOA/AAAAAAAA4D8AAAAAAADgPwAAAAAAAOA/AAAAAAAA4D8AAAAAAADgPwAAAAAAAOA/AAAAAAAA4D8CAAAAjAAAAAAAAAAAAAAAu+DjDP///wgAAAAAAAAAAAAAAAAAAAAAAAAAAAAAAAAAAAAAZAAAAAEAAABAAAAAAAAAAAAAAAAAAAAAAAAAAAAAAAAAAAAAAAAAAAAAAAAAAAAAAAAAAAAAAAAAAAAAAAAAAAAAAAAAAAAAAAAAAAAAAAAAAAAAAAAAAAAAAAAAAAAAFAAAADwAAAAAAAAAAAAAAAAAAAkUAAAAAQAAABQAAAAUAAAAFAAAAAEAAAAAAAAAZAAAAGQAAAAAAAAAZAAAAGQAAAAVAAAAYAAAAAAAAAAAAAAADwAAACADAAAAAAAAAAAAAAEAAACgMgAAVgcAAKr4//8BAAAAf39/AAEAAABkAAAAAAAAABQAAABAHwAAAAAAACYAAAAAAAAAwOD//wAAAAAmAAAAZAAAABYAAABMAAAAAAAAAAAAAAAEAAAAAAAAAAEAAACAgIAKAAAAACgAAAAoAAAAZAAAAGQAAAAAAAAAzMzMAAAAAABQAAAAUAAAAGQAAABkAAAAAAAAABcAAAAUAAAAAAAAAAAAAAD/fwAA/38AAAAAAAAJAAAABAAAAAAAAAAMAAAAEAAAAAAAAAAAAAAAAAAAAAAAAAAeAAAAaAAAAAAAAAAAAAAAAAAAAAAAAAAAAAAAECcAABAnAAAAAAAAAAAAAAAAAAAAAAAAAAAAAAAAAAAAAAAAAAAAABQAAAAAAAAAwMD/AAAAAABkAAAAMgAAAAAAAABkAAAAAAAAAH9/fwAKAAAAHwAAAFQAAAC74OMF////AQAAAAAAAAAAAAAAAAAAAAAAAAAAAAAAAAAAAAAAAAAAAAAAAn9/fwCAgIADzMzMAMDA/wB/f38AAAAAAAAAAAAAAAAAAAAAAAAAAAAhAAAAGAAAABQAAABwCAAApgIAANAvAAD2JQAAAAAAACYAAAAIAAAAAQAAAAAAAAA="/>
+                <pr:smNativeData xmlns:pr="smNativeData" val="SMDATA_13_1CvgZRMAAAAlAAAAZAAAAA8BAAAAkAAAAEgAAACQAAAASAAAAAAAAAAAAAAAAAAAAAEAAABQAAAAAAAAAAAA4D8AAAAAAADgPwAAAAAAAOA/AAAAAAAA4D8AAAAAAADgPwAAAAAAAOA/AAAAAAAA4D8AAAAAAADgPwAAAAAAAOA/AAAAAAAA4D8CAAAAjAAAAAAAAAAAAAAAu+DjDP///wgAAAAAAAAAAAAAAAAAAAAAAAAAAAAAAAAAAAAAZAAAAAEAAABAAAAAAAAAAAAAAAAAAAAAAAAAAAAAAAAAAAAAAAAAAAAAAAAAAAAAAAAAAAAAAAAAAAAAAAAAAAAAAAAAAAAAAAAAAAAAAAAAAAAAAAAAAAAAAAAAAAAAFAAAADwAAAAAAAAAAAAAAAAAAAkUAAAAAQAAABQAAAAUAAAAFAAAAAEAAAAAAAAAZAAAAGQAAAAAAAAAZAAAAGQAAAAVAAAAYAAAAAAAAAAAAAAADwAAACADAAAAAAAAAAAAAAEAAACgMgAAVgcAAKr4//8BAAAAf39/AAEAAABkAAAAAAAAABQAAABAHwAAAAAAACYAAAAAAAAAwOD//wAAAAAmAAAAZAAAABYAAABMAAAAAAAAAAAAAAAEAAAAAAAAAAEAAACAgIAKAAAAACgAAAAoAAAAZAAAAGQAAAAAAAAAzMzMAAAAAABQAAAAUAAAAGQAAABkAAAAAAAAABcAAAAUAAAAAAAAAAAAAAD/fwAA/38AAAAAAAAJAAAABAAAAAAAAAAMAAAAEAAAAAAAAAAAAAAAAAAAAAAAAAAeAAAAaAAAAAAAAAAAAAAAAAAAAAAAAAAAAAAAECcAABAnAAAAAAAAAAAAAAAAAAAAAAAAAAAAAAAAAAAAAAAAAAAAABQAAAAAAAAAwMD/AAAAAABkAAAAMgAAAAAAAABkAAAAAAAAAH9/fwAKAAAAHwAAAFQAAAC74OMF////AQAAAAAAAAAAAAAAAAAAAAAAAAAAAAAAAAAAAAAAAAAAAAAAAn9/fwCAgIADzMzMAMDA/wB/f38AAAAAAAAAAAAAAAAAAAAAAAAAAAAhAAAAGAAAABQAAABwCAAApgIAANAvAAD2JQAAEAAAACYAAAAIAAAAAQAAAAAAAAA="/>
               </a:ext>
             </a:extLst>
           </p:cNvSpPr>
@@ -4276,9 +4968,432 @@
   <p:timing>
     <p:tnLst>
       <p:par>
-        <p:cTn id="1" dur="indefinite" restart="never" nodeType="tmRoot"/>
+        <p:cTn id="1" dur="indefinite" restart="never" nodeType="tmRoot">
+          <p:childTnLst>
+            <p:seq concurrent="1" nextAc="seek">
+              <p:cTn id="2" dur="indefinite" nodeType="mainSeq">
+                <p:childTnLst>
+                  <p:par>
+                    <p:cTn id="3" fill="hold">
+                      <p:stCondLst>
+                        <p:cond delay="indefinite"/>
+                      </p:stCondLst>
+                      <p:childTnLst>
+                        <p:par>
+                          <p:cTn id="4" fill="hold">
+                            <p:stCondLst>
+                              <p:cond delay="0"/>
+                            </p:stCondLst>
+                            <p:childTnLst>
+                              <p:par>
+                                <p:cTn id="5" presetID="1" presetClass="entr" presetSubtype="0" fill="hold" grpId="0" nodeType="clickEffect">
+                                  <p:stCondLst>
+                                    <p:cond delay="0"/>
+                                  </p:stCondLst>
+                                  <p:childTnLst>
+                                    <p:set>
+                                      <p:cBhvr>
+                                        <p:cTn id="6" dur="1" fill="hold">
+                                          <p:stCondLst>
+                                            <p:cond delay="0"/>
+                                          </p:stCondLst>
+                                        </p:cTn>
+                                        <p:tgtEl>
+                                          <p:spTgt spid="2">
+                                            <p:txEl>
+                                              <p:pRg st="0" end="0"/>
+                                            </p:txEl>
+                                          </p:spTgt>
+                                        </p:tgtEl>
+                                        <p:attrNameLst>
+                                          <p:attrName>style.visibility</p:attrName>
+                                        </p:attrNameLst>
+                                      </p:cBhvr>
+                                      <p:to>
+                                        <p:strVal val="visible"/>
+                                      </p:to>
+                                    </p:set>
+                                  </p:childTnLst>
+                                </p:cTn>
+                              </p:par>
+                            </p:childTnLst>
+                          </p:cTn>
+                        </p:par>
+                      </p:childTnLst>
+                    </p:cTn>
+                  </p:par>
+                  <p:par>
+                    <p:cTn id="7" fill="hold">
+                      <p:stCondLst>
+                        <p:cond delay="indefinite"/>
+                      </p:stCondLst>
+                      <p:childTnLst>
+                        <p:par>
+                          <p:cTn id="8" fill="hold">
+                            <p:stCondLst>
+                              <p:cond delay="0"/>
+                            </p:stCondLst>
+                            <p:childTnLst>
+                              <p:par>
+                                <p:cTn id="9" presetID="1" presetClass="entr" presetSubtype="0" fill="hold" grpId="0" nodeType="clickEffect">
+                                  <p:stCondLst>
+                                    <p:cond delay="0"/>
+                                  </p:stCondLst>
+                                  <p:childTnLst>
+                                    <p:set>
+                                      <p:cBhvr>
+                                        <p:cTn id="10" dur="1" fill="hold">
+                                          <p:stCondLst>
+                                            <p:cond delay="0"/>
+                                          </p:stCondLst>
+                                        </p:cTn>
+                                        <p:tgtEl>
+                                          <p:spTgt spid="2">
+                                            <p:txEl>
+                                              <p:pRg st="1" end="1"/>
+                                            </p:txEl>
+                                          </p:spTgt>
+                                        </p:tgtEl>
+                                        <p:attrNameLst>
+                                          <p:attrName>style.visibility</p:attrName>
+                                        </p:attrNameLst>
+                                      </p:cBhvr>
+                                      <p:to>
+                                        <p:strVal val="visible"/>
+                                      </p:to>
+                                    </p:set>
+                                  </p:childTnLst>
+                                </p:cTn>
+                              </p:par>
+                            </p:childTnLst>
+                          </p:cTn>
+                        </p:par>
+                      </p:childTnLst>
+                    </p:cTn>
+                  </p:par>
+                  <p:par>
+                    <p:cTn id="11" fill="hold">
+                      <p:stCondLst>
+                        <p:cond delay="indefinite"/>
+                      </p:stCondLst>
+                      <p:childTnLst>
+                        <p:par>
+                          <p:cTn id="12" fill="hold">
+                            <p:stCondLst>
+                              <p:cond delay="0"/>
+                            </p:stCondLst>
+                            <p:childTnLst>
+                              <p:par>
+                                <p:cTn id="13" presetID="1" presetClass="entr" presetSubtype="0" fill="hold" grpId="0" nodeType="clickEffect">
+                                  <p:stCondLst>
+                                    <p:cond delay="0"/>
+                                  </p:stCondLst>
+                                  <p:childTnLst>
+                                    <p:set>
+                                      <p:cBhvr>
+                                        <p:cTn id="14" dur="1" fill="hold">
+                                          <p:stCondLst>
+                                            <p:cond delay="0"/>
+                                          </p:stCondLst>
+                                        </p:cTn>
+                                        <p:tgtEl>
+                                          <p:spTgt spid="2">
+                                            <p:txEl>
+                                              <p:pRg st="2" end="2"/>
+                                            </p:txEl>
+                                          </p:spTgt>
+                                        </p:tgtEl>
+                                        <p:attrNameLst>
+                                          <p:attrName>style.visibility</p:attrName>
+                                        </p:attrNameLst>
+                                      </p:cBhvr>
+                                      <p:to>
+                                        <p:strVal val="visible"/>
+                                      </p:to>
+                                    </p:set>
+                                  </p:childTnLst>
+                                </p:cTn>
+                              </p:par>
+                            </p:childTnLst>
+                          </p:cTn>
+                        </p:par>
+                      </p:childTnLst>
+                    </p:cTn>
+                  </p:par>
+                  <p:par>
+                    <p:cTn id="15" fill="hold">
+                      <p:stCondLst>
+                        <p:cond delay="indefinite"/>
+                      </p:stCondLst>
+                      <p:childTnLst>
+                        <p:par>
+                          <p:cTn id="16" fill="hold">
+                            <p:stCondLst>
+                              <p:cond delay="0"/>
+                            </p:stCondLst>
+                            <p:childTnLst>
+                              <p:par>
+                                <p:cTn id="17" presetID="1" presetClass="entr" presetSubtype="0" fill="hold" grpId="0" nodeType="clickEffect">
+                                  <p:stCondLst>
+                                    <p:cond delay="0"/>
+                                  </p:stCondLst>
+                                  <p:childTnLst>
+                                    <p:set>
+                                      <p:cBhvr>
+                                        <p:cTn id="18" dur="1" fill="hold">
+                                          <p:stCondLst>
+                                            <p:cond delay="0"/>
+                                          </p:stCondLst>
+                                        </p:cTn>
+                                        <p:tgtEl>
+                                          <p:spTgt spid="2">
+                                            <p:txEl>
+                                              <p:pRg st="3" end="3"/>
+                                            </p:txEl>
+                                          </p:spTgt>
+                                        </p:tgtEl>
+                                        <p:attrNameLst>
+                                          <p:attrName>style.visibility</p:attrName>
+                                        </p:attrNameLst>
+                                      </p:cBhvr>
+                                      <p:to>
+                                        <p:strVal val="visible"/>
+                                      </p:to>
+                                    </p:set>
+                                  </p:childTnLst>
+                                </p:cTn>
+                              </p:par>
+                            </p:childTnLst>
+                          </p:cTn>
+                        </p:par>
+                      </p:childTnLst>
+                    </p:cTn>
+                  </p:par>
+                  <p:par>
+                    <p:cTn id="19" fill="hold">
+                      <p:stCondLst>
+                        <p:cond delay="indefinite"/>
+                      </p:stCondLst>
+                      <p:childTnLst>
+                        <p:par>
+                          <p:cTn id="20" fill="hold">
+                            <p:stCondLst>
+                              <p:cond delay="0"/>
+                            </p:stCondLst>
+                            <p:childTnLst>
+                              <p:par>
+                                <p:cTn id="21" presetID="1" presetClass="entr" presetSubtype="0" fill="hold" grpId="0" nodeType="clickEffect">
+                                  <p:stCondLst>
+                                    <p:cond delay="0"/>
+                                  </p:stCondLst>
+                                  <p:childTnLst>
+                                    <p:set>
+                                      <p:cBhvr>
+                                        <p:cTn id="22" dur="1" fill="hold">
+                                          <p:stCondLst>
+                                            <p:cond delay="0"/>
+                                          </p:stCondLst>
+                                        </p:cTn>
+                                        <p:tgtEl>
+                                          <p:spTgt spid="2">
+                                            <p:txEl>
+                                              <p:pRg st="4" end="4"/>
+                                            </p:txEl>
+                                          </p:spTgt>
+                                        </p:tgtEl>
+                                        <p:attrNameLst>
+                                          <p:attrName>style.visibility</p:attrName>
+                                        </p:attrNameLst>
+                                      </p:cBhvr>
+                                      <p:to>
+                                        <p:strVal val="visible"/>
+                                      </p:to>
+                                    </p:set>
+                                  </p:childTnLst>
+                                </p:cTn>
+                              </p:par>
+                            </p:childTnLst>
+                          </p:cTn>
+                        </p:par>
+                      </p:childTnLst>
+                    </p:cTn>
+                  </p:par>
+                  <p:par>
+                    <p:cTn id="23" fill="hold">
+                      <p:stCondLst>
+                        <p:cond delay="indefinite"/>
+                      </p:stCondLst>
+                      <p:childTnLst>
+                        <p:par>
+                          <p:cTn id="24" fill="hold">
+                            <p:stCondLst>
+                              <p:cond delay="0"/>
+                            </p:stCondLst>
+                            <p:childTnLst>
+                              <p:par>
+                                <p:cTn id="25" presetID="1" presetClass="entr" presetSubtype="0" fill="hold" grpId="0" nodeType="clickEffect">
+                                  <p:stCondLst>
+                                    <p:cond delay="0"/>
+                                  </p:stCondLst>
+                                  <p:childTnLst>
+                                    <p:set>
+                                      <p:cBhvr>
+                                        <p:cTn id="26" dur="1" fill="hold">
+                                          <p:stCondLst>
+                                            <p:cond delay="0"/>
+                                          </p:stCondLst>
+                                        </p:cTn>
+                                        <p:tgtEl>
+                                          <p:spTgt spid="2">
+                                            <p:txEl>
+                                              <p:pRg st="5" end="5"/>
+                                            </p:txEl>
+                                          </p:spTgt>
+                                        </p:tgtEl>
+                                        <p:attrNameLst>
+                                          <p:attrName>style.visibility</p:attrName>
+                                        </p:attrNameLst>
+                                      </p:cBhvr>
+                                      <p:to>
+                                        <p:strVal val="visible"/>
+                                      </p:to>
+                                    </p:set>
+                                  </p:childTnLst>
+                                </p:cTn>
+                              </p:par>
+                            </p:childTnLst>
+                          </p:cTn>
+                        </p:par>
+                      </p:childTnLst>
+                    </p:cTn>
+                  </p:par>
+                  <p:par>
+                    <p:cTn id="27" fill="hold">
+                      <p:stCondLst>
+                        <p:cond delay="indefinite"/>
+                      </p:stCondLst>
+                      <p:childTnLst>
+                        <p:par>
+                          <p:cTn id="28" fill="hold">
+                            <p:stCondLst>
+                              <p:cond delay="0"/>
+                            </p:stCondLst>
+                            <p:childTnLst>
+                              <p:par>
+                                <p:cTn id="29" presetID="1" presetClass="entr" presetSubtype="0" fill="hold" grpId="0" nodeType="clickEffect">
+                                  <p:stCondLst>
+                                    <p:cond delay="0"/>
+                                  </p:stCondLst>
+                                  <p:childTnLst>
+                                    <p:set>
+                                      <p:cBhvr>
+                                        <p:cTn id="30" dur="1" fill="hold">
+                                          <p:stCondLst>
+                                            <p:cond delay="0"/>
+                                          </p:stCondLst>
+                                        </p:cTn>
+                                        <p:tgtEl>
+                                          <p:spTgt spid="2">
+                                            <p:txEl>
+                                              <p:pRg st="6" end="6"/>
+                                            </p:txEl>
+                                          </p:spTgt>
+                                        </p:tgtEl>
+                                        <p:attrNameLst>
+                                          <p:attrName>style.visibility</p:attrName>
+                                        </p:attrNameLst>
+                                      </p:cBhvr>
+                                      <p:to>
+                                        <p:strVal val="visible"/>
+                                      </p:to>
+                                    </p:set>
+                                  </p:childTnLst>
+                                </p:cTn>
+                              </p:par>
+                            </p:childTnLst>
+                          </p:cTn>
+                        </p:par>
+                      </p:childTnLst>
+                    </p:cTn>
+                  </p:par>
+                  <p:par>
+                    <p:cTn id="31" fill="hold">
+                      <p:stCondLst>
+                        <p:cond delay="indefinite"/>
+                      </p:stCondLst>
+                      <p:childTnLst>
+                        <p:par>
+                          <p:cTn id="32" fill="hold">
+                            <p:stCondLst>
+                              <p:cond delay="0"/>
+                            </p:stCondLst>
+                            <p:childTnLst>
+                              <p:par>
+                                <p:cTn id="33" presetID="1" presetClass="entr" presetSubtype="0" fill="hold" grpId="0" nodeType="clickEffect">
+                                  <p:stCondLst>
+                                    <p:cond delay="0"/>
+                                  </p:stCondLst>
+                                  <p:childTnLst>
+                                    <p:set>
+                                      <p:cBhvr>
+                                        <p:cTn id="34" dur="1" fill="hold">
+                                          <p:stCondLst>
+                                            <p:cond delay="0"/>
+                                          </p:stCondLst>
+                                        </p:cTn>
+                                        <p:tgtEl>
+                                          <p:spTgt spid="2">
+                                            <p:txEl>
+                                              <p:pRg st="7" end="7"/>
+                                            </p:txEl>
+                                          </p:spTgt>
+                                        </p:tgtEl>
+                                        <p:attrNameLst>
+                                          <p:attrName>style.visibility</p:attrName>
+                                        </p:attrNameLst>
+                                      </p:cBhvr>
+                                      <p:to>
+                                        <p:strVal val="visible"/>
+                                      </p:to>
+                                    </p:set>
+                                  </p:childTnLst>
+                                </p:cTn>
+                              </p:par>
+                            </p:childTnLst>
+                          </p:cTn>
+                        </p:par>
+                      </p:childTnLst>
+                    </p:cTn>
+                  </p:par>
+                </p:childTnLst>
+              </p:cTn>
+              <p:prevCondLst>
+                <p:cond evt="onPrev" delay="0">
+                  <p:tgtEl>
+                    <p:sldTgt/>
+                  </p:tgtEl>
+                </p:cond>
+              </p:prevCondLst>
+              <p:nextCondLst>
+                <p:cond evt="onNext" delay="0">
+                  <p:tgtEl>
+                    <p:sldTgt/>
+                  </p:tgtEl>
+                </p:cond>
+              </p:nextCondLst>
+            </p:seq>
+          </p:childTnLst>
+        </p:cTn>
       </p:par>
     </p:tnLst>
+    <p:bldLst>
+      <p:bldP spid="2" grpId="0" build="p"/>
+    </p:bldLst>
+    <p:extLst>
+      <p:ext uri="smNativeData">
+        <pr:smNativeData xmlns:pr="smNativeData" val="1CvgZQgAAAAFAAAAAAAAAAEAAAABAAAAAAAAAAAAAAAAAAAAAAAAAAkAAAABAAAAAQAAAAEAAAAAAAAAAAAAAAAAAAAAAAAADQAAAAIAAAABAAAAAQAAAAAAAAAAAAAAAAAAAAAAAAARAAAAAwAAAAEAAAABAAAAAAAAAAAAAAAAAAAAAAAAABUAAAAEAAAAAQAAAAEAAAAAAAAAAAAAAAAAAAAAAAAAGQAAAAUAAAABAAAAAQAAAAAAAAAAAAAAAAAAAAAAAAAdAAAABgAAAAEAAAABAAAAAAAAAAAAAAAAAAAAAAAAACEAAAAHAAAAAQAAAAEAAAAAAAAAAAAAAAAAAAAAAAAA"/>
+      </p:ext>
+    </p:extLst>
   </p:timing>
 </p:sld>
 </file>
@@ -4307,7 +5422,7 @@
             <a:spLocks noGrp="1" noChangeArrowheads="1"/>
             <a:extLst>
               <a:ext uri="smNativeData">
-                <pr:smNativeData xmlns:pr="smNativeData" val="SMDATA_13_HczeZRMAAAAlAAAAZAAAAA8BAAAAkAAAAEgAAACQAAAASAAAAAAAAAABAAAAAAAAAAEAAABQAAAAAAAAAAAA4D8AAAAAAADgPwAAAAAAAOA/AAAAAAAA4D8AAAAAAADgPwAAAAAAAOA/AAAAAAAA4D8AAAAAAADgPwAAAAAAAOA/AAAAAAAA4D8CAAAAjAAAAAAAAAAAAAAAu+DjDP///wgAAAAAAAAAAAAAAAAAAAAAAAAAAAAAAAAAAAAAZAAAAAEAAABAAAAAAAAAAAAAAAAAAAAAAAAAAAAAAAAAAAAAAAAAAAAAAAAAAAAAAAAAAAAAAAAAAAAAAAAAAAAAAAAAAAAAAAAAAAAAAAAAAAAAAAAAAAAAAAAAAAAAFAAAADwAAAAAAAAAAAAAAAAAAAkUAAAAAQAAABQAAAAUAAAAFAAAAAEAAAAAAAAAZAAAAGQAAAAAAAAAZAAAAGQAAAAVAAAAYAAAAAAAAAAAAAAADwAAACADAAAAAAAAAAAAAAEAAACgMgAAVgcAAKr4//8BAAAAf39/AAEAAABkAAAAAAAAABQAAABAHwAAAAAAACYAAAAAAAAAwOD//wAAAAAmAAAAZAAAABYAAABMAAAAAAAAAAAAAAAEAAAAAAAAAAEAAACAgIAKAAAAACgAAAAoAAAAZAAAAGQAAAAAAAAAzMzMAAAAAABQAAAAUAAAAGQAAABkAAAAAAAAABcAAAAUAAAAAAAAAAAAAAD/fwAA/38AAAAAAAAJAAAABAAAAAAAAAAMAAAAEAAAAAAAAAAAAAAAAAAAAAAAAAAeAAAAaAAAAAAAAAAAAAAAAAAAAAAAAAAAAAAAECcAABAnAAAAAAAAAAAAAAAAAAAAAAAAAAAAAAAAAAAAAAAAAAAAABQAAAAAAAAAwMD/AAAAAABkAAAAMgAAAAAAAABkAAAAAAAAAH9/fwAKAAAAHwAAAFQAAAC74OMF////AQAAAAAAAAAAAAAAAAAAAAAAAAAAAAAAAAAAAAAAAAAAAAAAAn9/fwCAgIADzMzMAMDA/wB/f38AAAAAAAAAAAAAAAAAAAAAAAAAAAAhAAAAGAAAABQAAABqBAAAUwEAADo0AABfCgAAAAAAACYAAAAIAAAAAQAAAAAAAAA="/>
+                <pr:smNativeData xmlns:pr="smNativeData" val="SMDATA_13_1CvgZRMAAAAlAAAAZAAAAA8BAAAAkAAAAEgAAACQAAAASAAAAAAAAAABAAAAAAAAAAEAAABQAAAAAAAAAAAA4D8AAAAAAADgPwAAAAAAAOA/AAAAAAAA4D8AAAAAAADgPwAAAAAAAOA/AAAAAAAA4D8AAAAAAADgPwAAAAAAAOA/AAAAAAAA4D8CAAAAjAAAAAAAAAAAAAAAu+DjDP///wgAAAAAAAAAAAAAAAAAAAAAAAAAAAAAAAAAAAAAZAAAAAEAAABAAAAAAAAAAAAAAAAAAAAAAAAAAAAAAAAAAAAAAAAAAAAAAAAAAAAAAAAAAAAAAAAAAAAAAAAAAAAAAAAAAAAAAAAAAAAAAAAAAAAAAAAAAAAAAAAAAAAAFAAAADwAAAAAAAAAAAAAAAAAAAkUAAAAAQAAABQAAAAUAAAAFAAAAAEAAAAAAAAAZAAAAGQAAAAAAAAAZAAAAGQAAAAVAAAAYAAAAAAAAAAAAAAADwAAACADAAAAAAAAAAAAAAEAAACgMgAAVgcAAKr4//8BAAAAf39/AAEAAABkAAAAAAAAABQAAABAHwAAAAAAACYAAAAAAAAAwOD//wAAAAAmAAAAZAAAABYAAABMAAAAAAAAAAAAAAAEAAAAAAAAAAEAAACAgIAKAAAAACgAAAAoAAAAZAAAAGQAAAAAAAAAzMzMAAAAAABQAAAAUAAAAGQAAABkAAAAAAAAABcAAAAUAAAAAAAAAAAAAAD/fwAA/38AAAAAAAAJAAAABAAAAAAAAAAMAAAAEAAAAAAAAAAAAAAAAAAAAAAAAAAeAAAAaAAAAAAAAAAAAAAAAAAAAAAAAAAAAAAAECcAABAnAAAAAAAAAAAAAAAAAAAAAAAAAAAAAAAAAAAAAAAAAAAAABQAAAAAAAAAwMD/AAAAAABkAAAAMgAAAAAAAABkAAAAAAAAAH9/fwAKAAAAHwAAAFQAAAC74OMF////AQAAAAAAAAAAAAAAAAAAAAAAAAAAAAAAAAAAAAAAAAAAAAAAAn9/fwCAgIADzMzMAMDA/wB/f38AAAAAAAAAAAAAAAAAAAAAAAAAAAAhAAAAGAAAABQAAABqBAAAUwEAADo0AABfCgAAEAAAACYAAAAIAAAAAQAAAAAAAAA="/>
               </a:ext>
             </a:extLst>
           </p:cNvSpPr>
@@ -4345,7 +5460,7 @@
             <a:spLocks noGrp="1" noChangeArrowheads="1"/>
             <a:extLst>
               <a:ext uri="smNativeData">
-                <pr:smNativeData xmlns:pr="smNativeData" val="SMDATA_13_HczeZRMAAAAlAAAAZAAAAA8BAAAAkAAAAEgAAACQAAAASAAAAAAAAAAAAAAAAAAAAAEAAABQAAAAAAAAAAAA4D8AAAAAAADgPwAAAAAAAOA/AAAAAAAA4D8AAAAAAADgPwAAAAAAAOA/AAAAAAAA4D8AAAAAAADgPwAAAAAAAOA/AAAAAAAA4D8CAAAAjAAAAAAAAAAAAAAAu+DjDP///wgAAAAAAAAAAAAAAAAAAAAAAAAAAAAAAAAAAAAAZAAAAAEAAABAAAAAAAAAAAAAAAAAAAAAAAAAAAAAAAAAAAAAAAAAAAAAAAAAAAAAAAAAAAAAAAAAAAAAAAAAAAAAAAAAAAAAAAAAAAAAAAAAAAAAAAAAAAAAAAAAAAAAFAAAADwAAAAAAAAAAAAAAAAAAAkUAAAAAQAAABQAAAAUAAAAFAAAAAEAAAAAAAAAZAAAAGQAAAAAAAAAZAAAAGQAAAAVAAAAYAAAAAAAAAAAAAAADwAAACADAAAAAAAAAAAAAAEAAACgMgAAVgcAAKr4//8BAAAAf39/AAEAAABkAAAAAAAAABQAAABAHwAAAAAAACYAAAAAAAAAwOD//wAAAAAmAAAAZAAAABYAAABMAAAAAAAAAAAAAAAEAAAAAAAAAAEAAACAgIAKAAAAACgAAAAoAAAAZAAAAGQAAAAAAAAAzMzMAAAAAABQAAAAUAAAAGQAAABkAAAAAAAAABcAAAAUAAAAAAAAAAAAAAD/fwAA/38AAAAAAAAJAAAABAAAAAAAAAAMAAAAEAAAAAAAAAAAAAAAAAAAAAAAAAAeAAAAaAAAAAAAAAAAAAAAAAAAAAAAAAAAAAAAECcAABAnAAAAAAAAAAAAAAAAAAAAAAAAAAAAAAAAAAAAAAAAAAAAABQAAAAAAAAAwMD/AAAAAABkAAAAMgAAAAAAAABkAAAAAAAAAH9/fwAKAAAAHwAAAFQAAAC74OMF////AQAAAAAAAAAAAAAAAAAAAAAAAAAAAAAAAAAAAAAAAAAAAAAAAn9/fwCAgIADzMzMAMDA/wB/f38AAAAAAAAAAAAAAAAAAAAAAAAAAAAhAAAAGAAAABQAAABwCAAACQsAANAvAACwIgAAAAAAACYAAAAIAAAAAQAAAAAAAAA="/>
+                <pr:smNativeData xmlns:pr="smNativeData" val="SMDATA_13_1CvgZRMAAAAlAAAAZAAAAA8BAAAAkAAAAEgAAACQAAAASAAAAAAAAAAAAAAAAAAAAAEAAABQAAAAAAAAAAAA4D8AAAAAAADgPwAAAAAAAOA/AAAAAAAA4D8AAAAAAADgPwAAAAAAAOA/AAAAAAAA4D8AAAAAAADgPwAAAAAAAOA/AAAAAAAA4D8CAAAAjAAAAAAAAAAAAAAAu+DjDP///wgAAAAAAAAAAAAAAAAAAAAAAAAAAAAAAAAAAAAAZAAAAAEAAABAAAAAAAAAAAAAAAAAAAAAAAAAAAAAAAAAAAAAAAAAAAAAAAAAAAAAAAAAAAAAAAAAAAAAAAAAAAAAAAAAAAAAAAAAAAAAAAAAAAAAAAAAAAAAAAAAAAAAFAAAADwAAAAAAAAAAAAAAAAAAAkUAAAAAQAAABQAAAAUAAAAFAAAAAEAAAAAAAAAZAAAAGQAAAAAAAAAZAAAAGQAAAAVAAAAYAAAAAAAAAAAAAAADwAAACADAAAAAAAAAAAAAAEAAACgMgAAVgcAAKr4//8BAAAAf39/AAEAAABkAAAAAAAAABQAAABAHwAAAAAAACYAAAAAAAAAwOD//wAAAAAmAAAAZAAAABYAAABMAAAAAAAAAAAAAAAEAAAAAAAAAAEAAACAgIAKAAAAACgAAAAoAAAAZAAAAGQAAAAAAAAAzMzMAAAAAABQAAAAUAAAAGQAAABkAAAAAAAAABcAAAAUAAAAAAAAAAAAAAD/fwAA/38AAAAAAAAJAAAABAAAAAAAAAAMAAAAEAAAAAAAAAAAAAAAAAAAAAAAAAAeAAAAaAAAAAAAAAAAAAAAAAAAAAAAAAAAAAAAECcAABAnAAAAAAAAAAAAAAAAAAAAAAAAAAAAAAAAAAAAAAAAAAAAABQAAAAAAAAAwMD/AAAAAABkAAAAMgAAAAAAAABkAAAAAAAAAH9/fwAKAAAAHwAAAFQAAAC74OMF////AQAAAAAAAAAAAAAAAAAAAAAAAAAAAAAAAAAAAAAAAAAAAAAAAn9/fwCAgIADzMzMAMDA/wB/f38AAAAAAAAAAAAAAAAAAAAAAAAAAAAhAAAAGAAAABQAAABwCAAACQsAANAvAACwIgAAEAAAACYAAAAIAAAAAQAAAAAAAAA="/>
               </a:ext>
             </a:extLst>
           </p:cNvSpPr>
@@ -4436,7 +5551,7 @@
 </file>
 
 <file path=ppt/slides/slide16.xml><?xml version="1.0" encoding="utf-8"?>
-<p:sld xmlns:p="http://schemas.openxmlformats.org/presentationml/2006/main" xmlns:p14="http://schemas.microsoft.com/office/powerpoint/2010/main" xmlns:r="http://schemas.openxmlformats.org/officeDocument/2006/relationships" xmlns:a="http://schemas.openxmlformats.org/drawingml/2006/main">
+<p:sld xmlns:p="http://schemas.openxmlformats.org/presentationml/2006/main" xmlns:p14="http://schemas.microsoft.com/office/powerpoint/2010/main" xmlns:r="http://schemas.openxmlformats.org/officeDocument/2006/relationships" xmlns:a="http://schemas.openxmlformats.org/drawingml/2006/main" showMasterPhAnim="0">
   <p:cSld>
     <p:spTree>
       <p:nvGrpSpPr>
@@ -4459,7 +5574,7 @@
             <a:spLocks noGrp="1" noChangeArrowheads="1"/>
             <a:extLst>
               <a:ext uri="smNativeData">
-                <pr:smNativeData xmlns:pr="smNativeData" val="SMDATA_13_HczeZRMAAAAlAAAAZAAAAA8BAAAAkAAAAEgAAACQAAAASAAAAAAAAAAAAAAAAAAAAAEAAABQAAAAAAAAAAAA4D8AAAAAAADgPwAAAAAAAOA/AAAAAAAA4D8AAAAAAADgPwAAAAAAAOA/AAAAAAAA4D8AAAAAAADgPwAAAAAAAOA/AAAAAAAA4D8CAAAAjAAAAAAAAAAAAAAAu+DjDP///wgAAAAAAAAAAAAAAAAAAAAAAAAAAAAAAAAAAAAAZAAAAAEAAABAAAAAAAAAAAAAAAAAAAAAAAAAAAAAAAAAAAAAAAAAAAAAAAAAAAAAAAAAAAAAAAAAAAAAAAAAAAAAAAAAAAAAAAAAAAAAAAAAAAAAAAAAAAAAAAAAAAAAFAAAADwAAAAAAAAAAAAAAAAAAAkUAAAAAQAAABQAAAAUAAAAFAAAAAEAAAAAAAAAZAAAAGQAAAAAAAAAZAAAAGQAAAAVAAAAYAAAAAAAAAAAAAAADwAAACADAAAAAAAAAAAAAAEAAACgMgAAVgcAAKr4//8BAAAAf39/AAEAAABkAAAAAAAAABQAAABAHwAAAAAAACYAAAAAAAAAwOD//wAAAAAmAAAAZAAAABYAAABMAAAAAAAAAAAAAAAEAAAAAAAAAAEAAACAgIAKAAAAACgAAAAoAAAAZAAAAGQAAAAAAAAAzMzMAAAAAABQAAAAUAAAAGQAAABkAAAAAAAAABcAAAAUAAAAAAAAAAAAAAD/fwAA/38AAAAAAAAJAAAABAAAAAAAAAAMAAAAEAAAAAAAAAAAAAAAAAAAAAAAAAAeAAAAaAAAAAAAAAAAAAAAAAAAAAAAAAAAAAAAECcAABAnAAAAAAAAAAAAAAAAAAAAAAAAAAAAAAAAAAAAAAAAAAAAABQAAAAAAAAAwMD/AAAAAABkAAAAMgAAAAAAAABkAAAAAAAAAH9/fwAKAAAAHwAAAFQAAAC74OMF////AQAAAAAAAAAAAAAAAAAAAAAAAAAAAAAAAAAAAAAAAAAAAAAAAn9/fwCAgIADzMzMAMDA/wB/f38AAAAAAAAAAAAAAAAAAAAAAAAAAAAhAAAAGAAAABQAAABwCAAAGAMAANAvAAAOKQAAAAAAACYAAAAIAAAAAQAAAAAAAAA="/>
+                <pr:smNativeData xmlns:pr="smNativeData" val="SMDATA_13_1CvgZRMAAAAlAAAAZAAAAA8BAAAAkAAAAEgAAACQAAAASAAAAAAAAAAAAAAAAAAAAAEAAABQAAAAAAAAAAAA4D8AAAAAAADgPwAAAAAAAOA/AAAAAAAA4D8AAAAAAADgPwAAAAAAAOA/AAAAAAAA4D8AAAAAAADgPwAAAAAAAOA/AAAAAAAA4D8CAAAAjAAAAAAAAAAAAAAAu+DjDP///wgAAAAAAAAAAAAAAAAAAAAAAAAAAAAAAAAAAAAAZAAAAAEAAABAAAAAAAAAAAAAAAAAAAAAAAAAAAAAAAAAAAAAAAAAAAAAAAAAAAAAAAAAAAAAAAAAAAAAAAAAAAAAAAAAAAAAAAAAAAAAAAAAAAAAAAAAAAAAAAAAAAAAFAAAADwAAAAAAAAAAAAAAAAAAAkUAAAAAQAAABQAAAAUAAAAFAAAAAEAAAAAAAAAZAAAAGQAAAAAAAAAZAAAAGQAAAAVAAAAYAAAAAAAAAAAAAAADwAAACADAAAAAAAAAAAAAAEAAACgMgAAVgcAAKr4//8BAAAAf39/AAEAAABkAAAAAAAAABQAAABAHwAAAAAAACYAAAAAAAAAwOD//wAAAAAmAAAAZAAAABYAAABMAAAAAAAAAAAAAAAEAAAAAAAAAAEAAACAgIAKAAAAACgAAAAoAAAAZAAAAGQAAAAAAAAAzMzMAAAAAABQAAAAUAAAAGQAAABkAAAAAAAAABcAAAAUAAAAAAAAAAAAAAD/fwAA/38AAAAAAAAJAAAABAAAAAAAAAAMAAAAEAAAAAAAAAAAAAAAAAAAAAAAAAAeAAAAaAAAAAAAAAAAAAAAAAAAAAAAAAAAAAAAECcAABAnAAAAAAAAAAAAAAAAAAAAAAAAAAAAAAAAAAAAAAAAAAAAABQAAAAAAAAAwMD/AAAAAABkAAAAMgAAAAAAAABkAAAAAAAAAH9/fwAKAAAAHwAAAFQAAAC74OMF////AQAAAAAAAAAAAAAAAAAAAAAAAAAAAAAAAAAAAAAAAAAAAAAAAn9/fwCAgIADzMzMAMDA/wB/f38AAAAAAAAAAAAAAAAAAAAAAAAAAAAhAAAAGAAAABQAAABwCAAAGAMAANAvAAAOKQAAEAAAACYAAAAIAAAAAQAAAAAAAAA="/>
               </a:ext>
             </a:extLst>
           </p:cNvSpPr>
@@ -4540,9 +5655,383 @@
   <p:timing>
     <p:tnLst>
       <p:par>
-        <p:cTn id="1" dur="indefinite" restart="never" nodeType="tmRoot"/>
+        <p:cTn id="1" dur="indefinite" restart="never" nodeType="tmRoot">
+          <p:childTnLst>
+            <p:seq concurrent="1" nextAc="seek">
+              <p:cTn id="2" dur="indefinite" nodeType="mainSeq">
+                <p:childTnLst>
+                  <p:par>
+                    <p:cTn id="3" fill="hold">
+                      <p:stCondLst>
+                        <p:cond delay="indefinite"/>
+                      </p:stCondLst>
+                      <p:childTnLst>
+                        <p:par>
+                          <p:cTn id="4" fill="hold">
+                            <p:stCondLst>
+                              <p:cond delay="0"/>
+                            </p:stCondLst>
+                            <p:childTnLst>
+                              <p:par>
+                                <p:cTn id="5" presetID="1" presetClass="entr" presetSubtype="0" fill="hold" grpId="0" nodeType="clickEffect">
+                                  <p:stCondLst>
+                                    <p:cond delay="0"/>
+                                  </p:stCondLst>
+                                  <p:childTnLst>
+                                    <p:set>
+                                      <p:cBhvr>
+                                        <p:cTn id="6" dur="1" fill="hold">
+                                          <p:stCondLst>
+                                            <p:cond delay="0"/>
+                                          </p:stCondLst>
+                                        </p:cTn>
+                                        <p:tgtEl>
+                                          <p:spTgt spid="2">
+                                            <p:txEl>
+                                              <p:pRg st="0" end="0"/>
+                                            </p:txEl>
+                                          </p:spTgt>
+                                        </p:tgtEl>
+                                        <p:attrNameLst>
+                                          <p:attrName>style.visibility</p:attrName>
+                                        </p:attrNameLst>
+                                      </p:cBhvr>
+                                      <p:to>
+                                        <p:strVal val="visible"/>
+                                      </p:to>
+                                    </p:set>
+                                  </p:childTnLst>
+                                </p:cTn>
+                              </p:par>
+                            </p:childTnLst>
+                          </p:cTn>
+                        </p:par>
+                      </p:childTnLst>
+                    </p:cTn>
+                  </p:par>
+                  <p:par>
+                    <p:cTn id="7" fill="hold">
+                      <p:stCondLst>
+                        <p:cond delay="indefinite"/>
+                      </p:stCondLst>
+                      <p:childTnLst>
+                        <p:par>
+                          <p:cTn id="8" fill="hold">
+                            <p:stCondLst>
+                              <p:cond delay="0"/>
+                            </p:stCondLst>
+                            <p:childTnLst>
+                              <p:par>
+                                <p:cTn id="9" presetID="1" presetClass="entr" presetSubtype="0" fill="hold" grpId="0" nodeType="clickEffect">
+                                  <p:stCondLst>
+                                    <p:cond delay="0"/>
+                                  </p:stCondLst>
+                                  <p:childTnLst>
+                                    <p:set>
+                                      <p:cBhvr>
+                                        <p:cTn id="10" dur="1" fill="hold">
+                                          <p:stCondLst>
+                                            <p:cond delay="0"/>
+                                          </p:stCondLst>
+                                        </p:cTn>
+                                        <p:tgtEl>
+                                          <p:spTgt spid="2">
+                                            <p:txEl>
+                                              <p:pRg st="1" end="1"/>
+                                            </p:txEl>
+                                          </p:spTgt>
+                                        </p:tgtEl>
+                                        <p:attrNameLst>
+                                          <p:attrName>style.visibility</p:attrName>
+                                        </p:attrNameLst>
+                                      </p:cBhvr>
+                                      <p:to>
+                                        <p:strVal val="visible"/>
+                                      </p:to>
+                                    </p:set>
+                                  </p:childTnLst>
+                                </p:cTn>
+                              </p:par>
+                            </p:childTnLst>
+                          </p:cTn>
+                        </p:par>
+                      </p:childTnLst>
+                    </p:cTn>
+                  </p:par>
+                  <p:par>
+                    <p:cTn id="11" fill="hold">
+                      <p:stCondLst>
+                        <p:cond delay="indefinite"/>
+                      </p:stCondLst>
+                      <p:childTnLst>
+                        <p:par>
+                          <p:cTn id="12" fill="hold">
+                            <p:stCondLst>
+                              <p:cond delay="0"/>
+                            </p:stCondLst>
+                            <p:childTnLst>
+                              <p:par>
+                                <p:cTn id="13" presetID="1" presetClass="entr" presetSubtype="0" fill="hold" grpId="0" nodeType="clickEffect">
+                                  <p:stCondLst>
+                                    <p:cond delay="0"/>
+                                  </p:stCondLst>
+                                  <p:childTnLst>
+                                    <p:set>
+                                      <p:cBhvr>
+                                        <p:cTn id="14" dur="1" fill="hold">
+                                          <p:stCondLst>
+                                            <p:cond delay="0"/>
+                                          </p:stCondLst>
+                                        </p:cTn>
+                                        <p:tgtEl>
+                                          <p:spTgt spid="2">
+                                            <p:txEl>
+                                              <p:pRg st="2" end="2"/>
+                                            </p:txEl>
+                                          </p:spTgt>
+                                        </p:tgtEl>
+                                        <p:attrNameLst>
+                                          <p:attrName>style.visibility</p:attrName>
+                                        </p:attrNameLst>
+                                      </p:cBhvr>
+                                      <p:to>
+                                        <p:strVal val="visible"/>
+                                      </p:to>
+                                    </p:set>
+                                  </p:childTnLst>
+                                </p:cTn>
+                              </p:par>
+                            </p:childTnLst>
+                          </p:cTn>
+                        </p:par>
+                      </p:childTnLst>
+                    </p:cTn>
+                  </p:par>
+                  <p:par>
+                    <p:cTn id="15" fill="hold">
+                      <p:stCondLst>
+                        <p:cond delay="indefinite"/>
+                      </p:stCondLst>
+                      <p:childTnLst>
+                        <p:par>
+                          <p:cTn id="16" fill="hold">
+                            <p:stCondLst>
+                              <p:cond delay="0"/>
+                            </p:stCondLst>
+                            <p:childTnLst>
+                              <p:par>
+                                <p:cTn id="17" presetID="1" presetClass="entr" presetSubtype="0" fill="hold" grpId="0" nodeType="clickEffect">
+                                  <p:stCondLst>
+                                    <p:cond delay="0"/>
+                                  </p:stCondLst>
+                                  <p:childTnLst>
+                                    <p:set>
+                                      <p:cBhvr>
+                                        <p:cTn id="18" dur="1" fill="hold">
+                                          <p:stCondLst>
+                                            <p:cond delay="0"/>
+                                          </p:stCondLst>
+                                        </p:cTn>
+                                        <p:tgtEl>
+                                          <p:spTgt spid="2">
+                                            <p:txEl>
+                                              <p:pRg st="3" end="3"/>
+                                            </p:txEl>
+                                          </p:spTgt>
+                                        </p:tgtEl>
+                                        <p:attrNameLst>
+                                          <p:attrName>style.visibility</p:attrName>
+                                        </p:attrNameLst>
+                                      </p:cBhvr>
+                                      <p:to>
+                                        <p:strVal val="visible"/>
+                                      </p:to>
+                                    </p:set>
+                                  </p:childTnLst>
+                                </p:cTn>
+                              </p:par>
+                            </p:childTnLst>
+                          </p:cTn>
+                        </p:par>
+                      </p:childTnLst>
+                    </p:cTn>
+                  </p:par>
+                  <p:par>
+                    <p:cTn id="19" fill="hold">
+                      <p:stCondLst>
+                        <p:cond delay="indefinite"/>
+                      </p:stCondLst>
+                      <p:childTnLst>
+                        <p:par>
+                          <p:cTn id="20" fill="hold">
+                            <p:stCondLst>
+                              <p:cond delay="0"/>
+                            </p:stCondLst>
+                            <p:childTnLst>
+                              <p:par>
+                                <p:cTn id="21" presetID="1" presetClass="entr" presetSubtype="0" fill="hold" grpId="0" nodeType="clickEffect">
+                                  <p:stCondLst>
+                                    <p:cond delay="0"/>
+                                  </p:stCondLst>
+                                  <p:childTnLst>
+                                    <p:set>
+                                      <p:cBhvr>
+                                        <p:cTn id="22" dur="1" fill="hold">
+                                          <p:stCondLst>
+                                            <p:cond delay="0"/>
+                                          </p:stCondLst>
+                                        </p:cTn>
+                                        <p:tgtEl>
+                                          <p:spTgt spid="2">
+                                            <p:txEl>
+                                              <p:pRg st="4" end="4"/>
+                                            </p:txEl>
+                                          </p:spTgt>
+                                        </p:tgtEl>
+                                        <p:attrNameLst>
+                                          <p:attrName>style.visibility</p:attrName>
+                                        </p:attrNameLst>
+                                      </p:cBhvr>
+                                      <p:to>
+                                        <p:strVal val="visible"/>
+                                      </p:to>
+                                    </p:set>
+                                  </p:childTnLst>
+                                </p:cTn>
+                              </p:par>
+                            </p:childTnLst>
+                          </p:cTn>
+                        </p:par>
+                      </p:childTnLst>
+                    </p:cTn>
+                  </p:par>
+                  <p:par>
+                    <p:cTn id="23" fill="hold">
+                      <p:stCondLst>
+                        <p:cond delay="indefinite"/>
+                      </p:stCondLst>
+                      <p:childTnLst>
+                        <p:par>
+                          <p:cTn id="24" fill="hold">
+                            <p:stCondLst>
+                              <p:cond delay="0"/>
+                            </p:stCondLst>
+                            <p:childTnLst>
+                              <p:par>
+                                <p:cTn id="25" presetID="1" presetClass="entr" presetSubtype="0" fill="hold" grpId="0" nodeType="clickEffect">
+                                  <p:stCondLst>
+                                    <p:cond delay="0"/>
+                                  </p:stCondLst>
+                                  <p:childTnLst>
+                                    <p:set>
+                                      <p:cBhvr>
+                                        <p:cTn id="26" dur="1" fill="hold">
+                                          <p:stCondLst>
+                                            <p:cond delay="0"/>
+                                          </p:stCondLst>
+                                        </p:cTn>
+                                        <p:tgtEl>
+                                          <p:spTgt spid="2">
+                                            <p:txEl>
+                                              <p:pRg st="5" end="5"/>
+                                            </p:txEl>
+                                          </p:spTgt>
+                                        </p:tgtEl>
+                                        <p:attrNameLst>
+                                          <p:attrName>style.visibility</p:attrName>
+                                        </p:attrNameLst>
+                                      </p:cBhvr>
+                                      <p:to>
+                                        <p:strVal val="visible"/>
+                                      </p:to>
+                                    </p:set>
+                                  </p:childTnLst>
+                                </p:cTn>
+                              </p:par>
+                            </p:childTnLst>
+                          </p:cTn>
+                        </p:par>
+                      </p:childTnLst>
+                    </p:cTn>
+                  </p:par>
+                  <p:par>
+                    <p:cTn id="27" fill="hold">
+                      <p:stCondLst>
+                        <p:cond delay="indefinite"/>
+                      </p:stCondLst>
+                      <p:childTnLst>
+                        <p:par>
+                          <p:cTn id="28" fill="hold">
+                            <p:stCondLst>
+                              <p:cond delay="0"/>
+                            </p:stCondLst>
+                            <p:childTnLst>
+                              <p:par>
+                                <p:cTn id="29" presetID="1" presetClass="entr" presetSubtype="0" fill="hold" grpId="0" nodeType="clickEffect">
+                                  <p:stCondLst>
+                                    <p:cond delay="0"/>
+                                  </p:stCondLst>
+                                  <p:childTnLst>
+                                    <p:set>
+                                      <p:cBhvr>
+                                        <p:cTn id="30" dur="1" fill="hold">
+                                          <p:stCondLst>
+                                            <p:cond delay="0"/>
+                                          </p:stCondLst>
+                                        </p:cTn>
+                                        <p:tgtEl>
+                                          <p:spTgt spid="2">
+                                            <p:txEl>
+                                              <p:pRg st="6" end="6"/>
+                                            </p:txEl>
+                                          </p:spTgt>
+                                        </p:tgtEl>
+                                        <p:attrNameLst>
+                                          <p:attrName>style.visibility</p:attrName>
+                                        </p:attrNameLst>
+                                      </p:cBhvr>
+                                      <p:to>
+                                        <p:strVal val="visible"/>
+                                      </p:to>
+                                    </p:set>
+                                  </p:childTnLst>
+                                </p:cTn>
+                              </p:par>
+                            </p:childTnLst>
+                          </p:cTn>
+                        </p:par>
+                      </p:childTnLst>
+                    </p:cTn>
+                  </p:par>
+                </p:childTnLst>
+              </p:cTn>
+              <p:prevCondLst>
+                <p:cond evt="onPrev" delay="0">
+                  <p:tgtEl>
+                    <p:sldTgt/>
+                  </p:tgtEl>
+                </p:cond>
+              </p:prevCondLst>
+              <p:nextCondLst>
+                <p:cond evt="onNext" delay="0">
+                  <p:tgtEl>
+                    <p:sldTgt/>
+                  </p:tgtEl>
+                </p:cond>
+              </p:nextCondLst>
+            </p:seq>
+          </p:childTnLst>
+        </p:cTn>
       </p:par>
     </p:tnLst>
+    <p:bldLst>
+      <p:bldP spid="2" grpId="0" build="p"/>
+    </p:bldLst>
+    <p:extLst>
+      <p:ext uri="smNativeData">
+        <pr:smNativeData xmlns:pr="smNativeData" val="1CvgZQcAAAAFAAAAAAAAAAEAAAABAAAAAAAAAAAAAAAAAAAAAAAAAAkAAAABAAAAAQAAAAEAAAAAAAAAAAAAAAAAAAAAAAAADQAAAAIAAAABAAAAAQAAAAAAAAAAAAAAAAAAAAAAAAARAAAAAwAAAAEAAAABAAAAAAAAAAAAAAAAAAAAAAAAABUAAAAEAAAAAQAAAAEAAAAAAAAAAAAAAAAAAAAAAAAAGQAAAAUAAAABAAAAAQAAAAAAAAAAAAAAAAAAAAAAAAAdAAAABgAAAAEAAAABAAAAAAAAAAAAAAAAAAAAAAAAAA=="/>
+      </p:ext>
+    </p:extLst>
   </p:timing>
 </p:sld>
 </file>
@@ -4571,7 +6060,7 @@
             <a:spLocks noGrp="1" noChangeArrowheads="1"/>
             <a:extLst>
               <a:ext uri="smNativeData">
-                <pr:smNativeData xmlns:pr="smNativeData" val="SMDATA_13_HczeZRMAAAAlAAAAZAAAAA8BAAAAkAAAAEgAAACQAAAASAAAAAAAAAABAAAAAAAAAAEAAABQAAAAAAAAAAAA4D8AAAAAAADgPwAAAAAAAOA/AAAAAAAA4D8AAAAAAADgPwAAAAAAAOA/AAAAAAAA4D8AAAAAAADgPwAAAAAAAOA/AAAAAAAA4D8CAAAAjAAAAAAAAAAAAAAAu+DjDP///wgAAAAAAAAAAAAAAAAAAAAAAAAAAAAAAAAAAAAAZAAAAAEAAABAAAAAAAAAAAAAAAAAAAAAAAAAAAAAAAAAAAAAAAAAAAAAAAAAAAAAAAAAAAAAAAAAAAAAAAAAAAAAAAAAAAAAAAAAAAAAAAAAAAAAAAAAAAAAAAAAAAAAFAAAADwAAAAAAAAAAAAAAAAAAAkUAAAAAQAAABQAAAAUAAAAFAAAAAEAAAAAAAAAZAAAAGQAAAAAAAAAZAAAAGQAAAAVAAAAYAAAAAAAAAAAAAAADwAAACADAAAAAAAAAAAAAAEAAACgMgAAVgcAAKr4//8BAAAAf39/AAEAAABkAAAAAAAAABQAAABAHwAAAAAAACYAAAAAAAAAwOD//wAAAAAmAAAAZAAAABYAAABMAAAAAAAAAAAAAAAEAAAAAAAAAAEAAACAgIAKAAAAACgAAAAoAAAAZAAAAGQAAAAAAAAAzMzMAAAAAABQAAAAUAAAAGQAAABkAAAAAAAAABcAAAAUAAAAAAAAAAAAAAD/fwAA/38AAAAAAAAJAAAABAAAAAAAAAAMAAAAEAAAAAAAAAAAAAAAAAAAAAAAAAAeAAAAaAAAAAAAAAAAAAAAAAAAAAAAAAAAAAAAECcAABAnAAAAAAAAAAAAAAAAAAAAAAAAAAAAAAAAAAAAAAAAAAAAABQAAAAAAAAAwMD/AAAAAABkAAAAMgAAAAAAAABkAAAAAAAAAH9/fwAKAAAAHwAAAFQAAAC74OMF////AQAAAAAAAAAAAAAAAAAAAAAAAAAAAAAAAAAAAAAAAAAAAAAAAn9/fwCAgIADzMzMAMDA/wB/f38AAAAAAAAAAAAAAAAAAAAAAAAAAAAhAAAAGAAAABQAAABqBAAAxAEAADo0AADQCgAAAAAAACYAAAAIAAAAAQAAAAAAAAA="/>
+                <pr:smNativeData xmlns:pr="smNativeData" val="SMDATA_13_1CvgZRMAAAAlAAAAZAAAAA8BAAAAkAAAAEgAAACQAAAASAAAAAAAAAABAAAAAAAAAAEAAABQAAAAAAAAAAAA4D8AAAAAAADgPwAAAAAAAOA/AAAAAAAA4D8AAAAAAADgPwAAAAAAAOA/AAAAAAAA4D8AAAAAAADgPwAAAAAAAOA/AAAAAAAA4D8CAAAAjAAAAAAAAAAAAAAAu+DjDP///wgAAAAAAAAAAAAAAAAAAAAAAAAAAAAAAAAAAAAAZAAAAAEAAABAAAAAAAAAAAAAAAAAAAAAAAAAAAAAAAAAAAAAAAAAAAAAAAAAAAAAAAAAAAAAAAAAAAAAAAAAAAAAAAAAAAAAAAAAAAAAAAAAAAAAAAAAAAAAAAAAAAAAFAAAADwAAAAAAAAAAAAAAAAAAAkUAAAAAQAAABQAAAAUAAAAFAAAAAEAAAAAAAAAZAAAAGQAAAAAAAAAZAAAAGQAAAAVAAAAYAAAAAAAAAAAAAAADwAAACADAAAAAAAAAAAAAAEAAACgMgAAVgcAAKr4//8BAAAAf39/AAEAAABkAAAAAAAAABQAAABAHwAAAAAAACYAAAAAAAAAwOD//wAAAAAmAAAAZAAAABYAAABMAAAAAAAAAAAAAAAEAAAAAAAAAAEAAACAgIAKAAAAACgAAAAoAAAAZAAAAGQAAAAAAAAAzMzMAAAAAABQAAAAUAAAAGQAAABkAAAAAAAAABcAAAAUAAAAAAAAAAAAAAD/fwAA/38AAAAAAAAJAAAABAAAAAAAAAAMAAAAEAAAAAAAAAAAAAAAAAAAAAAAAAAeAAAAaAAAAAAAAAAAAAAAAAAAAAAAAAAAAAAAECcAABAnAAAAAAAAAAAAAAAAAAAAAAAAAAAAAAAAAAAAAAAAAAAAABQAAAAAAAAAwMD/AAAAAABkAAAAMgAAAAAAAABkAAAAAAAAAH9/fwAKAAAAHwAAAFQAAAC74OMF////AQAAAAAAAAAAAAAAAAAAAAAAAAAAAAAAAAAAAAAAAAAAAAAAAn9/fwCAgIADzMzMAMDA/wB/f38AAAAAAAAAAAAAAAAAAAAAAAAAAAAhAAAAGAAAABQAAABqBAAAxAEAADo0AADQCgAAEAAAACYAAAAIAAAAAQAAAAAAAAA="/>
               </a:ext>
             </a:extLst>
           </p:cNvSpPr>
@@ -4609,7 +6098,7 @@
             <a:spLocks noGrp="1" noChangeArrowheads="1"/>
             <a:extLst>
               <a:ext uri="smNativeData">
-                <pr:smNativeData xmlns:pr="smNativeData" val="SMDATA_13_HczeZRMAAAAlAAAAZAAAAA8BAAAAkAAAAEgAAACQAAAASAAAAAAAAAAAAAAAAAAAAAEAAABQAAAAAAAAAAAA4D8AAAAAAADgPwAAAAAAAOA/AAAAAAAA4D8AAAAAAADgPwAAAAAAAOA/AAAAAAAA4D8AAAAAAADgPwAAAAAAAOA/AAAAAAAA4D8CAAAAjAAAAAAAAAAAAAAAu+DjDP///wgAAAAAAAAAAAAAAAAAAAAAAAAAAAAAAAAAAAAAZAAAAAEAAABAAAAAAAAAAAAAAAAAAAAAAAAAAAAAAAAAAAAAAAAAAAAAAAAAAAAAAAAAAAAAAAAAAAAAAAAAAAAAAAAAAAAAAAAAAAAAAAAAAAAAAAAAAAAAAAAAAAAAFAAAADwAAAAAAAAAAAAAAAAAAAkUAAAAAQAAABQAAAAUAAAAFAAAAAEAAAAAAAAAZAAAAGQAAAAAAAAAZAAAAGQAAAAVAAAAYAAAAAAAAAAAAAAADwAAACADAAAAAAAAAAAAAAEAAACgMgAAVgcAAKr4//8BAAAAf39/AAEAAABkAAAAAAAAABQAAABAHwAAAAAAACYAAAAAAAAAwOD//wAAAAAmAAAAZAAAABYAAABMAAAAAAAAAAAAAAAEAAAAAAAAAAEAAACAgIAKAAAAACgAAAAoAAAAZAAAAGQAAAAAAAAAzMzMAAAAAABQAAAAUAAAAGQAAABkAAAAAAAAABcAAAAUAAAAAAAAAAAAAAD/fwAA/38AAAAAAAAJAAAABAAAAAAAAAAMAAAAEAAAAAAAAAAAAAAAAAAAAAAAAAAeAAAAaAAAAAAAAAAAAAAAAAAAAAAAAAAAAAAAECcAABAnAAAAAAAAAAAAAAAAAAAAAAAAAAAAAAAAAAAAAAAAAAAAABQAAAAAAAAAwMD/AAAAAABkAAAAMgAAAAAAAABkAAAAAAAAAH9/fwAKAAAAHwAAAFQAAAC74OMF////AQAAAAAAAAAAAAAAAAAAAAAAAAAAAAAAAAAAAAAAAAAAAAAAAn9/fwCAgIADzMzMAMDA/wB/f38AAAAAAAAAAAAAAAAAAAAAAAAAAAAhAAAAGAAAABQAAABwCAAAXAwAANAvAABJJwAAAAAAACYAAAAIAAAAAQAAAAAAAAA="/>
+                <pr:smNativeData xmlns:pr="smNativeData" val="SMDATA_13_1CvgZRMAAAAlAAAAZAAAAA8BAAAAkAAAAEgAAACQAAAASAAAAAAAAAAAAAAAAAAAAAEAAABQAAAAAAAAAAAA4D8AAAAAAADgPwAAAAAAAOA/AAAAAAAA4D8AAAAAAADgPwAAAAAAAOA/AAAAAAAA4D8AAAAAAADgPwAAAAAAAOA/AAAAAAAA4D8CAAAAjAAAAAAAAAAAAAAAu+DjDP///wgAAAAAAAAAAAAAAAAAAAAAAAAAAAAAAAAAAAAAZAAAAAEAAABAAAAAAAAAAAAAAAAAAAAAAAAAAAAAAAAAAAAAAAAAAAAAAAAAAAAAAAAAAAAAAAAAAAAAAAAAAAAAAAAAAAAAAAAAAAAAAAAAAAAAAAAAAAAAAAAAAAAAFAAAADwAAAAAAAAAAAAAAAAAAAkUAAAAAQAAABQAAAAUAAAAFAAAAAEAAAAAAAAAZAAAAGQAAAAAAAAAZAAAAGQAAAAVAAAAYAAAAAAAAAAAAAAADwAAACADAAAAAAAAAAAAAAEAAACgMgAAVgcAAKr4//8BAAAAf39/AAEAAABkAAAAAAAAABQAAABAHwAAAAAAACYAAAAAAAAAwOD//wAAAAAmAAAAZAAAABYAAABMAAAAAAAAAAAAAAAEAAAAAAAAAAEAAACAgIAKAAAAACgAAAAoAAAAZAAAAGQAAAAAAAAAzMzMAAAAAABQAAAAUAAAAGQAAABkAAAAAAAAABcAAAAUAAAAAAAAAAAAAAD/fwAA/38AAAAAAAAJAAAABAAAAAAAAAAMAAAAEAAAAAAAAAAAAAAAAAAAAAAAAAAeAAAAaAAAAAAAAAAAAAAAAAAAAAAAAAAAAAAAECcAABAnAAAAAAAAAAAAAAAAAAAAAAAAAAAAAAAAAAAAAAAAAAAAABQAAAAAAAAAwMD/AAAAAABkAAAAMgAAAAAAAABkAAAAAAAAAH9/fwAKAAAAHwAAAFQAAAC74OMF////AQAAAAAAAAAAAAAAAAAAAAAAAAAAAAAAAAAAAAAAAAAAAAAAAn9/fwCAgIADzMzMAMDA/wB/f38AAAAAAAAAAAAAAAAAAAAAAAAAAAAhAAAAGAAAABQAAABwCAAAXAwAANAvAABJJwAAEAAAACYAAAAIAAAAAQAAAAAAAAA="/>
               </a:ext>
             </a:extLst>
           </p:cNvSpPr>
@@ -4694,7 +6183,7 @@
 </file>
 
 <file path=ppt/slides/slide18.xml><?xml version="1.0" encoding="utf-8"?>
-<p:sld xmlns:p="http://schemas.openxmlformats.org/presentationml/2006/main" xmlns:p14="http://schemas.microsoft.com/office/powerpoint/2010/main" xmlns:r="http://schemas.openxmlformats.org/officeDocument/2006/relationships" xmlns:a="http://schemas.openxmlformats.org/drawingml/2006/main">
+<p:sld xmlns:p="http://schemas.openxmlformats.org/presentationml/2006/main" xmlns:p14="http://schemas.microsoft.com/office/powerpoint/2010/main" xmlns:r="http://schemas.openxmlformats.org/officeDocument/2006/relationships" xmlns:a="http://schemas.openxmlformats.org/drawingml/2006/main" showMasterPhAnim="0">
   <p:cSld>
     <p:spTree>
       <p:nvGrpSpPr>
@@ -4717,7 +6206,7 @@
             <a:spLocks noGrp="1" noChangeArrowheads="1"/>
             <a:extLst>
               <a:ext uri="smNativeData">
-                <pr:smNativeData xmlns:pr="smNativeData" val="SMDATA_13_HczeZRMAAAAlAAAAZAAAAA8BAAAAkAAAAEgAAACQAAAASAAAAAAAAAAAAAAAAAAAAAEAAABQAAAAAAAAAAAA4D8AAAAAAADgPwAAAAAAAOA/AAAAAAAA4D8AAAAAAADgPwAAAAAAAOA/AAAAAAAA4D8AAAAAAADgPwAAAAAAAOA/AAAAAAAA4D8CAAAAjAAAAAAAAAAAAAAAu+DjDP///wgAAAAAAAAAAAAAAAAAAAAAAAAAAAAAAAAAAAAAZAAAAAEAAABAAAAAAAAAAAAAAAAAAAAAAAAAAAAAAAAAAAAAAAAAAAAAAAAAAAAAAAAAAAAAAAAAAAAAAAAAAAAAAAAAAAAAAAAAAAAAAAAAAAAAAAAAAAAAAAAAAAAAFAAAADwAAAAAAAAAAAAAAAAAAAkUAAAAAQAAABQAAAAUAAAAFAAAAAEAAAAAAAAAZAAAAGQAAAAAAAAAZAAAAGQAAAAVAAAAYAAAAAAAAAAAAAAADwAAACADAAAAAAAAAAAAAAEAAACgMgAAVgcAAKr4//8BAAAAf39/AAEAAABkAAAAAAAAABQAAABAHwAAAAAAACYAAAAAAAAAwOD//wAAAAAmAAAAZAAAABYAAABMAAAAAAAAAAAAAAAEAAAAAAAAAAEAAACAgIAKAAAAACgAAAAoAAAAZAAAAGQAAAAAAAAAzMzMAAAAAABQAAAAUAAAAGQAAABkAAAAAAAAABcAAAAUAAAAAAAAAAAAAAD/fwAA/38AAAAAAAAJAAAABAAAAAAAAAAMAAAAEAAAAAAAAAAAAAAAAAAAAAAAAAAeAAAAaAAAAAAAAAAAAAAAAAAAAAAAAAAAAAAAECcAABAnAAAAAAAAAAAAAAAAAAAAAAAAAAAAAAAAAAAAAAAAAAAAABQAAAAAAAAAwMD/AAAAAABkAAAAMgAAAAAAAABkAAAAAAAAAH9/fwAKAAAAHwAAAFQAAAC74OMF////AQAAAAAAAAAAAAAAAAAAAAAAAAAAAAAAAAAAAAAAAAAAAAAAAn9/fwCAgIADzMzMAMDA/wB/f38AAAAAAAAAAAAAAAAAAAAAAAAAAAAhAAAAGAAAABQAAABwCAAANQIAANAvAABnJgAAAAAAACYAAAAIAAAAAQAAAAAAAAA="/>
+                <pr:smNativeData xmlns:pr="smNativeData" val="SMDATA_13_1CvgZRMAAAAlAAAAZAAAAA8BAAAAkAAAAEgAAACQAAAASAAAAAAAAAAAAAAAAAAAAAEAAABQAAAAAAAAAAAA4D8AAAAAAADgPwAAAAAAAOA/AAAAAAAA4D8AAAAAAADgPwAAAAAAAOA/AAAAAAAA4D8AAAAAAADgPwAAAAAAAOA/AAAAAAAA4D8CAAAAjAAAAAAAAAAAAAAAu+DjDP///wgAAAAAAAAAAAAAAAAAAAAAAAAAAAAAAAAAAAAAZAAAAAEAAABAAAAAAAAAAAAAAAAAAAAAAAAAAAAAAAAAAAAAAAAAAAAAAAAAAAAAAAAAAAAAAAAAAAAAAAAAAAAAAAAAAAAAAAAAAAAAAAAAAAAAAAAAAAAAAAAAAAAAFAAAADwAAAAAAAAAAAAAAAAAAAkUAAAAAQAAABQAAAAUAAAAFAAAAAEAAAAAAAAAZAAAAGQAAAAAAAAAZAAAAGQAAAAVAAAAYAAAAAAAAAAAAAAADwAAACADAAAAAAAAAAAAAAEAAACgMgAAVgcAAKr4//8BAAAAf39/AAEAAABkAAAAAAAAABQAAABAHwAAAAAAACYAAAAAAAAAwOD//wAAAAAmAAAAZAAAABYAAABMAAAAAAAAAAAAAAAEAAAAAAAAAAEAAACAgIAKAAAAACgAAAAoAAAAZAAAAGQAAAAAAAAAzMzMAAAAAABQAAAAUAAAAGQAAABkAAAAAAAAABcAAAAUAAAAAAAAAAAAAAD/fwAA/38AAAAAAAAJAAAABAAAAAAAAAAMAAAAEAAAAAAAAAAAAAAAAAAAAAAAAAAeAAAAaAAAAAAAAAAAAAAAAAAAAAAAAAAAAAAAECcAABAnAAAAAAAAAAAAAAAAAAAAAAAAAAAAAAAAAAAAAAAAAAAAABQAAAAAAAAAwMD/AAAAAABkAAAAMgAAAAAAAABkAAAAAAAAAH9/fwAKAAAAHwAAAFQAAAC74OMF////AQAAAAAAAAAAAAAAAAAAAAAAAAAAAAAAAAAAAAAAAAAAAAAAAn9/fwCAgIADzMzMAMDA/wB/f38AAAAAAAAAAAAAAAAAAAAAAAAAAAAhAAAAGAAAABQAAABwCAAANQIAANAvAABnJgAAEAAAACYAAAAIAAAAAQAAAAAAAAA="/>
               </a:ext>
             </a:extLst>
           </p:cNvSpPr>
@@ -4798,9 +6287,383 @@
   <p:timing>
     <p:tnLst>
       <p:par>
-        <p:cTn id="1" dur="indefinite" restart="never" nodeType="tmRoot"/>
+        <p:cTn id="1" dur="indefinite" restart="never" nodeType="tmRoot">
+          <p:childTnLst>
+            <p:seq concurrent="1" nextAc="seek">
+              <p:cTn id="2" dur="indefinite" nodeType="mainSeq">
+                <p:childTnLst>
+                  <p:par>
+                    <p:cTn id="3" fill="hold">
+                      <p:stCondLst>
+                        <p:cond delay="indefinite"/>
+                      </p:stCondLst>
+                      <p:childTnLst>
+                        <p:par>
+                          <p:cTn id="4" fill="hold">
+                            <p:stCondLst>
+                              <p:cond delay="0"/>
+                            </p:stCondLst>
+                            <p:childTnLst>
+                              <p:par>
+                                <p:cTn id="5" presetID="1" presetClass="entr" presetSubtype="0" fill="hold" grpId="0" nodeType="clickEffect">
+                                  <p:stCondLst>
+                                    <p:cond delay="0"/>
+                                  </p:stCondLst>
+                                  <p:childTnLst>
+                                    <p:set>
+                                      <p:cBhvr>
+                                        <p:cTn id="6" dur="1" fill="hold">
+                                          <p:stCondLst>
+                                            <p:cond delay="0"/>
+                                          </p:stCondLst>
+                                        </p:cTn>
+                                        <p:tgtEl>
+                                          <p:spTgt spid="2">
+                                            <p:txEl>
+                                              <p:pRg st="0" end="0"/>
+                                            </p:txEl>
+                                          </p:spTgt>
+                                        </p:tgtEl>
+                                        <p:attrNameLst>
+                                          <p:attrName>style.visibility</p:attrName>
+                                        </p:attrNameLst>
+                                      </p:cBhvr>
+                                      <p:to>
+                                        <p:strVal val="visible"/>
+                                      </p:to>
+                                    </p:set>
+                                  </p:childTnLst>
+                                </p:cTn>
+                              </p:par>
+                            </p:childTnLst>
+                          </p:cTn>
+                        </p:par>
+                      </p:childTnLst>
+                    </p:cTn>
+                  </p:par>
+                  <p:par>
+                    <p:cTn id="7" fill="hold">
+                      <p:stCondLst>
+                        <p:cond delay="indefinite"/>
+                      </p:stCondLst>
+                      <p:childTnLst>
+                        <p:par>
+                          <p:cTn id="8" fill="hold">
+                            <p:stCondLst>
+                              <p:cond delay="0"/>
+                            </p:stCondLst>
+                            <p:childTnLst>
+                              <p:par>
+                                <p:cTn id="9" presetID="1" presetClass="entr" presetSubtype="0" fill="hold" grpId="0" nodeType="clickEffect">
+                                  <p:stCondLst>
+                                    <p:cond delay="0"/>
+                                  </p:stCondLst>
+                                  <p:childTnLst>
+                                    <p:set>
+                                      <p:cBhvr>
+                                        <p:cTn id="10" dur="1" fill="hold">
+                                          <p:stCondLst>
+                                            <p:cond delay="0"/>
+                                          </p:stCondLst>
+                                        </p:cTn>
+                                        <p:tgtEl>
+                                          <p:spTgt spid="2">
+                                            <p:txEl>
+                                              <p:pRg st="1" end="1"/>
+                                            </p:txEl>
+                                          </p:spTgt>
+                                        </p:tgtEl>
+                                        <p:attrNameLst>
+                                          <p:attrName>style.visibility</p:attrName>
+                                        </p:attrNameLst>
+                                      </p:cBhvr>
+                                      <p:to>
+                                        <p:strVal val="visible"/>
+                                      </p:to>
+                                    </p:set>
+                                  </p:childTnLst>
+                                </p:cTn>
+                              </p:par>
+                            </p:childTnLst>
+                          </p:cTn>
+                        </p:par>
+                      </p:childTnLst>
+                    </p:cTn>
+                  </p:par>
+                  <p:par>
+                    <p:cTn id="11" fill="hold">
+                      <p:stCondLst>
+                        <p:cond delay="indefinite"/>
+                      </p:stCondLst>
+                      <p:childTnLst>
+                        <p:par>
+                          <p:cTn id="12" fill="hold">
+                            <p:stCondLst>
+                              <p:cond delay="0"/>
+                            </p:stCondLst>
+                            <p:childTnLst>
+                              <p:par>
+                                <p:cTn id="13" presetID="1" presetClass="entr" presetSubtype="0" fill="hold" grpId="0" nodeType="clickEffect">
+                                  <p:stCondLst>
+                                    <p:cond delay="0"/>
+                                  </p:stCondLst>
+                                  <p:childTnLst>
+                                    <p:set>
+                                      <p:cBhvr>
+                                        <p:cTn id="14" dur="1" fill="hold">
+                                          <p:stCondLst>
+                                            <p:cond delay="0"/>
+                                          </p:stCondLst>
+                                        </p:cTn>
+                                        <p:tgtEl>
+                                          <p:spTgt spid="2">
+                                            <p:txEl>
+                                              <p:pRg st="2" end="2"/>
+                                            </p:txEl>
+                                          </p:spTgt>
+                                        </p:tgtEl>
+                                        <p:attrNameLst>
+                                          <p:attrName>style.visibility</p:attrName>
+                                        </p:attrNameLst>
+                                      </p:cBhvr>
+                                      <p:to>
+                                        <p:strVal val="visible"/>
+                                      </p:to>
+                                    </p:set>
+                                  </p:childTnLst>
+                                </p:cTn>
+                              </p:par>
+                            </p:childTnLst>
+                          </p:cTn>
+                        </p:par>
+                      </p:childTnLst>
+                    </p:cTn>
+                  </p:par>
+                  <p:par>
+                    <p:cTn id="15" fill="hold">
+                      <p:stCondLst>
+                        <p:cond delay="indefinite"/>
+                      </p:stCondLst>
+                      <p:childTnLst>
+                        <p:par>
+                          <p:cTn id="16" fill="hold">
+                            <p:stCondLst>
+                              <p:cond delay="0"/>
+                            </p:stCondLst>
+                            <p:childTnLst>
+                              <p:par>
+                                <p:cTn id="17" presetID="1" presetClass="entr" presetSubtype="0" fill="hold" grpId="0" nodeType="clickEffect">
+                                  <p:stCondLst>
+                                    <p:cond delay="0"/>
+                                  </p:stCondLst>
+                                  <p:childTnLst>
+                                    <p:set>
+                                      <p:cBhvr>
+                                        <p:cTn id="18" dur="1" fill="hold">
+                                          <p:stCondLst>
+                                            <p:cond delay="0"/>
+                                          </p:stCondLst>
+                                        </p:cTn>
+                                        <p:tgtEl>
+                                          <p:spTgt spid="2">
+                                            <p:txEl>
+                                              <p:pRg st="3" end="3"/>
+                                            </p:txEl>
+                                          </p:spTgt>
+                                        </p:tgtEl>
+                                        <p:attrNameLst>
+                                          <p:attrName>style.visibility</p:attrName>
+                                        </p:attrNameLst>
+                                      </p:cBhvr>
+                                      <p:to>
+                                        <p:strVal val="visible"/>
+                                      </p:to>
+                                    </p:set>
+                                  </p:childTnLst>
+                                </p:cTn>
+                              </p:par>
+                            </p:childTnLst>
+                          </p:cTn>
+                        </p:par>
+                      </p:childTnLst>
+                    </p:cTn>
+                  </p:par>
+                  <p:par>
+                    <p:cTn id="19" fill="hold">
+                      <p:stCondLst>
+                        <p:cond delay="indefinite"/>
+                      </p:stCondLst>
+                      <p:childTnLst>
+                        <p:par>
+                          <p:cTn id="20" fill="hold">
+                            <p:stCondLst>
+                              <p:cond delay="0"/>
+                            </p:stCondLst>
+                            <p:childTnLst>
+                              <p:par>
+                                <p:cTn id="21" presetID="1" presetClass="entr" presetSubtype="0" fill="hold" grpId="0" nodeType="clickEffect">
+                                  <p:stCondLst>
+                                    <p:cond delay="0"/>
+                                  </p:stCondLst>
+                                  <p:childTnLst>
+                                    <p:set>
+                                      <p:cBhvr>
+                                        <p:cTn id="22" dur="1" fill="hold">
+                                          <p:stCondLst>
+                                            <p:cond delay="0"/>
+                                          </p:stCondLst>
+                                        </p:cTn>
+                                        <p:tgtEl>
+                                          <p:spTgt spid="2">
+                                            <p:txEl>
+                                              <p:pRg st="4" end="4"/>
+                                            </p:txEl>
+                                          </p:spTgt>
+                                        </p:tgtEl>
+                                        <p:attrNameLst>
+                                          <p:attrName>style.visibility</p:attrName>
+                                        </p:attrNameLst>
+                                      </p:cBhvr>
+                                      <p:to>
+                                        <p:strVal val="visible"/>
+                                      </p:to>
+                                    </p:set>
+                                  </p:childTnLst>
+                                </p:cTn>
+                              </p:par>
+                            </p:childTnLst>
+                          </p:cTn>
+                        </p:par>
+                      </p:childTnLst>
+                    </p:cTn>
+                  </p:par>
+                  <p:par>
+                    <p:cTn id="23" fill="hold">
+                      <p:stCondLst>
+                        <p:cond delay="indefinite"/>
+                      </p:stCondLst>
+                      <p:childTnLst>
+                        <p:par>
+                          <p:cTn id="24" fill="hold">
+                            <p:stCondLst>
+                              <p:cond delay="0"/>
+                            </p:stCondLst>
+                            <p:childTnLst>
+                              <p:par>
+                                <p:cTn id="25" presetID="1" presetClass="entr" presetSubtype="0" fill="hold" grpId="0" nodeType="clickEffect">
+                                  <p:stCondLst>
+                                    <p:cond delay="0"/>
+                                  </p:stCondLst>
+                                  <p:childTnLst>
+                                    <p:set>
+                                      <p:cBhvr>
+                                        <p:cTn id="26" dur="1" fill="hold">
+                                          <p:stCondLst>
+                                            <p:cond delay="0"/>
+                                          </p:stCondLst>
+                                        </p:cTn>
+                                        <p:tgtEl>
+                                          <p:spTgt spid="2">
+                                            <p:txEl>
+                                              <p:pRg st="5" end="5"/>
+                                            </p:txEl>
+                                          </p:spTgt>
+                                        </p:tgtEl>
+                                        <p:attrNameLst>
+                                          <p:attrName>style.visibility</p:attrName>
+                                        </p:attrNameLst>
+                                      </p:cBhvr>
+                                      <p:to>
+                                        <p:strVal val="visible"/>
+                                      </p:to>
+                                    </p:set>
+                                  </p:childTnLst>
+                                </p:cTn>
+                              </p:par>
+                            </p:childTnLst>
+                          </p:cTn>
+                        </p:par>
+                      </p:childTnLst>
+                    </p:cTn>
+                  </p:par>
+                  <p:par>
+                    <p:cTn id="27" fill="hold">
+                      <p:stCondLst>
+                        <p:cond delay="indefinite"/>
+                      </p:stCondLst>
+                      <p:childTnLst>
+                        <p:par>
+                          <p:cTn id="28" fill="hold">
+                            <p:stCondLst>
+                              <p:cond delay="0"/>
+                            </p:stCondLst>
+                            <p:childTnLst>
+                              <p:par>
+                                <p:cTn id="29" presetID="1" presetClass="entr" presetSubtype="0" fill="hold" grpId="0" nodeType="clickEffect">
+                                  <p:stCondLst>
+                                    <p:cond delay="0"/>
+                                  </p:stCondLst>
+                                  <p:childTnLst>
+                                    <p:set>
+                                      <p:cBhvr>
+                                        <p:cTn id="30" dur="1" fill="hold">
+                                          <p:stCondLst>
+                                            <p:cond delay="0"/>
+                                          </p:stCondLst>
+                                        </p:cTn>
+                                        <p:tgtEl>
+                                          <p:spTgt spid="2">
+                                            <p:txEl>
+                                              <p:pRg st="6" end="6"/>
+                                            </p:txEl>
+                                          </p:spTgt>
+                                        </p:tgtEl>
+                                        <p:attrNameLst>
+                                          <p:attrName>style.visibility</p:attrName>
+                                        </p:attrNameLst>
+                                      </p:cBhvr>
+                                      <p:to>
+                                        <p:strVal val="visible"/>
+                                      </p:to>
+                                    </p:set>
+                                  </p:childTnLst>
+                                </p:cTn>
+                              </p:par>
+                            </p:childTnLst>
+                          </p:cTn>
+                        </p:par>
+                      </p:childTnLst>
+                    </p:cTn>
+                  </p:par>
+                </p:childTnLst>
+              </p:cTn>
+              <p:prevCondLst>
+                <p:cond evt="onPrev" delay="0">
+                  <p:tgtEl>
+                    <p:sldTgt/>
+                  </p:tgtEl>
+                </p:cond>
+              </p:prevCondLst>
+              <p:nextCondLst>
+                <p:cond evt="onNext" delay="0">
+                  <p:tgtEl>
+                    <p:sldTgt/>
+                  </p:tgtEl>
+                </p:cond>
+              </p:nextCondLst>
+            </p:seq>
+          </p:childTnLst>
+        </p:cTn>
       </p:par>
     </p:tnLst>
+    <p:bldLst>
+      <p:bldP spid="2" grpId="0" build="p"/>
+    </p:bldLst>
+    <p:extLst>
+      <p:ext uri="smNativeData">
+        <pr:smNativeData xmlns:pr="smNativeData" val="1CvgZQcAAAAFAAAAAAAAAAEAAAABAAAAAAAAAAAAAAAAAAAAAAAAAAkAAAABAAAAAQAAAAEAAAAAAAAAAAAAAAAAAAAAAAAADQAAAAIAAAABAAAAAQAAAAAAAAAAAAAAAAAAAAAAAAARAAAAAwAAAAEAAAABAAAAAAAAAAAAAAAAAAAAAAAAABUAAAAEAAAAAQAAAAEAAAAAAAAAAAAAAAAAAAAAAAAAGQAAAAUAAAABAAAAAQAAAAAAAAAAAAAAAAAAAAAAAAAdAAAABgAAAAEAAAABAAAAAAAAAAAAAAAAAAAAAAAAAA=="/>
+      </p:ext>
+    </p:extLst>
   </p:timing>
 </p:sld>
 </file>
@@ -4829,7 +6692,7 @@
             <a:spLocks noGrp="1" noChangeArrowheads="1"/>
             <a:extLst>
               <a:ext uri="smNativeData">
-                <pr:smNativeData xmlns:pr="smNativeData" val="SMDATA_13_HczeZRMAAAAlAAAAZAAAAA8BAAAAkAAAAEgAAACQAAAASAAAAAAAAAABAAAAAAAAAAEAAABQAAAAAAAAAAAA4D8AAAAAAADgPwAAAAAAAOA/AAAAAAAA4D8AAAAAAADgPwAAAAAAAOA/AAAAAAAA4D8AAAAAAADgPwAAAAAAAOA/AAAAAAAA4D8CAAAAjAAAAAAAAAAAAAAAu+DjDP///wgAAAAAAAAAAAAAAAAAAAAAAAAAAAAAAAAAAAAAZAAAAAEAAABAAAAAAAAAAAAAAAAAAAAAAAAAAAAAAAAAAAAAAAAAAAAAAAAAAAAAAAAAAAAAAAAAAAAAAAAAAAAAAAAAAAAAAAAAAAAAAAAAAAAAAAAAAAAAAAAAAAAAFAAAADwAAAAAAAAAAAAAAAAAAAkUAAAAAQAAABQAAAAUAAAAFAAAAAEAAAAAAAAAZAAAAGQAAAAAAAAAZAAAAGQAAAAVAAAAYAAAAAAAAAAAAAAADwAAACADAAAAAAAAAAAAAAEAAACgMgAAVgcAAKr4//8BAAAAf39/AAEAAABkAAAAAAAAABQAAABAHwAAAAAAACYAAAAAAAAAwOD//wAAAAAmAAAAZAAAABYAAABMAAAAAAAAAAAAAAAEAAAAAAAAAAEAAACAgIAKAAAAACgAAAAoAAAAZAAAAGQAAAAAAAAAzMzMAAAAAABQAAAAUAAAAGQAAABkAAAAAAAAABcAAAAUAAAAAAAAAAAAAAD/fwAA/38AAAAAAAAJAAAABAAAAAAAAAAMAAAAEAAAAAAAAAAAAAAAAAAAAAAAAAAeAAAAaAAAAAAAAAAAAAAAAAAAAAAAAAAAAAAAECcAABAnAAAAAAAAAAAAAAAAAAAAAAAAAAAAAAAAAAAAAAAAAAAAABQAAAAAAAAAwMD/AAAAAABkAAAAMgAAAAAAAABkAAAAAAAAAH9/fwAKAAAAHwAAAFQAAAC74OMF////AQAAAAAAAAAAAAAAAAAAAAAAAAAAAAAAAAAAAAAAAAAAAAAAAn9/fwCAgIADzMzMAMDA/wB/f38AAAAAAAAAAAAAAAAAAAAAAAAAAAAhAAAAGAAAABQAAABkAwAApgIAADQzAACyCwAAAAAAACYAAAAIAAAAAQAAAAAAAAA="/>
+                <pr:smNativeData xmlns:pr="smNativeData" val="SMDATA_13_1CvgZRMAAAAlAAAAZAAAAA8BAAAAkAAAAEgAAACQAAAASAAAAAAAAAABAAAAAAAAAAEAAABQAAAAAAAAAAAA4D8AAAAAAADgPwAAAAAAAOA/AAAAAAAA4D8AAAAAAADgPwAAAAAAAOA/AAAAAAAA4D8AAAAAAADgPwAAAAAAAOA/AAAAAAAA4D8CAAAAjAAAAAAAAAAAAAAAu+DjDP///wgAAAAAAAAAAAAAAAAAAAAAAAAAAAAAAAAAAAAAZAAAAAEAAABAAAAAAAAAAAAAAAAAAAAAAAAAAAAAAAAAAAAAAAAAAAAAAAAAAAAAAAAAAAAAAAAAAAAAAAAAAAAAAAAAAAAAAAAAAAAAAAAAAAAAAAAAAAAAAAAAAAAAFAAAADwAAAAAAAAAAAAAAAAAAAkUAAAAAQAAABQAAAAUAAAAFAAAAAEAAAAAAAAAZAAAAGQAAAAAAAAAZAAAAGQAAAAVAAAAYAAAAAAAAAAAAAAADwAAACADAAAAAAAAAAAAAAEAAACgMgAAVgcAAKr4//8BAAAAf39/AAEAAABkAAAAAAAAABQAAABAHwAAAAAAACYAAAAAAAAAwOD//wAAAAAmAAAAZAAAABYAAABMAAAAAAAAAAAAAAAEAAAAAAAAAAEAAACAgIAKAAAAACgAAAAoAAAAZAAAAGQAAAAAAAAAzMzMAAAAAABQAAAAUAAAAGQAAABkAAAAAAAAABcAAAAUAAAAAAAAAAAAAAD/fwAA/38AAAAAAAAJAAAABAAAAAAAAAAMAAAAEAAAAAAAAAAAAAAAAAAAAAAAAAAeAAAAaAAAAAAAAAAAAAAAAAAAAAAAAAAAAAAAECcAABAnAAAAAAAAAAAAAAAAAAAAAAAAAAAAAAAAAAAAAAAAAAAAABQAAAAAAAAAwMD/AAAAAABkAAAAMgAAAAAAAABkAAAAAAAAAH9/fwAKAAAAHwAAAFQAAAC74OMF////AQAAAAAAAAAAAAAAAAAAAAAAAAAAAAAAAAAAAAAAAAAAAAAAAn9/fwCAgIADzMzMAMDA/wB/f38AAAAAAAAAAAAAAAAAAAAAAAAAAAAhAAAAGAAAABQAAABkAwAApgIAADQzAACyCwAAEAAAACYAAAAIAAAAAQAAAAAAAAA="/>
               </a:ext>
             </a:extLst>
           </p:cNvSpPr>
@@ -4867,7 +6730,7 @@
             <a:spLocks noGrp="1" noChangeArrowheads="1"/>
             <a:extLst>
               <a:ext uri="smNativeData">
-                <pr:smNativeData xmlns:pr="smNativeData" val="SMDATA_13_HczeZRMAAAAlAAAAZAAAAA8BAAAAkAAAAEgAAACQAAAASAAAAAAAAAAAAAAAAAAAAAEAAABQAAAAAAAAAAAA4D8AAAAAAADgPwAAAAAAAOA/AAAAAAAA4D8AAAAAAADgPwAAAAAAAOA/AAAAAAAA4D8AAAAAAADgPwAAAAAAAOA/AAAAAAAA4D8CAAAAjAAAAAAAAAAAAAAAu+DjDP///wgAAAAAAAAAAAAAAAAAAAAAAAAAAAAAAAAAAAAAZAAAAAEAAABAAAAAAAAAAAAAAAAAAAAAAAAAAAAAAAAAAAAAAAAAAAAAAAAAAAAAAAAAAAAAAAAAAAAAAAAAAAAAAAAAAAAAAAAAAAAAAAAAAAAAAAAAAAAAAAAAAAAAFAAAADwAAAAAAAAAAAAAAAAAAAkUAAAAAQAAABQAAAAUAAAAFAAAAAEAAAAAAAAAZAAAAGQAAAAAAAAAZAAAAGQAAAAVAAAAYAAAAAAAAAAAAAAADwAAACADAAAAAAAAAAAAAAEAAACgMgAAVgcAAKr4//8BAAAAf39/AAEAAABkAAAAAAAAABQAAABAHwAAAAAAACYAAAAAAAAAwOD//wAAAAAmAAAAZAAAABYAAABMAAAAAAAAAAAAAAAEAAAAAAAAAAEAAACAgIAKAAAAACgAAAAoAAAAZAAAAGQAAAAAAAAAzMzMAAAAAABQAAAAUAAAAGQAAABkAAAAAAAAABcAAAAUAAAAAAAAAAAAAAD/fwAA/38AAAAAAAAJAAAABAAAAAAAAAAMAAAAEAAAAAAAAAAAAAAAAAAAAAAAAAAeAAAAaAAAAAAAAAAAAAAAAAAAAAAAAAAAAAAAECcAABAnAAAAAAAAAAAAAAAAAAAAAAAAAAAAAAAAAAAAAAAAAAAAABQAAAAAAAAAwMD/AAAAAABkAAAAMgAAAAAAAABkAAAAAAAAAH9/fwAKAAAAHwAAAFQAAAC74OMF////AQAAAAAAAAAAAAAAAAAAAAAAAAAAAAAAAAAAAAAAAAAAAAAAAn9/fwCAgIADzMzMAMDA/wB/f38AAAAAAAAAAAAAAAAAAAAAAAAAAAAhAAAAGAAAABQAAABjCAAAWwwAAMMvAAANKQAAAAAAACYAAAAIAAAAAQAAAAAAAAA="/>
+                <pr:smNativeData xmlns:pr="smNativeData" val="SMDATA_13_1CvgZRMAAAAlAAAAZAAAAA8BAAAAkAAAAEgAAACQAAAASAAAAAAAAAAAAAAAAAAAAAEAAABQAAAAAAAAAAAA4D8AAAAAAADgPwAAAAAAAOA/AAAAAAAA4D8AAAAAAADgPwAAAAAAAOA/AAAAAAAA4D8AAAAAAADgPwAAAAAAAOA/AAAAAAAA4D8CAAAAjAAAAAAAAAAAAAAAu+DjDP///wgAAAAAAAAAAAAAAAAAAAAAAAAAAAAAAAAAAAAAZAAAAAEAAABAAAAAAAAAAAAAAAAAAAAAAAAAAAAAAAAAAAAAAAAAAAAAAAAAAAAAAAAAAAAAAAAAAAAAAAAAAAAAAAAAAAAAAAAAAAAAAAAAAAAAAAAAAAAAAAAAAAAAFAAAADwAAAAAAAAAAAAAAAAAAAkUAAAAAQAAABQAAAAUAAAAFAAAAAEAAAAAAAAAZAAAAGQAAAAAAAAAZAAAAGQAAAAVAAAAYAAAAAAAAAAAAAAADwAAACADAAAAAAAAAAAAAAEAAACgMgAAVgcAAKr4//8BAAAAf39/AAEAAABkAAAAAAAAABQAAABAHwAAAAAAACYAAAAAAAAAwOD//wAAAAAmAAAAZAAAABYAAABMAAAAAAAAAAAAAAAEAAAAAAAAAAEAAACAgIAKAAAAACgAAAAoAAAAZAAAAGQAAAAAAAAAzMzMAAAAAABQAAAAUAAAAGQAAABkAAAAAAAAABcAAAAUAAAAAAAAAAAAAAD/fwAA/38AAAAAAAAJAAAABAAAAAAAAAAMAAAAEAAAAAAAAAAAAAAAAAAAAAAAAAAeAAAAaAAAAAAAAAAAAAAAAAAAAAAAAAAAAAAAECcAABAnAAAAAAAAAAAAAAAAAAAAAAAAAAAAAAAAAAAAAAAAAAAAABQAAAAAAAAAwMD/AAAAAABkAAAAMgAAAAAAAABkAAAAAAAAAH9/fwAKAAAAHwAAAFQAAAC74OMF////AQAAAAAAAAAAAAAAAAAAAAAAAAAAAAAAAAAAAAAAAAAAAAAAAn9/fwCAgIADzMzMAMDA/wB/f38AAAAAAAAAAAAAAAAAAAAAAAAAAAAhAAAAGAAAABQAAABjCAAAWwwAAMMvAAANKQAAEAAAACYAAAAIAAAAAQAAAAAAAAA="/>
               </a:ext>
             </a:extLst>
           </p:cNvSpPr>
@@ -4958,7 +6821,7 @@
 </file>
 
 <file path=ppt/slides/slide2.xml><?xml version="1.0" encoding="utf-8"?>
-<p:sld xmlns:p="http://schemas.openxmlformats.org/presentationml/2006/main" xmlns:p14="http://schemas.microsoft.com/office/powerpoint/2010/main" xmlns:r="http://schemas.openxmlformats.org/officeDocument/2006/relationships" xmlns:a="http://schemas.openxmlformats.org/drawingml/2006/main">
+<p:sld xmlns:p="http://schemas.openxmlformats.org/presentationml/2006/main" xmlns:p14="http://schemas.microsoft.com/office/powerpoint/2010/main" xmlns:r="http://schemas.openxmlformats.org/officeDocument/2006/relationships" xmlns:a="http://schemas.openxmlformats.org/drawingml/2006/main" showMasterPhAnim="0">
   <p:cSld>
     <p:spTree>
       <p:nvGrpSpPr>
@@ -4981,7 +6844,7 @@
             <a:spLocks noGrp="1" noChangeArrowheads="1"/>
             <a:extLst>
               <a:ext uri="smNativeData">
-                <pr:smNativeData xmlns:pr="smNativeData" val="SMDATA_13_HczeZRMAAAAlAAAAZAAAAA8BAAAAkAAAAEgAAACQAAAASAAAAAAAAAAAAAAAAAAAAAEAAABQAAAAAAAAAAAA4D8AAAAAAADgPwAAAAAAAOA/AAAAAAAA4D8AAAAAAADgPwAAAAAAAOA/AAAAAAAA4D8AAAAAAADgPwAAAAAAAOA/AAAAAAAA4D8CAAAAjAAAAAAAAAAAAAAAu+DjDP///wgAAAAAAAAAAAAAAAAAAAAAAAAAAAAAAAAAAAAAZAAAAAEAAABAAAAAAAAAAAAAAAAAAAAAAAAAAAAAAAAAAAAAAAAAAAAAAAAAAAAAAAAAAAAAAAAAAAAAAAAAAAAAAAAAAAAAAAAAAAAAAAAAAAAAAAAAAAAAAAAAAAAAFAAAADwAAAAAAAAAAAAAAAAAAAkUAAAAAQAAABQAAAAUAAAAFAAAAAEAAAAAAAAAZAAAAGQAAAAAAAAAZAAAAGQAAAAVAAAAYAAAAAAAAAAAAAAADwAAACADAAAAAAAAAAAAAAEAAACgMgAAVgcAAKr4//8BAAAAf39/AAEAAABkAAAAAAAAABQAAABAHwAAAAAAACYAAAAAAAAAwOD//wAAAAAmAAAAZAAAABYAAABMAAAAAAAAAAAAAAAEAAAAAAAAAAEAAACAgIAKAAAAACgAAAAoAAAAZAAAAGQAAAAAAAAAzMzMAAAAAABQAAAAUAAAAGQAAABkAAAAAAAAABcAAAAUAAAAAAAAAAAAAAD/fwAA/38AAAAAAAAJAAAABAAAAAAAAAAMAAAAEAAAAAAAAAAAAAAAAAAAAAAAAAAeAAAAaAAAAAAAAAAAAAAAAAAAAAAAAAAAAAAAECcAABAnAAAAAAAAAAAAAAAAAAAAAAAAAAAAAAAAAAAAAAAAAAAAABQAAAAAAAAAwMD/AAAAAABkAAAAMgAAAAAAAABkAAAAAAAAAH9/fwAKAAAAHwAAAFQAAAC74OMF////AQAAAAAAAAAAAAAAAAAAAAAAAAAAAAAAAAAAAAAAAAAAAAAAAn9/fwCAgIADzMzMAMDA/wB/f38AAAAAAAAAAAAAAAAAAAAAAAAAAAAhAAAAGAAAABQAAABwCAAAxQEAANAvAABoJgAAAAAAACYAAAAIAAAAAQAAAAAAAAA="/>
+                <pr:smNativeData xmlns:pr="smNativeData" val="SMDATA_13_1CvgZRMAAAAlAAAAZAAAAA8BAAAAkAAAAEgAAACQAAAASAAAAAAAAAAAAAAAAAAAAAEAAABQAAAAAAAAAAAA4D8AAAAAAADgPwAAAAAAAOA/AAAAAAAA4D8AAAAAAADgPwAAAAAAAOA/AAAAAAAA4D8AAAAAAADgPwAAAAAAAOA/AAAAAAAA4D8CAAAAjAAAAAAAAAAAAAAAu+DjDP///wgAAAAAAAAAAAAAAAAAAAAAAAAAAAAAAAAAAAAAZAAAAAEAAABAAAAAAAAAAAAAAAAAAAAAAAAAAAAAAAAAAAAAAAAAAAAAAAAAAAAAAAAAAAAAAAAAAAAAAAAAAAAAAAAAAAAAAAAAAAAAAAAAAAAAAAAAAAAAAAAAAAAAFAAAADwAAAAAAAAAAAAAAAAAAAkUAAAAAQAAABQAAAAUAAAAFAAAAAEAAAAAAAAAZAAAAGQAAAAAAAAAZAAAAGQAAAAVAAAAYAAAAAAAAAAAAAAADwAAACADAAAAAAAAAAAAAAEAAACgMgAAVgcAAKr4//8BAAAAf39/AAEAAABkAAAAAAAAABQAAABAHwAAAAAAACYAAAAAAAAAwOD//wAAAAAmAAAAZAAAABYAAABMAAAAAAAAAAAAAAAEAAAAAAAAAAEAAACAgIAKAAAAACgAAAAoAAAAZAAAAGQAAAAAAAAAzMzMAAAAAABQAAAAUAAAAGQAAABkAAAAAAAAABcAAAAUAAAAAAAAAAAAAAD/fwAA/38AAAAAAAAJAAAABAAAAAAAAAAMAAAAEAAAAAAAAAAAAAAAAAAAAAAAAAAeAAAAaAAAAAAAAAAAAAAAAAAAAAAAAAAAAAAAECcAABAnAAAAAAAAAAAAAAAAAAAAAAAAAAAAAAAAAAAAAAAAAAAAABQAAAAAAAAAwMD/AAAAAABkAAAAMgAAAAAAAABkAAAAAAAAAH9/fwAKAAAAHwAAAFQAAAC74OMF////AQAAAAAAAAAAAAAAAAAAAAAAAAAAAAAAAAAAAAAAAAAAAAAAAn9/fwCAgIADzMzMAMDA/wB/f38AAAAAAAAAAAAAAAAAAAAAAAAAAAAhAAAAGAAAABQAAABwCAAAxQEAANAvAABoJgAAEAAAACYAAAAIAAAAAQAAAAAAAAA="/>
               </a:ext>
             </a:extLst>
           </p:cNvSpPr>
@@ -5062,15 +6925,389 @@
   <p:timing>
     <p:tnLst>
       <p:par>
-        <p:cTn id="1" dur="indefinite" restart="never" nodeType="tmRoot"/>
+        <p:cTn id="1" dur="indefinite" restart="never" nodeType="tmRoot">
+          <p:childTnLst>
+            <p:seq concurrent="1" nextAc="seek">
+              <p:cTn id="2" dur="indefinite" nodeType="mainSeq">
+                <p:childTnLst>
+                  <p:par>
+                    <p:cTn id="3" fill="hold">
+                      <p:stCondLst>
+                        <p:cond delay="indefinite"/>
+                      </p:stCondLst>
+                      <p:childTnLst>
+                        <p:par>
+                          <p:cTn id="4" fill="hold">
+                            <p:stCondLst>
+                              <p:cond delay="0"/>
+                            </p:stCondLst>
+                            <p:childTnLst>
+                              <p:par>
+                                <p:cTn id="5" presetID="1" presetClass="entr" presetSubtype="0" fill="hold" grpId="0" nodeType="clickEffect">
+                                  <p:stCondLst>
+                                    <p:cond delay="0"/>
+                                  </p:stCondLst>
+                                  <p:childTnLst>
+                                    <p:set>
+                                      <p:cBhvr>
+                                        <p:cTn id="6" dur="1" fill="hold">
+                                          <p:stCondLst>
+                                            <p:cond delay="0"/>
+                                          </p:stCondLst>
+                                        </p:cTn>
+                                        <p:tgtEl>
+                                          <p:spTgt spid="2">
+                                            <p:txEl>
+                                              <p:pRg st="0" end="0"/>
+                                            </p:txEl>
+                                          </p:spTgt>
+                                        </p:tgtEl>
+                                        <p:attrNameLst>
+                                          <p:attrName>style.visibility</p:attrName>
+                                        </p:attrNameLst>
+                                      </p:cBhvr>
+                                      <p:to>
+                                        <p:strVal val="visible"/>
+                                      </p:to>
+                                    </p:set>
+                                  </p:childTnLst>
+                                </p:cTn>
+                              </p:par>
+                            </p:childTnLst>
+                          </p:cTn>
+                        </p:par>
+                      </p:childTnLst>
+                    </p:cTn>
+                  </p:par>
+                  <p:par>
+                    <p:cTn id="7" fill="hold">
+                      <p:stCondLst>
+                        <p:cond delay="indefinite"/>
+                      </p:stCondLst>
+                      <p:childTnLst>
+                        <p:par>
+                          <p:cTn id="8" fill="hold">
+                            <p:stCondLst>
+                              <p:cond delay="0"/>
+                            </p:stCondLst>
+                            <p:childTnLst>
+                              <p:par>
+                                <p:cTn id="9" presetID="1" presetClass="entr" presetSubtype="0" fill="hold" grpId="0" nodeType="clickEffect">
+                                  <p:stCondLst>
+                                    <p:cond delay="0"/>
+                                  </p:stCondLst>
+                                  <p:childTnLst>
+                                    <p:set>
+                                      <p:cBhvr>
+                                        <p:cTn id="10" dur="1" fill="hold">
+                                          <p:stCondLst>
+                                            <p:cond delay="0"/>
+                                          </p:stCondLst>
+                                        </p:cTn>
+                                        <p:tgtEl>
+                                          <p:spTgt spid="2">
+                                            <p:txEl>
+                                              <p:pRg st="1" end="1"/>
+                                            </p:txEl>
+                                          </p:spTgt>
+                                        </p:tgtEl>
+                                        <p:attrNameLst>
+                                          <p:attrName>style.visibility</p:attrName>
+                                        </p:attrNameLst>
+                                      </p:cBhvr>
+                                      <p:to>
+                                        <p:strVal val="visible"/>
+                                      </p:to>
+                                    </p:set>
+                                  </p:childTnLst>
+                                </p:cTn>
+                              </p:par>
+                            </p:childTnLst>
+                          </p:cTn>
+                        </p:par>
+                      </p:childTnLst>
+                    </p:cTn>
+                  </p:par>
+                  <p:par>
+                    <p:cTn id="11" fill="hold">
+                      <p:stCondLst>
+                        <p:cond delay="indefinite"/>
+                      </p:stCondLst>
+                      <p:childTnLst>
+                        <p:par>
+                          <p:cTn id="12" fill="hold">
+                            <p:stCondLst>
+                              <p:cond delay="0"/>
+                            </p:stCondLst>
+                            <p:childTnLst>
+                              <p:par>
+                                <p:cTn id="13" presetID="1" presetClass="entr" presetSubtype="0" fill="hold" grpId="0" nodeType="clickEffect">
+                                  <p:stCondLst>
+                                    <p:cond delay="0"/>
+                                  </p:stCondLst>
+                                  <p:childTnLst>
+                                    <p:set>
+                                      <p:cBhvr>
+                                        <p:cTn id="14" dur="1" fill="hold">
+                                          <p:stCondLst>
+                                            <p:cond delay="0"/>
+                                          </p:stCondLst>
+                                        </p:cTn>
+                                        <p:tgtEl>
+                                          <p:spTgt spid="2">
+                                            <p:txEl>
+                                              <p:pRg st="2" end="2"/>
+                                            </p:txEl>
+                                          </p:spTgt>
+                                        </p:tgtEl>
+                                        <p:attrNameLst>
+                                          <p:attrName>style.visibility</p:attrName>
+                                        </p:attrNameLst>
+                                      </p:cBhvr>
+                                      <p:to>
+                                        <p:strVal val="visible"/>
+                                      </p:to>
+                                    </p:set>
+                                  </p:childTnLst>
+                                </p:cTn>
+                              </p:par>
+                            </p:childTnLst>
+                          </p:cTn>
+                        </p:par>
+                      </p:childTnLst>
+                    </p:cTn>
+                  </p:par>
+                  <p:par>
+                    <p:cTn id="15" fill="hold">
+                      <p:stCondLst>
+                        <p:cond delay="indefinite"/>
+                      </p:stCondLst>
+                      <p:childTnLst>
+                        <p:par>
+                          <p:cTn id="16" fill="hold">
+                            <p:stCondLst>
+                              <p:cond delay="0"/>
+                            </p:stCondLst>
+                            <p:childTnLst>
+                              <p:par>
+                                <p:cTn id="17" presetID="1" presetClass="entr" presetSubtype="0" fill="hold" grpId="0" nodeType="clickEffect">
+                                  <p:stCondLst>
+                                    <p:cond delay="0"/>
+                                  </p:stCondLst>
+                                  <p:childTnLst>
+                                    <p:set>
+                                      <p:cBhvr>
+                                        <p:cTn id="18" dur="1" fill="hold">
+                                          <p:stCondLst>
+                                            <p:cond delay="0"/>
+                                          </p:stCondLst>
+                                        </p:cTn>
+                                        <p:tgtEl>
+                                          <p:spTgt spid="2">
+                                            <p:txEl>
+                                              <p:pRg st="3" end="3"/>
+                                            </p:txEl>
+                                          </p:spTgt>
+                                        </p:tgtEl>
+                                        <p:attrNameLst>
+                                          <p:attrName>style.visibility</p:attrName>
+                                        </p:attrNameLst>
+                                      </p:cBhvr>
+                                      <p:to>
+                                        <p:strVal val="visible"/>
+                                      </p:to>
+                                    </p:set>
+                                  </p:childTnLst>
+                                </p:cTn>
+                              </p:par>
+                            </p:childTnLst>
+                          </p:cTn>
+                        </p:par>
+                      </p:childTnLst>
+                    </p:cTn>
+                  </p:par>
+                  <p:par>
+                    <p:cTn id="19" fill="hold">
+                      <p:stCondLst>
+                        <p:cond delay="indefinite"/>
+                      </p:stCondLst>
+                      <p:childTnLst>
+                        <p:par>
+                          <p:cTn id="20" fill="hold">
+                            <p:stCondLst>
+                              <p:cond delay="0"/>
+                            </p:stCondLst>
+                            <p:childTnLst>
+                              <p:par>
+                                <p:cTn id="21" presetID="1" presetClass="entr" presetSubtype="0" fill="hold" grpId="0" nodeType="clickEffect">
+                                  <p:stCondLst>
+                                    <p:cond delay="0"/>
+                                  </p:stCondLst>
+                                  <p:childTnLst>
+                                    <p:set>
+                                      <p:cBhvr>
+                                        <p:cTn id="22" dur="1" fill="hold">
+                                          <p:stCondLst>
+                                            <p:cond delay="0"/>
+                                          </p:stCondLst>
+                                        </p:cTn>
+                                        <p:tgtEl>
+                                          <p:spTgt spid="2">
+                                            <p:txEl>
+                                              <p:pRg st="4" end="4"/>
+                                            </p:txEl>
+                                          </p:spTgt>
+                                        </p:tgtEl>
+                                        <p:attrNameLst>
+                                          <p:attrName>style.visibility</p:attrName>
+                                        </p:attrNameLst>
+                                      </p:cBhvr>
+                                      <p:to>
+                                        <p:strVal val="visible"/>
+                                      </p:to>
+                                    </p:set>
+                                  </p:childTnLst>
+                                </p:cTn>
+                              </p:par>
+                            </p:childTnLst>
+                          </p:cTn>
+                        </p:par>
+                      </p:childTnLst>
+                    </p:cTn>
+                  </p:par>
+                  <p:par>
+                    <p:cTn id="23" fill="hold">
+                      <p:stCondLst>
+                        <p:cond delay="indefinite"/>
+                      </p:stCondLst>
+                      <p:childTnLst>
+                        <p:par>
+                          <p:cTn id="24" fill="hold">
+                            <p:stCondLst>
+                              <p:cond delay="0"/>
+                            </p:stCondLst>
+                            <p:childTnLst>
+                              <p:par>
+                                <p:cTn id="25" presetID="1" presetClass="entr" presetSubtype="0" fill="hold" grpId="0" nodeType="clickEffect">
+                                  <p:stCondLst>
+                                    <p:cond delay="0"/>
+                                  </p:stCondLst>
+                                  <p:childTnLst>
+                                    <p:set>
+                                      <p:cBhvr>
+                                        <p:cTn id="26" dur="1" fill="hold">
+                                          <p:stCondLst>
+                                            <p:cond delay="0"/>
+                                          </p:stCondLst>
+                                        </p:cTn>
+                                        <p:tgtEl>
+                                          <p:spTgt spid="2">
+                                            <p:txEl>
+                                              <p:pRg st="5" end="5"/>
+                                            </p:txEl>
+                                          </p:spTgt>
+                                        </p:tgtEl>
+                                        <p:attrNameLst>
+                                          <p:attrName>style.visibility</p:attrName>
+                                        </p:attrNameLst>
+                                      </p:cBhvr>
+                                      <p:to>
+                                        <p:strVal val="visible"/>
+                                      </p:to>
+                                    </p:set>
+                                  </p:childTnLst>
+                                </p:cTn>
+                              </p:par>
+                            </p:childTnLst>
+                          </p:cTn>
+                        </p:par>
+                      </p:childTnLst>
+                    </p:cTn>
+                  </p:par>
+                  <p:par>
+                    <p:cTn id="27" fill="hold">
+                      <p:stCondLst>
+                        <p:cond delay="indefinite"/>
+                      </p:stCondLst>
+                      <p:childTnLst>
+                        <p:par>
+                          <p:cTn id="28" fill="hold">
+                            <p:stCondLst>
+                              <p:cond delay="0"/>
+                            </p:stCondLst>
+                            <p:childTnLst>
+                              <p:par>
+                                <p:cTn id="29" presetID="1" presetClass="entr" presetSubtype="0" fill="hold" grpId="0" nodeType="clickEffect">
+                                  <p:stCondLst>
+                                    <p:cond delay="0"/>
+                                  </p:stCondLst>
+                                  <p:childTnLst>
+                                    <p:set>
+                                      <p:cBhvr>
+                                        <p:cTn id="30" dur="1" fill="hold">
+                                          <p:stCondLst>
+                                            <p:cond delay="0"/>
+                                          </p:stCondLst>
+                                        </p:cTn>
+                                        <p:tgtEl>
+                                          <p:spTgt spid="2">
+                                            <p:txEl>
+                                              <p:pRg st="6" end="6"/>
+                                            </p:txEl>
+                                          </p:spTgt>
+                                        </p:tgtEl>
+                                        <p:attrNameLst>
+                                          <p:attrName>style.visibility</p:attrName>
+                                        </p:attrNameLst>
+                                      </p:cBhvr>
+                                      <p:to>
+                                        <p:strVal val="visible"/>
+                                      </p:to>
+                                    </p:set>
+                                  </p:childTnLst>
+                                </p:cTn>
+                              </p:par>
+                            </p:childTnLst>
+                          </p:cTn>
+                        </p:par>
+                      </p:childTnLst>
+                    </p:cTn>
+                  </p:par>
+                </p:childTnLst>
+              </p:cTn>
+              <p:prevCondLst>
+                <p:cond evt="onPrev" delay="0">
+                  <p:tgtEl>
+                    <p:sldTgt/>
+                  </p:tgtEl>
+                </p:cond>
+              </p:prevCondLst>
+              <p:nextCondLst>
+                <p:cond evt="onNext" delay="0">
+                  <p:tgtEl>
+                    <p:sldTgt/>
+                  </p:tgtEl>
+                </p:cond>
+              </p:nextCondLst>
+            </p:seq>
+          </p:childTnLst>
+        </p:cTn>
       </p:par>
     </p:tnLst>
+    <p:bldLst>
+      <p:bldP spid="2" grpId="0" build="p"/>
+    </p:bldLst>
+    <p:extLst>
+      <p:ext uri="smNativeData">
+        <pr:smNativeData xmlns:pr="smNativeData" val="1CvgZQcAAAAFAAAAAAAAAAEAAAABAAAAAAAAAAAAAAAAAAAAAAAAAAkAAAABAAAAAQAAAAEAAAAAAAAAAAAAAAAAAAAAAAAADQAAAAIAAAABAAAAAQAAAAAAAAAAAAAAAAAAAAAAAAARAAAAAwAAAAEAAAABAAAAAAAAAAAAAAAAAAAAAAAAABUAAAAEAAAAAQAAAAEAAAAAAAAAAAAAAAAAAAAAAAAAGQAAAAUAAAABAAAAAQAAAAAAAAAAAAAAAAAAAAAAAAAdAAAABgAAAAEAAAABAAAAAAAAAAAAAAAAAAAAAAAAAA=="/>
+      </p:ext>
+    </p:extLst>
   </p:timing>
 </p:sld>
 </file>
 
 <file path=ppt/slides/slide20.xml><?xml version="1.0" encoding="utf-8"?>
-<p:sld xmlns:p="http://schemas.openxmlformats.org/presentationml/2006/main" xmlns:p14="http://schemas.microsoft.com/office/powerpoint/2010/main" xmlns:r="http://schemas.openxmlformats.org/officeDocument/2006/relationships" xmlns:a="http://schemas.openxmlformats.org/drawingml/2006/main">
+<p:sld xmlns:p="http://schemas.openxmlformats.org/presentationml/2006/main" xmlns:p14="http://schemas.microsoft.com/office/powerpoint/2010/main" xmlns:r="http://schemas.openxmlformats.org/officeDocument/2006/relationships" xmlns:a="http://schemas.openxmlformats.org/drawingml/2006/main" showMasterPhAnim="0">
   <p:cSld>
     <p:spTree>
       <p:nvGrpSpPr>
@@ -5093,7 +7330,7 @@
             <a:spLocks noGrp="1" noChangeArrowheads="1"/>
             <a:extLst>
               <a:ext uri="smNativeData">
-                <pr:smNativeData xmlns:pr="smNativeData" val="SMDATA_13_HczeZRMAAAAlAAAAZAAAAA8BAAAAkAAAAEgAAACQAAAASAAAAAAAAAAAAAAAAAAAAAEAAABQAAAAAAAAAAAA4D8AAAAAAADgPwAAAAAAAOA/AAAAAAAA4D8AAAAAAADgPwAAAAAAAOA/AAAAAAAA4D8AAAAAAADgPwAAAAAAAOA/AAAAAAAA4D8CAAAAjAAAAAAAAAAAAAAAu+DjDP///wgAAAAAAAAAAAAAAAAAAAAAAAAAAAAAAAAAAAAAZAAAAAEAAABAAAAAAAAAAAAAAAAAAAAAAAAAAAAAAAAAAAAAAAAAAAAAAAAAAAAAAAAAAAAAAAAAAAAAAAAAAAAAAAAAAAAAAAAAAAAAAAAAAAAAAAAAAAAAAAAAAAAAFAAAADwAAAAAAAAAAAAAAAAAAAkUAAAAAQAAABQAAAAUAAAAFAAAAAEAAAAAAAAAZAAAAGQAAAAAAAAAZAAAAGQAAAAVAAAAYAAAAAAAAAAAAAAADwAAACADAAAAAAAAAAAAAAEAAACgMgAAVgcAAKr4//8BAAAAf39/AAEAAABkAAAAAAAAABQAAABAHwAAAAAAACYAAAAAAAAAwOD//wAAAAAmAAAAZAAAABYAAABMAAAAAAAAAAAAAAAEAAAAAAAAAAEAAACAgIAKAAAAACgAAAAoAAAAZAAAAGQAAAAAAAAAzMzMAAAAAABQAAAAUAAAAGQAAABkAAAAAAAAABcAAAAUAAAAAAAAAAAAAAD/fwAA/38AAAAAAAAJAAAABAAAAAAAAAAMAAAAEAAAAAAAAAAAAAAAAAAAAAAAAAAeAAAAaAAAAAAAAAAAAAAAAAAAAAAAAAAAAAAAECcAABAnAAAAAAAAAAAAAAAAAAAAAAAAAAAAAAAAAAAAAAAAAAAAABQAAAAAAAAAwMD/AAAAAABkAAAAMgAAAAAAAABkAAAAAAAAAH9/fwAKAAAAHwAAAFQAAAC74OMF////AQAAAAAAAAAAAAAAAAAAAAAAAAAAAAAAAAAAAAAAAAAAAAAAAn9/fwCAgIADzMzMAMDA/wB/f38AAAAAAAAAAAAAAAAAAAAAAAAAAAAhAAAAGAAAABQAAABwCAAAiAMAANAvAACjJAAAAAAAACYAAAAIAAAAAQAAAAAAAAA="/>
+                <pr:smNativeData xmlns:pr="smNativeData" val="SMDATA_13_1CvgZRMAAAAlAAAAZAAAAA8BAAAAkAAAAEgAAACQAAAASAAAAAAAAAAAAAAAAAAAAAEAAABQAAAAAAAAAAAA4D8AAAAAAADgPwAAAAAAAOA/AAAAAAAA4D8AAAAAAADgPwAAAAAAAOA/AAAAAAAA4D8AAAAAAADgPwAAAAAAAOA/AAAAAAAA4D8CAAAAjAAAAAAAAAAAAAAAu+DjDP///wgAAAAAAAAAAAAAAAAAAAAAAAAAAAAAAAAAAAAAZAAAAAEAAABAAAAAAAAAAAAAAAAAAAAAAAAAAAAAAAAAAAAAAAAAAAAAAAAAAAAAAAAAAAAAAAAAAAAAAAAAAAAAAAAAAAAAAAAAAAAAAAAAAAAAAAAAAAAAAAAAAAAAFAAAADwAAAAAAAAAAAAAAAAAAAkUAAAAAQAAABQAAAAUAAAAFAAAAAEAAAAAAAAAZAAAAGQAAAAAAAAAZAAAAGQAAAAVAAAAYAAAAAAAAAAAAAAADwAAACADAAAAAAAAAAAAAAEAAACgMgAAVgcAAKr4//8BAAAAf39/AAEAAABkAAAAAAAAABQAAABAHwAAAAAAACYAAAAAAAAAwOD//wAAAAAmAAAAZAAAABYAAABMAAAAAAAAAAAAAAAEAAAAAAAAAAEAAACAgIAKAAAAACgAAAAoAAAAZAAAAGQAAAAAAAAAzMzMAAAAAABQAAAAUAAAAGQAAABkAAAAAAAAABcAAAAUAAAAAAAAAAAAAAD/fwAA/38AAAAAAAAJAAAABAAAAAAAAAAMAAAAEAAAAAAAAAAAAAAAAAAAAAAAAAAeAAAAaAAAAAAAAAAAAAAAAAAAAAAAAAAAAAAAECcAABAnAAAAAAAAAAAAAAAAAAAAAAAAAAAAAAAAAAAAAAAAAAAAABQAAAAAAAAAwMD/AAAAAABkAAAAMgAAAAAAAABkAAAAAAAAAH9/fwAKAAAAHwAAAFQAAAC74OMF////AQAAAAAAAAAAAAAAAAAAAAAAAAAAAAAAAAAAAAAAAAAAAAAAAn9/fwCAgIADzMzMAMDA/wB/f38AAAAAAAAAAAAAAAAAAAAAAAAAAAAhAAAAGAAAABQAAABwCAAAiAMAANAvAACjJAAAAAAAACYAAAAIAAAAAQAAAAAAAAA="/>
               </a:ext>
             </a:extLst>
           </p:cNvSpPr>
@@ -5161,7 +7398,7 @@
               <a:buChar char=""/>
             </a:pPr>
             <a:r>
-              <a:t>We have a bountiful coffee dispensers in the office.</a:t>
+              <a:t>We have bountiful coffee dispensers in the office.</a:t>
             </a:r>
           </a:p>
         </p:txBody>
@@ -5174,9 +7411,383 @@
   <p:timing>
     <p:tnLst>
       <p:par>
-        <p:cTn id="1" dur="indefinite" restart="never" nodeType="tmRoot"/>
+        <p:cTn id="1" dur="indefinite" restart="never" nodeType="tmRoot">
+          <p:childTnLst>
+            <p:seq concurrent="1" nextAc="seek">
+              <p:cTn id="2" dur="indefinite" nodeType="mainSeq">
+                <p:childTnLst>
+                  <p:par>
+                    <p:cTn id="3" fill="hold">
+                      <p:stCondLst>
+                        <p:cond delay="indefinite"/>
+                      </p:stCondLst>
+                      <p:childTnLst>
+                        <p:par>
+                          <p:cTn id="4" fill="hold">
+                            <p:stCondLst>
+                              <p:cond delay="0"/>
+                            </p:stCondLst>
+                            <p:childTnLst>
+                              <p:par>
+                                <p:cTn id="5" presetID="1" presetClass="entr" presetSubtype="0" fill="hold" grpId="0" nodeType="clickEffect">
+                                  <p:stCondLst>
+                                    <p:cond delay="0"/>
+                                  </p:stCondLst>
+                                  <p:childTnLst>
+                                    <p:set>
+                                      <p:cBhvr>
+                                        <p:cTn id="6" dur="1" fill="hold">
+                                          <p:stCondLst>
+                                            <p:cond delay="0"/>
+                                          </p:stCondLst>
+                                        </p:cTn>
+                                        <p:tgtEl>
+                                          <p:spTgt spid="2">
+                                            <p:txEl>
+                                              <p:pRg st="0" end="0"/>
+                                            </p:txEl>
+                                          </p:spTgt>
+                                        </p:tgtEl>
+                                        <p:attrNameLst>
+                                          <p:attrName>style.visibility</p:attrName>
+                                        </p:attrNameLst>
+                                      </p:cBhvr>
+                                      <p:to>
+                                        <p:strVal val="visible"/>
+                                      </p:to>
+                                    </p:set>
+                                  </p:childTnLst>
+                                </p:cTn>
+                              </p:par>
+                            </p:childTnLst>
+                          </p:cTn>
+                        </p:par>
+                      </p:childTnLst>
+                    </p:cTn>
+                  </p:par>
+                  <p:par>
+                    <p:cTn id="7" fill="hold">
+                      <p:stCondLst>
+                        <p:cond delay="indefinite"/>
+                      </p:stCondLst>
+                      <p:childTnLst>
+                        <p:par>
+                          <p:cTn id="8" fill="hold">
+                            <p:stCondLst>
+                              <p:cond delay="0"/>
+                            </p:stCondLst>
+                            <p:childTnLst>
+                              <p:par>
+                                <p:cTn id="9" presetID="1" presetClass="entr" presetSubtype="0" fill="hold" grpId="0" nodeType="clickEffect">
+                                  <p:stCondLst>
+                                    <p:cond delay="0"/>
+                                  </p:stCondLst>
+                                  <p:childTnLst>
+                                    <p:set>
+                                      <p:cBhvr>
+                                        <p:cTn id="10" dur="1" fill="hold">
+                                          <p:stCondLst>
+                                            <p:cond delay="0"/>
+                                          </p:stCondLst>
+                                        </p:cTn>
+                                        <p:tgtEl>
+                                          <p:spTgt spid="2">
+                                            <p:txEl>
+                                              <p:pRg st="1" end="1"/>
+                                            </p:txEl>
+                                          </p:spTgt>
+                                        </p:tgtEl>
+                                        <p:attrNameLst>
+                                          <p:attrName>style.visibility</p:attrName>
+                                        </p:attrNameLst>
+                                      </p:cBhvr>
+                                      <p:to>
+                                        <p:strVal val="visible"/>
+                                      </p:to>
+                                    </p:set>
+                                  </p:childTnLst>
+                                </p:cTn>
+                              </p:par>
+                            </p:childTnLst>
+                          </p:cTn>
+                        </p:par>
+                      </p:childTnLst>
+                    </p:cTn>
+                  </p:par>
+                  <p:par>
+                    <p:cTn id="11" fill="hold">
+                      <p:stCondLst>
+                        <p:cond delay="indefinite"/>
+                      </p:stCondLst>
+                      <p:childTnLst>
+                        <p:par>
+                          <p:cTn id="12" fill="hold">
+                            <p:stCondLst>
+                              <p:cond delay="0"/>
+                            </p:stCondLst>
+                            <p:childTnLst>
+                              <p:par>
+                                <p:cTn id="13" presetID="1" presetClass="entr" presetSubtype="0" fill="hold" grpId="0" nodeType="clickEffect">
+                                  <p:stCondLst>
+                                    <p:cond delay="0"/>
+                                  </p:stCondLst>
+                                  <p:childTnLst>
+                                    <p:set>
+                                      <p:cBhvr>
+                                        <p:cTn id="14" dur="1" fill="hold">
+                                          <p:stCondLst>
+                                            <p:cond delay="0"/>
+                                          </p:stCondLst>
+                                        </p:cTn>
+                                        <p:tgtEl>
+                                          <p:spTgt spid="2">
+                                            <p:txEl>
+                                              <p:pRg st="2" end="2"/>
+                                            </p:txEl>
+                                          </p:spTgt>
+                                        </p:tgtEl>
+                                        <p:attrNameLst>
+                                          <p:attrName>style.visibility</p:attrName>
+                                        </p:attrNameLst>
+                                      </p:cBhvr>
+                                      <p:to>
+                                        <p:strVal val="visible"/>
+                                      </p:to>
+                                    </p:set>
+                                  </p:childTnLst>
+                                </p:cTn>
+                              </p:par>
+                            </p:childTnLst>
+                          </p:cTn>
+                        </p:par>
+                      </p:childTnLst>
+                    </p:cTn>
+                  </p:par>
+                  <p:par>
+                    <p:cTn id="15" fill="hold">
+                      <p:stCondLst>
+                        <p:cond delay="indefinite"/>
+                      </p:stCondLst>
+                      <p:childTnLst>
+                        <p:par>
+                          <p:cTn id="16" fill="hold">
+                            <p:stCondLst>
+                              <p:cond delay="0"/>
+                            </p:stCondLst>
+                            <p:childTnLst>
+                              <p:par>
+                                <p:cTn id="17" presetID="1" presetClass="entr" presetSubtype="0" fill="hold" grpId="0" nodeType="clickEffect">
+                                  <p:stCondLst>
+                                    <p:cond delay="0"/>
+                                  </p:stCondLst>
+                                  <p:childTnLst>
+                                    <p:set>
+                                      <p:cBhvr>
+                                        <p:cTn id="18" dur="1" fill="hold">
+                                          <p:stCondLst>
+                                            <p:cond delay="0"/>
+                                          </p:stCondLst>
+                                        </p:cTn>
+                                        <p:tgtEl>
+                                          <p:spTgt spid="2">
+                                            <p:txEl>
+                                              <p:pRg st="3" end="3"/>
+                                            </p:txEl>
+                                          </p:spTgt>
+                                        </p:tgtEl>
+                                        <p:attrNameLst>
+                                          <p:attrName>style.visibility</p:attrName>
+                                        </p:attrNameLst>
+                                      </p:cBhvr>
+                                      <p:to>
+                                        <p:strVal val="visible"/>
+                                      </p:to>
+                                    </p:set>
+                                  </p:childTnLst>
+                                </p:cTn>
+                              </p:par>
+                            </p:childTnLst>
+                          </p:cTn>
+                        </p:par>
+                      </p:childTnLst>
+                    </p:cTn>
+                  </p:par>
+                  <p:par>
+                    <p:cTn id="19" fill="hold">
+                      <p:stCondLst>
+                        <p:cond delay="indefinite"/>
+                      </p:stCondLst>
+                      <p:childTnLst>
+                        <p:par>
+                          <p:cTn id="20" fill="hold">
+                            <p:stCondLst>
+                              <p:cond delay="0"/>
+                            </p:stCondLst>
+                            <p:childTnLst>
+                              <p:par>
+                                <p:cTn id="21" presetID="1" presetClass="entr" presetSubtype="0" fill="hold" grpId="0" nodeType="clickEffect">
+                                  <p:stCondLst>
+                                    <p:cond delay="0"/>
+                                  </p:stCondLst>
+                                  <p:childTnLst>
+                                    <p:set>
+                                      <p:cBhvr>
+                                        <p:cTn id="22" dur="1" fill="hold">
+                                          <p:stCondLst>
+                                            <p:cond delay="0"/>
+                                          </p:stCondLst>
+                                        </p:cTn>
+                                        <p:tgtEl>
+                                          <p:spTgt spid="2">
+                                            <p:txEl>
+                                              <p:pRg st="4" end="4"/>
+                                            </p:txEl>
+                                          </p:spTgt>
+                                        </p:tgtEl>
+                                        <p:attrNameLst>
+                                          <p:attrName>style.visibility</p:attrName>
+                                        </p:attrNameLst>
+                                      </p:cBhvr>
+                                      <p:to>
+                                        <p:strVal val="visible"/>
+                                      </p:to>
+                                    </p:set>
+                                  </p:childTnLst>
+                                </p:cTn>
+                              </p:par>
+                            </p:childTnLst>
+                          </p:cTn>
+                        </p:par>
+                      </p:childTnLst>
+                    </p:cTn>
+                  </p:par>
+                  <p:par>
+                    <p:cTn id="23" fill="hold">
+                      <p:stCondLst>
+                        <p:cond delay="indefinite"/>
+                      </p:stCondLst>
+                      <p:childTnLst>
+                        <p:par>
+                          <p:cTn id="24" fill="hold">
+                            <p:stCondLst>
+                              <p:cond delay="0"/>
+                            </p:stCondLst>
+                            <p:childTnLst>
+                              <p:par>
+                                <p:cTn id="25" presetID="1" presetClass="entr" presetSubtype="0" fill="hold" grpId="0" nodeType="clickEffect">
+                                  <p:stCondLst>
+                                    <p:cond delay="0"/>
+                                  </p:stCondLst>
+                                  <p:childTnLst>
+                                    <p:set>
+                                      <p:cBhvr>
+                                        <p:cTn id="26" dur="1" fill="hold">
+                                          <p:stCondLst>
+                                            <p:cond delay="0"/>
+                                          </p:stCondLst>
+                                        </p:cTn>
+                                        <p:tgtEl>
+                                          <p:spTgt spid="2">
+                                            <p:txEl>
+                                              <p:pRg st="5" end="5"/>
+                                            </p:txEl>
+                                          </p:spTgt>
+                                        </p:tgtEl>
+                                        <p:attrNameLst>
+                                          <p:attrName>style.visibility</p:attrName>
+                                        </p:attrNameLst>
+                                      </p:cBhvr>
+                                      <p:to>
+                                        <p:strVal val="visible"/>
+                                      </p:to>
+                                    </p:set>
+                                  </p:childTnLst>
+                                </p:cTn>
+                              </p:par>
+                            </p:childTnLst>
+                          </p:cTn>
+                        </p:par>
+                      </p:childTnLst>
+                    </p:cTn>
+                  </p:par>
+                  <p:par>
+                    <p:cTn id="27" fill="hold">
+                      <p:stCondLst>
+                        <p:cond delay="indefinite"/>
+                      </p:stCondLst>
+                      <p:childTnLst>
+                        <p:par>
+                          <p:cTn id="28" fill="hold">
+                            <p:stCondLst>
+                              <p:cond delay="0"/>
+                            </p:stCondLst>
+                            <p:childTnLst>
+                              <p:par>
+                                <p:cTn id="29" presetID="1" presetClass="entr" presetSubtype="0" fill="hold" grpId="0" nodeType="clickEffect">
+                                  <p:stCondLst>
+                                    <p:cond delay="0"/>
+                                  </p:stCondLst>
+                                  <p:childTnLst>
+                                    <p:set>
+                                      <p:cBhvr>
+                                        <p:cTn id="30" dur="1" fill="hold">
+                                          <p:stCondLst>
+                                            <p:cond delay="0"/>
+                                          </p:stCondLst>
+                                        </p:cTn>
+                                        <p:tgtEl>
+                                          <p:spTgt spid="2">
+                                            <p:txEl>
+                                              <p:pRg st="6" end="6"/>
+                                            </p:txEl>
+                                          </p:spTgt>
+                                        </p:tgtEl>
+                                        <p:attrNameLst>
+                                          <p:attrName>style.visibility</p:attrName>
+                                        </p:attrNameLst>
+                                      </p:cBhvr>
+                                      <p:to>
+                                        <p:strVal val="visible"/>
+                                      </p:to>
+                                    </p:set>
+                                  </p:childTnLst>
+                                </p:cTn>
+                              </p:par>
+                            </p:childTnLst>
+                          </p:cTn>
+                        </p:par>
+                      </p:childTnLst>
+                    </p:cTn>
+                  </p:par>
+                </p:childTnLst>
+              </p:cTn>
+              <p:prevCondLst>
+                <p:cond evt="onPrev" delay="0">
+                  <p:tgtEl>
+                    <p:sldTgt/>
+                  </p:tgtEl>
+                </p:cond>
+              </p:prevCondLst>
+              <p:nextCondLst>
+                <p:cond evt="onNext" delay="0">
+                  <p:tgtEl>
+                    <p:sldTgt/>
+                  </p:tgtEl>
+                </p:cond>
+              </p:nextCondLst>
+            </p:seq>
+          </p:childTnLst>
+        </p:cTn>
       </p:par>
     </p:tnLst>
+    <p:bldLst>
+      <p:bldP spid="2" grpId="0" build="p"/>
+    </p:bldLst>
+    <p:extLst>
+      <p:ext uri="smNativeData">
+        <pr:smNativeData xmlns:pr="smNativeData" val="1CvgZQcAAAAFAAAAAAAAAAEAAAABAAAAAAAAAAAAAAAAAAAAAAAAAAkAAAABAAAAAQAAAAEAAAAAAAAAAAAAAAAAAAAAAAAADQAAAAIAAAABAAAAAQAAAAAAAAAAAAAAAAAAAAAAAAARAAAAAwAAAAEAAAABAAAAAAAAAAAAAAAAAAAAAAAAABUAAAAEAAAAAQAAAAEAAAAAAAAAAAAAAAAAAAAAAAAAGQAAAAUAAAABAAAAAQAAAAAAAAAAAAAAAAAAAAAAAAAdAAAABgAAAAEAAAABAAAAAAAAAAAAAAAAAAAAAAAAAA=="/>
+      </p:ext>
+    </p:extLst>
   </p:timing>
 </p:sld>
 </file>
@@ -5205,7 +7816,7 @@
             <a:spLocks noGrp="1" noChangeArrowheads="1"/>
             <a:extLst>
               <a:ext uri="smNativeData">
-                <pr:smNativeData xmlns:pr="smNativeData" val="SMDATA_13_HczeZRMAAAAlAAAAZAAAAA8BAAAAkAAAAEgAAACQAAAASAAAAAAAAAABAAAAAAAAAAEAAABQAAAAAAAAAAAA4D8AAAAAAADgPwAAAAAAAOA/AAAAAAAA4D8AAAAAAADgPwAAAAAAAOA/AAAAAAAA4D8AAAAAAADgPwAAAAAAAOA/AAAAAAAA4D8CAAAAjAAAAAAAAAAAAAAAu+DjDP///wgAAAAAAAAAAAAAAAAAAAAAAAAAAAAAAAAAAAAAZAAAAAEAAABAAAAAAAAAAAAAAAAAAAAAAAAAAAAAAAAAAAAAAAAAAAAAAAAAAAAAAAAAAAAAAAAAAAAAAAAAAAAAAAAAAAAAAAAAAAAAAAAAAAAAAAAAAAAAAAAAAAAAFAAAADwAAAAAAAAAAAAAAAAAAAkUAAAAAQAAABQAAAAUAAAAFAAAAAEAAAAAAAAAZAAAAGQAAAAAAAAAZAAAAGQAAAAVAAAAYAAAAAAAAAAAAAAADwAAACADAAAAAAAAAAAAAAEAAACgMgAAVgcAAKr4//8BAAAAf39/AAEAAABkAAAAAAAAABQAAABAHwAAAAAAACYAAAAAAAAAwOD//wAAAAAmAAAAZAAAABYAAABMAAAAAAAAAAAAAAAEAAAAAAAAAAEAAACAgIAKAAAAACgAAAAoAAAAZAAAAGQAAAAAAAAAzMzMAAAAAABQAAAAUAAAAGQAAABkAAAAAAAAABcAAAAUAAAAAAAAAAAAAAD/fwAA/38AAAAAAAAJAAAABAAAAAAAAAAMAAAAEAAAAAAAAAAAAAAAAAAAAAAAAAAeAAAAaAAAAAAAAAAAAAAAAAAAAAAAAAAAAAAAECcAABAnAAAAAAAAAAAAAAAAAAAAAAAAAAAAAAAAAAAAAAAAAAAAABQAAAAAAAAAwMD/AAAAAABkAAAAMgAAAAAAAABkAAAAAAAAAH9/fwAKAAAAHwAAAFQAAAC74OMF////AQAAAAAAAAAAAAAAAAAAAAAAAAAAAAAAAAAAAAAAAAAAAAAAAn9/fwCAgIADzMzMAMDA/wB/f38AAAAAAAAAAAAAAAAAAAAAAAAAAAAhAAAAGAAAABQAAAAXAwAA3wIAAOcyAADrCwAAAAAAACYAAAAIAAAAAQAAAAAAAAA="/>
+                <pr:smNativeData xmlns:pr="smNativeData" val="SMDATA_13_1CvgZRMAAAAlAAAAZAAAAA8BAAAAkAAAAEgAAACQAAAASAAAAAAAAAABAAAAAAAAAAEAAABQAAAAAAAAAAAA4D8AAAAAAADgPwAAAAAAAOA/AAAAAAAA4D8AAAAAAADgPwAAAAAAAOA/AAAAAAAA4D8AAAAAAADgPwAAAAAAAOA/AAAAAAAA4D8CAAAAjAAAAAAAAAAAAAAAu+DjDP///wgAAAAAAAAAAAAAAAAAAAAAAAAAAAAAAAAAAAAAZAAAAAEAAABAAAAAAAAAAAAAAAAAAAAAAAAAAAAAAAAAAAAAAAAAAAAAAAAAAAAAAAAAAAAAAAAAAAAAAAAAAAAAAAAAAAAAAAAAAAAAAAAAAAAAAAAAAAAAAAAAAAAAFAAAADwAAAAAAAAAAAAAAAAAAAkUAAAAAQAAABQAAAAUAAAAFAAAAAEAAAAAAAAAZAAAAGQAAAAAAAAAZAAAAGQAAAAVAAAAYAAAAAAAAAAAAAAADwAAACADAAAAAAAAAAAAAAEAAACgMgAAVgcAAKr4//8BAAAAf39/AAEAAABkAAAAAAAAABQAAABAHwAAAAAAACYAAAAAAAAAwOD//wAAAAAmAAAAZAAAABYAAABMAAAAAAAAAAAAAAAEAAAAAAAAAAEAAACAgIAKAAAAACgAAAAoAAAAZAAAAGQAAAAAAAAAzMzMAAAAAABQAAAAUAAAAGQAAABkAAAAAAAAABcAAAAUAAAAAAAAAAAAAAD/fwAA/38AAAAAAAAJAAAABAAAAAAAAAAMAAAAEAAAAAAAAAAAAAAAAAAAAAAAAAAeAAAAaAAAAAAAAAAAAAAAAAAAAAAAAAAAAAAAECcAABAnAAAAAAAAAAAAAAAAAAAAAAAAAAAAAAAAAAAAAAAAAAAAABQAAAAAAAAAwMD/AAAAAABkAAAAMgAAAAAAAABkAAAAAAAAAH9/fwAKAAAAHwAAAFQAAAC74OMF////AQAAAAAAAAAAAAAAAAAAAAAAAAAAAAAAAAAAAAAAAAAAAAAAAn9/fwCAgIADzMzMAMDA/wB/f38AAAAAAAAAAAAAAAAAAAAAAAAAAAAhAAAAGAAAABQAAAAXAwAA3wIAAOcyAADrCwAAEAAAACYAAAAIAAAAAQAAAAAAAAA="/>
               </a:ext>
             </a:extLst>
           </p:cNvSpPr>
@@ -5243,7 +7854,7 @@
             <a:spLocks noGrp="1" noChangeArrowheads="1"/>
             <a:extLst>
               <a:ext uri="smNativeData">
-                <pr:smNativeData xmlns:pr="smNativeData" val="SMDATA_13_HczeZRMAAAAlAAAAZAAAAA8BAAAAkAAAAEgAAACQAAAASAAAAAAAAAAAAAAAAAAAAAEAAABQAAAAAAAAAAAA4D8AAAAAAADgPwAAAAAAAOA/AAAAAAAA4D8AAAAAAADgPwAAAAAAAOA/AAAAAAAA4D8AAAAAAADgPwAAAAAAAOA/AAAAAAAA4D8CAAAAjAAAAAAAAAAAAAAAu+DjDP///wgAAAAAAAAAAAAAAAAAAAAAAAAAAAAAAAAAAAAAZAAAAAEAAABAAAAAAAAAAAAAAAAAAAAAAAAAAAAAAAAAAAAAAAAAAAAAAAAAAAAAAAAAAAAAAAAAAAAAAAAAAAAAAAAAAAAAAAAAAAAAAAAAAAAAAAAAAAAAAAAAAAAAFAAAADwAAAAAAAAAAAAAAAAAAAkUAAAAAQAAABQAAAAUAAAAFAAAAAEAAAAAAAAAZAAAAGQAAAAAAAAAZAAAAGQAAAAVAAAAYAAAAAAAAAAAAAAADwAAACADAAAAAAAAAAAAAAEAAACgMgAAVgcAAKr4//8BAAAAf39/AAEAAABkAAAAAAAAABQAAABAHwAAAAAAACYAAAAAAAAAwOD//wAAAAAmAAAAZAAAABYAAABMAAAAAAAAAAAAAAAEAAAAAAAAAAEAAACAgIAKAAAAACgAAAAoAAAAZAAAAGQAAAAAAAAAzMzMAAAAAABQAAAAUAAAAGQAAABkAAAAAAAAABcAAAAUAAAAAAAAAAAAAAD/fwAA/38AAAAAAAAJAAAABAAAAAAAAAAMAAAAEAAAAAAAAAAAAAAAAAAAAAAAAAAeAAAAaAAAAAAAAAAAAAAAAAAAAAAAAAAAAAAAECcAABAnAAAAAAAAAAAAAAAAAAAAAAAAAAAAAAAAAAAAAAAAAAAAABQAAAAAAAAAwMD/AAAAAABkAAAAMgAAAAAAAABkAAAAAAAAAH9/fwAKAAAAHwAAAFQAAAC74OMF////AQAAAAAAAAAAAAAAAAAAAAAAAAAAAAAAAAAAAAAAAAAAAAAAAn9/fwCAgIADzMzMAMDA/wB/f38AAAAAAAAAAAAAAAAAAAAAAAAAAAAhAAAAGAAAABQAAABwCAAAXAwAANAvAACcKAAAAAAAACYAAAAIAAAAAQAAAAAAAAA="/>
+                <pr:smNativeData xmlns:pr="smNativeData" val="SMDATA_13_1CvgZRMAAAAlAAAAZAAAAA8BAAAAkAAAAEgAAACQAAAASAAAAAAAAAAAAAAAAAAAAAEAAABQAAAAAAAAAAAA4D8AAAAAAADgPwAAAAAAAOA/AAAAAAAA4D8AAAAAAADgPwAAAAAAAOA/AAAAAAAA4D8AAAAAAADgPwAAAAAAAOA/AAAAAAAA4D8CAAAAjAAAAAAAAAAAAAAAu+DjDP///wgAAAAAAAAAAAAAAAAAAAAAAAAAAAAAAAAAAAAAZAAAAAEAAABAAAAAAAAAAAAAAAAAAAAAAAAAAAAAAAAAAAAAAAAAAAAAAAAAAAAAAAAAAAAAAAAAAAAAAAAAAAAAAAAAAAAAAAAAAAAAAAAAAAAAAAAAAAAAAAAAAAAAFAAAADwAAAAAAAAAAAAAAAAAAAkUAAAAAQAAABQAAAAUAAAAFAAAAAEAAAAAAAAAZAAAAGQAAAAAAAAAZAAAAGQAAAAVAAAAYAAAAAAAAAAAAAAADwAAACADAAAAAAAAAAAAAAEAAACgMgAAVgcAAKr4//8BAAAAf39/AAEAAABkAAAAAAAAABQAAABAHwAAAAAAACYAAAAAAAAAwOD//wAAAAAmAAAAZAAAABYAAABMAAAAAAAAAAAAAAAEAAAAAAAAAAEAAACAgIAKAAAAACgAAAAoAAAAZAAAAGQAAAAAAAAAzMzMAAAAAABQAAAAUAAAAGQAAABkAAAAAAAAABcAAAAUAAAAAAAAAAAAAAD/fwAA/38AAAAAAAAJAAAABAAAAAAAAAAMAAAAEAAAAAAAAAAAAAAAAAAAAAAAAAAeAAAAaAAAAAAAAAAAAAAAAAAAAAAAAAAAAAAAECcAABAnAAAAAAAAAAAAAAAAAAAAAAAAAAAAAAAAAAAAAAAAAAAAABQAAAAAAAAAwMD/AAAAAABkAAAAMgAAAAAAAABkAAAAAAAAAH9/fwAKAAAAHwAAAFQAAAC74OMF////AQAAAAAAAAAAAAAAAAAAAAAAAAAAAAAAAAAAAAAAAAAAAAAAAn9/fwCAgIADzMzMAMDA/wB/f38AAAAAAAAAAAAAAAAAAAAAAAAAAAAhAAAAGAAAABQAAABwCAAAXAwAANAvAACcKAAAEAAAACYAAAAIAAAAAQAAAAAAAAA="/>
               </a:ext>
             </a:extLst>
           </p:cNvSpPr>
@@ -5337,7 +7948,7 @@
 </file>
 
 <file path=ppt/slides/slide4.xml><?xml version="1.0" encoding="utf-8"?>
-<p:sld xmlns:p="http://schemas.openxmlformats.org/presentationml/2006/main" xmlns:p14="http://schemas.microsoft.com/office/powerpoint/2010/main" xmlns:r="http://schemas.openxmlformats.org/officeDocument/2006/relationships" xmlns:a="http://schemas.openxmlformats.org/drawingml/2006/main">
+<p:sld xmlns:p="http://schemas.openxmlformats.org/presentationml/2006/main" xmlns:p14="http://schemas.microsoft.com/office/powerpoint/2010/main" xmlns:r="http://schemas.openxmlformats.org/officeDocument/2006/relationships" xmlns:a="http://schemas.openxmlformats.org/drawingml/2006/main" showMasterPhAnim="0">
   <p:cSld>
     <p:spTree>
       <p:nvGrpSpPr>
@@ -5360,7 +7971,7 @@
             <a:spLocks noGrp="1" noChangeArrowheads="1"/>
             <a:extLst>
               <a:ext uri="smNativeData">
-                <pr:smNativeData xmlns:pr="smNativeData" val="SMDATA_13_HczeZRMAAAAlAAAAZAAAAA8BAAAAkAAAAEgAAACQAAAASAAAAAAAAAAAAAAAAAAAAAEAAABQAAAAAAAAAAAA4D8AAAAAAADgPwAAAAAAAOA/AAAAAAAA4D8AAAAAAADgPwAAAAAAAOA/AAAAAAAA4D8AAAAAAADgPwAAAAAAAOA/AAAAAAAA4D8CAAAAjAAAAAAAAAAAAAAAu+DjDP///wgAAAAAAAAAAAAAAAAAAAAAAAAAAAAAAAAAAAAAZAAAAAEAAABAAAAAAAAAAAAAAAAAAAAAAAAAAAAAAAAAAAAAAAAAAAAAAAAAAAAAAAAAAAAAAAAAAAAAAAAAAAAAAAAAAAAAAAAAAAAAAAAAAAAAAAAAAAAAAAAAAAAAFAAAADwAAAAAAAAAAAAAAAAAAAkUAAAAAQAAABQAAAAUAAAAFAAAAAEAAAAAAAAAZAAAAGQAAAAAAAAAZAAAAGQAAAAVAAAAYAAAAAAAAAAAAAAADwAAACADAAAAAAAAAAAAAAEAAACgMgAAVgcAAKr4//8BAAAAf39/AAEAAABkAAAAAAAAABQAAABAHwAAAAAAACYAAAAAAAAAwOD//wAAAAAmAAAAZAAAABYAAABMAAAAAAAAAAAAAAAEAAAAAAAAAAEAAACAgIAKAAAAACgAAAAoAAAAZAAAAGQAAAAAAAAAzMzMAAAAAABQAAAAUAAAAGQAAABkAAAAAAAAABcAAAAUAAAAAAAAAAAAAAD/fwAA/38AAAAAAAAJAAAABAAAAAAAAAAMAAAAEAAAAAAAAAAAAAAAAAAAAAAAAAAeAAAAaAAAAAAAAAAAAAAAAAAAAAAAAAAAAAAAECcAABAnAAAAAAAAAAAAAAAAAAAAAAAAAAAAAAAAAAAAAAAAAAAAABQAAAAAAAAAwMD/AAAAAABkAAAAMgAAAAAAAABkAAAAAAAAAH9/fwAKAAAAHwAAAFQAAAC74OMF////AQAAAAAAAAAAAAAAAAAAAAAAAAAAAAAAAAAAAAAAAAAAAAAAAn9/fwCAgIADzMzMAMDA/wB/f38AAAAAAAAAAAAAAAAAAAAAAAAAAAAhAAAAGAAAABQAAABjCAAAFwMAAMMvAACcKAAAAAAAACYAAAAIAAAAAQAAAAAAAAA="/>
+                <pr:smNativeData xmlns:pr="smNativeData" val="SMDATA_13_1CvgZRMAAAAlAAAAZAAAAA8BAAAAkAAAAEgAAACQAAAASAAAAAAAAAAAAAAAAAAAAAEAAABQAAAAAAAAAAAA4D8AAAAAAADgPwAAAAAAAOA/AAAAAAAA4D8AAAAAAADgPwAAAAAAAOA/AAAAAAAA4D8AAAAAAADgPwAAAAAAAOA/AAAAAAAA4D8CAAAAjAAAAAAAAAAAAAAAu+DjDP///wgAAAAAAAAAAAAAAAAAAAAAAAAAAAAAAAAAAAAAZAAAAAEAAABAAAAAAAAAAAAAAAAAAAAAAAAAAAAAAAAAAAAAAAAAAAAAAAAAAAAAAAAAAAAAAAAAAAAAAAAAAAAAAAAAAAAAAAAAAAAAAAAAAAAAAAAAAAAAAAAAAAAAFAAAADwAAAAAAAAAAAAAAAAAAAkUAAAAAQAAABQAAAAUAAAAFAAAAAEAAAAAAAAAZAAAAGQAAAAAAAAAZAAAAGQAAAAVAAAAYAAAAAAAAAAAAAAADwAAACADAAAAAAAAAAAAAAEAAACgMgAAVgcAAKr4//8BAAAAf39/AAEAAABkAAAAAAAAABQAAABAHwAAAAAAACYAAAAAAAAAwOD//wAAAAAmAAAAZAAAABYAAABMAAAAAAAAAAAAAAAEAAAAAAAAAAEAAACAgIAKAAAAACgAAAAoAAAAZAAAAGQAAAAAAAAAzMzMAAAAAABQAAAAUAAAAGQAAABkAAAAAAAAABcAAAAUAAAAAAAAAAAAAAD/fwAA/38AAAAAAAAJAAAABAAAAAAAAAAMAAAAEAAAAAAAAAAAAAAAAAAAAAAAAAAeAAAAaAAAAAAAAAAAAAAAAAAAAAAAAAAAAAAAECcAABAnAAAAAAAAAAAAAAAAAAAAAAAAAAAAAAAAAAAAAAAAAAAAABQAAAAAAAAAwMD/AAAAAABkAAAAMgAAAAAAAABkAAAAAAAAAH9/fwAKAAAAHwAAAFQAAAC74OMF////AQAAAAAAAAAAAAAAAAAAAAAAAAAAAAAAAAAAAAAAAAAAAAAAAn9/fwCAgIADzMzMAMDA/wB/f38AAAAAAAAAAAAAAAAAAAAAAAAAAAAhAAAAGAAAABQAAABjCAAAFwMAAMMvAACcKAAAEAAAACYAAAAIAAAAAQAAAAAAAAA="/>
               </a:ext>
             </a:extLst>
           </p:cNvSpPr>
@@ -5441,9 +8052,383 @@
   <p:timing>
     <p:tnLst>
       <p:par>
-        <p:cTn id="1" dur="indefinite" restart="never" nodeType="tmRoot"/>
+        <p:cTn id="1" dur="indefinite" restart="never" nodeType="tmRoot">
+          <p:childTnLst>
+            <p:seq concurrent="1" nextAc="seek">
+              <p:cTn id="2" dur="indefinite" nodeType="mainSeq">
+                <p:childTnLst>
+                  <p:par>
+                    <p:cTn id="3" fill="hold">
+                      <p:stCondLst>
+                        <p:cond delay="indefinite"/>
+                      </p:stCondLst>
+                      <p:childTnLst>
+                        <p:par>
+                          <p:cTn id="4" fill="hold">
+                            <p:stCondLst>
+                              <p:cond delay="0"/>
+                            </p:stCondLst>
+                            <p:childTnLst>
+                              <p:par>
+                                <p:cTn id="5" presetID="1" presetClass="entr" presetSubtype="0" fill="hold" grpId="0" nodeType="clickEffect">
+                                  <p:stCondLst>
+                                    <p:cond delay="0"/>
+                                  </p:stCondLst>
+                                  <p:childTnLst>
+                                    <p:set>
+                                      <p:cBhvr>
+                                        <p:cTn id="6" dur="1" fill="hold">
+                                          <p:stCondLst>
+                                            <p:cond delay="0"/>
+                                          </p:stCondLst>
+                                        </p:cTn>
+                                        <p:tgtEl>
+                                          <p:spTgt spid="2">
+                                            <p:txEl>
+                                              <p:pRg st="0" end="0"/>
+                                            </p:txEl>
+                                          </p:spTgt>
+                                        </p:tgtEl>
+                                        <p:attrNameLst>
+                                          <p:attrName>style.visibility</p:attrName>
+                                        </p:attrNameLst>
+                                      </p:cBhvr>
+                                      <p:to>
+                                        <p:strVal val="visible"/>
+                                      </p:to>
+                                    </p:set>
+                                  </p:childTnLst>
+                                </p:cTn>
+                              </p:par>
+                            </p:childTnLst>
+                          </p:cTn>
+                        </p:par>
+                      </p:childTnLst>
+                    </p:cTn>
+                  </p:par>
+                  <p:par>
+                    <p:cTn id="7" fill="hold">
+                      <p:stCondLst>
+                        <p:cond delay="indefinite"/>
+                      </p:stCondLst>
+                      <p:childTnLst>
+                        <p:par>
+                          <p:cTn id="8" fill="hold">
+                            <p:stCondLst>
+                              <p:cond delay="0"/>
+                            </p:stCondLst>
+                            <p:childTnLst>
+                              <p:par>
+                                <p:cTn id="9" presetID="1" presetClass="entr" presetSubtype="0" fill="hold" grpId="0" nodeType="clickEffect">
+                                  <p:stCondLst>
+                                    <p:cond delay="0"/>
+                                  </p:stCondLst>
+                                  <p:childTnLst>
+                                    <p:set>
+                                      <p:cBhvr>
+                                        <p:cTn id="10" dur="1" fill="hold">
+                                          <p:stCondLst>
+                                            <p:cond delay="0"/>
+                                          </p:stCondLst>
+                                        </p:cTn>
+                                        <p:tgtEl>
+                                          <p:spTgt spid="2">
+                                            <p:txEl>
+                                              <p:pRg st="1" end="1"/>
+                                            </p:txEl>
+                                          </p:spTgt>
+                                        </p:tgtEl>
+                                        <p:attrNameLst>
+                                          <p:attrName>style.visibility</p:attrName>
+                                        </p:attrNameLst>
+                                      </p:cBhvr>
+                                      <p:to>
+                                        <p:strVal val="visible"/>
+                                      </p:to>
+                                    </p:set>
+                                  </p:childTnLst>
+                                </p:cTn>
+                              </p:par>
+                            </p:childTnLst>
+                          </p:cTn>
+                        </p:par>
+                      </p:childTnLst>
+                    </p:cTn>
+                  </p:par>
+                  <p:par>
+                    <p:cTn id="11" fill="hold">
+                      <p:stCondLst>
+                        <p:cond delay="indefinite"/>
+                      </p:stCondLst>
+                      <p:childTnLst>
+                        <p:par>
+                          <p:cTn id="12" fill="hold">
+                            <p:stCondLst>
+                              <p:cond delay="0"/>
+                            </p:stCondLst>
+                            <p:childTnLst>
+                              <p:par>
+                                <p:cTn id="13" presetID="1" presetClass="entr" presetSubtype="0" fill="hold" grpId="0" nodeType="clickEffect">
+                                  <p:stCondLst>
+                                    <p:cond delay="0"/>
+                                  </p:stCondLst>
+                                  <p:childTnLst>
+                                    <p:set>
+                                      <p:cBhvr>
+                                        <p:cTn id="14" dur="1" fill="hold">
+                                          <p:stCondLst>
+                                            <p:cond delay="0"/>
+                                          </p:stCondLst>
+                                        </p:cTn>
+                                        <p:tgtEl>
+                                          <p:spTgt spid="2">
+                                            <p:txEl>
+                                              <p:pRg st="2" end="2"/>
+                                            </p:txEl>
+                                          </p:spTgt>
+                                        </p:tgtEl>
+                                        <p:attrNameLst>
+                                          <p:attrName>style.visibility</p:attrName>
+                                        </p:attrNameLst>
+                                      </p:cBhvr>
+                                      <p:to>
+                                        <p:strVal val="visible"/>
+                                      </p:to>
+                                    </p:set>
+                                  </p:childTnLst>
+                                </p:cTn>
+                              </p:par>
+                            </p:childTnLst>
+                          </p:cTn>
+                        </p:par>
+                      </p:childTnLst>
+                    </p:cTn>
+                  </p:par>
+                  <p:par>
+                    <p:cTn id="15" fill="hold">
+                      <p:stCondLst>
+                        <p:cond delay="indefinite"/>
+                      </p:stCondLst>
+                      <p:childTnLst>
+                        <p:par>
+                          <p:cTn id="16" fill="hold">
+                            <p:stCondLst>
+                              <p:cond delay="0"/>
+                            </p:stCondLst>
+                            <p:childTnLst>
+                              <p:par>
+                                <p:cTn id="17" presetID="1" presetClass="entr" presetSubtype="0" fill="hold" grpId="0" nodeType="clickEffect">
+                                  <p:stCondLst>
+                                    <p:cond delay="0"/>
+                                  </p:stCondLst>
+                                  <p:childTnLst>
+                                    <p:set>
+                                      <p:cBhvr>
+                                        <p:cTn id="18" dur="1" fill="hold">
+                                          <p:stCondLst>
+                                            <p:cond delay="0"/>
+                                          </p:stCondLst>
+                                        </p:cTn>
+                                        <p:tgtEl>
+                                          <p:spTgt spid="2">
+                                            <p:txEl>
+                                              <p:pRg st="3" end="3"/>
+                                            </p:txEl>
+                                          </p:spTgt>
+                                        </p:tgtEl>
+                                        <p:attrNameLst>
+                                          <p:attrName>style.visibility</p:attrName>
+                                        </p:attrNameLst>
+                                      </p:cBhvr>
+                                      <p:to>
+                                        <p:strVal val="visible"/>
+                                      </p:to>
+                                    </p:set>
+                                  </p:childTnLst>
+                                </p:cTn>
+                              </p:par>
+                            </p:childTnLst>
+                          </p:cTn>
+                        </p:par>
+                      </p:childTnLst>
+                    </p:cTn>
+                  </p:par>
+                  <p:par>
+                    <p:cTn id="19" fill="hold">
+                      <p:stCondLst>
+                        <p:cond delay="indefinite"/>
+                      </p:stCondLst>
+                      <p:childTnLst>
+                        <p:par>
+                          <p:cTn id="20" fill="hold">
+                            <p:stCondLst>
+                              <p:cond delay="0"/>
+                            </p:stCondLst>
+                            <p:childTnLst>
+                              <p:par>
+                                <p:cTn id="21" presetID="1" presetClass="entr" presetSubtype="0" fill="hold" grpId="0" nodeType="clickEffect">
+                                  <p:stCondLst>
+                                    <p:cond delay="0"/>
+                                  </p:stCondLst>
+                                  <p:childTnLst>
+                                    <p:set>
+                                      <p:cBhvr>
+                                        <p:cTn id="22" dur="1" fill="hold">
+                                          <p:stCondLst>
+                                            <p:cond delay="0"/>
+                                          </p:stCondLst>
+                                        </p:cTn>
+                                        <p:tgtEl>
+                                          <p:spTgt spid="2">
+                                            <p:txEl>
+                                              <p:pRg st="4" end="4"/>
+                                            </p:txEl>
+                                          </p:spTgt>
+                                        </p:tgtEl>
+                                        <p:attrNameLst>
+                                          <p:attrName>style.visibility</p:attrName>
+                                        </p:attrNameLst>
+                                      </p:cBhvr>
+                                      <p:to>
+                                        <p:strVal val="visible"/>
+                                      </p:to>
+                                    </p:set>
+                                  </p:childTnLst>
+                                </p:cTn>
+                              </p:par>
+                            </p:childTnLst>
+                          </p:cTn>
+                        </p:par>
+                      </p:childTnLst>
+                    </p:cTn>
+                  </p:par>
+                  <p:par>
+                    <p:cTn id="23" fill="hold">
+                      <p:stCondLst>
+                        <p:cond delay="indefinite"/>
+                      </p:stCondLst>
+                      <p:childTnLst>
+                        <p:par>
+                          <p:cTn id="24" fill="hold">
+                            <p:stCondLst>
+                              <p:cond delay="0"/>
+                            </p:stCondLst>
+                            <p:childTnLst>
+                              <p:par>
+                                <p:cTn id="25" presetID="1" presetClass="entr" presetSubtype="0" fill="hold" grpId="0" nodeType="clickEffect">
+                                  <p:stCondLst>
+                                    <p:cond delay="0"/>
+                                  </p:stCondLst>
+                                  <p:childTnLst>
+                                    <p:set>
+                                      <p:cBhvr>
+                                        <p:cTn id="26" dur="1" fill="hold">
+                                          <p:stCondLst>
+                                            <p:cond delay="0"/>
+                                          </p:stCondLst>
+                                        </p:cTn>
+                                        <p:tgtEl>
+                                          <p:spTgt spid="2">
+                                            <p:txEl>
+                                              <p:pRg st="5" end="5"/>
+                                            </p:txEl>
+                                          </p:spTgt>
+                                        </p:tgtEl>
+                                        <p:attrNameLst>
+                                          <p:attrName>style.visibility</p:attrName>
+                                        </p:attrNameLst>
+                                      </p:cBhvr>
+                                      <p:to>
+                                        <p:strVal val="visible"/>
+                                      </p:to>
+                                    </p:set>
+                                  </p:childTnLst>
+                                </p:cTn>
+                              </p:par>
+                            </p:childTnLst>
+                          </p:cTn>
+                        </p:par>
+                      </p:childTnLst>
+                    </p:cTn>
+                  </p:par>
+                  <p:par>
+                    <p:cTn id="27" fill="hold">
+                      <p:stCondLst>
+                        <p:cond delay="indefinite"/>
+                      </p:stCondLst>
+                      <p:childTnLst>
+                        <p:par>
+                          <p:cTn id="28" fill="hold">
+                            <p:stCondLst>
+                              <p:cond delay="0"/>
+                            </p:stCondLst>
+                            <p:childTnLst>
+                              <p:par>
+                                <p:cTn id="29" presetID="1" presetClass="entr" presetSubtype="0" fill="hold" grpId="0" nodeType="clickEffect">
+                                  <p:stCondLst>
+                                    <p:cond delay="0"/>
+                                  </p:stCondLst>
+                                  <p:childTnLst>
+                                    <p:set>
+                                      <p:cBhvr>
+                                        <p:cTn id="30" dur="1" fill="hold">
+                                          <p:stCondLst>
+                                            <p:cond delay="0"/>
+                                          </p:stCondLst>
+                                        </p:cTn>
+                                        <p:tgtEl>
+                                          <p:spTgt spid="2">
+                                            <p:txEl>
+                                              <p:pRg st="6" end="6"/>
+                                            </p:txEl>
+                                          </p:spTgt>
+                                        </p:tgtEl>
+                                        <p:attrNameLst>
+                                          <p:attrName>style.visibility</p:attrName>
+                                        </p:attrNameLst>
+                                      </p:cBhvr>
+                                      <p:to>
+                                        <p:strVal val="visible"/>
+                                      </p:to>
+                                    </p:set>
+                                  </p:childTnLst>
+                                </p:cTn>
+                              </p:par>
+                            </p:childTnLst>
+                          </p:cTn>
+                        </p:par>
+                      </p:childTnLst>
+                    </p:cTn>
+                  </p:par>
+                </p:childTnLst>
+              </p:cTn>
+              <p:prevCondLst>
+                <p:cond evt="onPrev" delay="0">
+                  <p:tgtEl>
+                    <p:sldTgt/>
+                  </p:tgtEl>
+                </p:cond>
+              </p:prevCondLst>
+              <p:nextCondLst>
+                <p:cond evt="onNext" delay="0">
+                  <p:tgtEl>
+                    <p:sldTgt/>
+                  </p:tgtEl>
+                </p:cond>
+              </p:nextCondLst>
+            </p:seq>
+          </p:childTnLst>
+        </p:cTn>
       </p:par>
     </p:tnLst>
+    <p:bldLst>
+      <p:bldP spid="2" grpId="0" build="p"/>
+    </p:bldLst>
+    <p:extLst>
+      <p:ext uri="smNativeData">
+        <pr:smNativeData xmlns:pr="smNativeData" val="1CvgZQcAAAAFAAAAAAAAAAEAAAABAAAAAAAAAAAAAAAAAAAAAAAAAAkAAAABAAAAAQAAAAEAAAAAAAAAAAAAAAAAAAAAAAAADQAAAAIAAAABAAAAAQAAAAAAAAAAAAAAAAAAAAAAAAARAAAAAwAAAAEAAAABAAAAAAAAAAAAAAAAAAAAAAAAABUAAAAEAAAAAQAAAAEAAAAAAAAAAAAAAAAAAAAAAAAAGQAAAAUAAAABAAAAAQAAAAAAAAAAAAAAAAAAAAAAAAAdAAAABgAAAAEAAAABAAAAAAAAAAAAAAAAAAAAAAAAAA=="/>
+      </p:ext>
+    </p:extLst>
   </p:timing>
 </p:sld>
 </file>
@@ -5472,7 +8457,7 @@
             <a:spLocks noGrp="1" noChangeArrowheads="1"/>
             <a:extLst>
               <a:ext uri="smNativeData">
-                <pr:smNativeData xmlns:pr="smNativeData" val="SMDATA_13_HczeZRMAAAAlAAAAZAAAAA8BAAAAkAAAAEgAAACQAAAASAAAAAAAAAABAAAAAAAAAAEAAABQAAAAAAAAAAAA4D8AAAAAAADgPwAAAAAAAOA/AAAAAAAA4D8AAAAAAADgPwAAAAAAAOA/AAAAAAAA4D8AAAAAAADgPwAAAAAAAOA/AAAAAAAA4D8CAAAAjAAAAAAAAAAAAAAAu+DjDP///wgAAAAAAAAAAAAAAAAAAAAAAAAAAAAAAAAAAAAAZAAAAAEAAABAAAAAAAAAAAAAAAAAAAAAAAAAAAAAAAAAAAAAAAAAAAAAAAAAAAAAAAAAAAAAAAAAAAAAAAAAAAAAAAAAAAAAAAAAAAAAAAAAAAAAAAAAAAAAAAAAAAAAFAAAADwAAAAAAAAAAAAAAAAAAAkUAAAAAQAAABQAAAAUAAAAFAAAAAEAAAAAAAAAZAAAAGQAAAAAAAAAZAAAAGQAAAAVAAAAYAAAAAAAAAAAAAAADwAAACADAAAAAAAAAAAAAAEAAACgMgAAVgcAAKr4//8BAAAAf39/AAEAAABkAAAAAAAAABQAAABAHwAAAAAAACYAAAAAAAAAwOD//wAAAAAmAAAAZAAAABYAAABMAAAAAAAAAAAAAAAEAAAAAAAAAAEAAACAgIAKAAAAACgAAAAoAAAAZAAAAGQAAAAAAAAAzMzMAAAAAABQAAAAUAAAAGQAAABkAAAAAAAAABcAAAAUAAAAAAAAAAAAAAD/fwAA/38AAAAAAAAJAAAABAAAAAAAAAAMAAAAEAAAAAAAAAAAAAAAAAAAAAAAAAAeAAAAaAAAAAAAAAAAAAAAAAAAAAAAAAAAAAAAECcAABAnAAAAAAAAAAAAAAAAAAAAAAAAAAAAAAAAAAAAAAAAAAAAABQAAAAAAAAAwMD/AAAAAABkAAAAMgAAAAAAAABkAAAAAAAAAH9/fwAKAAAAHwAAAFQAAAC74OMF////AQAAAAAAAAAAAAAAAAAAAAAAAAAAAAAAAAAAAAAAAAAAAAAAAn9/fwCAgIADzMzMAMDA/wB/f38AAAAAAAAAAAAAAAAAAAAAAAAAAAAhAAAAGAAAABQAAABqBAAA/QEAADo0AAAJCwAAAAAAACYAAAAIAAAAAQAAAAAAAAA="/>
+                <pr:smNativeData xmlns:pr="smNativeData" val="SMDATA_13_1CvgZRMAAAAlAAAAZAAAAA8BAAAAkAAAAEgAAACQAAAASAAAAAAAAAABAAAAAAAAAAEAAABQAAAAAAAAAAAA4D8AAAAAAADgPwAAAAAAAOA/AAAAAAAA4D8AAAAAAADgPwAAAAAAAOA/AAAAAAAA4D8AAAAAAADgPwAAAAAAAOA/AAAAAAAA4D8CAAAAjAAAAAAAAAAAAAAAu+DjDP///wgAAAAAAAAAAAAAAAAAAAAAAAAAAAAAAAAAAAAAZAAAAAEAAABAAAAAAAAAAAAAAAAAAAAAAAAAAAAAAAAAAAAAAAAAAAAAAAAAAAAAAAAAAAAAAAAAAAAAAAAAAAAAAAAAAAAAAAAAAAAAAAAAAAAAAAAAAAAAAAAAAAAAFAAAADwAAAAAAAAAAAAAAAAAAAkUAAAAAQAAABQAAAAUAAAAFAAAAAEAAAAAAAAAZAAAAGQAAAAAAAAAZAAAAGQAAAAVAAAAYAAAAAAAAAAAAAAADwAAACADAAAAAAAAAAAAAAEAAACgMgAAVgcAAKr4//8BAAAAf39/AAEAAABkAAAAAAAAABQAAABAHwAAAAAAACYAAAAAAAAAwOD//wAAAAAmAAAAZAAAABYAAABMAAAAAAAAAAAAAAAEAAAAAAAAAAEAAACAgIAKAAAAACgAAAAoAAAAZAAAAGQAAAAAAAAAzMzMAAAAAABQAAAAUAAAAGQAAABkAAAAAAAAABcAAAAUAAAAAAAAAAAAAAD/fwAA/38AAAAAAAAJAAAABAAAAAAAAAAMAAAAEAAAAAAAAAAAAAAAAAAAAAAAAAAeAAAAaAAAAAAAAAAAAAAAAAAAAAAAAAAAAAAAECcAABAnAAAAAAAAAAAAAAAAAAAAAAAAAAAAAAAAAAAAAAAAAAAAABQAAAAAAAAAwMD/AAAAAABkAAAAMgAAAAAAAABkAAAAAAAAAH9/fwAKAAAAHwAAAFQAAAC74OMF////AQAAAAAAAAAAAAAAAAAAAAAAAAAAAAAAAAAAAAAAAAAAAAAAAn9/fwCAgIADzMzMAMDA/wB/f38AAAAAAAAAAAAAAAAAAAAAAAAAAAAhAAAAGAAAABQAAABqBAAA/QEAADo0AAAJCwAAEAAAACYAAAAIAAAAAQAAAAAAAAA="/>
               </a:ext>
             </a:extLst>
           </p:cNvSpPr>
@@ -5510,7 +8495,7 @@
             <a:spLocks noGrp="1" noChangeArrowheads="1"/>
             <a:extLst>
               <a:ext uri="smNativeData">
-                <pr:smNativeData xmlns:pr="smNativeData" val="SMDATA_13_HczeZRMAAAAlAAAAZAAAAA8BAAAAkAAAAEgAAACQAAAASAAAAAAAAAAAAAAAAAAAAAEAAABQAAAAAAAAAAAA4D8AAAAAAADgPwAAAAAAAOA/AAAAAAAA4D8AAAAAAADgPwAAAAAAAOA/AAAAAAAA4D8AAAAAAADgPwAAAAAAAOA/AAAAAAAA4D8CAAAAjAAAAAAAAAAAAAAAu+DjDP///wgAAAAAAAAAAAAAAAAAAAAAAAAAAAAAAAAAAAAAZAAAAAEAAABAAAAAAAAAAAAAAAAAAAAAAAAAAAAAAAAAAAAAAAAAAAAAAAAAAAAAAAAAAAAAAAAAAAAAAAAAAAAAAAAAAAAAAAAAAAAAAAAAAAAAAAAAAAAAAAAAAAAAFAAAADwAAAAAAAAAAAAAAAAAAAkUAAAAAQAAABQAAAAUAAAAFAAAAAEAAAAAAAAAZAAAAGQAAAAAAAAAZAAAAGQAAAAVAAAAYAAAAAAAAAAAAAAADwAAACADAAAAAAAAAAAAAAEAAACgMgAAVgcAAKr4//8BAAAAf39/AAEAAABkAAAAAAAAABQAAABAHwAAAAAAACYAAAAAAAAAwOD//wAAAAAmAAAAZAAAABYAAABMAAAAAAAAAAAAAAAEAAAAAAAAAAEAAACAgIAKAAAAACgAAAAoAAAAZAAAAGQAAAAAAAAAzMzMAAAAAABQAAAAUAAAAGQAAABkAAAAAAAAABcAAAAUAAAAAAAAAAAAAAD/fwAA/38AAAAAAAAJAAAABAAAAAAAAAAMAAAAEAAAAAAAAAAAAAAAAAAAAAAAAAAeAAAAaAAAAAAAAAAAAAAAAAAAAAAAAAAAAAAAECcAABAnAAAAAAAAAAAAAAAAAAAAAAAAAAAAAAAAAAAAAAAAAAAAABQAAAAAAAAAwMD/AAAAAABkAAAAMgAAAAAAAABkAAAAAAAAAH9/fwAKAAAAHwAAAFQAAAC74OMF////AQAAAAAAAAAAAAAAAAAAAAAAAAAAAAAAAAAAAAAAAAAAAAAAAn9/fwCAgIADzMzMAMDA/wB/f38AAAAAAAAAAAAAAAAAAAAAAAAAAAAhAAAAGAAAABQAAABwCAAA6wsAANAvAABJJwAAAAAAACYAAAAIAAAAAQAAAAAAAAA="/>
+                <pr:smNativeData xmlns:pr="smNativeData" val="SMDATA_13_1CvgZRMAAAAlAAAAZAAAAA8BAAAAkAAAAEgAAACQAAAASAAAAAAAAAAAAAAAAAAAAAEAAABQAAAAAAAAAAAA4D8AAAAAAADgPwAAAAAAAOA/AAAAAAAA4D8AAAAAAADgPwAAAAAAAOA/AAAAAAAA4D8AAAAAAADgPwAAAAAAAOA/AAAAAAAA4D8CAAAAjAAAAAAAAAAAAAAAu+DjDP///wgAAAAAAAAAAAAAAAAAAAAAAAAAAAAAAAAAAAAAZAAAAAEAAABAAAAAAAAAAAAAAAAAAAAAAAAAAAAAAAAAAAAAAAAAAAAAAAAAAAAAAAAAAAAAAAAAAAAAAAAAAAAAAAAAAAAAAAAAAAAAAAAAAAAAAAAAAAAAAAAAAAAAFAAAADwAAAAAAAAAAAAAAAAAAAkUAAAAAQAAABQAAAAUAAAAFAAAAAEAAAAAAAAAZAAAAGQAAAAAAAAAZAAAAGQAAAAVAAAAYAAAAAAAAAAAAAAADwAAACADAAAAAAAAAAAAAAEAAACgMgAAVgcAAKr4//8BAAAAf39/AAEAAABkAAAAAAAAABQAAABAHwAAAAAAACYAAAAAAAAAwOD//wAAAAAmAAAAZAAAABYAAABMAAAAAAAAAAAAAAAEAAAAAAAAAAEAAACAgIAKAAAAACgAAAAoAAAAZAAAAGQAAAAAAAAAzMzMAAAAAABQAAAAUAAAAGQAAABkAAAAAAAAABcAAAAUAAAAAAAAAAAAAAD/fwAA/38AAAAAAAAJAAAABAAAAAAAAAAMAAAAEAAAAAAAAAAAAAAAAAAAAAAAAAAeAAAAaAAAAAAAAAAAAAAAAAAAAAAAAAAAAAAAECcAABAnAAAAAAAAAAAAAAAAAAAAAAAAAAAAAAAAAAAAAAAAAAAAABQAAAAAAAAAwMD/AAAAAABkAAAAMgAAAAAAAABkAAAAAAAAAH9/fwAKAAAAHwAAAFQAAAC74OMF////AQAAAAAAAAAAAAAAAAAAAAAAAAAAAAAAAAAAAAAAAAAAAAAAAn9/fwCAgIADzMzMAMDA/wB/f38AAAAAAAAAAAAAAAAAAAAAAAAAAAAhAAAAGAAAABQAAABwCAAA6wsAANAvAABJJwAAEAAAACYAAAAIAAAAAQAAAAAAAAA="/>
               </a:ext>
             </a:extLst>
           </p:cNvSpPr>
@@ -5592,7 +8577,7 @@
 </file>
 
 <file path=ppt/slides/slide6.xml><?xml version="1.0" encoding="utf-8"?>
-<p:sld xmlns:p="http://schemas.openxmlformats.org/presentationml/2006/main" xmlns:p14="http://schemas.microsoft.com/office/powerpoint/2010/main" xmlns:r="http://schemas.openxmlformats.org/officeDocument/2006/relationships" xmlns:a="http://schemas.openxmlformats.org/drawingml/2006/main">
+<p:sld xmlns:p="http://schemas.openxmlformats.org/presentationml/2006/main" xmlns:p14="http://schemas.microsoft.com/office/powerpoint/2010/main" xmlns:r="http://schemas.openxmlformats.org/officeDocument/2006/relationships" xmlns:a="http://schemas.openxmlformats.org/drawingml/2006/main" showMasterPhAnim="0">
   <p:cSld>
     <p:spTree>
       <p:nvGrpSpPr>
@@ -5615,7 +8600,7 @@
             <a:spLocks noGrp="1" noChangeArrowheads="1"/>
             <a:extLst>
               <a:ext uri="smNativeData">
-                <pr:smNativeData xmlns:pr="smNativeData" val="SMDATA_13_HczeZRMAAAAlAAAAZAAAAA8BAAAAkAAAAEgAAACQAAAASAAAAAAAAAAAAAAAAAAAAAEAAABQAAAAAAAAAAAA4D8AAAAAAADgPwAAAAAAAOA/AAAAAAAA4D8AAAAAAADgPwAAAAAAAOA/AAAAAAAA4D8AAAAAAADgPwAAAAAAAOA/AAAAAAAA4D8CAAAAjAAAAAAAAAAAAAAAu+DjDP///wgAAAAAAAAAAAAAAAAAAAAAAAAAAAAAAAAAAAAAZAAAAAEAAABAAAAAAAAAAAAAAAAAAAAAAAAAAAAAAAAAAAAAAAAAAAAAAAAAAAAAAAAAAAAAAAAAAAAAAAAAAAAAAAAAAAAAAAAAAAAAAAAAAAAAAAAAAAAAAAAAAAAAFAAAADwAAAAAAAAAAAAAAAAAAAkUAAAAAQAAABQAAAAUAAAAFAAAAAEAAAAAAAAAZAAAAGQAAAAAAAAAZAAAAGQAAAAVAAAAYAAAAAAAAAAAAAAADwAAACADAAAAAAAAAAAAAAEAAACgMgAAVgcAAKr4//8BAAAAf39/AAEAAABkAAAAAAAAABQAAABAHwAAAAAAACYAAAAAAAAAwOD//wAAAAAmAAAAZAAAABYAAABMAAAAAAAAAAAAAAAEAAAAAAAAAAEAAACAgIAKAAAAACgAAAAoAAAAZAAAAGQAAAAAAAAAzMzMAAAAAABQAAAAUAAAAGQAAABkAAAAAAAAABcAAAAUAAAAAAAAAAAAAAD/fwAA/38AAAAAAAAJAAAABAAAAAAAAAAMAAAAEAAAAAAAAAAAAAAAAAAAAAAAAAAeAAAAaAAAAAAAAAAAAAAAAAAAAAAAAAAAAAAAECcAABAnAAAAAAAAAAAAAAAAAAAAAAAAAAAAAAAAAAAAAAAAAAAAABQAAAAAAAAAwMD/AAAAAABkAAAAMgAAAAAAAABkAAAAAAAAAH9/fwAKAAAAHwAAAFQAAAC74OMF////AQAAAAAAAAAAAAAAAAAAAAAAAAAAAAAAAAAAAAAAAAAAAAAAAn9/fwCAgIADzMzMAMDA/wB/f38AAAAAAAAAAAAAAAAAAAAAAAAAAAAhAAAAGAAAABQAAABwCAAAFwMAANAvAACFJQAAAAAAACYAAAAIAAAAAQAAAAAAAAA="/>
+                <pr:smNativeData xmlns:pr="smNativeData" val="SMDATA_13_1CvgZRMAAAAlAAAAZAAAAA8BAAAAkAAAAEgAAACQAAAASAAAAAAAAAAAAAAAAAAAAAEAAABQAAAAAAAAAAAA4D8AAAAAAADgPwAAAAAAAOA/AAAAAAAA4D8AAAAAAADgPwAAAAAAAOA/AAAAAAAA4D8AAAAAAADgPwAAAAAAAOA/AAAAAAAA4D8CAAAAjAAAAAAAAAAAAAAAu+DjDP///wgAAAAAAAAAAAAAAAAAAAAAAAAAAAAAAAAAAAAAZAAAAAEAAABAAAAAAAAAAAAAAAAAAAAAAAAAAAAAAAAAAAAAAAAAAAAAAAAAAAAAAAAAAAAAAAAAAAAAAAAAAAAAAAAAAAAAAAAAAAAAAAAAAAAAAAAAAAAAAAAAAAAAFAAAADwAAAAAAAAAAAAAAAAAAAkUAAAAAQAAABQAAAAUAAAAFAAAAAEAAAAAAAAAZAAAAGQAAAAAAAAAZAAAAGQAAAAVAAAAYAAAAAAAAAAAAAAADwAAACADAAAAAAAAAAAAAAEAAACgMgAAVgcAAKr4//8BAAAAf39/AAEAAABkAAAAAAAAABQAAABAHwAAAAAAACYAAAAAAAAAwOD//wAAAAAmAAAAZAAAABYAAABMAAAAAAAAAAAAAAAEAAAAAAAAAAEAAACAgIAKAAAAACgAAAAoAAAAZAAAAGQAAAAAAAAAzMzMAAAAAABQAAAAUAAAAGQAAABkAAAAAAAAABcAAAAUAAAAAAAAAAAAAAD/fwAA/38AAAAAAAAJAAAABAAAAAAAAAAMAAAAEAAAAAAAAAAAAAAAAAAAAAAAAAAeAAAAaAAAAAAAAAAAAAAAAAAAAAAAAAAAAAAAECcAABAnAAAAAAAAAAAAAAAAAAAAAAAAAAAAAAAAAAAAAAAAAAAAABQAAAAAAAAAwMD/AAAAAABkAAAAMgAAAAAAAABkAAAAAAAAAH9/fwAKAAAAHwAAAFQAAAC74OMF////AQAAAAAAAAAAAAAAAAAAAAAAAAAAAAAAAAAAAAAAAAAAAAAAAn9/fwCAgIADzMzMAMDA/wB/f38AAAAAAAAAAAAAAAAAAAAAAAAAAAAhAAAAGAAAABQAAABwCAAAFwMAANAvAACFJQAAEAAAACYAAAAIAAAAAQAAAAAAAAA="/>
               </a:ext>
             </a:extLst>
           </p:cNvSpPr>
@@ -5696,9 +8681,383 @@
   <p:timing>
     <p:tnLst>
       <p:par>
-        <p:cTn id="1" dur="indefinite" restart="never" nodeType="tmRoot"/>
+        <p:cTn id="1" dur="indefinite" restart="never" nodeType="tmRoot">
+          <p:childTnLst>
+            <p:seq concurrent="1" nextAc="seek">
+              <p:cTn id="2" dur="indefinite" nodeType="mainSeq">
+                <p:childTnLst>
+                  <p:par>
+                    <p:cTn id="3" fill="hold">
+                      <p:stCondLst>
+                        <p:cond delay="indefinite"/>
+                      </p:stCondLst>
+                      <p:childTnLst>
+                        <p:par>
+                          <p:cTn id="4" fill="hold">
+                            <p:stCondLst>
+                              <p:cond delay="0"/>
+                            </p:stCondLst>
+                            <p:childTnLst>
+                              <p:par>
+                                <p:cTn id="5" presetID="1" presetClass="entr" presetSubtype="0" fill="hold" grpId="0" nodeType="clickEffect">
+                                  <p:stCondLst>
+                                    <p:cond delay="0"/>
+                                  </p:stCondLst>
+                                  <p:childTnLst>
+                                    <p:set>
+                                      <p:cBhvr>
+                                        <p:cTn id="6" dur="1" fill="hold">
+                                          <p:stCondLst>
+                                            <p:cond delay="0"/>
+                                          </p:stCondLst>
+                                        </p:cTn>
+                                        <p:tgtEl>
+                                          <p:spTgt spid="2">
+                                            <p:txEl>
+                                              <p:pRg st="0" end="0"/>
+                                            </p:txEl>
+                                          </p:spTgt>
+                                        </p:tgtEl>
+                                        <p:attrNameLst>
+                                          <p:attrName>style.visibility</p:attrName>
+                                        </p:attrNameLst>
+                                      </p:cBhvr>
+                                      <p:to>
+                                        <p:strVal val="visible"/>
+                                      </p:to>
+                                    </p:set>
+                                  </p:childTnLst>
+                                </p:cTn>
+                              </p:par>
+                            </p:childTnLst>
+                          </p:cTn>
+                        </p:par>
+                      </p:childTnLst>
+                    </p:cTn>
+                  </p:par>
+                  <p:par>
+                    <p:cTn id="7" fill="hold">
+                      <p:stCondLst>
+                        <p:cond delay="indefinite"/>
+                      </p:stCondLst>
+                      <p:childTnLst>
+                        <p:par>
+                          <p:cTn id="8" fill="hold">
+                            <p:stCondLst>
+                              <p:cond delay="0"/>
+                            </p:stCondLst>
+                            <p:childTnLst>
+                              <p:par>
+                                <p:cTn id="9" presetID="1" presetClass="entr" presetSubtype="0" fill="hold" grpId="0" nodeType="clickEffect">
+                                  <p:stCondLst>
+                                    <p:cond delay="0"/>
+                                  </p:stCondLst>
+                                  <p:childTnLst>
+                                    <p:set>
+                                      <p:cBhvr>
+                                        <p:cTn id="10" dur="1" fill="hold">
+                                          <p:stCondLst>
+                                            <p:cond delay="0"/>
+                                          </p:stCondLst>
+                                        </p:cTn>
+                                        <p:tgtEl>
+                                          <p:spTgt spid="2">
+                                            <p:txEl>
+                                              <p:pRg st="1" end="1"/>
+                                            </p:txEl>
+                                          </p:spTgt>
+                                        </p:tgtEl>
+                                        <p:attrNameLst>
+                                          <p:attrName>style.visibility</p:attrName>
+                                        </p:attrNameLst>
+                                      </p:cBhvr>
+                                      <p:to>
+                                        <p:strVal val="visible"/>
+                                      </p:to>
+                                    </p:set>
+                                  </p:childTnLst>
+                                </p:cTn>
+                              </p:par>
+                            </p:childTnLst>
+                          </p:cTn>
+                        </p:par>
+                      </p:childTnLst>
+                    </p:cTn>
+                  </p:par>
+                  <p:par>
+                    <p:cTn id="11" fill="hold">
+                      <p:stCondLst>
+                        <p:cond delay="indefinite"/>
+                      </p:stCondLst>
+                      <p:childTnLst>
+                        <p:par>
+                          <p:cTn id="12" fill="hold">
+                            <p:stCondLst>
+                              <p:cond delay="0"/>
+                            </p:stCondLst>
+                            <p:childTnLst>
+                              <p:par>
+                                <p:cTn id="13" presetID="1" presetClass="entr" presetSubtype="0" fill="hold" grpId="0" nodeType="clickEffect">
+                                  <p:stCondLst>
+                                    <p:cond delay="0"/>
+                                  </p:stCondLst>
+                                  <p:childTnLst>
+                                    <p:set>
+                                      <p:cBhvr>
+                                        <p:cTn id="14" dur="1" fill="hold">
+                                          <p:stCondLst>
+                                            <p:cond delay="0"/>
+                                          </p:stCondLst>
+                                        </p:cTn>
+                                        <p:tgtEl>
+                                          <p:spTgt spid="2">
+                                            <p:txEl>
+                                              <p:pRg st="2" end="2"/>
+                                            </p:txEl>
+                                          </p:spTgt>
+                                        </p:tgtEl>
+                                        <p:attrNameLst>
+                                          <p:attrName>style.visibility</p:attrName>
+                                        </p:attrNameLst>
+                                      </p:cBhvr>
+                                      <p:to>
+                                        <p:strVal val="visible"/>
+                                      </p:to>
+                                    </p:set>
+                                  </p:childTnLst>
+                                </p:cTn>
+                              </p:par>
+                            </p:childTnLst>
+                          </p:cTn>
+                        </p:par>
+                      </p:childTnLst>
+                    </p:cTn>
+                  </p:par>
+                  <p:par>
+                    <p:cTn id="15" fill="hold">
+                      <p:stCondLst>
+                        <p:cond delay="indefinite"/>
+                      </p:stCondLst>
+                      <p:childTnLst>
+                        <p:par>
+                          <p:cTn id="16" fill="hold">
+                            <p:stCondLst>
+                              <p:cond delay="0"/>
+                            </p:stCondLst>
+                            <p:childTnLst>
+                              <p:par>
+                                <p:cTn id="17" presetID="1" presetClass="entr" presetSubtype="0" fill="hold" grpId="0" nodeType="clickEffect">
+                                  <p:stCondLst>
+                                    <p:cond delay="0"/>
+                                  </p:stCondLst>
+                                  <p:childTnLst>
+                                    <p:set>
+                                      <p:cBhvr>
+                                        <p:cTn id="18" dur="1" fill="hold">
+                                          <p:stCondLst>
+                                            <p:cond delay="0"/>
+                                          </p:stCondLst>
+                                        </p:cTn>
+                                        <p:tgtEl>
+                                          <p:spTgt spid="2">
+                                            <p:txEl>
+                                              <p:pRg st="3" end="3"/>
+                                            </p:txEl>
+                                          </p:spTgt>
+                                        </p:tgtEl>
+                                        <p:attrNameLst>
+                                          <p:attrName>style.visibility</p:attrName>
+                                        </p:attrNameLst>
+                                      </p:cBhvr>
+                                      <p:to>
+                                        <p:strVal val="visible"/>
+                                      </p:to>
+                                    </p:set>
+                                  </p:childTnLst>
+                                </p:cTn>
+                              </p:par>
+                            </p:childTnLst>
+                          </p:cTn>
+                        </p:par>
+                      </p:childTnLst>
+                    </p:cTn>
+                  </p:par>
+                  <p:par>
+                    <p:cTn id="19" fill="hold">
+                      <p:stCondLst>
+                        <p:cond delay="indefinite"/>
+                      </p:stCondLst>
+                      <p:childTnLst>
+                        <p:par>
+                          <p:cTn id="20" fill="hold">
+                            <p:stCondLst>
+                              <p:cond delay="0"/>
+                            </p:stCondLst>
+                            <p:childTnLst>
+                              <p:par>
+                                <p:cTn id="21" presetID="1" presetClass="entr" presetSubtype="0" fill="hold" grpId="0" nodeType="clickEffect">
+                                  <p:stCondLst>
+                                    <p:cond delay="0"/>
+                                  </p:stCondLst>
+                                  <p:childTnLst>
+                                    <p:set>
+                                      <p:cBhvr>
+                                        <p:cTn id="22" dur="1" fill="hold">
+                                          <p:stCondLst>
+                                            <p:cond delay="0"/>
+                                          </p:stCondLst>
+                                        </p:cTn>
+                                        <p:tgtEl>
+                                          <p:spTgt spid="2">
+                                            <p:txEl>
+                                              <p:pRg st="4" end="4"/>
+                                            </p:txEl>
+                                          </p:spTgt>
+                                        </p:tgtEl>
+                                        <p:attrNameLst>
+                                          <p:attrName>style.visibility</p:attrName>
+                                        </p:attrNameLst>
+                                      </p:cBhvr>
+                                      <p:to>
+                                        <p:strVal val="visible"/>
+                                      </p:to>
+                                    </p:set>
+                                  </p:childTnLst>
+                                </p:cTn>
+                              </p:par>
+                            </p:childTnLst>
+                          </p:cTn>
+                        </p:par>
+                      </p:childTnLst>
+                    </p:cTn>
+                  </p:par>
+                  <p:par>
+                    <p:cTn id="23" fill="hold">
+                      <p:stCondLst>
+                        <p:cond delay="indefinite"/>
+                      </p:stCondLst>
+                      <p:childTnLst>
+                        <p:par>
+                          <p:cTn id="24" fill="hold">
+                            <p:stCondLst>
+                              <p:cond delay="0"/>
+                            </p:stCondLst>
+                            <p:childTnLst>
+                              <p:par>
+                                <p:cTn id="25" presetID="1" presetClass="entr" presetSubtype="0" fill="hold" grpId="0" nodeType="clickEffect">
+                                  <p:stCondLst>
+                                    <p:cond delay="0"/>
+                                  </p:stCondLst>
+                                  <p:childTnLst>
+                                    <p:set>
+                                      <p:cBhvr>
+                                        <p:cTn id="26" dur="1" fill="hold">
+                                          <p:stCondLst>
+                                            <p:cond delay="0"/>
+                                          </p:stCondLst>
+                                        </p:cTn>
+                                        <p:tgtEl>
+                                          <p:spTgt spid="2">
+                                            <p:txEl>
+                                              <p:pRg st="5" end="5"/>
+                                            </p:txEl>
+                                          </p:spTgt>
+                                        </p:tgtEl>
+                                        <p:attrNameLst>
+                                          <p:attrName>style.visibility</p:attrName>
+                                        </p:attrNameLst>
+                                      </p:cBhvr>
+                                      <p:to>
+                                        <p:strVal val="visible"/>
+                                      </p:to>
+                                    </p:set>
+                                  </p:childTnLst>
+                                </p:cTn>
+                              </p:par>
+                            </p:childTnLst>
+                          </p:cTn>
+                        </p:par>
+                      </p:childTnLst>
+                    </p:cTn>
+                  </p:par>
+                  <p:par>
+                    <p:cTn id="27" fill="hold">
+                      <p:stCondLst>
+                        <p:cond delay="indefinite"/>
+                      </p:stCondLst>
+                      <p:childTnLst>
+                        <p:par>
+                          <p:cTn id="28" fill="hold">
+                            <p:stCondLst>
+                              <p:cond delay="0"/>
+                            </p:stCondLst>
+                            <p:childTnLst>
+                              <p:par>
+                                <p:cTn id="29" presetID="1" presetClass="entr" presetSubtype="0" fill="hold" grpId="0" nodeType="clickEffect">
+                                  <p:stCondLst>
+                                    <p:cond delay="0"/>
+                                  </p:stCondLst>
+                                  <p:childTnLst>
+                                    <p:set>
+                                      <p:cBhvr>
+                                        <p:cTn id="30" dur="1" fill="hold">
+                                          <p:stCondLst>
+                                            <p:cond delay="0"/>
+                                          </p:stCondLst>
+                                        </p:cTn>
+                                        <p:tgtEl>
+                                          <p:spTgt spid="2">
+                                            <p:txEl>
+                                              <p:pRg st="6" end="6"/>
+                                            </p:txEl>
+                                          </p:spTgt>
+                                        </p:tgtEl>
+                                        <p:attrNameLst>
+                                          <p:attrName>style.visibility</p:attrName>
+                                        </p:attrNameLst>
+                                      </p:cBhvr>
+                                      <p:to>
+                                        <p:strVal val="visible"/>
+                                      </p:to>
+                                    </p:set>
+                                  </p:childTnLst>
+                                </p:cTn>
+                              </p:par>
+                            </p:childTnLst>
+                          </p:cTn>
+                        </p:par>
+                      </p:childTnLst>
+                    </p:cTn>
+                  </p:par>
+                </p:childTnLst>
+              </p:cTn>
+              <p:prevCondLst>
+                <p:cond evt="onPrev" delay="0">
+                  <p:tgtEl>
+                    <p:sldTgt/>
+                  </p:tgtEl>
+                </p:cond>
+              </p:prevCondLst>
+              <p:nextCondLst>
+                <p:cond evt="onNext" delay="0">
+                  <p:tgtEl>
+                    <p:sldTgt/>
+                  </p:tgtEl>
+                </p:cond>
+              </p:nextCondLst>
+            </p:seq>
+          </p:childTnLst>
+        </p:cTn>
       </p:par>
     </p:tnLst>
+    <p:bldLst>
+      <p:bldP spid="2" grpId="0" build="p"/>
+    </p:bldLst>
+    <p:extLst>
+      <p:ext uri="smNativeData">
+        <pr:smNativeData xmlns:pr="smNativeData" val="1CvgZQcAAAAFAAAAAAAAAAEAAAABAAAAAAAAAAAAAAAAAAAAAAAAAAkAAAABAAAAAQAAAAEAAAAAAAAAAAAAAAAAAAAAAAAADQAAAAIAAAABAAAAAQAAAAAAAAAAAAAAAAAAAAAAAAARAAAAAwAAAAEAAAABAAAAAAAAAAAAAAAAAAAAAAAAABUAAAAEAAAAAQAAAAEAAAAAAAAAAAAAAAAAAAAAAAAAGQAAAAUAAAABAAAAAQAAAAAAAAAAAAAAAAAAAAAAAAAdAAAABgAAAAEAAAABAAAAAAAAAAAAAAAAAAAAAAAAAA=="/>
+      </p:ext>
+    </p:extLst>
   </p:timing>
 </p:sld>
 </file>
@@ -5727,7 +9086,7 @@
             <a:spLocks noGrp="1" noChangeArrowheads="1"/>
             <a:extLst>
               <a:ext uri="smNativeData">
-                <pr:smNativeData xmlns:pr="smNativeData" val="SMDATA_13_HczeZRMAAAAlAAAAZAAAAA8BAAAAkAAAAEgAAACQAAAASAAAAAAAAAABAAAAAAAAAAEAAABQAAAAAAAAAAAA4D8AAAAAAADgPwAAAAAAAOA/AAAAAAAA4D8AAAAAAADgPwAAAAAAAOA/AAAAAAAA4D8AAAAAAADgPwAAAAAAAOA/AAAAAAAA4D8CAAAAjAAAAAAAAAAAAAAAu+DjDP///wgAAAAAAAAAAAAAAAAAAAAAAAAAAAAAAAAAAAAAZAAAAAEAAABAAAAAAAAAAAAAAAAAAAAAAAAAAAAAAAAAAAAAAAAAAAAAAAAAAAAAAAAAAAAAAAAAAAAAAAAAAAAAAAAAAAAAAAAAAAAAAAAAAAAAAAAAAAAAAAAAAAAAFAAAADwAAAAAAAAAAAAAAAAAAAkUAAAAAQAAABQAAAAUAAAAFAAAAAEAAAAAAAAAZAAAAGQAAAAAAAAAZAAAAGQAAAAVAAAAYAAAAAAAAAAAAAAADwAAACADAAAAAAAAAAAAAAEAAACgMgAAVgcAAKr4//8BAAAAf39/AAEAAABkAAAAAAAAABQAAABAHwAAAAAAACYAAAAAAAAAwOD//wAAAAAmAAAAZAAAABYAAABMAAAAAAAAAAAAAAAEAAAAAAAAAAEAAACAgIAKAAAAACgAAAAoAAAAZAAAAGQAAAAAAAAAzMzMAAAAAABQAAAAUAAAAGQAAABkAAAAAAAAABcAAAAUAAAAAAAAAAAAAAD/fwAA/38AAAAAAAAJAAAABAAAAAAAAAAMAAAAEAAAAAAAAAAAAAAAAAAAAAAAAAAeAAAAaAAAAAAAAAAAAAAAAAAAAAAAAAAAAAAAECcAABAnAAAAAAAAAAAAAAAAAAAAAAAAAAAAAAAAAAAAAAAAAAAAABQAAAAAAAAAwMD/AAAAAABkAAAAMgAAAAAAAABkAAAAAAAAAH9/fwAKAAAAHwAAAFQAAAC74OMF////AQAAAAAAAAAAAAAAAAAAAAAAAAAAAAAAAAAAAAAAAAAAAAAAAn9/fwCAgIADzMzMAMDA/wB/f38AAAAAAAAAAAAAAAAAAAAAAAAAAAAhAAAAGAAAABQAAABkAwAAjAEAADQzAACYCgAAAAAAACYAAAAIAAAAAQAAAAAAAAA="/>
+                <pr:smNativeData xmlns:pr="smNativeData" val="SMDATA_13_1CvgZRMAAAAlAAAAZAAAAA8BAAAAkAAAAEgAAACQAAAASAAAAAAAAAABAAAAAAAAAAEAAABQAAAAAAAAAAAA4D8AAAAAAADgPwAAAAAAAOA/AAAAAAAA4D8AAAAAAADgPwAAAAAAAOA/AAAAAAAA4D8AAAAAAADgPwAAAAAAAOA/AAAAAAAA4D8CAAAAjAAAAAAAAAAAAAAAu+DjDP///wgAAAAAAAAAAAAAAAAAAAAAAAAAAAAAAAAAAAAAZAAAAAEAAABAAAAAAAAAAAAAAAAAAAAAAAAAAAAAAAAAAAAAAAAAAAAAAAAAAAAAAAAAAAAAAAAAAAAAAAAAAAAAAAAAAAAAAAAAAAAAAAAAAAAAAAAAAAAAAAAAAAAAFAAAADwAAAAAAAAAAAAAAAAAAAkUAAAAAQAAABQAAAAUAAAAFAAAAAEAAAAAAAAAZAAAAGQAAAAAAAAAZAAAAGQAAAAVAAAAYAAAAAAAAAAAAAAADwAAACADAAAAAAAAAAAAAAEAAACgMgAAVgcAAKr4//8BAAAAf39/AAEAAABkAAAAAAAAABQAAABAHwAAAAAAACYAAAAAAAAAwOD//wAAAAAmAAAAZAAAABYAAABMAAAAAAAAAAAAAAAEAAAAAAAAAAEAAACAgIAKAAAAACgAAAAoAAAAZAAAAGQAAAAAAAAAzMzMAAAAAABQAAAAUAAAAGQAAABkAAAAAAAAABcAAAAUAAAAAAAAAAAAAAD/fwAA/38AAAAAAAAJAAAABAAAAAAAAAAMAAAAEAAAAAAAAAAAAAAAAAAAAAAAAAAeAAAAaAAAAAAAAAAAAAAAAAAAAAAAAAAAAAAAECcAABAnAAAAAAAAAAAAAAAAAAAAAAAAAAAAAAAAAAAAAAAAAAAAABQAAAAAAAAAwMD/AAAAAABkAAAAMgAAAAAAAABkAAAAAAAAAH9/fwAKAAAAHwAAAFQAAAC74OMF////AQAAAAAAAAAAAAAAAAAAAAAAAAAAAAAAAAAAAAAAAAAAAAAAAn9/fwCAgIADzMzMAMDA/wB/f38AAAAAAAAAAAAAAAAAAAAAAAAAAAAhAAAAGAAAABQAAABkAwAAjAEAADQzAACYCgAAEAAAACYAAAAIAAAAAQAAAAAAAAA="/>
               </a:ext>
             </a:extLst>
           </p:cNvSpPr>
@@ -5765,7 +9124,7 @@
             <a:spLocks noGrp="1" noChangeArrowheads="1"/>
             <a:extLst>
               <a:ext uri="smNativeData">
-                <pr:smNativeData xmlns:pr="smNativeData" val="SMDATA_13_HczeZRMAAAAlAAAAZAAAAA8BAAAAkAAAAEgAAACQAAAASAAAAAAAAAAAAAAAAAAAAAEAAABQAAAAAAAAAAAA4D8AAAAAAADgPwAAAAAAAOA/AAAAAAAA4D8AAAAAAADgPwAAAAAAAOA/AAAAAAAA4D8AAAAAAADgPwAAAAAAAOA/AAAAAAAA4D8CAAAAjAAAAAAAAAAAAAAAu+DjDP///wgAAAAAAAAAAAAAAAAAAAAAAAAAAAAAAAAAAAAAZAAAAAEAAABAAAAAAAAAAAAAAAAAAAAAAAAAAAAAAAAAAAAAAAAAAAAAAAAAAAAAAAAAAAAAAAAAAAAAAAAAAAAAAAAAAAAAAAAAAAAAAAAAAAAAAAAAAAAAAAAAAAAAFAAAADwAAAAAAAAAAAAAAAAAAAkUAAAAAQAAABQAAAAUAAAAFAAAAAEAAAAAAAAAZAAAAGQAAAAAAAAAZAAAAGQAAAAVAAAAYAAAAAAAAAAAAAAADwAAACADAAAAAAAAAAAAAAEAAACgMgAAVgcAAKr4//8BAAAAf39/AAEAAABkAAAAAAAAABQAAABAHwAAAAAAACYAAAAAAAAAwOD//wAAAAAmAAAAZAAAABYAAABMAAAAAAAAAAAAAAAEAAAAAAAAAAEAAACAgIAKAAAAACgAAAAoAAAAZAAAAGQAAAAAAAAAzMzMAAAAAABQAAAAUAAAAGQAAABkAAAAAAAAABcAAAAUAAAAAAAAAAAAAAD/fwAA/38AAAAAAAAJAAAABAAAAAAAAAAMAAAAEAAAAAAAAAAAAAAAAAAAAAAAAAAeAAAAaAAAAAAAAAAAAAAAAAAAAAAAAAAAAAAAECcAABAnAAAAAAAAAAAAAAAAAAAAAAAAAAAAAAAAAAAAAAAAAAAAABQAAAAAAAAAwMD/AAAAAABkAAAAMgAAAAAAAABkAAAAAAAAAH9/fwAKAAAAHwAAAFQAAAC74OMF////AQAAAAAAAAAAAAAAAAAAAAAAAAAAAAAAAAAAAAAAAAAAAAAAAn9/fwCAgIADzMzMAMDA/wB/f38AAAAAAAAAAAAAAAAAAAAAAAAAAAAhAAAAGAAAABQAAABwCAAAXAwAANAvAAArKAAAAAAAACYAAAAIAAAAAQAAAAAAAAA="/>
+                <pr:smNativeData xmlns:pr="smNativeData" val="SMDATA_13_1CvgZRMAAAAlAAAAZAAAAA8BAAAAkAAAAEgAAACQAAAASAAAAAAAAAAAAAAAAAAAAAEAAABQAAAAAAAAAAAA4D8AAAAAAADgPwAAAAAAAOA/AAAAAAAA4D8AAAAAAADgPwAAAAAAAOA/AAAAAAAA4D8AAAAAAADgPwAAAAAAAOA/AAAAAAAA4D8CAAAAjAAAAAAAAAAAAAAAu+DjDP///wgAAAAAAAAAAAAAAAAAAAAAAAAAAAAAAAAAAAAAZAAAAAEAAABAAAAAAAAAAAAAAAAAAAAAAAAAAAAAAAAAAAAAAAAAAAAAAAAAAAAAAAAAAAAAAAAAAAAAAAAAAAAAAAAAAAAAAAAAAAAAAAAAAAAAAAAAAAAAAAAAAAAAFAAAADwAAAAAAAAAAAAAAAAAAAkUAAAAAQAAABQAAAAUAAAAFAAAAAEAAAAAAAAAZAAAAGQAAAAAAAAAZAAAAGQAAAAVAAAAYAAAAAAAAAAAAAAADwAAACADAAAAAAAAAAAAAAEAAACgMgAAVgcAAKr4//8BAAAAf39/AAEAAABkAAAAAAAAABQAAABAHwAAAAAAACYAAAAAAAAAwOD//wAAAAAmAAAAZAAAABYAAABMAAAAAAAAAAAAAAAEAAAAAAAAAAEAAACAgIAKAAAAACgAAAAoAAAAZAAAAGQAAAAAAAAAzMzMAAAAAABQAAAAUAAAAGQAAABkAAAAAAAAABcAAAAUAAAAAAAAAAAAAAD/fwAA/38AAAAAAAAJAAAABAAAAAAAAAAMAAAAEAAAAAAAAAAAAAAAAAAAAAAAAAAeAAAAaAAAAAAAAAAAAAAAAAAAAAAAAAAAAAAAECcAABAnAAAAAAAAAAAAAAAAAAAAAAAAAAAAAAAAAAAAAAAAAAAAABQAAAAAAAAAwMD/AAAAAABkAAAAMgAAAAAAAABkAAAAAAAAAH9/fwAKAAAAHwAAAFQAAAC74OMF////AQAAAAAAAAAAAAAAAAAAAAAAAAAAAAAAAAAAAAAAAAAAAAAAAn9/fwCAgIADzMzMAMDA/wB/f38AAAAAAAAAAAAAAAAAAAAAAAAAAAAhAAAAGAAAABQAAABwCAAAXAwAANAvAAArKAAAEAAAACYAAAAIAAAAAQAAAAAAAAA="/>
               </a:ext>
             </a:extLst>
           </p:cNvSpPr>
@@ -5835,7 +9194,7 @@
 </file>
 
 <file path=ppt/slides/slide8.xml><?xml version="1.0" encoding="utf-8"?>
-<p:sld xmlns:p="http://schemas.openxmlformats.org/presentationml/2006/main" xmlns:p14="http://schemas.microsoft.com/office/powerpoint/2010/main" xmlns:r="http://schemas.openxmlformats.org/officeDocument/2006/relationships" xmlns:a="http://schemas.openxmlformats.org/drawingml/2006/main">
+<p:sld xmlns:p="http://schemas.openxmlformats.org/presentationml/2006/main" xmlns:p14="http://schemas.microsoft.com/office/powerpoint/2010/main" xmlns:r="http://schemas.openxmlformats.org/officeDocument/2006/relationships" xmlns:a="http://schemas.openxmlformats.org/drawingml/2006/main" showMasterPhAnim="0">
   <p:cSld>
     <p:spTree>
       <p:nvGrpSpPr>
@@ -5858,7 +9217,7 @@
             <a:spLocks noGrp="1" noChangeArrowheads="1"/>
             <a:extLst>
               <a:ext uri="smNativeData">
-                <pr:smNativeData xmlns:pr="smNativeData" val="SMDATA_13_HczeZRMAAAAlAAAAZAAAAA8BAAAAkAAAAEgAAACQAAAASAAAAAAAAAAAAAAAAAAAAAEAAABQAAAAAAAAAAAA4D8AAAAAAADgPwAAAAAAAOA/AAAAAAAA4D8AAAAAAADgPwAAAAAAAOA/AAAAAAAA4D8AAAAAAADgPwAAAAAAAOA/AAAAAAAA4D8CAAAAjAAAAAAAAAAAAAAAu+DjDP///wgAAAAAAAAAAAAAAAAAAAAAAAAAAAAAAAAAAAAAZAAAAAEAAABAAAAAAAAAAAAAAAAAAAAAAAAAAAAAAAAAAAAAAAAAAAAAAAAAAAAAAAAAAAAAAAAAAAAAAAAAAAAAAAAAAAAAAAAAAAAAAAAAAAAAAAAAAAAAAAAAAAAAFAAAADwAAAAAAAAAAAAAAAAAAAkUAAAAAQAAABQAAAAUAAAAFAAAAAEAAAAAAAAAZAAAAGQAAAAAAAAAZAAAAGQAAAAVAAAAYAAAAAAAAAAAAAAADwAAACADAAAAAAAAAAAAAAEAAACgMgAAVgcAAKr4//8BAAAAf39/AAEAAABkAAAAAAAAABQAAABAHwAAAAAAACYAAAAAAAAAwOD//wAAAAAmAAAAZAAAABYAAABMAAAAAAAAAAAAAAAEAAAAAAAAAAEAAACAgIAKAAAAACgAAAAoAAAAZAAAAGQAAAAAAAAAzMzMAAAAAABQAAAAUAAAAGQAAABkAAAAAAAAABcAAAAUAAAAAAAAAAAAAAD/fwAA/38AAAAAAAAJAAAABAAAAAAAAAAMAAAAEAAAAAAAAAAAAAAAAAAAAAAAAAAeAAAAaAAAAAAAAAAAAAAAAAAAAAAAAAAAAAAAECcAABAnAAAAAAAAAAAAAAAAAAAAAAAAAAAAAAAAAAAAAAAAAAAAABQAAAAAAAAAwMD/AAAAAABkAAAAMgAAAAAAAABkAAAAAAAAAH9/fwAKAAAAHwAAAFQAAAC74OMF////AQAAAAAAAAAAAAAAAAAAAAAAAAAAAAAAAAAAAAAAAAAAAAAAAn9/fwCAgIADzMzMAMDA/wB/f38AAAAAAAAAAAAAAAAAAAAAAAAAAAAhAAAAGAAAABQAAABwCAAAFwMAANAvAADYJgAAAAAAACYAAAAIAAAAAQAAAAAAAAA="/>
+                <pr:smNativeData xmlns:pr="smNativeData" val="SMDATA_13_1CvgZRMAAAAlAAAAZAAAAA8BAAAAkAAAAEgAAACQAAAASAAAAAAAAAAAAAAAAAAAAAEAAABQAAAAAAAAAAAA4D8AAAAAAADgPwAAAAAAAOA/AAAAAAAA4D8AAAAAAADgPwAAAAAAAOA/AAAAAAAA4D8AAAAAAADgPwAAAAAAAOA/AAAAAAAA4D8CAAAAjAAAAAAAAAAAAAAAu+DjDP///wgAAAAAAAAAAAAAAAAAAAAAAAAAAAAAAAAAAAAAZAAAAAEAAABAAAAAAAAAAAAAAAAAAAAAAAAAAAAAAAAAAAAAAAAAAAAAAAAAAAAAAAAAAAAAAAAAAAAAAAAAAAAAAAAAAAAAAAAAAAAAAAAAAAAAAAAAAAAAAAAAAAAAFAAAADwAAAAAAAAAAAAAAAAAAAkUAAAAAQAAABQAAAAUAAAAFAAAAAEAAAAAAAAAZAAAAGQAAAAAAAAAZAAAAGQAAAAVAAAAYAAAAAAAAAAAAAAADwAAACADAAAAAAAAAAAAAAEAAACgMgAAVgcAAKr4//8BAAAAf39/AAEAAABkAAAAAAAAABQAAABAHwAAAAAAACYAAAAAAAAAwOD//wAAAAAmAAAAZAAAABYAAABMAAAAAAAAAAAAAAAEAAAAAAAAAAEAAACAgIAKAAAAACgAAAAoAAAAZAAAAGQAAAAAAAAAzMzMAAAAAABQAAAAUAAAAGQAAABkAAAAAAAAABcAAAAUAAAAAAAAAAAAAAD/fwAA/38AAAAAAAAJAAAABAAAAAAAAAAMAAAAEAAAAAAAAAAAAAAAAAAAAAAAAAAeAAAAaAAAAAAAAAAAAAAAAAAAAAAAAAAAAAAAECcAABAnAAAAAAAAAAAAAAAAAAAAAAAAAAAAAAAAAAAAAAAAAAAAABQAAAAAAAAAwMD/AAAAAABkAAAAMgAAAAAAAABkAAAAAAAAAH9/fwAKAAAAHwAAAFQAAAC74OMF////AQAAAAAAAAAAAAAAAAAAAAAAAAAAAAAAAAAAAAAAAAAAAAAAAn9/fwCAgIADzMzMAMDA/wB/f38AAAAAAAAAAAAAAAAAAAAAAAAAAAAhAAAAGAAAABQAAABwCAAAFwMAANAvAADYJgAAEAAAACYAAAAIAAAAAQAAAAAAAAA="/>
               </a:ext>
             </a:extLst>
           </p:cNvSpPr>
@@ -5930,9 +9289,334 @@
   <p:timing>
     <p:tnLst>
       <p:par>
-        <p:cTn id="1" dur="indefinite" restart="never" nodeType="tmRoot"/>
+        <p:cTn id="1" dur="indefinite" restart="never" nodeType="tmRoot">
+          <p:childTnLst>
+            <p:seq concurrent="1" nextAc="seek">
+              <p:cTn id="2" dur="indefinite" nodeType="mainSeq">
+                <p:childTnLst>
+                  <p:par>
+                    <p:cTn id="3" fill="hold">
+                      <p:stCondLst>
+                        <p:cond delay="indefinite"/>
+                      </p:stCondLst>
+                      <p:childTnLst>
+                        <p:par>
+                          <p:cTn id="4" fill="hold">
+                            <p:stCondLst>
+                              <p:cond delay="0"/>
+                            </p:stCondLst>
+                            <p:childTnLst>
+                              <p:par>
+                                <p:cTn id="5" presetID="1" presetClass="entr" presetSubtype="0" fill="hold" grpId="0" nodeType="clickEffect">
+                                  <p:stCondLst>
+                                    <p:cond delay="0"/>
+                                  </p:stCondLst>
+                                  <p:childTnLst>
+                                    <p:set>
+                                      <p:cBhvr>
+                                        <p:cTn id="6" dur="1" fill="hold">
+                                          <p:stCondLst>
+                                            <p:cond delay="0"/>
+                                          </p:stCondLst>
+                                        </p:cTn>
+                                        <p:tgtEl>
+                                          <p:spTgt spid="2">
+                                            <p:txEl>
+                                              <p:pRg st="0" end="0"/>
+                                            </p:txEl>
+                                          </p:spTgt>
+                                        </p:tgtEl>
+                                        <p:attrNameLst>
+                                          <p:attrName>style.visibility</p:attrName>
+                                        </p:attrNameLst>
+                                      </p:cBhvr>
+                                      <p:to>
+                                        <p:strVal val="visible"/>
+                                      </p:to>
+                                    </p:set>
+                                  </p:childTnLst>
+                                </p:cTn>
+                              </p:par>
+                            </p:childTnLst>
+                          </p:cTn>
+                        </p:par>
+                      </p:childTnLst>
+                    </p:cTn>
+                  </p:par>
+                  <p:par>
+                    <p:cTn id="7" fill="hold">
+                      <p:stCondLst>
+                        <p:cond delay="indefinite"/>
+                      </p:stCondLst>
+                      <p:childTnLst>
+                        <p:par>
+                          <p:cTn id="8" fill="hold">
+                            <p:stCondLst>
+                              <p:cond delay="0"/>
+                            </p:stCondLst>
+                            <p:childTnLst>
+                              <p:par>
+                                <p:cTn id="9" presetID="1" presetClass="entr" presetSubtype="0" fill="hold" grpId="0" nodeType="clickEffect">
+                                  <p:stCondLst>
+                                    <p:cond delay="0"/>
+                                  </p:stCondLst>
+                                  <p:childTnLst>
+                                    <p:set>
+                                      <p:cBhvr>
+                                        <p:cTn id="10" dur="1" fill="hold">
+                                          <p:stCondLst>
+                                            <p:cond delay="0"/>
+                                          </p:stCondLst>
+                                        </p:cTn>
+                                        <p:tgtEl>
+                                          <p:spTgt spid="2">
+                                            <p:txEl>
+                                              <p:pRg st="1" end="1"/>
+                                            </p:txEl>
+                                          </p:spTgt>
+                                        </p:tgtEl>
+                                        <p:attrNameLst>
+                                          <p:attrName>style.visibility</p:attrName>
+                                        </p:attrNameLst>
+                                      </p:cBhvr>
+                                      <p:to>
+                                        <p:strVal val="visible"/>
+                                      </p:to>
+                                    </p:set>
+                                  </p:childTnLst>
+                                </p:cTn>
+                              </p:par>
+                            </p:childTnLst>
+                          </p:cTn>
+                        </p:par>
+                      </p:childTnLst>
+                    </p:cTn>
+                  </p:par>
+                  <p:par>
+                    <p:cTn id="11" fill="hold">
+                      <p:stCondLst>
+                        <p:cond delay="indefinite"/>
+                      </p:stCondLst>
+                      <p:childTnLst>
+                        <p:par>
+                          <p:cTn id="12" fill="hold">
+                            <p:stCondLst>
+                              <p:cond delay="0"/>
+                            </p:stCondLst>
+                            <p:childTnLst>
+                              <p:par>
+                                <p:cTn id="13" presetID="1" presetClass="entr" presetSubtype="0" fill="hold" grpId="0" nodeType="clickEffect">
+                                  <p:stCondLst>
+                                    <p:cond delay="0"/>
+                                  </p:stCondLst>
+                                  <p:childTnLst>
+                                    <p:set>
+                                      <p:cBhvr>
+                                        <p:cTn id="14" dur="1" fill="hold">
+                                          <p:stCondLst>
+                                            <p:cond delay="0"/>
+                                          </p:stCondLst>
+                                        </p:cTn>
+                                        <p:tgtEl>
+                                          <p:spTgt spid="2">
+                                            <p:txEl>
+                                              <p:pRg st="2" end="2"/>
+                                            </p:txEl>
+                                          </p:spTgt>
+                                        </p:tgtEl>
+                                        <p:attrNameLst>
+                                          <p:attrName>style.visibility</p:attrName>
+                                        </p:attrNameLst>
+                                      </p:cBhvr>
+                                      <p:to>
+                                        <p:strVal val="visible"/>
+                                      </p:to>
+                                    </p:set>
+                                  </p:childTnLst>
+                                </p:cTn>
+                              </p:par>
+                            </p:childTnLst>
+                          </p:cTn>
+                        </p:par>
+                      </p:childTnLst>
+                    </p:cTn>
+                  </p:par>
+                  <p:par>
+                    <p:cTn id="15" fill="hold">
+                      <p:stCondLst>
+                        <p:cond delay="indefinite"/>
+                      </p:stCondLst>
+                      <p:childTnLst>
+                        <p:par>
+                          <p:cTn id="16" fill="hold">
+                            <p:stCondLst>
+                              <p:cond delay="0"/>
+                            </p:stCondLst>
+                            <p:childTnLst>
+                              <p:par>
+                                <p:cTn id="17" presetID="1" presetClass="entr" presetSubtype="0" fill="hold" grpId="0" nodeType="clickEffect">
+                                  <p:stCondLst>
+                                    <p:cond delay="0"/>
+                                  </p:stCondLst>
+                                  <p:childTnLst>
+                                    <p:set>
+                                      <p:cBhvr>
+                                        <p:cTn id="18" dur="1" fill="hold">
+                                          <p:stCondLst>
+                                            <p:cond delay="0"/>
+                                          </p:stCondLst>
+                                        </p:cTn>
+                                        <p:tgtEl>
+                                          <p:spTgt spid="2">
+                                            <p:txEl>
+                                              <p:pRg st="3" end="3"/>
+                                            </p:txEl>
+                                          </p:spTgt>
+                                        </p:tgtEl>
+                                        <p:attrNameLst>
+                                          <p:attrName>style.visibility</p:attrName>
+                                        </p:attrNameLst>
+                                      </p:cBhvr>
+                                      <p:to>
+                                        <p:strVal val="visible"/>
+                                      </p:to>
+                                    </p:set>
+                                  </p:childTnLst>
+                                </p:cTn>
+                              </p:par>
+                            </p:childTnLst>
+                          </p:cTn>
+                        </p:par>
+                      </p:childTnLst>
+                    </p:cTn>
+                  </p:par>
+                  <p:par>
+                    <p:cTn id="19" fill="hold">
+                      <p:stCondLst>
+                        <p:cond delay="indefinite"/>
+                      </p:stCondLst>
+                      <p:childTnLst>
+                        <p:par>
+                          <p:cTn id="20" fill="hold">
+                            <p:stCondLst>
+                              <p:cond delay="0"/>
+                            </p:stCondLst>
+                            <p:childTnLst>
+                              <p:par>
+                                <p:cTn id="21" presetID="1" presetClass="entr" presetSubtype="0" fill="hold" grpId="0" nodeType="clickEffect">
+                                  <p:stCondLst>
+                                    <p:cond delay="0"/>
+                                  </p:stCondLst>
+                                  <p:childTnLst>
+                                    <p:set>
+                                      <p:cBhvr>
+                                        <p:cTn id="22" dur="1" fill="hold">
+                                          <p:stCondLst>
+                                            <p:cond delay="0"/>
+                                          </p:stCondLst>
+                                        </p:cTn>
+                                        <p:tgtEl>
+                                          <p:spTgt spid="2">
+                                            <p:txEl>
+                                              <p:pRg st="4" end="4"/>
+                                            </p:txEl>
+                                          </p:spTgt>
+                                        </p:tgtEl>
+                                        <p:attrNameLst>
+                                          <p:attrName>style.visibility</p:attrName>
+                                        </p:attrNameLst>
+                                      </p:cBhvr>
+                                      <p:to>
+                                        <p:strVal val="visible"/>
+                                      </p:to>
+                                    </p:set>
+                                  </p:childTnLst>
+                                </p:cTn>
+                              </p:par>
+                            </p:childTnLst>
+                          </p:cTn>
+                        </p:par>
+                      </p:childTnLst>
+                    </p:cTn>
+                  </p:par>
+                  <p:par>
+                    <p:cTn id="23" fill="hold">
+                      <p:stCondLst>
+                        <p:cond delay="indefinite"/>
+                      </p:stCondLst>
+                      <p:childTnLst>
+                        <p:par>
+                          <p:cTn id="24" fill="hold">
+                            <p:stCondLst>
+                              <p:cond delay="0"/>
+                            </p:stCondLst>
+                            <p:childTnLst>
+                              <p:par>
+                                <p:cTn id="25" presetID="1" presetClass="entr" presetSubtype="0" fill="hold" grpId="0" nodeType="clickEffect">
+                                  <p:stCondLst>
+                                    <p:cond delay="0"/>
+                                  </p:stCondLst>
+                                  <p:childTnLst>
+                                    <p:set>
+                                      <p:cBhvr>
+                                        <p:cTn id="26" dur="1" fill="hold">
+                                          <p:stCondLst>
+                                            <p:cond delay="0"/>
+                                          </p:stCondLst>
+                                        </p:cTn>
+                                        <p:tgtEl>
+                                          <p:spTgt spid="2">
+                                            <p:txEl>
+                                              <p:pRg st="5" end="5"/>
+                                            </p:txEl>
+                                          </p:spTgt>
+                                        </p:tgtEl>
+                                        <p:attrNameLst>
+                                          <p:attrName>style.visibility</p:attrName>
+                                        </p:attrNameLst>
+                                      </p:cBhvr>
+                                      <p:to>
+                                        <p:strVal val="visible"/>
+                                      </p:to>
+                                    </p:set>
+                                  </p:childTnLst>
+                                </p:cTn>
+                              </p:par>
+                            </p:childTnLst>
+                          </p:cTn>
+                        </p:par>
+                      </p:childTnLst>
+                    </p:cTn>
+                  </p:par>
+                </p:childTnLst>
+              </p:cTn>
+              <p:prevCondLst>
+                <p:cond evt="onPrev" delay="0">
+                  <p:tgtEl>
+                    <p:sldTgt/>
+                  </p:tgtEl>
+                </p:cond>
+              </p:prevCondLst>
+              <p:nextCondLst>
+                <p:cond evt="onNext" delay="0">
+                  <p:tgtEl>
+                    <p:sldTgt/>
+                  </p:tgtEl>
+                </p:cond>
+              </p:nextCondLst>
+            </p:seq>
+          </p:childTnLst>
+        </p:cTn>
       </p:par>
     </p:tnLst>
+    <p:bldLst>
+      <p:bldP spid="2" grpId="0" build="p"/>
+    </p:bldLst>
+    <p:extLst>
+      <p:ext uri="smNativeData">
+        <pr:smNativeData xmlns:pr="smNativeData" val="1CvgZQYAAAAFAAAAAAAAAAEAAAABAAAAAAAAAAAAAAAAAAAAAAAAAAkAAAABAAAAAQAAAAEAAAAAAAAAAAAAAAAAAAAAAAAADQAAAAIAAAABAAAAAQAAAAAAAAAAAAAAAAAAAAAAAAARAAAAAwAAAAEAAAABAAAAAAAAAAAAAAAAAAAAAAAAABUAAAAEAAAAAQAAAAEAAAAAAAAAAAAAAAAAAAAAAAAAGQAAAAUAAAABAAAAAQAAAAAAAAAAAAAAAAAAAAAAAAA="/>
+      </p:ext>
+    </p:extLst>
   </p:timing>
 </p:sld>
 </file>
@@ -5961,7 +9645,7 @@
             <a:spLocks noGrp="1" noChangeArrowheads="1"/>
             <a:extLst>
               <a:ext uri="smNativeData">
-                <pr:smNativeData xmlns:pr="smNativeData" val="SMDATA_13_HczeZRMAAAAlAAAAZAAAAA8BAAAAkAAAAEgAAACQAAAASAAAAAAAAAABAAAAAAAAAAEAAABQAAAAAAAAAAAA4D8AAAAAAADgPwAAAAAAAOA/AAAAAAAA4D8AAAAAAADgPwAAAAAAAOA/AAAAAAAA4D8AAAAAAADgPwAAAAAAAOA/AAAAAAAA4D8CAAAAjAAAAAAAAAAAAAAAu+DjDP///wgAAAAAAAAAAAAAAAAAAAAAAAAAAAAAAAAAAAAAZAAAAAEAAABAAAAAAAAAAAAAAAAAAAAAAAAAAAAAAAAAAAAAAAAAAAAAAAAAAAAAAAAAAAAAAAAAAAAAAAAAAAAAAAAAAAAAAAAAAAAAAAAAAAAAAAAAAAAAAAAAAAAAFAAAADwAAAAAAAAAAAAAAAAAAAkUAAAAAQAAABQAAAAUAAAAFAAAAAEAAAAAAAAAZAAAAGQAAAAAAAAAZAAAAGQAAAAVAAAAYAAAAAAAAAAAAAAADwAAACADAAAAAAAAAAAAAAEAAACgMgAAVgcAAKr4//8BAAAAf39/AAEAAABkAAAAAAAAABQAAABAHwAAAAAAACYAAAAAAAAAwOD//wAAAAAmAAAAZAAAABYAAABMAAAAAAAAAAAAAAAEAAAAAAAAAAEAAACAgIAKAAAAACgAAAAoAAAAZAAAAGQAAAAAAAAAzMzMAAAAAABQAAAAUAAAAGQAAABkAAAAAAAAABcAAAAUAAAAAAAAAAAAAAD/fwAA/38AAAAAAAAJAAAABAAAAAAAAAAMAAAAEAAAAAAAAAAAAAAAAAAAAAAAAAAeAAAAaAAAAAAAAAAAAAAAAAAAAAAAAAAAAAAAECcAABAnAAAAAAAAAAAAAAAAAAAAAAAAAAAAAAAAAAAAAAAAAAAAABQAAAAAAAAAwMD/AAAAAABkAAAAMgAAAAAAAABkAAAAAAAAAH9/fwAKAAAAHwAAAFQAAAC74OMF////AQAAAAAAAAAAAAAAAAAAAAAAAAAAAAAAAAAAAAAAAAAAAAAAAn9/fwCAgIADzMzMAMDA/wB/f38AAAAAAAAAAAAAAAAAAAAAAAAAAAAhAAAAGAAAABQAAADVAwAAxAEAAKUzAADQCgAAAAAAACYAAAAIAAAAAQAAAAAAAAA="/>
+                <pr:smNativeData xmlns:pr="smNativeData" val="SMDATA_13_1CvgZRMAAAAlAAAAZAAAAA8BAAAAkAAAAEgAAACQAAAASAAAAAAAAAABAAAAAAAAAAEAAABQAAAAAAAAAAAA4D8AAAAAAADgPwAAAAAAAOA/AAAAAAAA4D8AAAAAAADgPwAAAAAAAOA/AAAAAAAA4D8AAAAAAADgPwAAAAAAAOA/AAAAAAAA4D8CAAAAjAAAAAAAAAAAAAAAu+DjDP///wgAAAAAAAAAAAAAAAAAAAAAAAAAAAAAAAAAAAAAZAAAAAEAAABAAAAAAAAAAAAAAAAAAAAAAAAAAAAAAAAAAAAAAAAAAAAAAAAAAAAAAAAAAAAAAAAAAAAAAAAAAAAAAAAAAAAAAAAAAAAAAAAAAAAAAAAAAAAAAAAAAAAAFAAAADwAAAAAAAAAAAAAAAAAAAkUAAAAAQAAABQAAAAUAAAAFAAAAAEAAAAAAAAAZAAAAGQAAAAAAAAAZAAAAGQAAAAVAAAAYAAAAAAAAAAAAAAADwAAACADAAAAAAAAAAAAAAEAAACgMgAAVgcAAKr4//8BAAAAf39/AAEAAABkAAAAAAAAABQAAABAHwAAAAAAACYAAAAAAAAAwOD//wAAAAAmAAAAZAAAABYAAABMAAAAAAAAAAAAAAAEAAAAAAAAAAEAAACAgIAKAAAAACgAAAAoAAAAZAAAAGQAAAAAAAAAzMzMAAAAAABQAAAAUAAAAGQAAABkAAAAAAAAABcAAAAUAAAAAAAAAAAAAAD/fwAA/38AAAAAAAAJAAAABAAAAAAAAAAMAAAAEAAAAAAAAAAAAAAAAAAAAAAAAAAeAAAAaAAAAAAAAAAAAAAAAAAAAAAAAAAAAAAAECcAABAnAAAAAAAAAAAAAAAAAAAAAAAAAAAAAAAAAAAAAAAAAAAAABQAAAAAAAAAwMD/AAAAAABkAAAAMgAAAAAAAABkAAAAAAAAAH9/fwAKAAAAHwAAAFQAAAC74OMF////AQAAAAAAAAAAAAAAAAAAAAAAAAAAAAAAAAAAAAAAAAAAAAAAAn9/fwCAgIADzMzMAMDA/wB/f38AAAAAAAAAAAAAAAAAAAAAAAAAAAAhAAAAGAAAABQAAADVAwAAxAEAAKUzAADQCgAAEAAAACYAAAAIAAAAAQAAAAAAAAA="/>
               </a:ext>
             </a:extLst>
           </p:cNvSpPr>
@@ -5999,7 +9683,7 @@
             <a:spLocks noGrp="1" noChangeArrowheads="1"/>
             <a:extLst>
               <a:ext uri="smNativeData">
-                <pr:smNativeData xmlns:pr="smNativeData" val="SMDATA_13_HczeZRMAAAAlAAAAZAAAAA8BAAAAkAAAAEgAAACQAAAASAAAAAAAAAAAAAAAAAAAAAEAAABQAAAAAAAAAAAA4D8AAAAAAADgPwAAAAAAAOA/AAAAAAAA4D8AAAAAAADgPwAAAAAAAOA/AAAAAAAA4D8AAAAAAADgPwAAAAAAAOA/AAAAAAAA4D8CAAAAjAAAAAAAAAAAAAAAu+DjDP///wgAAAAAAAAAAAAAAAAAAAAAAAAAAAAAAAAAAAAAZAAAAAEAAABAAAAAAAAAAAAAAAAAAAAAAAAAAAAAAAAAAAAAAAAAAAAAAAAAAAAAAAAAAAAAAAAAAAAAAAAAAAAAAAAAAAAAAAAAAAAAAAAAAAAAAAAAAAAAAAAAAAAAFAAAADwAAAAAAAAAAAAAAAAAAAkUAAAAAQAAABQAAAAUAAAAFAAAAAEAAAAAAAAAZAAAAGQAAAAAAAAAZAAAAGQAAAAVAAAAYAAAAAAAAAAAAAAADwAAACADAAAAAAAAAAAAAAEAAACgMgAAVgcAAKr4//8BAAAAf39/AAEAAABkAAAAAAAAABQAAABAHwAAAAAAACYAAAAAAAAAwOD//wAAAAAmAAAAZAAAABYAAABMAAAAAAAAAAAAAAAEAAAAAAAAAAEAAACAgIAKAAAAACgAAAAoAAAAZAAAAGQAAAAAAAAAzMzMAAAAAABQAAAAUAAAAGQAAABkAAAAAAAAABcAAAAUAAAAAAAAAAAAAAD/fwAA/38AAAAAAAAJAAAABAAAAAAAAAAMAAAAEAAAAAAAAAAAAAAAAAAAAAAAAAAeAAAAaAAAAAAAAAAAAAAAAAAAAAAAAAAAAAAAECcAABAnAAAAAAAAAAAAAAAAAAAAAAAAAAAAAAAAAAAAAAAAAAAAABQAAAAAAAAAwMD/AAAAAABkAAAAMgAAAAAAAABkAAAAAAAAAH9/fwAKAAAAHwAAAFQAAAC74OMF////AQAAAAAAAAAAAAAAAAAAAAAAAAAAAAAAAAAAAAAAAAAAAAAAAn9/fwCAgIADzMzMAMDA/wB/f38AAAAAAAAAAAAAAAAAAAAAAAAAAAAhAAAAGAAAABQAAABwCAAAegsAANAvAAD2JQAAAAAAACYAAAAIAAAAAQAAAAAAAAA="/>
+                <pr:smNativeData xmlns:pr="smNativeData" val="SMDATA_13_1CvgZRMAAAAlAAAAZAAAAA8BAAAAkAAAAEgAAACQAAAASAAAAAAAAAAAAAAAAAAAAAEAAABQAAAAAAAAAAAA4D8AAAAAAADgPwAAAAAAAOA/AAAAAAAA4D8AAAAAAADgPwAAAAAAAOA/AAAAAAAA4D8AAAAAAADgPwAAAAAAAOA/AAAAAAAA4D8CAAAAjAAAAAAAAAAAAAAAu+DjDP///wgAAAAAAAAAAAAAAAAAAAAAAAAAAAAAAAAAAAAAZAAAAAEAAABAAAAAAAAAAAAAAAAAAAAAAAAAAAAAAAAAAAAAAAAAAAAAAAAAAAAAAAAAAAAAAAAAAAAAAAAAAAAAAAAAAAAAAAAAAAAAAAAAAAAAAAAAAAAAAAAAAAAAFAAAADwAAAAAAAAAAAAAAAAAAAkUAAAAAQAAABQAAAAUAAAAFAAAAAEAAAAAAAAAZAAAAGQAAAAAAAAAZAAAAGQAAAAVAAAAYAAAAAAAAAAAAAAADwAAACADAAAAAAAAAAAAAAEAAACgMgAAVgcAAKr4//8BAAAAf39/AAEAAABkAAAAAAAAABQAAABAHwAAAAAAACYAAAAAAAAAwOD//wAAAAAmAAAAZAAAABYAAABMAAAAAAAAAAAAAAAEAAAAAAAAAAEAAACAgIAKAAAAACgAAAAoAAAAZAAAAGQAAAAAAAAAzMzMAAAAAABQAAAAUAAAAGQAAABkAAAAAAAAABcAAAAUAAAAAAAAAAAAAAD/fwAA/38AAAAAAAAJAAAABAAAAAAAAAAMAAAAEAAAAAAAAAAAAAAAAAAAAAAAAAAeAAAAaAAAAAAAAAAAAAAAAAAAAAAAAAAAAAAAECcAABAnAAAAAAAAAAAAAAAAAAAAAAAAAAAAAAAAAAAAAAAAAAAAABQAAAAAAAAAwMD/AAAAAABkAAAAMgAAAAAAAABkAAAAAAAAAH9/fwAKAAAAHwAAAFQAAAC74OMF////AQAAAAAAAAAAAAAAAAAAAAAAAAAAAAAAAAAAAAAAAAAAAAAAAn9/fwCAgIADzMzMAMDA/wB/f38AAAAAAAAAAAAAAAAAAAAAAAAAAAAhAAAAGAAAABQAAABwCAAAegsAANAvAAD2JQAAEAAAACYAAAAIAAAAAQAAAAAAAAA="/>
               </a:ext>
             </a:extLst>
           </p:cNvSpPr>
@@ -6080,7 +9764,7 @@
 <file path=ppt/theme/theme1.xml><?xml version="1.0" encoding="utf-8"?>
 <a:theme xmlns:a="http://schemas.openxmlformats.org/drawingml/2006/main" name="Presentation">
   <a:themeElements>
-    <a:clrScheme name="Presentation 12">
+    <a:clrScheme name="Presentation 1">
       <a:dk1>
         <a:srgbClr val="000000"/>
       </a:dk1>
@@ -6340,6 +10024,47 @@
           <a:srgbClr val="000000"/>
         </a:dk2>
         <a:lt2>
+          <a:srgbClr val="808080"/>
+        </a:lt2>
+        <a:accent1>
+          <a:srgbClr val="BBE0E3"/>
+        </a:accent1>
+        <a:accent2>
+          <a:srgbClr val="333399"/>
+        </a:accent2>
+        <a:accent3>
+          <a:srgbClr val="535379"/>
+        </a:accent3>
+        <a:accent4>
+          <a:srgbClr val="737359"/>
+        </a:accent4>
+        <a:accent5>
+          <a:srgbClr val="939339"/>
+        </a:accent5>
+        <a:accent6>
+          <a:srgbClr val="B3B319"/>
+        </a:accent6>
+        <a:hlink>
+          <a:srgbClr val="009999"/>
+        </a:hlink>
+        <a:folHlink>
+          <a:srgbClr val="99CC00"/>
+        </a:folHlink>
+      </a:clrScheme>
+      <a:clrMap bg1="lt1" tx1="dk1" bg2="lt2" tx2="dk2" accent1="accent1" accent2="accent2" accent3="accent3" accent4="accent4" accent5="accent5" accent6="accent6" hlink="hlink" folHlink="folHlink"/>
+    </a:extraClrScheme>
+    <a:extraClrScheme>
+      <a:clrScheme name="Presentation 2">
+        <a:dk1>
+          <a:srgbClr val="000000"/>
+        </a:dk1>
+        <a:lt1>
+          <a:srgbClr val="FFFFFF"/>
+        </a:lt1>
+        <a:dk2>
+          <a:srgbClr val="000000"/>
+        </a:dk2>
+        <a:lt2>
           <a:srgbClr val="969696"/>
         </a:lt2>
         <a:accent1>
@@ -6370,7 +10095,7 @@
       <a:clrMap bg1="lt1" tx1="dk1" bg2="lt2" tx2="dk2" accent1="accent1" accent2="accent2" accent3="accent3" accent4="accent4" accent5="accent5" accent6="accent6" hlink="hlink" folHlink="folHlink"/>
     </a:extraClrScheme>
     <a:extraClrScheme>
-      <a:clrScheme name="Presentation 2">
+      <a:clrScheme name="Presentation 3">
         <a:dk1>
           <a:srgbClr val="000000"/>
         </a:dk1>
@@ -6411,7 +10136,7 @@
       <a:clrMap bg1="lt1" tx1="dk1" bg2="lt2" tx2="dk2" accent1="accent1" accent2="accent2" accent3="accent3" accent4="accent4" accent5="accent5" accent6="accent6" hlink="hlink" folHlink="folHlink"/>
     </a:extraClrScheme>
     <a:extraClrScheme>
-      <a:clrScheme name="Presentation 3">
+      <a:clrScheme name="Presentation 4">
         <a:dk1>
           <a:srgbClr val="000000"/>
         </a:dk1>
@@ -6452,7 +10177,7 @@
       <a:clrMap bg1="lt1" tx1="dk1" bg2="lt2" tx2="dk2" accent1="accent1" accent2="accent2" accent3="accent3" accent4="accent4" accent5="accent5" accent6="accent6" hlink="hlink" folHlink="folHlink"/>
     </a:extraClrScheme>
     <a:extraClrScheme>
-      <a:clrScheme name="Presentation 4">
+      <a:clrScheme name="Presentation 5">
         <a:dk1>
           <a:srgbClr val="000000"/>
         </a:dk1>
@@ -6493,7 +10218,7 @@
       <a:clrMap bg1="lt1" tx1="dk1" bg2="lt2" tx2="dk2" accent1="accent1" accent2="accent2" accent3="accent3" accent4="accent4" accent5="accent5" accent6="accent6" hlink="hlink" folHlink="folHlink"/>
     </a:extraClrScheme>
     <a:extraClrScheme>
-      <a:clrScheme name="Presentation 5">
+      <a:clrScheme name="Presentation 6">
         <a:dk1>
           <a:srgbClr val="FFFFFF"/>
         </a:dk1>
@@ -6534,7 +10259,7 @@
       <a:clrMap bg1="lt1" tx1="dk1" bg2="lt2" tx2="dk2" accent1="accent1" accent2="accent2" accent3="accent3" accent4="accent4" accent5="accent5" accent6="accent6" hlink="hlink" folHlink="folHlink"/>
     </a:extraClrScheme>
     <a:extraClrScheme>
-      <a:clrScheme name="Presentation 6">
+      <a:clrScheme name="Presentation 7">
         <a:dk1>
           <a:srgbClr val="FFFFFF"/>
         </a:dk1>
@@ -6575,7 +10300,7 @@
       <a:clrMap bg1="lt1" tx1="dk1" bg2="lt2" tx2="dk2" accent1="accent1" accent2="accent2" accent3="accent3" accent4="accent4" accent5="accent5" accent6="accent6" hlink="hlink" folHlink="folHlink"/>
     </a:extraClrScheme>
     <a:extraClrScheme>
-      <a:clrScheme name="Presentation 7">
+      <a:clrScheme name="Presentation 8">
         <a:dk1>
           <a:srgbClr val="FFFFFF"/>
         </a:dk1>
@@ -6616,7 +10341,7 @@
       <a:clrMap bg1="lt1" tx1="dk1" bg2="lt2" tx2="dk2" accent1="accent1" accent2="accent2" accent3="accent3" accent4="accent4" accent5="accent5" accent6="accent6" hlink="hlink" folHlink="folHlink"/>
     </a:extraClrScheme>
     <a:extraClrScheme>
-      <a:clrScheme name="Presentation 8">
+      <a:clrScheme name="Presentation 9">
         <a:dk1>
           <a:srgbClr val="FFFFFF"/>
         </a:dk1>
@@ -6657,7 +10382,7 @@
       <a:clrMap bg1="lt1" tx1="dk1" bg2="lt2" tx2="dk2" accent1="accent1" accent2="accent2" accent3="accent3" accent4="accent4" accent5="accent5" accent6="accent6" hlink="hlink" folHlink="folHlink"/>
     </a:extraClrScheme>
     <a:extraClrScheme>
-      <a:clrScheme name="Presentation 9">
+      <a:clrScheme name="Presentation 10">
         <a:dk1>
           <a:srgbClr val="FFFFFF"/>
         </a:dk1>
@@ -6698,7 +10423,7 @@
       <a:clrMap bg1="lt1" tx1="dk1" bg2="lt2" tx2="dk2" accent1="accent1" accent2="accent2" accent3="accent3" accent4="accent4" accent5="accent5" accent6="accent6" hlink="hlink" folHlink="folHlink"/>
     </a:extraClrScheme>
     <a:extraClrScheme>
-      <a:clrScheme name="Presentation 10">
+      <a:clrScheme name="Presentation 11">
         <a:dk1>
           <a:srgbClr val="FFFFFF"/>
         </a:dk1>
@@ -6739,7 +10464,7 @@
       <a:clrMap bg1="lt1" tx1="dk1" bg2="lt2" tx2="dk2" accent1="accent1" accent2="accent2" accent3="accent3" accent4="accent4" accent5="accent5" accent6="accent6" hlink="hlink" folHlink="folHlink"/>
     </a:extraClrScheme>
     <a:extraClrScheme>
-      <a:clrScheme name="Presentation 11">
+      <a:clrScheme name="Presentation 12">
         <a:dk1>
           <a:srgbClr val="FFFFFF"/>
         </a:dk1>
@@ -6780,7 +10505,7 @@
       <a:clrMap bg1="lt1" tx1="dk1" bg2="lt2" tx2="dk2" accent1="accent1" accent2="accent2" accent3="accent3" accent4="accent4" accent5="accent5" accent6="accent6" hlink="hlink" folHlink="folHlink"/>
     </a:extraClrScheme>
     <a:extraClrScheme>
-      <a:clrScheme name="Presentation 12">
+      <a:clrScheme name="Presentation 13">
         <a:dk1>
           <a:srgbClr val="000000"/>
         </a:dk1>
